--- a/Document/Bản trình bày1.pptx
+++ b/Document/Bản trình bày1.pptx
@@ -165,7 +165,7 @@
           <p:cNvPr id="2" name="Tiêu đề 1">
             <a:extLst>
               <a:ext uri="{FF2B5EF4-FFF2-40B4-BE49-F238E27FC236}">
-                <a16:creationId xmlns:a16="http://schemas.microsoft.com/office/drawing/2014/main" id="{26E1BBA0-4B31-419E-A490-6A3AA8613B5B}"/>
+                <a16:creationId xmlns:a16="http://schemas.microsoft.com/office/drawing/2014/main" xmlns="" id="{26E1BBA0-4B31-419E-A490-6A3AA8613B5B}"/>
               </a:ext>
             </a:extLst>
           </p:cNvPr>
@@ -203,7 +203,7 @@
           <p:cNvPr id="3" name="Tiêu đề phụ 2">
             <a:extLst>
               <a:ext uri="{FF2B5EF4-FFF2-40B4-BE49-F238E27FC236}">
-                <a16:creationId xmlns:a16="http://schemas.microsoft.com/office/drawing/2014/main" id="{732338DC-97A1-45B9-B732-4772300DD996}"/>
+                <a16:creationId xmlns:a16="http://schemas.microsoft.com/office/drawing/2014/main" xmlns="" id="{732338DC-97A1-45B9-B732-4772300DD996}"/>
               </a:ext>
             </a:extLst>
           </p:cNvPr>
@@ -274,7 +274,7 @@
           <p:cNvPr id="4" name="Chỗ dành sẵn cho Ngày tháng 3">
             <a:extLst>
               <a:ext uri="{FF2B5EF4-FFF2-40B4-BE49-F238E27FC236}">
-                <a16:creationId xmlns:a16="http://schemas.microsoft.com/office/drawing/2014/main" id="{7CF7727C-0384-4F2A-A7E9-9735581EAC79}"/>
+                <a16:creationId xmlns:a16="http://schemas.microsoft.com/office/drawing/2014/main" xmlns="" id="{7CF7727C-0384-4F2A-A7E9-9735581EAC79}"/>
               </a:ext>
             </a:extLst>
           </p:cNvPr>
@@ -303,7 +303,7 @@
           <p:cNvPr id="5" name="Chỗ dành sẵn cho Chân trang 4">
             <a:extLst>
               <a:ext uri="{FF2B5EF4-FFF2-40B4-BE49-F238E27FC236}">
-                <a16:creationId xmlns:a16="http://schemas.microsoft.com/office/drawing/2014/main" id="{696C0E06-525E-4E0D-A0D9-E1A20B67EBF7}"/>
+                <a16:creationId xmlns:a16="http://schemas.microsoft.com/office/drawing/2014/main" xmlns="" id="{696C0E06-525E-4E0D-A0D9-E1A20B67EBF7}"/>
               </a:ext>
             </a:extLst>
           </p:cNvPr>
@@ -328,7 +328,7 @@
           <p:cNvPr id="6" name="Chỗ dành sẵn cho Số hiệu Bản chiếu 5">
             <a:extLst>
               <a:ext uri="{FF2B5EF4-FFF2-40B4-BE49-F238E27FC236}">
-                <a16:creationId xmlns:a16="http://schemas.microsoft.com/office/drawing/2014/main" id="{ED180E1E-2ED8-46E9-993F-E3A4BEFA65EF}"/>
+                <a16:creationId xmlns:a16="http://schemas.microsoft.com/office/drawing/2014/main" xmlns="" id="{ED180E1E-2ED8-46E9-993F-E3A4BEFA65EF}"/>
               </a:ext>
             </a:extLst>
           </p:cNvPr>
@@ -387,7 +387,7 @@
           <p:cNvPr id="2" name="Tiêu đề 1">
             <a:extLst>
               <a:ext uri="{FF2B5EF4-FFF2-40B4-BE49-F238E27FC236}">
-                <a16:creationId xmlns:a16="http://schemas.microsoft.com/office/drawing/2014/main" id="{E72BA160-B3D9-4845-9B30-9F5D9A4C9EE6}"/>
+                <a16:creationId xmlns:a16="http://schemas.microsoft.com/office/drawing/2014/main" xmlns="" id="{E72BA160-B3D9-4845-9B30-9F5D9A4C9EE6}"/>
               </a:ext>
             </a:extLst>
           </p:cNvPr>
@@ -416,7 +416,7 @@
           <p:cNvPr id="3" name="Chỗ dành sẵn cho Văn bản Dọc 2">
             <a:extLst>
               <a:ext uri="{FF2B5EF4-FFF2-40B4-BE49-F238E27FC236}">
-                <a16:creationId xmlns:a16="http://schemas.microsoft.com/office/drawing/2014/main" id="{F6F7C26A-23EE-441B-AE0D-79FE347CAECD}"/>
+                <a16:creationId xmlns:a16="http://schemas.microsoft.com/office/drawing/2014/main" xmlns="" id="{F6F7C26A-23EE-441B-AE0D-79FE347CAECD}"/>
               </a:ext>
             </a:extLst>
           </p:cNvPr>
@@ -474,7 +474,7 @@
           <p:cNvPr id="4" name="Chỗ dành sẵn cho Ngày tháng 3">
             <a:extLst>
               <a:ext uri="{FF2B5EF4-FFF2-40B4-BE49-F238E27FC236}">
-                <a16:creationId xmlns:a16="http://schemas.microsoft.com/office/drawing/2014/main" id="{1484BD60-F7A1-45B9-9F36-4364A7AF39BE}"/>
+                <a16:creationId xmlns:a16="http://schemas.microsoft.com/office/drawing/2014/main" xmlns="" id="{1484BD60-F7A1-45B9-9F36-4364A7AF39BE}"/>
               </a:ext>
             </a:extLst>
           </p:cNvPr>
@@ -503,7 +503,7 @@
           <p:cNvPr id="5" name="Chỗ dành sẵn cho Chân trang 4">
             <a:extLst>
               <a:ext uri="{FF2B5EF4-FFF2-40B4-BE49-F238E27FC236}">
-                <a16:creationId xmlns:a16="http://schemas.microsoft.com/office/drawing/2014/main" id="{A4920E4C-199C-48C8-8BDD-58B269D6E7CE}"/>
+                <a16:creationId xmlns:a16="http://schemas.microsoft.com/office/drawing/2014/main" xmlns="" id="{A4920E4C-199C-48C8-8BDD-58B269D6E7CE}"/>
               </a:ext>
             </a:extLst>
           </p:cNvPr>
@@ -528,7 +528,7 @@
           <p:cNvPr id="6" name="Chỗ dành sẵn cho Số hiệu Bản chiếu 5">
             <a:extLst>
               <a:ext uri="{FF2B5EF4-FFF2-40B4-BE49-F238E27FC236}">
-                <a16:creationId xmlns:a16="http://schemas.microsoft.com/office/drawing/2014/main" id="{C73723CC-9988-4D73-9934-27BC8F56EC57}"/>
+                <a16:creationId xmlns:a16="http://schemas.microsoft.com/office/drawing/2014/main" xmlns="" id="{C73723CC-9988-4D73-9934-27BC8F56EC57}"/>
               </a:ext>
             </a:extLst>
           </p:cNvPr>
@@ -587,7 +587,7 @@
           <p:cNvPr id="2" name="Tiêu đề Dọc 1">
             <a:extLst>
               <a:ext uri="{FF2B5EF4-FFF2-40B4-BE49-F238E27FC236}">
-                <a16:creationId xmlns:a16="http://schemas.microsoft.com/office/drawing/2014/main" id="{A20D969F-2F3E-485C-B31A-26665C6B65EF}"/>
+                <a16:creationId xmlns:a16="http://schemas.microsoft.com/office/drawing/2014/main" xmlns="" id="{A20D969F-2F3E-485C-B31A-26665C6B65EF}"/>
               </a:ext>
             </a:extLst>
           </p:cNvPr>
@@ -621,7 +621,7 @@
           <p:cNvPr id="3" name="Chỗ dành sẵn cho Văn bản Dọc 2">
             <a:extLst>
               <a:ext uri="{FF2B5EF4-FFF2-40B4-BE49-F238E27FC236}">
-                <a16:creationId xmlns:a16="http://schemas.microsoft.com/office/drawing/2014/main" id="{863AD133-C827-4113-A444-5BA919DD3C68}"/>
+                <a16:creationId xmlns:a16="http://schemas.microsoft.com/office/drawing/2014/main" xmlns="" id="{863AD133-C827-4113-A444-5BA919DD3C68}"/>
               </a:ext>
             </a:extLst>
           </p:cNvPr>
@@ -684,7 +684,7 @@
           <p:cNvPr id="4" name="Chỗ dành sẵn cho Ngày tháng 3">
             <a:extLst>
               <a:ext uri="{FF2B5EF4-FFF2-40B4-BE49-F238E27FC236}">
-                <a16:creationId xmlns:a16="http://schemas.microsoft.com/office/drawing/2014/main" id="{DE55B595-F327-47B3-846E-793C478A3B58}"/>
+                <a16:creationId xmlns:a16="http://schemas.microsoft.com/office/drawing/2014/main" xmlns="" id="{DE55B595-F327-47B3-846E-793C478A3B58}"/>
               </a:ext>
             </a:extLst>
           </p:cNvPr>
@@ -713,7 +713,7 @@
           <p:cNvPr id="5" name="Chỗ dành sẵn cho Chân trang 4">
             <a:extLst>
               <a:ext uri="{FF2B5EF4-FFF2-40B4-BE49-F238E27FC236}">
-                <a16:creationId xmlns:a16="http://schemas.microsoft.com/office/drawing/2014/main" id="{BE3A46F0-157A-43DF-B01A-315EFB6D72C2}"/>
+                <a16:creationId xmlns:a16="http://schemas.microsoft.com/office/drawing/2014/main" xmlns="" id="{BE3A46F0-157A-43DF-B01A-315EFB6D72C2}"/>
               </a:ext>
             </a:extLst>
           </p:cNvPr>
@@ -738,7 +738,7 @@
           <p:cNvPr id="6" name="Chỗ dành sẵn cho Số hiệu Bản chiếu 5">
             <a:extLst>
               <a:ext uri="{FF2B5EF4-FFF2-40B4-BE49-F238E27FC236}">
-                <a16:creationId xmlns:a16="http://schemas.microsoft.com/office/drawing/2014/main" id="{9432DC2A-B2C9-4038-8ADE-F257F28197D5}"/>
+                <a16:creationId xmlns:a16="http://schemas.microsoft.com/office/drawing/2014/main" xmlns="" id="{9432DC2A-B2C9-4038-8ADE-F257F28197D5}"/>
               </a:ext>
             </a:extLst>
           </p:cNvPr>
@@ -797,7 +797,7 @@
           <p:cNvPr id="2" name="Tiêu đề 1">
             <a:extLst>
               <a:ext uri="{FF2B5EF4-FFF2-40B4-BE49-F238E27FC236}">
-                <a16:creationId xmlns:a16="http://schemas.microsoft.com/office/drawing/2014/main" id="{6FABA7EE-F01B-4908-95E9-8612F04FA45B}"/>
+                <a16:creationId xmlns:a16="http://schemas.microsoft.com/office/drawing/2014/main" xmlns="" id="{6FABA7EE-F01B-4908-95E9-8612F04FA45B}"/>
               </a:ext>
             </a:extLst>
           </p:cNvPr>
@@ -826,7 +826,7 @@
           <p:cNvPr id="3" name="Chỗ dành sẵn cho Nội dung 2">
             <a:extLst>
               <a:ext uri="{FF2B5EF4-FFF2-40B4-BE49-F238E27FC236}">
-                <a16:creationId xmlns:a16="http://schemas.microsoft.com/office/drawing/2014/main" id="{14AACFD1-A630-4E3F-8420-145232EF43DE}"/>
+                <a16:creationId xmlns:a16="http://schemas.microsoft.com/office/drawing/2014/main" xmlns="" id="{14AACFD1-A630-4E3F-8420-145232EF43DE}"/>
               </a:ext>
             </a:extLst>
           </p:cNvPr>
@@ -884,7 +884,7 @@
           <p:cNvPr id="4" name="Chỗ dành sẵn cho Ngày tháng 3">
             <a:extLst>
               <a:ext uri="{FF2B5EF4-FFF2-40B4-BE49-F238E27FC236}">
-                <a16:creationId xmlns:a16="http://schemas.microsoft.com/office/drawing/2014/main" id="{F19FC2E8-DF4E-46DD-BA68-49B478FED4E0}"/>
+                <a16:creationId xmlns:a16="http://schemas.microsoft.com/office/drawing/2014/main" xmlns="" id="{F19FC2E8-DF4E-46DD-BA68-49B478FED4E0}"/>
               </a:ext>
             </a:extLst>
           </p:cNvPr>
@@ -913,7 +913,7 @@
           <p:cNvPr id="5" name="Chỗ dành sẵn cho Chân trang 4">
             <a:extLst>
               <a:ext uri="{FF2B5EF4-FFF2-40B4-BE49-F238E27FC236}">
-                <a16:creationId xmlns:a16="http://schemas.microsoft.com/office/drawing/2014/main" id="{452CB181-4615-4581-B3CF-9B194D99D031}"/>
+                <a16:creationId xmlns:a16="http://schemas.microsoft.com/office/drawing/2014/main" xmlns="" id="{452CB181-4615-4581-B3CF-9B194D99D031}"/>
               </a:ext>
             </a:extLst>
           </p:cNvPr>
@@ -938,7 +938,7 @@
           <p:cNvPr id="6" name="Chỗ dành sẵn cho Số hiệu Bản chiếu 5">
             <a:extLst>
               <a:ext uri="{FF2B5EF4-FFF2-40B4-BE49-F238E27FC236}">
-                <a16:creationId xmlns:a16="http://schemas.microsoft.com/office/drawing/2014/main" id="{809EFC64-DFBC-47FA-A90A-33AA19E2A638}"/>
+                <a16:creationId xmlns:a16="http://schemas.microsoft.com/office/drawing/2014/main" xmlns="" id="{809EFC64-DFBC-47FA-A90A-33AA19E2A638}"/>
               </a:ext>
             </a:extLst>
           </p:cNvPr>
@@ -997,7 +997,7 @@
           <p:cNvPr id="2" name="Tiêu đề 1">
             <a:extLst>
               <a:ext uri="{FF2B5EF4-FFF2-40B4-BE49-F238E27FC236}">
-                <a16:creationId xmlns:a16="http://schemas.microsoft.com/office/drawing/2014/main" id="{32C9879A-7305-4A7C-B4B5-1A7AAD946454}"/>
+                <a16:creationId xmlns:a16="http://schemas.microsoft.com/office/drawing/2014/main" xmlns="" id="{32C9879A-7305-4A7C-B4B5-1A7AAD946454}"/>
               </a:ext>
             </a:extLst>
           </p:cNvPr>
@@ -1035,7 +1035,7 @@
           <p:cNvPr id="3" name="Chỗ dành sẵn cho Văn bản 2">
             <a:extLst>
               <a:ext uri="{FF2B5EF4-FFF2-40B4-BE49-F238E27FC236}">
-                <a16:creationId xmlns:a16="http://schemas.microsoft.com/office/drawing/2014/main" id="{4C285AF3-9B66-471E-92E6-AC4469DA4E4F}"/>
+                <a16:creationId xmlns:a16="http://schemas.microsoft.com/office/drawing/2014/main" xmlns="" id="{4C285AF3-9B66-471E-92E6-AC4469DA4E4F}"/>
               </a:ext>
             </a:extLst>
           </p:cNvPr>
@@ -1160,7 +1160,7 @@
           <p:cNvPr id="4" name="Chỗ dành sẵn cho Ngày tháng 3">
             <a:extLst>
               <a:ext uri="{FF2B5EF4-FFF2-40B4-BE49-F238E27FC236}">
-                <a16:creationId xmlns:a16="http://schemas.microsoft.com/office/drawing/2014/main" id="{0EA23D83-D6CD-4754-8B83-B9D6440FACBA}"/>
+                <a16:creationId xmlns:a16="http://schemas.microsoft.com/office/drawing/2014/main" xmlns="" id="{0EA23D83-D6CD-4754-8B83-B9D6440FACBA}"/>
               </a:ext>
             </a:extLst>
           </p:cNvPr>
@@ -1189,7 +1189,7 @@
           <p:cNvPr id="5" name="Chỗ dành sẵn cho Chân trang 4">
             <a:extLst>
               <a:ext uri="{FF2B5EF4-FFF2-40B4-BE49-F238E27FC236}">
-                <a16:creationId xmlns:a16="http://schemas.microsoft.com/office/drawing/2014/main" id="{EE59B9D8-2AE6-482C-8D80-25133F63F17B}"/>
+                <a16:creationId xmlns:a16="http://schemas.microsoft.com/office/drawing/2014/main" xmlns="" id="{EE59B9D8-2AE6-482C-8D80-25133F63F17B}"/>
               </a:ext>
             </a:extLst>
           </p:cNvPr>
@@ -1214,7 +1214,7 @@
           <p:cNvPr id="6" name="Chỗ dành sẵn cho Số hiệu Bản chiếu 5">
             <a:extLst>
               <a:ext uri="{FF2B5EF4-FFF2-40B4-BE49-F238E27FC236}">
-                <a16:creationId xmlns:a16="http://schemas.microsoft.com/office/drawing/2014/main" id="{4A1EBE03-FE79-4BE9-9118-6C9E642EF6DB}"/>
+                <a16:creationId xmlns:a16="http://schemas.microsoft.com/office/drawing/2014/main" xmlns="" id="{4A1EBE03-FE79-4BE9-9118-6C9E642EF6DB}"/>
               </a:ext>
             </a:extLst>
           </p:cNvPr>
@@ -1273,7 +1273,7 @@
           <p:cNvPr id="2" name="Tiêu đề 1">
             <a:extLst>
               <a:ext uri="{FF2B5EF4-FFF2-40B4-BE49-F238E27FC236}">
-                <a16:creationId xmlns:a16="http://schemas.microsoft.com/office/drawing/2014/main" id="{BC339DCA-E2D1-49D3-A8CE-87548062C040}"/>
+                <a16:creationId xmlns:a16="http://schemas.microsoft.com/office/drawing/2014/main" xmlns="" id="{BC339DCA-E2D1-49D3-A8CE-87548062C040}"/>
               </a:ext>
             </a:extLst>
           </p:cNvPr>
@@ -1302,7 +1302,7 @@
           <p:cNvPr id="3" name="Chỗ dành sẵn cho Nội dung 2">
             <a:extLst>
               <a:ext uri="{FF2B5EF4-FFF2-40B4-BE49-F238E27FC236}">
-                <a16:creationId xmlns:a16="http://schemas.microsoft.com/office/drawing/2014/main" id="{4670FD81-51B0-44F1-9A3E-78FAA3CD098C}"/>
+                <a16:creationId xmlns:a16="http://schemas.microsoft.com/office/drawing/2014/main" xmlns="" id="{4670FD81-51B0-44F1-9A3E-78FAA3CD098C}"/>
               </a:ext>
             </a:extLst>
           </p:cNvPr>
@@ -1365,7 +1365,7 @@
           <p:cNvPr id="4" name="Chỗ dành sẵn cho Nội dung 3">
             <a:extLst>
               <a:ext uri="{FF2B5EF4-FFF2-40B4-BE49-F238E27FC236}">
-                <a16:creationId xmlns:a16="http://schemas.microsoft.com/office/drawing/2014/main" id="{FD5EE377-10B1-44D2-BB53-FB5EF02CE414}"/>
+                <a16:creationId xmlns:a16="http://schemas.microsoft.com/office/drawing/2014/main" xmlns="" id="{FD5EE377-10B1-44D2-BB53-FB5EF02CE414}"/>
               </a:ext>
             </a:extLst>
           </p:cNvPr>
@@ -1428,7 +1428,7 @@
           <p:cNvPr id="5" name="Chỗ dành sẵn cho Ngày tháng 4">
             <a:extLst>
               <a:ext uri="{FF2B5EF4-FFF2-40B4-BE49-F238E27FC236}">
-                <a16:creationId xmlns:a16="http://schemas.microsoft.com/office/drawing/2014/main" id="{5F0812DB-0F54-4B2D-861D-748556E34D78}"/>
+                <a16:creationId xmlns:a16="http://schemas.microsoft.com/office/drawing/2014/main" xmlns="" id="{5F0812DB-0F54-4B2D-861D-748556E34D78}"/>
               </a:ext>
             </a:extLst>
           </p:cNvPr>
@@ -1457,7 +1457,7 @@
           <p:cNvPr id="6" name="Chỗ dành sẵn cho Chân trang 5">
             <a:extLst>
               <a:ext uri="{FF2B5EF4-FFF2-40B4-BE49-F238E27FC236}">
-                <a16:creationId xmlns:a16="http://schemas.microsoft.com/office/drawing/2014/main" id="{84DD6941-BFBF-4F30-AC6D-CD30D3B4A73B}"/>
+                <a16:creationId xmlns:a16="http://schemas.microsoft.com/office/drawing/2014/main" xmlns="" id="{84DD6941-BFBF-4F30-AC6D-CD30D3B4A73B}"/>
               </a:ext>
             </a:extLst>
           </p:cNvPr>
@@ -1482,7 +1482,7 @@
           <p:cNvPr id="7" name="Chỗ dành sẵn cho Số hiệu Bản chiếu 6">
             <a:extLst>
               <a:ext uri="{FF2B5EF4-FFF2-40B4-BE49-F238E27FC236}">
-                <a16:creationId xmlns:a16="http://schemas.microsoft.com/office/drawing/2014/main" id="{BD9108BD-5F4A-41D4-A2AE-EC53AAA8E983}"/>
+                <a16:creationId xmlns:a16="http://schemas.microsoft.com/office/drawing/2014/main" xmlns="" id="{BD9108BD-5F4A-41D4-A2AE-EC53AAA8E983}"/>
               </a:ext>
             </a:extLst>
           </p:cNvPr>
@@ -1541,7 +1541,7 @@
           <p:cNvPr id="2" name="Tiêu đề 1">
             <a:extLst>
               <a:ext uri="{FF2B5EF4-FFF2-40B4-BE49-F238E27FC236}">
-                <a16:creationId xmlns:a16="http://schemas.microsoft.com/office/drawing/2014/main" id="{7C2474E8-D007-435D-BD5B-69DCB92300E4}"/>
+                <a16:creationId xmlns:a16="http://schemas.microsoft.com/office/drawing/2014/main" xmlns="" id="{7C2474E8-D007-435D-BD5B-69DCB92300E4}"/>
               </a:ext>
             </a:extLst>
           </p:cNvPr>
@@ -1575,7 +1575,7 @@
           <p:cNvPr id="3" name="Chỗ dành sẵn cho Văn bản 2">
             <a:extLst>
               <a:ext uri="{FF2B5EF4-FFF2-40B4-BE49-F238E27FC236}">
-                <a16:creationId xmlns:a16="http://schemas.microsoft.com/office/drawing/2014/main" id="{6B347F91-A6C9-4A3D-8824-D8318CEAE736}"/>
+                <a16:creationId xmlns:a16="http://schemas.microsoft.com/office/drawing/2014/main" xmlns="" id="{6B347F91-A6C9-4A3D-8824-D8318CEAE736}"/>
               </a:ext>
             </a:extLst>
           </p:cNvPr>
@@ -1646,7 +1646,7 @@
           <p:cNvPr id="4" name="Chỗ dành sẵn cho Nội dung 3">
             <a:extLst>
               <a:ext uri="{FF2B5EF4-FFF2-40B4-BE49-F238E27FC236}">
-                <a16:creationId xmlns:a16="http://schemas.microsoft.com/office/drawing/2014/main" id="{EBEAF345-B9EA-4821-AC5D-95CFCAD6748A}"/>
+                <a16:creationId xmlns:a16="http://schemas.microsoft.com/office/drawing/2014/main" xmlns="" id="{EBEAF345-B9EA-4821-AC5D-95CFCAD6748A}"/>
               </a:ext>
             </a:extLst>
           </p:cNvPr>
@@ -1709,7 +1709,7 @@
           <p:cNvPr id="5" name="Chỗ dành sẵn cho Văn bản 4">
             <a:extLst>
               <a:ext uri="{FF2B5EF4-FFF2-40B4-BE49-F238E27FC236}">
-                <a16:creationId xmlns:a16="http://schemas.microsoft.com/office/drawing/2014/main" id="{E620A559-7969-4755-89DF-7EE9D494E44C}"/>
+                <a16:creationId xmlns:a16="http://schemas.microsoft.com/office/drawing/2014/main" xmlns="" id="{E620A559-7969-4755-89DF-7EE9D494E44C}"/>
               </a:ext>
             </a:extLst>
           </p:cNvPr>
@@ -1780,7 +1780,7 @@
           <p:cNvPr id="6" name="Chỗ dành sẵn cho Nội dung 5">
             <a:extLst>
               <a:ext uri="{FF2B5EF4-FFF2-40B4-BE49-F238E27FC236}">
-                <a16:creationId xmlns:a16="http://schemas.microsoft.com/office/drawing/2014/main" id="{58681DD4-83BD-4381-9E33-7A74A93838E5}"/>
+                <a16:creationId xmlns:a16="http://schemas.microsoft.com/office/drawing/2014/main" xmlns="" id="{58681DD4-83BD-4381-9E33-7A74A93838E5}"/>
               </a:ext>
             </a:extLst>
           </p:cNvPr>
@@ -1843,7 +1843,7 @@
           <p:cNvPr id="7" name="Chỗ dành sẵn cho Ngày tháng 6">
             <a:extLst>
               <a:ext uri="{FF2B5EF4-FFF2-40B4-BE49-F238E27FC236}">
-                <a16:creationId xmlns:a16="http://schemas.microsoft.com/office/drawing/2014/main" id="{1F18069E-5D05-4012-9C2D-B1920F03879D}"/>
+                <a16:creationId xmlns:a16="http://schemas.microsoft.com/office/drawing/2014/main" xmlns="" id="{1F18069E-5D05-4012-9C2D-B1920F03879D}"/>
               </a:ext>
             </a:extLst>
           </p:cNvPr>
@@ -1872,7 +1872,7 @@
           <p:cNvPr id="8" name="Chỗ dành sẵn cho Chân trang 7">
             <a:extLst>
               <a:ext uri="{FF2B5EF4-FFF2-40B4-BE49-F238E27FC236}">
-                <a16:creationId xmlns:a16="http://schemas.microsoft.com/office/drawing/2014/main" id="{58DD24F6-2F36-4591-86DB-D18583DDC717}"/>
+                <a16:creationId xmlns:a16="http://schemas.microsoft.com/office/drawing/2014/main" xmlns="" id="{58DD24F6-2F36-4591-86DB-D18583DDC717}"/>
               </a:ext>
             </a:extLst>
           </p:cNvPr>
@@ -1897,7 +1897,7 @@
           <p:cNvPr id="9" name="Chỗ dành sẵn cho Số hiệu Bản chiếu 8">
             <a:extLst>
               <a:ext uri="{FF2B5EF4-FFF2-40B4-BE49-F238E27FC236}">
-                <a16:creationId xmlns:a16="http://schemas.microsoft.com/office/drawing/2014/main" id="{17D2AE75-EB27-460E-8FDC-3C867868BD82}"/>
+                <a16:creationId xmlns:a16="http://schemas.microsoft.com/office/drawing/2014/main" xmlns="" id="{17D2AE75-EB27-460E-8FDC-3C867868BD82}"/>
               </a:ext>
             </a:extLst>
           </p:cNvPr>
@@ -1956,7 +1956,7 @@
           <p:cNvPr id="2" name="Tiêu đề 1">
             <a:extLst>
               <a:ext uri="{FF2B5EF4-FFF2-40B4-BE49-F238E27FC236}">
-                <a16:creationId xmlns:a16="http://schemas.microsoft.com/office/drawing/2014/main" id="{6652D436-5464-4AE6-90F9-BE365A12CB0E}"/>
+                <a16:creationId xmlns:a16="http://schemas.microsoft.com/office/drawing/2014/main" xmlns="" id="{6652D436-5464-4AE6-90F9-BE365A12CB0E}"/>
               </a:ext>
             </a:extLst>
           </p:cNvPr>
@@ -1985,7 +1985,7 @@
           <p:cNvPr id="3" name="Chỗ dành sẵn cho Ngày tháng 2">
             <a:extLst>
               <a:ext uri="{FF2B5EF4-FFF2-40B4-BE49-F238E27FC236}">
-                <a16:creationId xmlns:a16="http://schemas.microsoft.com/office/drawing/2014/main" id="{82BFD7DE-1D1B-411B-94B4-6438F23377BA}"/>
+                <a16:creationId xmlns:a16="http://schemas.microsoft.com/office/drawing/2014/main" xmlns="" id="{82BFD7DE-1D1B-411B-94B4-6438F23377BA}"/>
               </a:ext>
             </a:extLst>
           </p:cNvPr>
@@ -2014,7 +2014,7 @@
           <p:cNvPr id="4" name="Chỗ dành sẵn cho Chân trang 3">
             <a:extLst>
               <a:ext uri="{FF2B5EF4-FFF2-40B4-BE49-F238E27FC236}">
-                <a16:creationId xmlns:a16="http://schemas.microsoft.com/office/drawing/2014/main" id="{DF4D21C5-DFA7-4591-A8EC-AC6448D5C6F2}"/>
+                <a16:creationId xmlns:a16="http://schemas.microsoft.com/office/drawing/2014/main" xmlns="" id="{DF4D21C5-DFA7-4591-A8EC-AC6448D5C6F2}"/>
               </a:ext>
             </a:extLst>
           </p:cNvPr>
@@ -2039,7 +2039,7 @@
           <p:cNvPr id="5" name="Chỗ dành sẵn cho Số hiệu Bản chiếu 4">
             <a:extLst>
               <a:ext uri="{FF2B5EF4-FFF2-40B4-BE49-F238E27FC236}">
-                <a16:creationId xmlns:a16="http://schemas.microsoft.com/office/drawing/2014/main" id="{2EC11E8D-89CA-4E30-AA17-9BA625AE7BC7}"/>
+                <a16:creationId xmlns:a16="http://schemas.microsoft.com/office/drawing/2014/main" xmlns="" id="{2EC11E8D-89CA-4E30-AA17-9BA625AE7BC7}"/>
               </a:ext>
             </a:extLst>
           </p:cNvPr>
@@ -2098,7 +2098,7 @@
           <p:cNvPr id="2" name="Chỗ dành sẵn cho Ngày tháng 1">
             <a:extLst>
               <a:ext uri="{FF2B5EF4-FFF2-40B4-BE49-F238E27FC236}">
-                <a16:creationId xmlns:a16="http://schemas.microsoft.com/office/drawing/2014/main" id="{91A2F14F-AF73-441B-BE76-D282E1BE0742}"/>
+                <a16:creationId xmlns:a16="http://schemas.microsoft.com/office/drawing/2014/main" xmlns="" id="{91A2F14F-AF73-441B-BE76-D282E1BE0742}"/>
               </a:ext>
             </a:extLst>
           </p:cNvPr>
@@ -2127,7 +2127,7 @@
           <p:cNvPr id="3" name="Chỗ dành sẵn cho Chân trang 2">
             <a:extLst>
               <a:ext uri="{FF2B5EF4-FFF2-40B4-BE49-F238E27FC236}">
-                <a16:creationId xmlns:a16="http://schemas.microsoft.com/office/drawing/2014/main" id="{C995F8A5-C055-40A0-9623-9A328039AF93}"/>
+                <a16:creationId xmlns:a16="http://schemas.microsoft.com/office/drawing/2014/main" xmlns="" id="{C995F8A5-C055-40A0-9623-9A328039AF93}"/>
               </a:ext>
             </a:extLst>
           </p:cNvPr>
@@ -2152,7 +2152,7 @@
           <p:cNvPr id="4" name="Chỗ dành sẵn cho Số hiệu Bản chiếu 3">
             <a:extLst>
               <a:ext uri="{FF2B5EF4-FFF2-40B4-BE49-F238E27FC236}">
-                <a16:creationId xmlns:a16="http://schemas.microsoft.com/office/drawing/2014/main" id="{EEF944B3-A4A8-49B4-9138-4E1897171469}"/>
+                <a16:creationId xmlns:a16="http://schemas.microsoft.com/office/drawing/2014/main" xmlns="" id="{EEF944B3-A4A8-49B4-9138-4E1897171469}"/>
               </a:ext>
             </a:extLst>
           </p:cNvPr>
@@ -2211,7 +2211,7 @@
           <p:cNvPr id="2" name="Tiêu đề 1">
             <a:extLst>
               <a:ext uri="{FF2B5EF4-FFF2-40B4-BE49-F238E27FC236}">
-                <a16:creationId xmlns:a16="http://schemas.microsoft.com/office/drawing/2014/main" id="{9FBC14C3-B0DB-4C68-95C8-360198DD8007}"/>
+                <a16:creationId xmlns:a16="http://schemas.microsoft.com/office/drawing/2014/main" xmlns="" id="{9FBC14C3-B0DB-4C68-95C8-360198DD8007}"/>
               </a:ext>
             </a:extLst>
           </p:cNvPr>
@@ -2249,7 +2249,7 @@
           <p:cNvPr id="3" name="Chỗ dành sẵn cho Nội dung 2">
             <a:extLst>
               <a:ext uri="{FF2B5EF4-FFF2-40B4-BE49-F238E27FC236}">
-                <a16:creationId xmlns:a16="http://schemas.microsoft.com/office/drawing/2014/main" id="{C428A628-AB4D-4F99-9070-9F89B977FDD3}"/>
+                <a16:creationId xmlns:a16="http://schemas.microsoft.com/office/drawing/2014/main" xmlns="" id="{C428A628-AB4D-4F99-9070-9F89B977FDD3}"/>
               </a:ext>
             </a:extLst>
           </p:cNvPr>
@@ -2340,7 +2340,7 @@
           <p:cNvPr id="4" name="Chỗ dành sẵn cho Văn bản 3">
             <a:extLst>
               <a:ext uri="{FF2B5EF4-FFF2-40B4-BE49-F238E27FC236}">
-                <a16:creationId xmlns:a16="http://schemas.microsoft.com/office/drawing/2014/main" id="{B142C229-F00B-4571-B6E1-BAF08C754F57}"/>
+                <a16:creationId xmlns:a16="http://schemas.microsoft.com/office/drawing/2014/main" xmlns="" id="{B142C229-F00B-4571-B6E1-BAF08C754F57}"/>
               </a:ext>
             </a:extLst>
           </p:cNvPr>
@@ -2411,7 +2411,7 @@
           <p:cNvPr id="5" name="Chỗ dành sẵn cho Ngày tháng 4">
             <a:extLst>
               <a:ext uri="{FF2B5EF4-FFF2-40B4-BE49-F238E27FC236}">
-                <a16:creationId xmlns:a16="http://schemas.microsoft.com/office/drawing/2014/main" id="{996856F1-028F-43B6-BA78-13A46A841670}"/>
+                <a16:creationId xmlns:a16="http://schemas.microsoft.com/office/drawing/2014/main" xmlns="" id="{996856F1-028F-43B6-BA78-13A46A841670}"/>
               </a:ext>
             </a:extLst>
           </p:cNvPr>
@@ -2440,7 +2440,7 @@
           <p:cNvPr id="6" name="Chỗ dành sẵn cho Chân trang 5">
             <a:extLst>
               <a:ext uri="{FF2B5EF4-FFF2-40B4-BE49-F238E27FC236}">
-                <a16:creationId xmlns:a16="http://schemas.microsoft.com/office/drawing/2014/main" id="{666A3864-ACB6-4A49-BF96-42D23DF422CF}"/>
+                <a16:creationId xmlns:a16="http://schemas.microsoft.com/office/drawing/2014/main" xmlns="" id="{666A3864-ACB6-4A49-BF96-42D23DF422CF}"/>
               </a:ext>
             </a:extLst>
           </p:cNvPr>
@@ -2465,7 +2465,7 @@
           <p:cNvPr id="7" name="Chỗ dành sẵn cho Số hiệu Bản chiếu 6">
             <a:extLst>
               <a:ext uri="{FF2B5EF4-FFF2-40B4-BE49-F238E27FC236}">
-                <a16:creationId xmlns:a16="http://schemas.microsoft.com/office/drawing/2014/main" id="{DA53414F-355C-4F44-B21B-852A64C62DF8}"/>
+                <a16:creationId xmlns:a16="http://schemas.microsoft.com/office/drawing/2014/main" xmlns="" id="{DA53414F-355C-4F44-B21B-852A64C62DF8}"/>
               </a:ext>
             </a:extLst>
           </p:cNvPr>
@@ -2524,7 +2524,7 @@
           <p:cNvPr id="2" name="Tiêu đề 1">
             <a:extLst>
               <a:ext uri="{FF2B5EF4-FFF2-40B4-BE49-F238E27FC236}">
-                <a16:creationId xmlns:a16="http://schemas.microsoft.com/office/drawing/2014/main" id="{F8427E25-98E4-49F7-9541-AD32A4C10BD6}"/>
+                <a16:creationId xmlns:a16="http://schemas.microsoft.com/office/drawing/2014/main" xmlns="" id="{F8427E25-98E4-49F7-9541-AD32A4C10BD6}"/>
               </a:ext>
             </a:extLst>
           </p:cNvPr>
@@ -2562,7 +2562,7 @@
           <p:cNvPr id="3" name="Chỗ dành sẵn cho Hình ảnh 2">
             <a:extLst>
               <a:ext uri="{FF2B5EF4-FFF2-40B4-BE49-F238E27FC236}">
-                <a16:creationId xmlns:a16="http://schemas.microsoft.com/office/drawing/2014/main" id="{7FAF8813-CF9A-455D-A7DC-ACEC3D8C8EC7}"/>
+                <a16:creationId xmlns:a16="http://schemas.microsoft.com/office/drawing/2014/main" xmlns="" id="{7FAF8813-CF9A-455D-A7DC-ACEC3D8C8EC7}"/>
               </a:ext>
             </a:extLst>
           </p:cNvPr>
@@ -2629,7 +2629,7 @@
           <p:cNvPr id="4" name="Chỗ dành sẵn cho Văn bản 3">
             <a:extLst>
               <a:ext uri="{FF2B5EF4-FFF2-40B4-BE49-F238E27FC236}">
-                <a16:creationId xmlns:a16="http://schemas.microsoft.com/office/drawing/2014/main" id="{485EA2E6-95D5-4BD5-A1F8-A01E074538A4}"/>
+                <a16:creationId xmlns:a16="http://schemas.microsoft.com/office/drawing/2014/main" xmlns="" id="{485EA2E6-95D5-4BD5-A1F8-A01E074538A4}"/>
               </a:ext>
             </a:extLst>
           </p:cNvPr>
@@ -2700,7 +2700,7 @@
           <p:cNvPr id="5" name="Chỗ dành sẵn cho Ngày tháng 4">
             <a:extLst>
               <a:ext uri="{FF2B5EF4-FFF2-40B4-BE49-F238E27FC236}">
-                <a16:creationId xmlns:a16="http://schemas.microsoft.com/office/drawing/2014/main" id="{1FF09F77-FA54-49F5-B950-41D3CCAC9C4B}"/>
+                <a16:creationId xmlns:a16="http://schemas.microsoft.com/office/drawing/2014/main" xmlns="" id="{1FF09F77-FA54-49F5-B950-41D3CCAC9C4B}"/>
               </a:ext>
             </a:extLst>
           </p:cNvPr>
@@ -2729,7 +2729,7 @@
           <p:cNvPr id="6" name="Chỗ dành sẵn cho Chân trang 5">
             <a:extLst>
               <a:ext uri="{FF2B5EF4-FFF2-40B4-BE49-F238E27FC236}">
-                <a16:creationId xmlns:a16="http://schemas.microsoft.com/office/drawing/2014/main" id="{2ED3E3C2-237C-45A7-8408-03CF84863A41}"/>
+                <a16:creationId xmlns:a16="http://schemas.microsoft.com/office/drawing/2014/main" xmlns="" id="{2ED3E3C2-237C-45A7-8408-03CF84863A41}"/>
               </a:ext>
             </a:extLst>
           </p:cNvPr>
@@ -2754,7 +2754,7 @@
           <p:cNvPr id="7" name="Chỗ dành sẵn cho Số hiệu Bản chiếu 6">
             <a:extLst>
               <a:ext uri="{FF2B5EF4-FFF2-40B4-BE49-F238E27FC236}">
-                <a16:creationId xmlns:a16="http://schemas.microsoft.com/office/drawing/2014/main" id="{7FC90C90-8929-4CDA-ACF3-1D52C6D27AFA}"/>
+                <a16:creationId xmlns:a16="http://schemas.microsoft.com/office/drawing/2014/main" xmlns="" id="{7FC90C90-8929-4CDA-ACF3-1D52C6D27AFA}"/>
               </a:ext>
             </a:extLst>
           </p:cNvPr>
@@ -2818,7 +2818,7 @@
           <p:cNvPr id="2" name="Chỗ dành sẵn cho Tiêu đề 1">
             <a:extLst>
               <a:ext uri="{FF2B5EF4-FFF2-40B4-BE49-F238E27FC236}">
-                <a16:creationId xmlns:a16="http://schemas.microsoft.com/office/drawing/2014/main" id="{BB5B1E69-B441-4464-B9BE-EDDCB9C8900D}"/>
+                <a16:creationId xmlns:a16="http://schemas.microsoft.com/office/drawing/2014/main" xmlns="" id="{BB5B1E69-B441-4464-B9BE-EDDCB9C8900D}"/>
               </a:ext>
             </a:extLst>
           </p:cNvPr>
@@ -2857,7 +2857,7 @@
           <p:cNvPr id="3" name="Chỗ dành sẵn cho Văn bản 2">
             <a:extLst>
               <a:ext uri="{FF2B5EF4-FFF2-40B4-BE49-F238E27FC236}">
-                <a16:creationId xmlns:a16="http://schemas.microsoft.com/office/drawing/2014/main" id="{E1B9F10B-CFA4-499A-A2EA-B2744F7D9F61}"/>
+                <a16:creationId xmlns:a16="http://schemas.microsoft.com/office/drawing/2014/main" xmlns="" id="{E1B9F10B-CFA4-499A-A2EA-B2744F7D9F61}"/>
               </a:ext>
             </a:extLst>
           </p:cNvPr>
@@ -2925,7 +2925,7 @@
           <p:cNvPr id="4" name="Chỗ dành sẵn cho Ngày tháng 3">
             <a:extLst>
               <a:ext uri="{FF2B5EF4-FFF2-40B4-BE49-F238E27FC236}">
-                <a16:creationId xmlns:a16="http://schemas.microsoft.com/office/drawing/2014/main" id="{B5EF869D-92E7-4F08-B16B-CEB9D14AE74E}"/>
+                <a16:creationId xmlns:a16="http://schemas.microsoft.com/office/drawing/2014/main" xmlns="" id="{B5EF869D-92E7-4F08-B16B-CEB9D14AE74E}"/>
               </a:ext>
             </a:extLst>
           </p:cNvPr>
@@ -2972,7 +2972,7 @@
           <p:cNvPr id="5" name="Chỗ dành sẵn cho Chân trang 4">
             <a:extLst>
               <a:ext uri="{FF2B5EF4-FFF2-40B4-BE49-F238E27FC236}">
-                <a16:creationId xmlns:a16="http://schemas.microsoft.com/office/drawing/2014/main" id="{0109C27A-4D5D-42F6-A674-76C554F6A3F3}"/>
+                <a16:creationId xmlns:a16="http://schemas.microsoft.com/office/drawing/2014/main" xmlns="" id="{0109C27A-4D5D-42F6-A674-76C554F6A3F3}"/>
               </a:ext>
             </a:extLst>
           </p:cNvPr>
@@ -3015,7 +3015,7 @@
           <p:cNvPr id="6" name="Chỗ dành sẵn cho Số hiệu Bản chiếu 5">
             <a:extLst>
               <a:ext uri="{FF2B5EF4-FFF2-40B4-BE49-F238E27FC236}">
-                <a16:creationId xmlns:a16="http://schemas.microsoft.com/office/drawing/2014/main" id="{F657E353-44E9-4E4A-B046-5D822C358A16}"/>
+                <a16:creationId xmlns:a16="http://schemas.microsoft.com/office/drawing/2014/main" xmlns="" id="{F657E353-44E9-4E4A-B046-5D822C358A16}"/>
               </a:ext>
             </a:extLst>
           </p:cNvPr>
@@ -3383,7 +3383,7 @@
           <p:cNvPr id="4" name="TextBox 3">
             <a:extLst>
               <a:ext uri="{FF2B5EF4-FFF2-40B4-BE49-F238E27FC236}">
-                <a16:creationId xmlns:a16="http://schemas.microsoft.com/office/drawing/2014/main" id="{2C88342A-9177-4308-970A-F94F1ED3408A}"/>
+                <a16:creationId xmlns:a16="http://schemas.microsoft.com/office/drawing/2014/main" xmlns="" id="{2C88342A-9177-4308-970A-F94F1ED3408A}"/>
               </a:ext>
             </a:extLst>
           </p:cNvPr>
@@ -3438,7 +3438,7 @@
           <p:cNvPr id="5" name="Group 4">
             <a:extLst>
               <a:ext uri="{FF2B5EF4-FFF2-40B4-BE49-F238E27FC236}">
-                <a16:creationId xmlns:a16="http://schemas.microsoft.com/office/drawing/2014/main" id="{616501F1-3FA1-46E6-B4BB-8994E18239D3}"/>
+                <a16:creationId xmlns:a16="http://schemas.microsoft.com/office/drawing/2014/main" xmlns="" id="{616501F1-3FA1-46E6-B4BB-8994E18239D3}"/>
               </a:ext>
             </a:extLst>
           </p:cNvPr>
@@ -3458,7 +3458,7 @@
             <p:cNvPr id="6" name="Oval 5">
               <a:extLst>
                 <a:ext uri="{FF2B5EF4-FFF2-40B4-BE49-F238E27FC236}">
-                  <a16:creationId xmlns:a16="http://schemas.microsoft.com/office/drawing/2014/main" id="{0B01884F-0370-4789-9821-7FE3D57F44D1}"/>
+                  <a16:creationId xmlns:a16="http://schemas.microsoft.com/office/drawing/2014/main" xmlns="" id="{0B01884F-0370-4789-9821-7FE3D57F44D1}"/>
                 </a:ext>
               </a:extLst>
             </p:cNvPr>
@@ -3510,7 +3510,7 @@
             <p:cNvPr id="7" name="Oval 6">
               <a:extLst>
                 <a:ext uri="{FF2B5EF4-FFF2-40B4-BE49-F238E27FC236}">
-                  <a16:creationId xmlns:a16="http://schemas.microsoft.com/office/drawing/2014/main" id="{843039BA-2D5D-4AA9-8BCF-17A61C90278A}"/>
+                  <a16:creationId xmlns:a16="http://schemas.microsoft.com/office/drawing/2014/main" xmlns="" id="{843039BA-2D5D-4AA9-8BCF-17A61C90278A}"/>
                 </a:ext>
               </a:extLst>
             </p:cNvPr>
@@ -3562,7 +3562,7 @@
             <p:cNvPr id="8" name="Oval 7">
               <a:extLst>
                 <a:ext uri="{FF2B5EF4-FFF2-40B4-BE49-F238E27FC236}">
-                  <a16:creationId xmlns:a16="http://schemas.microsoft.com/office/drawing/2014/main" id="{D9016963-8E1E-4ECF-9B96-974B2E3ED589}"/>
+                  <a16:creationId xmlns:a16="http://schemas.microsoft.com/office/drawing/2014/main" xmlns="" id="{D9016963-8E1E-4ECF-9B96-974B2E3ED589}"/>
                 </a:ext>
               </a:extLst>
             </p:cNvPr>
@@ -3614,7 +3614,7 @@
             <p:cNvPr id="9" name="Oval 8">
               <a:extLst>
                 <a:ext uri="{FF2B5EF4-FFF2-40B4-BE49-F238E27FC236}">
-                  <a16:creationId xmlns:a16="http://schemas.microsoft.com/office/drawing/2014/main" id="{ACDB071F-9D5B-4D1D-80B9-9014D254B372}"/>
+                  <a16:creationId xmlns:a16="http://schemas.microsoft.com/office/drawing/2014/main" xmlns="" id="{ACDB071F-9D5B-4D1D-80B9-9014D254B372}"/>
                 </a:ext>
               </a:extLst>
             </p:cNvPr>
@@ -3666,7 +3666,7 @@
             <p:cNvPr id="10" name="Oval 9">
               <a:extLst>
                 <a:ext uri="{FF2B5EF4-FFF2-40B4-BE49-F238E27FC236}">
-                  <a16:creationId xmlns:a16="http://schemas.microsoft.com/office/drawing/2014/main" id="{75F1EB83-6E5A-438B-8799-36056C3BAFE4}"/>
+                  <a16:creationId xmlns:a16="http://schemas.microsoft.com/office/drawing/2014/main" xmlns="" id="{75F1EB83-6E5A-438B-8799-36056C3BAFE4}"/>
                 </a:ext>
               </a:extLst>
             </p:cNvPr>
@@ -3718,7 +3718,7 @@
             <p:cNvPr id="11" name="Oval 10">
               <a:extLst>
                 <a:ext uri="{FF2B5EF4-FFF2-40B4-BE49-F238E27FC236}">
-                  <a16:creationId xmlns:a16="http://schemas.microsoft.com/office/drawing/2014/main" id="{240E9FA2-D382-4D50-AE01-0C0F318D6DDE}"/>
+                  <a16:creationId xmlns:a16="http://schemas.microsoft.com/office/drawing/2014/main" xmlns="" id="{240E9FA2-D382-4D50-AE01-0C0F318D6DDE}"/>
                 </a:ext>
               </a:extLst>
             </p:cNvPr>
@@ -3771,7 +3771,7 @@
           <p:cNvPr id="12" name="TextBox 11">
             <a:extLst>
               <a:ext uri="{FF2B5EF4-FFF2-40B4-BE49-F238E27FC236}">
-                <a16:creationId xmlns:a16="http://schemas.microsoft.com/office/drawing/2014/main" id="{9D2CD4E9-269B-4769-AB08-C14CC5AA22E1}"/>
+                <a16:creationId xmlns:a16="http://schemas.microsoft.com/office/drawing/2014/main" xmlns="" id="{9D2CD4E9-269B-4769-AB08-C14CC5AA22E1}"/>
               </a:ext>
             </a:extLst>
           </p:cNvPr>
@@ -3830,7 +3830,7 @@
           <p:cNvPr id="13" name="Nhóm 12">
             <a:extLst>
               <a:ext uri="{FF2B5EF4-FFF2-40B4-BE49-F238E27FC236}">
-                <a16:creationId xmlns:a16="http://schemas.microsoft.com/office/drawing/2014/main" id="{59B0E9C1-5AE0-43B5-8D27-4396A2EF1CC5}"/>
+                <a16:creationId xmlns:a16="http://schemas.microsoft.com/office/drawing/2014/main" xmlns="" id="{59B0E9C1-5AE0-43B5-8D27-4396A2EF1CC5}"/>
               </a:ext>
             </a:extLst>
           </p:cNvPr>
@@ -3850,7 +3850,7 @@
             <p:cNvPr id="14" name="Hình chữ nhật 13">
               <a:extLst>
                 <a:ext uri="{FF2B5EF4-FFF2-40B4-BE49-F238E27FC236}">
-                  <a16:creationId xmlns:a16="http://schemas.microsoft.com/office/drawing/2014/main" id="{B8031EED-C118-4761-8C01-E5FB79906D9A}"/>
+                  <a16:creationId xmlns:a16="http://schemas.microsoft.com/office/drawing/2014/main" xmlns="" id="{B8031EED-C118-4761-8C01-E5FB79906D9A}"/>
                 </a:ext>
               </a:extLst>
             </p:cNvPr>
@@ -3894,7 +3894,7 @@
             <p:cNvPr id="15" name="Hình bình hành 14">
               <a:extLst>
                 <a:ext uri="{FF2B5EF4-FFF2-40B4-BE49-F238E27FC236}">
-                  <a16:creationId xmlns:a16="http://schemas.microsoft.com/office/drawing/2014/main" id="{26108697-0A11-49A2-B05B-C77286B087FC}"/>
+                  <a16:creationId xmlns:a16="http://schemas.microsoft.com/office/drawing/2014/main" xmlns="" id="{26108697-0A11-49A2-B05B-C77286B087FC}"/>
                 </a:ext>
               </a:extLst>
             </p:cNvPr>
@@ -3940,7 +3940,7 @@
             <p:cNvPr id="16" name="Hình chữ nhật 15">
               <a:extLst>
                 <a:ext uri="{FF2B5EF4-FFF2-40B4-BE49-F238E27FC236}">
-                  <a16:creationId xmlns:a16="http://schemas.microsoft.com/office/drawing/2014/main" id="{CEF092D2-8983-45BA-9AB4-E40001C8B1D9}"/>
+                  <a16:creationId xmlns:a16="http://schemas.microsoft.com/office/drawing/2014/main" xmlns="" id="{CEF092D2-8983-45BA-9AB4-E40001C8B1D9}"/>
                 </a:ext>
               </a:extLst>
             </p:cNvPr>
@@ -3988,7 +3988,7 @@
           <p:cNvPr id="17" name="Nhóm 16">
             <a:extLst>
               <a:ext uri="{FF2B5EF4-FFF2-40B4-BE49-F238E27FC236}">
-                <a16:creationId xmlns:a16="http://schemas.microsoft.com/office/drawing/2014/main" id="{F0C0176E-6FE0-48E3-A5E6-36FF659AFADE}"/>
+                <a16:creationId xmlns:a16="http://schemas.microsoft.com/office/drawing/2014/main" xmlns="" id="{F0C0176E-6FE0-48E3-A5E6-36FF659AFADE}"/>
               </a:ext>
             </a:extLst>
           </p:cNvPr>
@@ -4008,7 +4008,7 @@
             <p:cNvPr id="18" name="Hình chữ nhật 17">
               <a:extLst>
                 <a:ext uri="{FF2B5EF4-FFF2-40B4-BE49-F238E27FC236}">
-                  <a16:creationId xmlns:a16="http://schemas.microsoft.com/office/drawing/2014/main" id="{EDFF6D3A-3E3A-43CE-8DDE-C19F2AC9490D}"/>
+                  <a16:creationId xmlns:a16="http://schemas.microsoft.com/office/drawing/2014/main" xmlns="" id="{EDFF6D3A-3E3A-43CE-8DDE-C19F2AC9490D}"/>
                 </a:ext>
               </a:extLst>
             </p:cNvPr>
@@ -4052,7 +4052,7 @@
             <p:cNvPr id="19" name="Hình bình hành 18">
               <a:extLst>
                 <a:ext uri="{FF2B5EF4-FFF2-40B4-BE49-F238E27FC236}">
-                  <a16:creationId xmlns:a16="http://schemas.microsoft.com/office/drawing/2014/main" id="{DEC096DF-69FF-43A1-A74D-985EC0EA0780}"/>
+                  <a16:creationId xmlns:a16="http://schemas.microsoft.com/office/drawing/2014/main" xmlns="" id="{DEC096DF-69FF-43A1-A74D-985EC0EA0780}"/>
                 </a:ext>
               </a:extLst>
             </p:cNvPr>
@@ -4098,7 +4098,7 @@
             <p:cNvPr id="20" name="Hình chữ nhật 19">
               <a:extLst>
                 <a:ext uri="{FF2B5EF4-FFF2-40B4-BE49-F238E27FC236}">
-                  <a16:creationId xmlns:a16="http://schemas.microsoft.com/office/drawing/2014/main" id="{0084885B-294C-42EB-B94C-959750DD0997}"/>
+                  <a16:creationId xmlns:a16="http://schemas.microsoft.com/office/drawing/2014/main" xmlns="" id="{0084885B-294C-42EB-B94C-959750DD0997}"/>
                 </a:ext>
               </a:extLst>
             </p:cNvPr>
@@ -4146,7 +4146,7 @@
           <p:cNvPr id="21" name="Nhóm 20">
             <a:extLst>
               <a:ext uri="{FF2B5EF4-FFF2-40B4-BE49-F238E27FC236}">
-                <a16:creationId xmlns:a16="http://schemas.microsoft.com/office/drawing/2014/main" id="{3A21A555-A2B1-4709-8E4A-A6FBD8AF0AD0}"/>
+                <a16:creationId xmlns:a16="http://schemas.microsoft.com/office/drawing/2014/main" xmlns="" id="{3A21A555-A2B1-4709-8E4A-A6FBD8AF0AD0}"/>
               </a:ext>
             </a:extLst>
           </p:cNvPr>
@@ -4166,7 +4166,7 @@
             <p:cNvPr id="22" name="Hình chữ nhật 21">
               <a:extLst>
                 <a:ext uri="{FF2B5EF4-FFF2-40B4-BE49-F238E27FC236}">
-                  <a16:creationId xmlns:a16="http://schemas.microsoft.com/office/drawing/2014/main" id="{47A6B8BF-A373-47F2-8ED9-E909C4E3337E}"/>
+                  <a16:creationId xmlns:a16="http://schemas.microsoft.com/office/drawing/2014/main" xmlns="" id="{47A6B8BF-A373-47F2-8ED9-E909C4E3337E}"/>
                 </a:ext>
               </a:extLst>
             </p:cNvPr>
@@ -4210,7 +4210,7 @@
             <p:cNvPr id="23" name="Hình bình hành 22">
               <a:extLst>
                 <a:ext uri="{FF2B5EF4-FFF2-40B4-BE49-F238E27FC236}">
-                  <a16:creationId xmlns:a16="http://schemas.microsoft.com/office/drawing/2014/main" id="{57183341-9B47-49AA-BFF1-36BD9E7DA5CD}"/>
+                  <a16:creationId xmlns:a16="http://schemas.microsoft.com/office/drawing/2014/main" xmlns="" id="{57183341-9B47-49AA-BFF1-36BD9E7DA5CD}"/>
                 </a:ext>
               </a:extLst>
             </p:cNvPr>
@@ -4256,7 +4256,7 @@
             <p:cNvPr id="24" name="Hình chữ nhật 23">
               <a:extLst>
                 <a:ext uri="{FF2B5EF4-FFF2-40B4-BE49-F238E27FC236}">
-                  <a16:creationId xmlns:a16="http://schemas.microsoft.com/office/drawing/2014/main" id="{F52FB115-2B57-42C0-A64A-A161DA08D002}"/>
+                  <a16:creationId xmlns:a16="http://schemas.microsoft.com/office/drawing/2014/main" xmlns="" id="{F52FB115-2B57-42C0-A64A-A161DA08D002}"/>
                 </a:ext>
               </a:extLst>
             </p:cNvPr>
@@ -4417,7 +4417,7 @@
           <p:cNvPr id="4" name="Hình chữ nhật 3">
             <a:extLst>
               <a:ext uri="{FF2B5EF4-FFF2-40B4-BE49-F238E27FC236}">
-                <a16:creationId xmlns:a16="http://schemas.microsoft.com/office/drawing/2014/main" id="{C41056F5-6A80-400E-ACB4-FE6C05639353}"/>
+                <a16:creationId xmlns:a16="http://schemas.microsoft.com/office/drawing/2014/main" xmlns="" id="{C41056F5-6A80-400E-ACB4-FE6C05639353}"/>
               </a:ext>
             </a:extLst>
           </p:cNvPr>
@@ -4461,7 +4461,7 @@
           <p:cNvPr id="12" name="Đường nối Thẳng 11">
             <a:extLst>
               <a:ext uri="{FF2B5EF4-FFF2-40B4-BE49-F238E27FC236}">
-                <a16:creationId xmlns:a16="http://schemas.microsoft.com/office/drawing/2014/main" id="{8BD072BC-CB8C-4DF6-98A6-2A53FE38B952}"/>
+                <a16:creationId xmlns:a16="http://schemas.microsoft.com/office/drawing/2014/main" xmlns="" id="{8BD072BC-CB8C-4DF6-98A6-2A53FE38B952}"/>
               </a:ext>
             </a:extLst>
           </p:cNvPr>
@@ -4507,7 +4507,7 @@
           <p:cNvPr id="3" name="Nhóm 2">
             <a:extLst>
               <a:ext uri="{FF2B5EF4-FFF2-40B4-BE49-F238E27FC236}">
-                <a16:creationId xmlns:a16="http://schemas.microsoft.com/office/drawing/2014/main" id="{8D7372B7-9946-4E33-8D99-3240B4CEAEFE}"/>
+                <a16:creationId xmlns:a16="http://schemas.microsoft.com/office/drawing/2014/main" xmlns="" id="{8D7372B7-9946-4E33-8D99-3240B4CEAEFE}"/>
               </a:ext>
             </a:extLst>
           </p:cNvPr>
@@ -4527,7 +4527,7 @@
             <p:cNvPr id="16" name="Hộp Văn bản 15">
               <a:extLst>
                 <a:ext uri="{FF2B5EF4-FFF2-40B4-BE49-F238E27FC236}">
-                  <a16:creationId xmlns:a16="http://schemas.microsoft.com/office/drawing/2014/main" id="{8ED6B838-BE24-4B5D-8077-035B875D4357}"/>
+                  <a16:creationId xmlns:a16="http://schemas.microsoft.com/office/drawing/2014/main" xmlns="" id="{8ED6B838-BE24-4B5D-8077-035B875D4357}"/>
                 </a:ext>
               </a:extLst>
             </p:cNvPr>
@@ -4537,7 +4537,7 @@
           <p:spPr>
             <a:xfrm>
               <a:off x="6422571" y="1339583"/>
-              <a:ext cx="1666337" cy="584775"/>
+              <a:ext cx="2296989" cy="584775"/>
             </a:xfrm>
             <a:prstGeom prst="rect">
               <a:avLst/>
@@ -4551,9 +4551,10 @@
             <a:lstStyle/>
             <a:p>
               <a:r>
-                <a:rPr lang="en-US" sz="3200" dirty="0"/>
-                <a:t>Threads</a:t>
+                <a:rPr lang="en-US" sz="3200" dirty="0" smtClean="0"/>
+                <a:t>Led Thread</a:t>
               </a:r>
+              <a:endParaRPr lang="en-US" sz="3200" dirty="0"/>
             </a:p>
           </p:txBody>
         </p:sp>
@@ -4562,7 +4563,7 @@
             <p:cNvPr id="22" name="Đường nối Thẳng 21">
               <a:extLst>
                 <a:ext uri="{FF2B5EF4-FFF2-40B4-BE49-F238E27FC236}">
-                  <a16:creationId xmlns:a16="http://schemas.microsoft.com/office/drawing/2014/main" id="{56F1EAC6-ECEF-49C2-BBE3-2DA22DDBF8F5}"/>
+                  <a16:creationId xmlns:a16="http://schemas.microsoft.com/office/drawing/2014/main" xmlns="" id="{56F1EAC6-ECEF-49C2-BBE3-2DA22DDBF8F5}"/>
                 </a:ext>
               </a:extLst>
             </p:cNvPr>
@@ -4603,7 +4604,7 @@
             <p:cNvPr id="27" name="Hộp Văn bản 26">
               <a:extLst>
                 <a:ext uri="{FF2B5EF4-FFF2-40B4-BE49-F238E27FC236}">
-                  <a16:creationId xmlns:a16="http://schemas.microsoft.com/office/drawing/2014/main" id="{755D4EC0-045D-4A99-A2F8-0032E85CC2EF}"/>
+                  <a16:creationId xmlns:a16="http://schemas.microsoft.com/office/drawing/2014/main" xmlns="" id="{755D4EC0-045D-4A99-A2F8-0032E85CC2EF}"/>
                 </a:ext>
               </a:extLst>
             </p:cNvPr>
@@ -4651,7 +4652,7 @@
           <p:cNvPr id="30" name="Hình bình hành 29">
             <a:extLst>
               <a:ext uri="{FF2B5EF4-FFF2-40B4-BE49-F238E27FC236}">
-                <a16:creationId xmlns:a16="http://schemas.microsoft.com/office/drawing/2014/main" id="{96CFA1A4-2907-4415-8A45-5FC8D82275E4}"/>
+                <a16:creationId xmlns:a16="http://schemas.microsoft.com/office/drawing/2014/main" xmlns="" id="{96CFA1A4-2907-4415-8A45-5FC8D82275E4}"/>
               </a:ext>
             </a:extLst>
           </p:cNvPr>
@@ -4700,7 +4701,7 @@
           <p:cNvPr id="11" name="Lưu đồ: Điểm Kết Thúc 10">
             <a:extLst>
               <a:ext uri="{FF2B5EF4-FFF2-40B4-BE49-F238E27FC236}">
-                <a16:creationId xmlns:a16="http://schemas.microsoft.com/office/drawing/2014/main" id="{EFF7C061-4564-45F5-97EB-0B1A9699FC8C}"/>
+                <a16:creationId xmlns:a16="http://schemas.microsoft.com/office/drawing/2014/main" xmlns="" id="{EFF7C061-4564-45F5-97EB-0B1A9699FC8C}"/>
               </a:ext>
             </a:extLst>
           </p:cNvPr>
@@ -4736,9 +4737,22 @@
           <a:p>
             <a:pPr algn="ctr"/>
             <a:r>
+              <a:rPr lang="en-US" dirty="0" smtClean="0"/>
+              <a:t>Led</a:t>
+            </a:r>
+            <a:r>
+              <a:rPr lang="en-US" dirty="0" smtClean="0"/>
+              <a:t> </a:t>
+            </a:r>
+            <a:r>
               <a:rPr lang="en-US" dirty="0"/>
-              <a:t>Main thread</a:t>
+              <a:t>T</a:t>
             </a:r>
+            <a:r>
+              <a:rPr lang="en-US" dirty="0" smtClean="0"/>
+              <a:t>hread</a:t>
+            </a:r>
+            <a:endParaRPr lang="en-US" dirty="0"/>
           </a:p>
         </p:txBody>
       </p:sp>
@@ -4747,7 +4761,7 @@
           <p:cNvPr id="20" name="Hình chữ nhật 19">
             <a:extLst>
               <a:ext uri="{FF2B5EF4-FFF2-40B4-BE49-F238E27FC236}">
-                <a16:creationId xmlns:a16="http://schemas.microsoft.com/office/drawing/2014/main" id="{50D3EFBB-401E-4BB2-8053-68A596927B38}"/>
+                <a16:creationId xmlns:a16="http://schemas.microsoft.com/office/drawing/2014/main" xmlns="" id="{50D3EFBB-401E-4BB2-8053-68A596927B38}"/>
               </a:ext>
             </a:extLst>
           </p:cNvPr>
@@ -4783,13 +4797,10 @@
           <a:p>
             <a:pPr algn="ctr"/>
             <a:r>
-              <a:rPr lang="en-US" dirty="0" err="1"/>
-              <a:t>Nháy</a:t>
+              <a:rPr lang="en-US" dirty="0" smtClean="0"/>
+              <a:t>Toggle led</a:t>
             </a:r>
-            <a:r>
-              <a:rPr lang="en-US" dirty="0"/>
-              <a:t> led</a:t>
-            </a:r>
+            <a:endParaRPr lang="en-US" dirty="0"/>
           </a:p>
         </p:txBody>
       </p:sp>
@@ -4798,7 +4809,7 @@
           <p:cNvPr id="35" name="Hình chữ nhật 34">
             <a:extLst>
               <a:ext uri="{FF2B5EF4-FFF2-40B4-BE49-F238E27FC236}">
-                <a16:creationId xmlns:a16="http://schemas.microsoft.com/office/drawing/2014/main" id="{12C2B3F1-4159-457A-A2B6-74570BBDEC60}"/>
+                <a16:creationId xmlns:a16="http://schemas.microsoft.com/office/drawing/2014/main" xmlns="" id="{12C2B3F1-4159-457A-A2B6-74570BBDEC60}"/>
               </a:ext>
             </a:extLst>
           </p:cNvPr>
@@ -4857,7 +4868,7 @@
           <p:cNvPr id="37" name="Hình chữ nhật 36">
             <a:extLst>
               <a:ext uri="{FF2B5EF4-FFF2-40B4-BE49-F238E27FC236}">
-                <a16:creationId xmlns:a16="http://schemas.microsoft.com/office/drawing/2014/main" id="{6ACCA7C3-C3E6-4C35-BD58-08B80243FBD3}"/>
+                <a16:creationId xmlns:a16="http://schemas.microsoft.com/office/drawing/2014/main" xmlns="" id="{6ACCA7C3-C3E6-4C35-BD58-08B80243FBD3}"/>
               </a:ext>
             </a:extLst>
           </p:cNvPr>
@@ -4904,7 +4915,7 @@
           <p:cNvPr id="18" name="Hình chữ nhật 17">
             <a:extLst>
               <a:ext uri="{FF2B5EF4-FFF2-40B4-BE49-F238E27FC236}">
-                <a16:creationId xmlns:a16="http://schemas.microsoft.com/office/drawing/2014/main" id="{3CBC28E4-8479-443E-B6F4-14A58749B375}"/>
+                <a16:creationId xmlns:a16="http://schemas.microsoft.com/office/drawing/2014/main" xmlns="" id="{3CBC28E4-8479-443E-B6F4-14A58749B375}"/>
               </a:ext>
             </a:extLst>
           </p:cNvPr>
@@ -4913,8 +4924,8 @@
         </p:nvSpPr>
         <p:spPr>
           <a:xfrm>
-            <a:off x="4248260" y="3307297"/>
-            <a:ext cx="3441798" cy="572756"/>
+            <a:off x="8303740" y="3335215"/>
+            <a:ext cx="1603104" cy="572756"/>
           </a:xfrm>
           <a:prstGeom prst="rect">
             <a:avLst/>
@@ -4940,21 +4951,10 @@
           <a:p>
             <a:pPr algn="ctr"/>
             <a:r>
-              <a:rPr lang="en-US" dirty="0" err="1"/>
-              <a:t>atomSemGet</a:t>
+              <a:rPr lang="en-US" dirty="0" smtClean="0"/>
+              <a:t>BLOCK</a:t>
             </a:r>
-            <a:r>
-              <a:rPr lang="en-US" dirty="0"/>
-              <a:t>(</a:t>
-            </a:r>
-            <a:r>
-              <a:rPr lang="en-US" dirty="0" err="1"/>
-              <a:t>semDelayTime</a:t>
-            </a:r>
-            <a:r>
-              <a:rPr lang="en-US" dirty="0"/>
-              <a:t>)</a:t>
-            </a:r>
+            <a:endParaRPr lang="en-US" dirty="0"/>
           </a:p>
         </p:txBody>
       </p:sp>
@@ -4963,7 +4963,7 @@
           <p:cNvPr id="19" name="Hình chữ nhật 18">
             <a:extLst>
               <a:ext uri="{FF2B5EF4-FFF2-40B4-BE49-F238E27FC236}">
-                <a16:creationId xmlns:a16="http://schemas.microsoft.com/office/drawing/2014/main" id="{68D9F721-7592-411E-95A7-69D3CE3946E9}"/>
+                <a16:creationId xmlns:a16="http://schemas.microsoft.com/office/drawing/2014/main" xmlns="" id="{68D9F721-7592-411E-95A7-69D3CE3946E9}"/>
               </a:ext>
             </a:extLst>
           </p:cNvPr>
@@ -5010,7 +5010,7 @@
           <p:cNvPr id="21" name="Hình chữ nhật 20">
             <a:extLst>
               <a:ext uri="{FF2B5EF4-FFF2-40B4-BE49-F238E27FC236}">
-                <a16:creationId xmlns:a16="http://schemas.microsoft.com/office/drawing/2014/main" id="{9075B6FC-55D1-441C-A6F5-56E847AFE8C8}"/>
+                <a16:creationId xmlns:a16="http://schemas.microsoft.com/office/drawing/2014/main" xmlns="" id="{9075B6FC-55D1-441C-A6F5-56E847AFE8C8}"/>
               </a:ext>
             </a:extLst>
           </p:cNvPr>
@@ -5047,8 +5047,13 @@
             <a:pPr algn="ctr"/>
             <a:r>
               <a:rPr lang="en-US" dirty="0"/>
-              <a:t>Update Delay</a:t>
+              <a:t>Update </a:t>
             </a:r>
+            <a:r>
+              <a:rPr lang="en-US" dirty="0" smtClean="0"/>
+              <a:t>Delay (Read)</a:t>
+            </a:r>
+            <a:endParaRPr lang="en-US" dirty="0"/>
           </a:p>
         </p:txBody>
       </p:sp>
@@ -5057,7 +5062,7 @@
           <p:cNvPr id="5" name="Đường kết nối Mũi tên Thẳng 4">
             <a:extLst>
               <a:ext uri="{FF2B5EF4-FFF2-40B4-BE49-F238E27FC236}">
-                <a16:creationId xmlns:a16="http://schemas.microsoft.com/office/drawing/2014/main" id="{39A36563-EA4D-4181-B394-20A8EAA0CB96}"/>
+                <a16:creationId xmlns:a16="http://schemas.microsoft.com/office/drawing/2014/main" xmlns="" id="{39A36563-EA4D-4181-B394-20A8EAA0CB96}"/>
               </a:ext>
             </a:extLst>
           </p:cNvPr>
@@ -5100,7 +5105,7 @@
           <p:cNvPr id="7" name="Đường kết nối Mũi tên Thẳng 6">
             <a:extLst>
               <a:ext uri="{FF2B5EF4-FFF2-40B4-BE49-F238E27FC236}">
-                <a16:creationId xmlns:a16="http://schemas.microsoft.com/office/drawing/2014/main" id="{6638EC9D-D406-46A8-943B-A95756D10765}"/>
+                <a16:creationId xmlns:a16="http://schemas.microsoft.com/office/drawing/2014/main" xmlns="" id="{6638EC9D-D406-46A8-943B-A95756D10765}"/>
               </a:ext>
             </a:extLst>
           </p:cNvPr>
@@ -5139,23 +5144,23 @@
       </p:cxnSp>
       <p:cxnSp>
         <p:nvCxnSpPr>
-          <p:cNvPr id="9" name="Đường kết nối Mũi tên Thẳng 8">
-            <a:extLst>
-              <a:ext uri="{FF2B5EF4-FFF2-40B4-BE49-F238E27FC236}">
-                <a16:creationId xmlns:a16="http://schemas.microsoft.com/office/drawing/2014/main" id="{E634F3F4-3D0E-44E3-81F8-1DF114767232}"/>
+          <p:cNvPr id="15" name="Đường kết nối Mũi tên Thẳng 14">
+            <a:extLst>
+              <a:ext uri="{FF2B5EF4-FFF2-40B4-BE49-F238E27FC236}">
+                <a16:creationId xmlns:a16="http://schemas.microsoft.com/office/drawing/2014/main" xmlns="" id="{211551EB-96F2-414F-9D01-13C7ADE5498A}"/>
               </a:ext>
             </a:extLst>
           </p:cNvPr>
           <p:cNvCxnSpPr>
-            <a:stCxn id="20" idx="2"/>
-            <a:endCxn id="18" idx="0"/>
+            <a:stCxn id="21" idx="2"/>
+            <a:endCxn id="35" idx="0"/>
           </p:cNvCxnSpPr>
           <p:nvPr/>
         </p:nvCxnSpPr>
         <p:spPr>
-          <a:xfrm flipH="1">
-            <a:off x="5969159" y="3092111"/>
-            <a:ext cx="8" cy="215186"/>
+          <a:xfrm>
+            <a:off x="5969161" y="4695913"/>
+            <a:ext cx="1" cy="215186"/>
           </a:xfrm>
           <a:prstGeom prst="straightConnector1">
             <a:avLst/>
@@ -5181,23 +5186,23 @@
       </p:cxnSp>
       <p:cxnSp>
         <p:nvCxnSpPr>
-          <p:cNvPr id="13" name="Đường kết nối Mũi tên Thẳng 12">
-            <a:extLst>
-              <a:ext uri="{FF2B5EF4-FFF2-40B4-BE49-F238E27FC236}">
-                <a16:creationId xmlns:a16="http://schemas.microsoft.com/office/drawing/2014/main" id="{E3D2F12C-9CA7-4FEF-A213-8339FAABA2FD}"/>
+          <p:cNvPr id="23" name="Đường kết nối Mũi tên Thẳng 22">
+            <a:extLst>
+              <a:ext uri="{FF2B5EF4-FFF2-40B4-BE49-F238E27FC236}">
+                <a16:creationId xmlns:a16="http://schemas.microsoft.com/office/drawing/2014/main" xmlns="" id="{12CC2A75-8A98-4204-ADF0-CF937876C26A}"/>
               </a:ext>
             </a:extLst>
           </p:cNvPr>
           <p:cNvCxnSpPr>
-            <a:stCxn id="18" idx="2"/>
-            <a:endCxn id="21" idx="0"/>
+            <a:stCxn id="35" idx="2"/>
+            <a:endCxn id="19" idx="0"/>
           </p:cNvCxnSpPr>
           <p:nvPr/>
         </p:nvCxnSpPr>
         <p:spPr>
-          <a:xfrm>
-            <a:off x="5969159" y="3880053"/>
-            <a:ext cx="2" cy="243104"/>
+          <a:xfrm flipH="1">
+            <a:off x="5969156" y="5483855"/>
+            <a:ext cx="6" cy="215186"/>
           </a:xfrm>
           <a:prstGeom prst="straightConnector1">
             <a:avLst/>
@@ -5223,94 +5228,10 @@
       </p:cxnSp>
       <p:cxnSp>
         <p:nvCxnSpPr>
-          <p:cNvPr id="15" name="Đường kết nối Mũi tên Thẳng 14">
-            <a:extLst>
-              <a:ext uri="{FF2B5EF4-FFF2-40B4-BE49-F238E27FC236}">
-                <a16:creationId xmlns:a16="http://schemas.microsoft.com/office/drawing/2014/main" id="{211551EB-96F2-414F-9D01-13C7ADE5498A}"/>
-              </a:ext>
-            </a:extLst>
-          </p:cNvPr>
-          <p:cNvCxnSpPr>
-            <a:stCxn id="21" idx="2"/>
-            <a:endCxn id="35" idx="0"/>
-          </p:cNvCxnSpPr>
-          <p:nvPr/>
-        </p:nvCxnSpPr>
-        <p:spPr>
-          <a:xfrm>
-            <a:off x="5969161" y="4695913"/>
-            <a:ext cx="1" cy="215186"/>
-          </a:xfrm>
-          <a:prstGeom prst="straightConnector1">
-            <a:avLst/>
-          </a:prstGeom>
-          <a:ln>
-            <a:tailEnd type="triangle"/>
-          </a:ln>
-        </p:spPr>
-        <p:style>
-          <a:lnRef idx="1">
-            <a:schemeClr val="accent1"/>
-          </a:lnRef>
-          <a:fillRef idx="0">
-            <a:schemeClr val="accent1"/>
-          </a:fillRef>
-          <a:effectRef idx="0">
-            <a:schemeClr val="accent1"/>
-          </a:effectRef>
-          <a:fontRef idx="minor">
-            <a:schemeClr val="tx1"/>
-          </a:fontRef>
-        </p:style>
-      </p:cxnSp>
-      <p:cxnSp>
-        <p:nvCxnSpPr>
-          <p:cNvPr id="23" name="Đường kết nối Mũi tên Thẳng 22">
-            <a:extLst>
-              <a:ext uri="{FF2B5EF4-FFF2-40B4-BE49-F238E27FC236}">
-                <a16:creationId xmlns:a16="http://schemas.microsoft.com/office/drawing/2014/main" id="{12CC2A75-8A98-4204-ADF0-CF937876C26A}"/>
-              </a:ext>
-            </a:extLst>
-          </p:cNvPr>
-          <p:cNvCxnSpPr>
-            <a:stCxn id="35" idx="2"/>
-            <a:endCxn id="19" idx="0"/>
-          </p:cNvCxnSpPr>
-          <p:nvPr/>
-        </p:nvCxnSpPr>
-        <p:spPr>
-          <a:xfrm flipH="1">
-            <a:off x="5969156" y="5483855"/>
-            <a:ext cx="6" cy="215186"/>
-          </a:xfrm>
-          <a:prstGeom prst="straightConnector1">
-            <a:avLst/>
-          </a:prstGeom>
-          <a:ln>
-            <a:tailEnd type="triangle"/>
-          </a:ln>
-        </p:spPr>
-        <p:style>
-          <a:lnRef idx="1">
-            <a:schemeClr val="accent1"/>
-          </a:lnRef>
-          <a:fillRef idx="0">
-            <a:schemeClr val="accent1"/>
-          </a:fillRef>
-          <a:effectRef idx="0">
-            <a:schemeClr val="accent1"/>
-          </a:effectRef>
-          <a:fontRef idx="minor">
-            <a:schemeClr val="tx1"/>
-          </a:fontRef>
-        </p:style>
-      </p:cxnSp>
-      <p:cxnSp>
-        <p:nvCxnSpPr>
           <p:cNvPr id="25" name="Đường kết nối: Mũi tên Gấp khúc 24">
             <a:extLst>
               <a:ext uri="{FF2B5EF4-FFF2-40B4-BE49-F238E27FC236}">
-                <a16:creationId xmlns:a16="http://schemas.microsoft.com/office/drawing/2014/main" id="{1A77DAB8-4BA3-4759-A990-B009CE2E6EFB}"/>
+                <a16:creationId xmlns:a16="http://schemas.microsoft.com/office/drawing/2014/main" xmlns="" id="{1A77DAB8-4BA3-4759-A990-B009CE2E6EFB}"/>
               </a:ext>
             </a:extLst>
           </p:cNvPr>
@@ -5350,6 +5271,562 @@
           </a:fontRef>
         </p:style>
       </p:cxnSp>
+      <p:sp>
+        <p:nvSpPr>
+          <p:cNvPr id="26" name="Hình thoi 24">
+            <a:extLst>
+              <a:ext uri="{FF2B5EF4-FFF2-40B4-BE49-F238E27FC236}">
+                <a16:creationId xmlns:a16="http://schemas.microsoft.com/office/drawing/2014/main" xmlns="" id="{C95836A9-09DE-4621-9073-4EB7A654D07F}"/>
+              </a:ext>
+            </a:extLst>
+          </p:cNvPr>
+          <p:cNvSpPr/>
+          <p:nvPr/>
+        </p:nvSpPr>
+        <p:spPr>
+          <a:xfrm>
+            <a:off x="4424562" y="3223729"/>
+            <a:ext cx="3089189" cy="786284"/>
+          </a:xfrm>
+          <a:prstGeom prst="diamond">
+            <a:avLst/>
+          </a:prstGeom>
+        </p:spPr>
+        <p:style>
+          <a:lnRef idx="2">
+            <a:schemeClr val="accent1"/>
+          </a:lnRef>
+          <a:fillRef idx="1">
+            <a:schemeClr val="lt1"/>
+          </a:fillRef>
+          <a:effectRef idx="0">
+            <a:schemeClr val="accent1"/>
+          </a:effectRef>
+          <a:fontRef idx="minor">
+            <a:schemeClr val="dk1"/>
+          </a:fontRef>
+        </p:style>
+        <p:txBody>
+          <a:bodyPr rtlCol="0" anchor="ctr"/>
+          <a:lstStyle/>
+          <a:p>
+            <a:pPr algn="ctr"/>
+            <a:r>
+              <a:rPr lang="en-US" dirty="0" err="1" smtClean="0"/>
+              <a:t>SemD</a:t>
+            </a:r>
+            <a:r>
+              <a:rPr lang="en-US" dirty="0" smtClean="0"/>
+              <a:t>-&gt;</a:t>
+            </a:r>
+            <a:r>
+              <a:rPr lang="en-US" dirty="0" err="1" smtClean="0"/>
+              <a:t>cnt</a:t>
+            </a:r>
+            <a:r>
+              <a:rPr lang="en-US" dirty="0" smtClean="0"/>
+              <a:t> &gt; 0</a:t>
+            </a:r>
+            <a:endParaRPr lang="en-US" dirty="0"/>
+          </a:p>
+        </p:txBody>
+      </p:sp>
+      <p:cxnSp>
+        <p:nvCxnSpPr>
+          <p:cNvPr id="28" name="Đường kết nối Mũi tên Thẳng 4">
+            <a:extLst>
+              <a:ext uri="{FF2B5EF4-FFF2-40B4-BE49-F238E27FC236}">
+                <a16:creationId xmlns:a16="http://schemas.microsoft.com/office/drawing/2014/main" xmlns="" id="{39A36563-EA4D-4181-B394-20A8EAA0CB96}"/>
+              </a:ext>
+            </a:extLst>
+          </p:cNvPr>
+          <p:cNvCxnSpPr>
+            <a:cxnSpLocks/>
+            <a:endCxn id="21" idx="0"/>
+          </p:cNvCxnSpPr>
+          <p:nvPr/>
+        </p:nvCxnSpPr>
+        <p:spPr>
+          <a:xfrm>
+            <a:off x="5969152" y="3996923"/>
+            <a:ext cx="9" cy="126234"/>
+          </a:xfrm>
+          <a:prstGeom prst="straightConnector1">
+            <a:avLst/>
+          </a:prstGeom>
+          <a:ln>
+            <a:tailEnd type="triangle"/>
+          </a:ln>
+        </p:spPr>
+        <p:style>
+          <a:lnRef idx="1">
+            <a:schemeClr val="accent1"/>
+          </a:lnRef>
+          <a:fillRef idx="0">
+            <a:schemeClr val="accent1"/>
+          </a:fillRef>
+          <a:effectRef idx="0">
+            <a:schemeClr val="accent1"/>
+          </a:effectRef>
+          <a:fontRef idx="minor">
+            <a:schemeClr val="tx1"/>
+          </a:fontRef>
+        </p:style>
+      </p:cxnSp>
+      <p:cxnSp>
+        <p:nvCxnSpPr>
+          <p:cNvPr id="31" name="Đường kết nối Mũi tên Thẳng 4">
+            <a:extLst>
+              <a:ext uri="{FF2B5EF4-FFF2-40B4-BE49-F238E27FC236}">
+                <a16:creationId xmlns:a16="http://schemas.microsoft.com/office/drawing/2014/main" xmlns="" id="{39A36563-EA4D-4181-B394-20A8EAA0CB96}"/>
+              </a:ext>
+            </a:extLst>
+          </p:cNvPr>
+          <p:cNvCxnSpPr>
+            <a:cxnSpLocks/>
+            <a:endCxn id="26" idx="0"/>
+          </p:cNvCxnSpPr>
+          <p:nvPr/>
+        </p:nvCxnSpPr>
+        <p:spPr>
+          <a:xfrm>
+            <a:off x="5969142" y="3092111"/>
+            <a:ext cx="15" cy="131618"/>
+          </a:xfrm>
+          <a:prstGeom prst="straightConnector1">
+            <a:avLst/>
+          </a:prstGeom>
+          <a:ln>
+            <a:tailEnd type="triangle"/>
+          </a:ln>
+        </p:spPr>
+        <p:style>
+          <a:lnRef idx="1">
+            <a:schemeClr val="accent1"/>
+          </a:lnRef>
+          <a:fillRef idx="0">
+            <a:schemeClr val="accent1"/>
+          </a:fillRef>
+          <a:effectRef idx="0">
+            <a:schemeClr val="accent1"/>
+          </a:effectRef>
+          <a:fontRef idx="minor">
+            <a:schemeClr val="tx1"/>
+          </a:fontRef>
+        </p:style>
+      </p:cxnSp>
+      <p:cxnSp>
+        <p:nvCxnSpPr>
+          <p:cNvPr id="32" name="Đường kết nối Mũi tên Thẳng 4">
+            <a:extLst>
+              <a:ext uri="{FF2B5EF4-FFF2-40B4-BE49-F238E27FC236}">
+                <a16:creationId xmlns:a16="http://schemas.microsoft.com/office/drawing/2014/main" xmlns="" id="{39A36563-EA4D-4181-B394-20A8EAA0CB96}"/>
+              </a:ext>
+            </a:extLst>
+          </p:cNvPr>
+          <p:cNvCxnSpPr>
+            <a:cxnSpLocks/>
+            <a:stCxn id="26" idx="3"/>
+            <a:endCxn id="18" idx="1"/>
+          </p:cNvCxnSpPr>
+          <p:nvPr/>
+        </p:nvCxnSpPr>
+        <p:spPr>
+          <a:xfrm>
+            <a:off x="7513751" y="3616871"/>
+            <a:ext cx="789989" cy="4722"/>
+          </a:xfrm>
+          <a:prstGeom prst="straightConnector1">
+            <a:avLst/>
+          </a:prstGeom>
+          <a:ln>
+            <a:tailEnd type="triangle"/>
+          </a:ln>
+        </p:spPr>
+        <p:style>
+          <a:lnRef idx="1">
+            <a:schemeClr val="accent1"/>
+          </a:lnRef>
+          <a:fillRef idx="0">
+            <a:schemeClr val="accent1"/>
+          </a:fillRef>
+          <a:effectRef idx="0">
+            <a:schemeClr val="accent1"/>
+          </a:effectRef>
+          <a:fontRef idx="minor">
+            <a:schemeClr val="tx1"/>
+          </a:fontRef>
+        </p:style>
+      </p:cxnSp>
+      <p:sp>
+        <p:nvSpPr>
+          <p:cNvPr id="51" name="Hình thoi 24">
+            <a:extLst>
+              <a:ext uri="{FF2B5EF4-FFF2-40B4-BE49-F238E27FC236}">
+                <a16:creationId xmlns:a16="http://schemas.microsoft.com/office/drawing/2014/main" xmlns="" id="{C95836A9-09DE-4621-9073-4EB7A654D07F}"/>
+              </a:ext>
+            </a:extLst>
+          </p:cNvPr>
+          <p:cNvSpPr/>
+          <p:nvPr/>
+        </p:nvSpPr>
+        <p:spPr>
+          <a:xfrm>
+            <a:off x="8150951" y="4146353"/>
+            <a:ext cx="2072206" cy="671265"/>
+          </a:xfrm>
+          <a:prstGeom prst="diamond">
+            <a:avLst/>
+          </a:prstGeom>
+        </p:spPr>
+        <p:style>
+          <a:lnRef idx="2">
+            <a:schemeClr val="accent1"/>
+          </a:lnRef>
+          <a:fillRef idx="1">
+            <a:schemeClr val="lt1"/>
+          </a:fillRef>
+          <a:effectRef idx="0">
+            <a:schemeClr val="accent1"/>
+          </a:effectRef>
+          <a:fontRef idx="minor">
+            <a:schemeClr val="dk1"/>
+          </a:fontRef>
+        </p:style>
+        <p:txBody>
+          <a:bodyPr rtlCol="0" anchor="ctr"/>
+          <a:lstStyle/>
+          <a:p>
+            <a:pPr algn="ctr"/>
+            <a:r>
+              <a:rPr lang="en-US" dirty="0" smtClean="0"/>
+              <a:t>Wake-up</a:t>
+            </a:r>
+            <a:endParaRPr lang="en-US" dirty="0"/>
+          </a:p>
+        </p:txBody>
+      </p:sp>
+      <p:cxnSp>
+        <p:nvCxnSpPr>
+          <p:cNvPr id="53" name="Đường kết nối Mũi tên Thẳng 4">
+            <a:extLst>
+              <a:ext uri="{FF2B5EF4-FFF2-40B4-BE49-F238E27FC236}">
+                <a16:creationId xmlns:a16="http://schemas.microsoft.com/office/drawing/2014/main" xmlns="" id="{39A36563-EA4D-4181-B394-20A8EAA0CB96}"/>
+              </a:ext>
+            </a:extLst>
+          </p:cNvPr>
+          <p:cNvCxnSpPr>
+            <a:cxnSpLocks/>
+          </p:cNvCxnSpPr>
+          <p:nvPr/>
+        </p:nvCxnSpPr>
+        <p:spPr>
+          <a:xfrm>
+            <a:off x="9187054" y="3907971"/>
+            <a:ext cx="10" cy="263842"/>
+          </a:xfrm>
+          <a:prstGeom prst="straightConnector1">
+            <a:avLst/>
+          </a:prstGeom>
+          <a:ln>
+            <a:tailEnd type="triangle"/>
+          </a:ln>
+        </p:spPr>
+        <p:style>
+          <a:lnRef idx="1">
+            <a:schemeClr val="accent1"/>
+          </a:lnRef>
+          <a:fillRef idx="0">
+            <a:schemeClr val="accent1"/>
+          </a:fillRef>
+          <a:effectRef idx="0">
+            <a:schemeClr val="accent1"/>
+          </a:effectRef>
+          <a:fontRef idx="minor">
+            <a:schemeClr val="tx1"/>
+          </a:fontRef>
+        </p:style>
+      </p:cxnSp>
+      <p:cxnSp>
+        <p:nvCxnSpPr>
+          <p:cNvPr id="61" name="Straight Connector 60"/>
+          <p:cNvCxnSpPr>
+            <a:stCxn id="51" idx="3"/>
+          </p:cNvCxnSpPr>
+          <p:nvPr/>
+        </p:nvCxnSpPr>
+        <p:spPr>
+          <a:xfrm flipV="1">
+            <a:off x="10223157" y="4481985"/>
+            <a:ext cx="467703" cy="1"/>
+          </a:xfrm>
+          <a:prstGeom prst="line">
+            <a:avLst/>
+          </a:prstGeom>
+        </p:spPr>
+        <p:style>
+          <a:lnRef idx="1">
+            <a:schemeClr val="accent1"/>
+          </a:lnRef>
+          <a:fillRef idx="0">
+            <a:schemeClr val="accent1"/>
+          </a:fillRef>
+          <a:effectRef idx="0">
+            <a:schemeClr val="accent1"/>
+          </a:effectRef>
+          <a:fontRef idx="minor">
+            <a:schemeClr val="tx1"/>
+          </a:fontRef>
+        </p:style>
+      </p:cxnSp>
+      <p:cxnSp>
+        <p:nvCxnSpPr>
+          <p:cNvPr id="63" name="Straight Connector 62"/>
+          <p:cNvCxnSpPr/>
+          <p:nvPr/>
+        </p:nvCxnSpPr>
+        <p:spPr>
+          <a:xfrm flipV="1">
+            <a:off x="10690860" y="2872740"/>
+            <a:ext cx="0" cy="1609245"/>
+          </a:xfrm>
+          <a:prstGeom prst="line">
+            <a:avLst/>
+          </a:prstGeom>
+        </p:spPr>
+        <p:style>
+          <a:lnRef idx="1">
+            <a:schemeClr val="accent1"/>
+          </a:lnRef>
+          <a:fillRef idx="0">
+            <a:schemeClr val="accent1"/>
+          </a:fillRef>
+          <a:effectRef idx="0">
+            <a:schemeClr val="accent1"/>
+          </a:effectRef>
+          <a:fontRef idx="minor">
+            <a:schemeClr val="tx1"/>
+          </a:fontRef>
+        </p:style>
+      </p:cxnSp>
+      <p:cxnSp>
+        <p:nvCxnSpPr>
+          <p:cNvPr id="65" name="Straight Connector 64"/>
+          <p:cNvCxnSpPr/>
+          <p:nvPr/>
+        </p:nvCxnSpPr>
+        <p:spPr>
+          <a:xfrm flipH="1">
+            <a:off x="9187054" y="2872740"/>
+            <a:ext cx="1503806" cy="0"/>
+          </a:xfrm>
+          <a:prstGeom prst="line">
+            <a:avLst/>
+          </a:prstGeom>
+        </p:spPr>
+        <p:style>
+          <a:lnRef idx="1">
+            <a:schemeClr val="accent1"/>
+          </a:lnRef>
+          <a:fillRef idx="0">
+            <a:schemeClr val="accent1"/>
+          </a:fillRef>
+          <a:effectRef idx="0">
+            <a:schemeClr val="accent1"/>
+          </a:effectRef>
+          <a:fontRef idx="minor">
+            <a:schemeClr val="tx1"/>
+          </a:fontRef>
+        </p:style>
+      </p:cxnSp>
+      <p:cxnSp>
+        <p:nvCxnSpPr>
+          <p:cNvPr id="67" name="Straight Arrow Connector 66"/>
+          <p:cNvCxnSpPr/>
+          <p:nvPr/>
+        </p:nvCxnSpPr>
+        <p:spPr>
+          <a:xfrm>
+            <a:off x="9187054" y="2872740"/>
+            <a:ext cx="0" cy="462475"/>
+          </a:xfrm>
+          <a:prstGeom prst="straightConnector1">
+            <a:avLst/>
+          </a:prstGeom>
+          <a:ln>
+            <a:tailEnd type="triangle"/>
+          </a:ln>
+        </p:spPr>
+        <p:style>
+          <a:lnRef idx="1">
+            <a:schemeClr val="accent1"/>
+          </a:lnRef>
+          <a:fillRef idx="0">
+            <a:schemeClr val="accent1"/>
+          </a:fillRef>
+          <a:effectRef idx="0">
+            <a:schemeClr val="accent1"/>
+          </a:effectRef>
+          <a:fontRef idx="minor">
+            <a:schemeClr val="tx1"/>
+          </a:fontRef>
+        </p:style>
+      </p:cxnSp>
+      <p:cxnSp>
+        <p:nvCxnSpPr>
+          <p:cNvPr id="71" name="Straight Arrow Connector 70"/>
+          <p:cNvCxnSpPr>
+            <a:stCxn id="51" idx="1"/>
+          </p:cNvCxnSpPr>
+          <p:nvPr/>
+        </p:nvCxnSpPr>
+        <p:spPr>
+          <a:xfrm flipH="1" flipV="1">
+            <a:off x="7690052" y="4481985"/>
+            <a:ext cx="460899" cy="1"/>
+          </a:xfrm>
+          <a:prstGeom prst="straightConnector1">
+            <a:avLst/>
+          </a:prstGeom>
+          <a:ln>
+            <a:tailEnd type="triangle"/>
+          </a:ln>
+        </p:spPr>
+        <p:style>
+          <a:lnRef idx="1">
+            <a:schemeClr val="accent1"/>
+          </a:lnRef>
+          <a:fillRef idx="0">
+            <a:schemeClr val="accent1"/>
+          </a:fillRef>
+          <a:effectRef idx="0">
+            <a:schemeClr val="accent1"/>
+          </a:effectRef>
+          <a:fontRef idx="minor">
+            <a:schemeClr val="tx1"/>
+          </a:fontRef>
+        </p:style>
+      </p:cxnSp>
+      <p:sp>
+        <p:nvSpPr>
+          <p:cNvPr id="72" name="TextBox 71"/>
+          <p:cNvSpPr txBox="1"/>
+          <p:nvPr/>
+        </p:nvSpPr>
+        <p:spPr>
+          <a:xfrm>
+            <a:off x="7628017" y="3302671"/>
+            <a:ext cx="333746" cy="369332"/>
+          </a:xfrm>
+          <a:prstGeom prst="rect">
+            <a:avLst/>
+          </a:prstGeom>
+          <a:noFill/>
+        </p:spPr>
+        <p:txBody>
+          <a:bodyPr wrap="none" rtlCol="0">
+            <a:spAutoFit/>
+          </a:bodyPr>
+          <a:lstStyle/>
+          <a:p>
+            <a:r>
+              <a:rPr lang="en-US" dirty="0" smtClean="0"/>
+              <a:t>N</a:t>
+            </a:r>
+            <a:endParaRPr lang="en-US" dirty="0"/>
+          </a:p>
+        </p:txBody>
+      </p:sp>
+      <p:sp>
+        <p:nvSpPr>
+          <p:cNvPr id="73" name="TextBox 72"/>
+          <p:cNvSpPr txBox="1"/>
+          <p:nvPr/>
+        </p:nvSpPr>
+        <p:spPr>
+          <a:xfrm>
+            <a:off x="6458887" y="3822855"/>
+            <a:ext cx="296876" cy="369332"/>
+          </a:xfrm>
+          <a:prstGeom prst="rect">
+            <a:avLst/>
+          </a:prstGeom>
+          <a:noFill/>
+        </p:spPr>
+        <p:txBody>
+          <a:bodyPr wrap="none" rtlCol="0">
+            <a:spAutoFit/>
+          </a:bodyPr>
+          <a:lstStyle/>
+          <a:p>
+            <a:r>
+              <a:rPr lang="en-US" dirty="0" smtClean="0"/>
+              <a:t>Y</a:t>
+            </a:r>
+            <a:endParaRPr lang="en-US" dirty="0"/>
+          </a:p>
+        </p:txBody>
+      </p:sp>
+      <p:sp>
+        <p:nvSpPr>
+          <p:cNvPr id="74" name="TextBox 73"/>
+          <p:cNvSpPr txBox="1"/>
+          <p:nvPr/>
+        </p:nvSpPr>
+        <p:spPr>
+          <a:xfrm>
+            <a:off x="10241035" y="4192187"/>
+            <a:ext cx="333746" cy="369332"/>
+          </a:xfrm>
+          <a:prstGeom prst="rect">
+            <a:avLst/>
+          </a:prstGeom>
+          <a:noFill/>
+        </p:spPr>
+        <p:txBody>
+          <a:bodyPr wrap="none" rtlCol="0">
+            <a:spAutoFit/>
+          </a:bodyPr>
+          <a:lstStyle/>
+          <a:p>
+            <a:r>
+              <a:rPr lang="en-US" dirty="0" smtClean="0"/>
+              <a:t>N</a:t>
+            </a:r>
+            <a:endParaRPr lang="en-US" dirty="0"/>
+          </a:p>
+        </p:txBody>
+      </p:sp>
+      <p:sp>
+        <p:nvSpPr>
+          <p:cNvPr id="75" name="TextBox 74"/>
+          <p:cNvSpPr txBox="1"/>
+          <p:nvPr/>
+        </p:nvSpPr>
+        <p:spPr>
+          <a:xfrm>
+            <a:off x="7836197" y="4192187"/>
+            <a:ext cx="296876" cy="369332"/>
+          </a:xfrm>
+          <a:prstGeom prst="rect">
+            <a:avLst/>
+          </a:prstGeom>
+          <a:noFill/>
+        </p:spPr>
+        <p:txBody>
+          <a:bodyPr wrap="none" rtlCol="0">
+            <a:spAutoFit/>
+          </a:bodyPr>
+          <a:lstStyle/>
+          <a:p>
+            <a:r>
+              <a:rPr lang="en-US" dirty="0" smtClean="0"/>
+              <a:t>Y</a:t>
+            </a:r>
+            <a:endParaRPr lang="en-US" dirty="0"/>
+          </a:p>
+        </p:txBody>
+      </p:sp>
     </p:spTree>
     <p:extLst>
       <p:ext uri="{BB962C8B-B14F-4D97-AF65-F5344CB8AC3E}">
@@ -5360,6 +5837,13 @@
   <p:clrMapOvr>
     <a:masterClrMapping/>
   </p:clrMapOvr>
+  <p:timing>
+    <p:tnLst>
+      <p:par>
+        <p:cTn id="1" dur="indefinite" restart="never" nodeType="tmRoot"/>
+      </p:par>
+    </p:tnLst>
+  </p:timing>
 </p:sld>
 </file>
 
@@ -5385,7 +5869,7 @@
           <p:cNvPr id="4" name="Hình chữ nhật 3">
             <a:extLst>
               <a:ext uri="{FF2B5EF4-FFF2-40B4-BE49-F238E27FC236}">
-                <a16:creationId xmlns:a16="http://schemas.microsoft.com/office/drawing/2014/main" id="{C41056F5-6A80-400E-ACB4-FE6C05639353}"/>
+                <a16:creationId xmlns:a16="http://schemas.microsoft.com/office/drawing/2014/main" xmlns="" id="{C41056F5-6A80-400E-ACB4-FE6C05639353}"/>
               </a:ext>
             </a:extLst>
           </p:cNvPr>
@@ -5432,7 +5916,7 @@
           <p:cNvPr id="12" name="Đường nối Thẳng 11">
             <a:extLst>
               <a:ext uri="{FF2B5EF4-FFF2-40B4-BE49-F238E27FC236}">
-                <a16:creationId xmlns:a16="http://schemas.microsoft.com/office/drawing/2014/main" id="{8BD072BC-CB8C-4DF6-98A6-2A53FE38B952}"/>
+                <a16:creationId xmlns:a16="http://schemas.microsoft.com/office/drawing/2014/main" xmlns="" id="{8BD072BC-CB8C-4DF6-98A6-2A53FE38B952}"/>
               </a:ext>
             </a:extLst>
           </p:cNvPr>
@@ -5478,7 +5962,7 @@
           <p:cNvPr id="3" name="Nhóm 2">
             <a:extLst>
               <a:ext uri="{FF2B5EF4-FFF2-40B4-BE49-F238E27FC236}">
-                <a16:creationId xmlns:a16="http://schemas.microsoft.com/office/drawing/2014/main" id="{8D7372B7-9946-4E33-8D99-3240B4CEAEFE}"/>
+                <a16:creationId xmlns:a16="http://schemas.microsoft.com/office/drawing/2014/main" xmlns="" id="{8D7372B7-9946-4E33-8D99-3240B4CEAEFE}"/>
               </a:ext>
             </a:extLst>
           </p:cNvPr>
@@ -5488,9 +5972,9 @@
         <p:grpSpPr>
           <a:xfrm>
             <a:off x="343319" y="-68316"/>
-            <a:ext cx="2296989" cy="1371628"/>
+            <a:ext cx="2647531" cy="1371628"/>
             <a:chOff x="6422571" y="1339583"/>
-            <a:chExt cx="2296989" cy="1371628"/>
+            <a:chExt cx="2647531" cy="1371628"/>
           </a:xfrm>
         </p:grpSpPr>
         <p:sp>
@@ -5498,7 +5982,7 @@
             <p:cNvPr id="16" name="Hộp Văn bản 15">
               <a:extLst>
                 <a:ext uri="{FF2B5EF4-FFF2-40B4-BE49-F238E27FC236}">
-                  <a16:creationId xmlns:a16="http://schemas.microsoft.com/office/drawing/2014/main" id="{8ED6B838-BE24-4B5D-8077-035B875D4357}"/>
+                  <a16:creationId xmlns:a16="http://schemas.microsoft.com/office/drawing/2014/main" xmlns="" id="{8ED6B838-BE24-4B5D-8077-035B875D4357}"/>
                 </a:ext>
               </a:extLst>
             </p:cNvPr>
@@ -5508,7 +5992,7 @@
           <p:spPr>
             <a:xfrm>
               <a:off x="6422571" y="1339583"/>
-              <a:ext cx="1666337" cy="584775"/>
+              <a:ext cx="2647531" cy="584775"/>
             </a:xfrm>
             <a:prstGeom prst="rect">
               <a:avLst/>
@@ -5522,9 +6006,10 @@
             <a:lstStyle/>
             <a:p>
               <a:r>
-                <a:rPr lang="en-US" sz="3200" dirty="0"/>
-                <a:t>Threads</a:t>
+                <a:rPr lang="en-US" sz="3200" dirty="0" smtClean="0"/>
+                <a:t>Button Thread</a:t>
               </a:r>
+              <a:endParaRPr lang="en-US" sz="3200" dirty="0"/>
             </a:p>
           </p:txBody>
         </p:sp>
@@ -5533,7 +6018,7 @@
             <p:cNvPr id="22" name="Đường nối Thẳng 21">
               <a:extLst>
                 <a:ext uri="{FF2B5EF4-FFF2-40B4-BE49-F238E27FC236}">
-                  <a16:creationId xmlns:a16="http://schemas.microsoft.com/office/drawing/2014/main" id="{56F1EAC6-ECEF-49C2-BBE3-2DA22DDBF8F5}"/>
+                  <a16:creationId xmlns:a16="http://schemas.microsoft.com/office/drawing/2014/main" xmlns="" id="{56F1EAC6-ECEF-49C2-BBE3-2DA22DDBF8F5}"/>
                 </a:ext>
               </a:extLst>
             </p:cNvPr>
@@ -5574,7 +6059,7 @@
             <p:cNvPr id="27" name="Hộp Văn bản 26">
               <a:extLst>
                 <a:ext uri="{FF2B5EF4-FFF2-40B4-BE49-F238E27FC236}">
-                  <a16:creationId xmlns:a16="http://schemas.microsoft.com/office/drawing/2014/main" id="{755D4EC0-045D-4A99-A2F8-0032E85CC2EF}"/>
+                  <a16:creationId xmlns:a16="http://schemas.microsoft.com/office/drawing/2014/main" xmlns="" id="{755D4EC0-045D-4A99-A2F8-0032E85CC2EF}"/>
                 </a:ext>
               </a:extLst>
             </p:cNvPr>
@@ -5622,7 +6107,7 @@
           <p:cNvPr id="30" name="Hình bình hành 29">
             <a:extLst>
               <a:ext uri="{FF2B5EF4-FFF2-40B4-BE49-F238E27FC236}">
-                <a16:creationId xmlns:a16="http://schemas.microsoft.com/office/drawing/2014/main" id="{96CFA1A4-2907-4415-8A45-5FC8D82275E4}"/>
+                <a16:creationId xmlns:a16="http://schemas.microsoft.com/office/drawing/2014/main" xmlns="" id="{96CFA1A4-2907-4415-8A45-5FC8D82275E4}"/>
               </a:ext>
             </a:extLst>
           </p:cNvPr>
@@ -5671,7 +6156,7 @@
           <p:cNvPr id="11" name="Lưu đồ: Điểm Kết Thúc 10">
             <a:extLst>
               <a:ext uri="{FF2B5EF4-FFF2-40B4-BE49-F238E27FC236}">
-                <a16:creationId xmlns:a16="http://schemas.microsoft.com/office/drawing/2014/main" id="{EFF7C061-4564-45F5-97EB-0B1A9699FC8C}"/>
+                <a16:creationId xmlns:a16="http://schemas.microsoft.com/office/drawing/2014/main" xmlns="" id="{EFF7C061-4564-45F5-97EB-0B1A9699FC8C}"/>
               </a:ext>
             </a:extLst>
           </p:cNvPr>
@@ -5684,6 +6169,61 @@
             <a:ext cx="1999621" cy="560182"/>
           </a:xfrm>
           <a:prstGeom prst="flowChartTerminator">
+            <a:avLst/>
+          </a:prstGeom>
+        </p:spPr>
+        <p:style>
+          <a:lnRef idx="2">
+            <a:schemeClr val="accent1"/>
+          </a:lnRef>
+          <a:fillRef idx="1">
+            <a:schemeClr val="lt1"/>
+          </a:fillRef>
+          <a:effectRef idx="0">
+            <a:schemeClr val="accent1"/>
+          </a:effectRef>
+          <a:fontRef idx="minor">
+            <a:schemeClr val="dk1"/>
+          </a:fontRef>
+        </p:style>
+        <p:txBody>
+          <a:bodyPr rtlCol="0" anchor="ctr"/>
+          <a:lstStyle/>
+          <a:p>
+            <a:pPr algn="ctr"/>
+            <a:r>
+              <a:rPr lang="en-US" dirty="0" smtClean="0"/>
+              <a:t>Button</a:t>
+            </a:r>
+            <a:r>
+              <a:rPr lang="en-US" dirty="0" smtClean="0"/>
+              <a:t> </a:t>
+            </a:r>
+            <a:r>
+              <a:rPr lang="en-US" dirty="0"/>
+              <a:t>Thread</a:t>
+            </a:r>
+          </a:p>
+        </p:txBody>
+      </p:sp>
+      <p:sp>
+        <p:nvSpPr>
+          <p:cNvPr id="20" name="Hình chữ nhật 19">
+            <a:extLst>
+              <a:ext uri="{FF2B5EF4-FFF2-40B4-BE49-F238E27FC236}">
+                <a16:creationId xmlns:a16="http://schemas.microsoft.com/office/drawing/2014/main" xmlns="" id="{50D3EFBB-401E-4BB2-8053-68A596927B38}"/>
+              </a:ext>
+            </a:extLst>
+          </p:cNvPr>
+          <p:cNvSpPr/>
+          <p:nvPr/>
+        </p:nvSpPr>
+        <p:spPr>
+          <a:xfrm>
+            <a:off x="5076086" y="3911288"/>
+            <a:ext cx="3735133" cy="404944"/>
+          </a:xfrm>
+          <a:prstGeom prst="rect">
             <a:avLst/>
           </a:prstGeom>
         </p:spPr>
@@ -5708,114 +6248,13 @@
             <a:pPr algn="ctr"/>
             <a:r>
               <a:rPr lang="en-US" dirty="0"/>
-              <a:t>Main Thread</a:t>
-            </a:r>
-          </a:p>
-        </p:txBody>
-      </p:sp>
-      <p:sp>
-        <p:nvSpPr>
-          <p:cNvPr id="20" name="Hình chữ nhật 19">
-            <a:extLst>
-              <a:ext uri="{FF2B5EF4-FFF2-40B4-BE49-F238E27FC236}">
-                <a16:creationId xmlns:a16="http://schemas.microsoft.com/office/drawing/2014/main" id="{50D3EFBB-401E-4BB2-8053-68A596927B38}"/>
-              </a:ext>
-            </a:extLst>
-          </p:cNvPr>
-          <p:cNvSpPr/>
-          <p:nvPr/>
-        </p:nvSpPr>
-        <p:spPr>
-          <a:xfrm>
-            <a:off x="5086138" y="3119278"/>
-            <a:ext cx="3735133" cy="572756"/>
-          </a:xfrm>
-          <a:prstGeom prst="rect">
-            <a:avLst/>
-          </a:prstGeom>
-        </p:spPr>
-        <p:style>
-          <a:lnRef idx="2">
-            <a:schemeClr val="accent1"/>
-          </a:lnRef>
-          <a:fillRef idx="1">
-            <a:schemeClr val="lt1"/>
-          </a:fillRef>
-          <a:effectRef idx="0">
-            <a:schemeClr val="accent1"/>
-          </a:effectRef>
-          <a:fontRef idx="minor">
-            <a:schemeClr val="dk1"/>
-          </a:fontRef>
-        </p:style>
-        <p:txBody>
-          <a:bodyPr rtlCol="0" anchor="ctr"/>
-          <a:lstStyle/>
-          <a:p>
-            <a:pPr algn="ctr"/>
-            <a:r>
-              <a:rPr lang="en-US" dirty="0"/>
-              <a:t>Update delay</a:t>
-            </a:r>
-          </a:p>
-        </p:txBody>
-      </p:sp>
-      <p:sp>
-        <p:nvSpPr>
-          <p:cNvPr id="35" name="Hình chữ nhật 34">
-            <a:extLst>
-              <a:ext uri="{FF2B5EF4-FFF2-40B4-BE49-F238E27FC236}">
-                <a16:creationId xmlns:a16="http://schemas.microsoft.com/office/drawing/2014/main" id="{12C2B3F1-4159-457A-A2B6-74570BBDEC60}"/>
-              </a:ext>
-            </a:extLst>
-          </p:cNvPr>
-          <p:cNvSpPr/>
-          <p:nvPr/>
-        </p:nvSpPr>
-        <p:spPr>
-          <a:xfrm>
-            <a:off x="5096189" y="2277145"/>
-            <a:ext cx="3725082" cy="572756"/>
-          </a:xfrm>
-          <a:prstGeom prst="rect">
-            <a:avLst/>
-          </a:prstGeom>
-        </p:spPr>
-        <p:style>
-          <a:lnRef idx="2">
-            <a:schemeClr val="accent1"/>
-          </a:lnRef>
-          <a:fillRef idx="1">
-            <a:schemeClr val="lt1"/>
-          </a:fillRef>
-          <a:effectRef idx="0">
-            <a:schemeClr val="accent1"/>
-          </a:effectRef>
-          <a:fontRef idx="minor">
-            <a:schemeClr val="dk1"/>
-          </a:fontRef>
-        </p:style>
-        <p:txBody>
-          <a:bodyPr rtlCol="0" anchor="ctr"/>
-          <a:lstStyle/>
-          <a:p>
-            <a:pPr algn="ctr"/>
-            <a:r>
-              <a:rPr lang="en-US" dirty="0" err="1"/>
-              <a:t>atomSemGet</a:t>
+              <a:t>Update </a:t>
             </a:r>
             <a:r>
-              <a:rPr lang="en-US" dirty="0"/>
-              <a:t>(</a:t>
+              <a:rPr lang="en-US" dirty="0" smtClean="0"/>
+              <a:t>delay (Write)</a:t>
             </a:r>
-            <a:r>
-              <a:rPr lang="en-US" dirty="0" err="1"/>
-              <a:t>semDelayTime</a:t>
-            </a:r>
-            <a:r>
-              <a:rPr lang="en-US" dirty="0"/>
-              <a:t>)</a:t>
-            </a:r>
+            <a:endParaRPr lang="en-US" dirty="0"/>
           </a:p>
         </p:txBody>
       </p:sp>
@@ -5824,7 +6263,7 @@
           <p:cNvPr id="38" name="Hình chữ nhật 37">
             <a:extLst>
               <a:ext uri="{FF2B5EF4-FFF2-40B4-BE49-F238E27FC236}">
-                <a16:creationId xmlns:a16="http://schemas.microsoft.com/office/drawing/2014/main" id="{2BE081A8-CDD4-45FB-89BB-8ED7AA4FC6CC}"/>
+                <a16:creationId xmlns:a16="http://schemas.microsoft.com/office/drawing/2014/main" xmlns="" id="{2BE081A8-CDD4-45FB-89BB-8ED7AA4FC6CC}"/>
               </a:ext>
             </a:extLst>
           </p:cNvPr>
@@ -5833,8 +6272,8 @@
         </p:nvSpPr>
         <p:spPr>
           <a:xfrm>
-            <a:off x="5086139" y="1350065"/>
-            <a:ext cx="3735132" cy="572756"/>
+            <a:off x="5086139" y="1518515"/>
+            <a:ext cx="3735132" cy="404305"/>
           </a:xfrm>
           <a:prstGeom prst="rect">
             <a:avLst/>
@@ -5871,7 +6310,7 @@
           <p:cNvPr id="18" name="Hình chữ nhật 17">
             <a:extLst>
               <a:ext uri="{FF2B5EF4-FFF2-40B4-BE49-F238E27FC236}">
-                <a16:creationId xmlns:a16="http://schemas.microsoft.com/office/drawing/2014/main" id="{C88A8D7F-D640-4290-8518-BC9C90EF21D2}"/>
+                <a16:creationId xmlns:a16="http://schemas.microsoft.com/office/drawing/2014/main" xmlns="" id="{C88A8D7F-D640-4290-8518-BC9C90EF21D2}"/>
               </a:ext>
             </a:extLst>
           </p:cNvPr>
@@ -5880,8 +6319,8 @@
         </p:nvSpPr>
         <p:spPr>
           <a:xfrm>
-            <a:off x="5086138" y="3948457"/>
-            <a:ext cx="3725082" cy="572756"/>
+            <a:off x="5086137" y="4425572"/>
+            <a:ext cx="3725082" cy="692550"/>
           </a:xfrm>
           <a:prstGeom prst="rect">
             <a:avLst/>
@@ -5907,21 +6346,41 @@
           <a:p>
             <a:pPr algn="ctr"/>
             <a:r>
-              <a:rPr lang="en-US" dirty="0" err="1"/>
+              <a:rPr lang="en-US" dirty="0" err="1" smtClean="0"/>
               <a:t>atomSemPut</a:t>
             </a:r>
             <a:r>
-              <a:rPr lang="en-US" dirty="0"/>
+              <a:rPr lang="en-US" dirty="0" smtClean="0"/>
               <a:t>(</a:t>
             </a:r>
             <a:r>
-              <a:rPr lang="en-US" dirty="0" err="1"/>
-              <a:t>semDelayTime</a:t>
+              <a:rPr lang="en-US" dirty="0" err="1" smtClean="0"/>
+              <a:t>semD</a:t>
             </a:r>
             <a:r>
-              <a:rPr lang="en-US" dirty="0"/>
+              <a:rPr lang="en-US" dirty="0" smtClean="0"/>
               <a:t>)</a:t>
             </a:r>
+          </a:p>
+          <a:p>
+            <a:pPr algn="ctr"/>
+            <a:r>
+              <a:rPr lang="en-US" dirty="0" err="1" smtClean="0"/>
+              <a:t>atomSemPut</a:t>
+            </a:r>
+            <a:r>
+              <a:rPr lang="en-US" dirty="0" smtClean="0"/>
+              <a:t>(</a:t>
+            </a:r>
+            <a:r>
+              <a:rPr lang="en-US" dirty="0" err="1" smtClean="0"/>
+              <a:t>semL</a:t>
+            </a:r>
+            <a:r>
+              <a:rPr lang="en-US" dirty="0" smtClean="0"/>
+              <a:t>)</a:t>
+            </a:r>
+            <a:endParaRPr lang="en-US" dirty="0"/>
           </a:p>
         </p:txBody>
       </p:sp>
@@ -5930,7 +6389,7 @@
           <p:cNvPr id="19" name="Hình chữ nhật 18">
             <a:extLst>
               <a:ext uri="{FF2B5EF4-FFF2-40B4-BE49-F238E27FC236}">
-                <a16:creationId xmlns:a16="http://schemas.microsoft.com/office/drawing/2014/main" id="{17A22DDF-3F8A-4897-A1B9-1320E43101EF}"/>
+                <a16:creationId xmlns:a16="http://schemas.microsoft.com/office/drawing/2014/main" xmlns="" id="{17A22DDF-3F8A-4897-A1B9-1320E43101EF}"/>
               </a:ext>
             </a:extLst>
           </p:cNvPr>
@@ -5939,8 +6398,8 @@
         </p:nvSpPr>
         <p:spPr>
           <a:xfrm>
-            <a:off x="5086138" y="4777636"/>
-            <a:ext cx="3725082" cy="572756"/>
+            <a:off x="5096189" y="5339763"/>
+            <a:ext cx="3725082" cy="321586"/>
           </a:xfrm>
           <a:prstGeom prst="rect">
             <a:avLst/>
@@ -5977,7 +6436,7 @@
           <p:cNvPr id="5" name="Đường kết nối Mũi tên Thẳng 4">
             <a:extLst>
               <a:ext uri="{FF2B5EF4-FFF2-40B4-BE49-F238E27FC236}">
-                <a16:creationId xmlns:a16="http://schemas.microsoft.com/office/drawing/2014/main" id="{D90F9B75-A142-4685-9D5A-1D10C254D0DA}"/>
+                <a16:creationId xmlns:a16="http://schemas.microsoft.com/office/drawing/2014/main" xmlns="" id="{D90F9B75-A142-4685-9D5A-1D10C254D0DA}"/>
               </a:ext>
             </a:extLst>
           </p:cNvPr>
@@ -5990,7 +6449,7 @@
         <p:spPr>
           <a:xfrm>
             <a:off x="6948679" y="1076641"/>
-            <a:ext cx="5026" cy="273424"/>
+            <a:ext cx="5026" cy="441874"/>
           </a:xfrm>
           <a:prstGeom prst="straightConnector1">
             <a:avLst/>
@@ -6016,23 +6475,23 @@
       </p:cxnSp>
       <p:cxnSp>
         <p:nvCxnSpPr>
-          <p:cNvPr id="8" name="Đường kết nối Mũi tên Thẳng 7">
-            <a:extLst>
-              <a:ext uri="{FF2B5EF4-FFF2-40B4-BE49-F238E27FC236}">
-                <a16:creationId xmlns:a16="http://schemas.microsoft.com/office/drawing/2014/main" id="{396D887D-C982-40BE-B1F3-5E9A73BC9182}"/>
+          <p:cNvPr id="14" name="Đường kết nối Mũi tên Thẳng 13">
+            <a:extLst>
+              <a:ext uri="{FF2B5EF4-FFF2-40B4-BE49-F238E27FC236}">
+                <a16:creationId xmlns:a16="http://schemas.microsoft.com/office/drawing/2014/main" xmlns="" id="{F02D3FF7-2CEF-4ABF-99D2-D086C7D75713}"/>
               </a:ext>
             </a:extLst>
           </p:cNvPr>
           <p:cNvCxnSpPr>
-            <a:stCxn id="38" idx="2"/>
-            <a:endCxn id="35" idx="0"/>
+            <a:stCxn id="20" idx="2"/>
+            <a:endCxn id="18" idx="0"/>
           </p:cNvCxnSpPr>
           <p:nvPr/>
         </p:nvCxnSpPr>
         <p:spPr>
           <a:xfrm>
-            <a:off x="6953705" y="1922821"/>
-            <a:ext cx="5025" cy="354324"/>
+            <a:off x="6943653" y="4316232"/>
+            <a:ext cx="5025" cy="109340"/>
           </a:xfrm>
           <a:prstGeom prst="straightConnector1">
             <a:avLst/>
@@ -6056,25 +6515,132 @@
           </a:fontRef>
         </p:style>
       </p:cxnSp>
+      <p:sp>
+        <p:nvSpPr>
+          <p:cNvPr id="24" name="Hình thoi 24">
+            <a:extLst>
+              <a:ext uri="{FF2B5EF4-FFF2-40B4-BE49-F238E27FC236}">
+                <a16:creationId xmlns:a16="http://schemas.microsoft.com/office/drawing/2014/main" xmlns="" id="{C95836A9-09DE-4621-9073-4EB7A654D07F}"/>
+              </a:ext>
+            </a:extLst>
+          </p:cNvPr>
+          <p:cNvSpPr/>
+          <p:nvPr/>
+        </p:nvSpPr>
+        <p:spPr>
+          <a:xfrm>
+            <a:off x="5404084" y="3048530"/>
+            <a:ext cx="3089189" cy="650017"/>
+          </a:xfrm>
+          <a:prstGeom prst="diamond">
+            <a:avLst/>
+          </a:prstGeom>
+        </p:spPr>
+        <p:style>
+          <a:lnRef idx="2">
+            <a:schemeClr val="accent1"/>
+          </a:lnRef>
+          <a:fillRef idx="1">
+            <a:schemeClr val="lt1"/>
+          </a:fillRef>
+          <a:effectRef idx="0">
+            <a:schemeClr val="accent1"/>
+          </a:effectRef>
+          <a:fontRef idx="minor">
+            <a:schemeClr val="dk1"/>
+          </a:fontRef>
+        </p:style>
+        <p:txBody>
+          <a:bodyPr rtlCol="0" anchor="ctr"/>
+          <a:lstStyle/>
+          <a:p>
+            <a:pPr algn="ctr"/>
+            <a:r>
+              <a:rPr lang="en-US" dirty="0" err="1" smtClean="0"/>
+              <a:t>SemD</a:t>
+            </a:r>
+            <a:r>
+              <a:rPr lang="en-US" dirty="0" smtClean="0"/>
+              <a:t>-&gt;</a:t>
+            </a:r>
+            <a:r>
+              <a:rPr lang="en-US" dirty="0" err="1" smtClean="0"/>
+              <a:t>cnt</a:t>
+            </a:r>
+            <a:r>
+              <a:rPr lang="en-US" dirty="0" smtClean="0"/>
+              <a:t> &gt; 0</a:t>
+            </a:r>
+            <a:endParaRPr lang="en-US" dirty="0"/>
+          </a:p>
+        </p:txBody>
+      </p:sp>
+      <p:sp>
+        <p:nvSpPr>
+          <p:cNvPr id="25" name="Hình chữ nhật 17">
+            <a:extLst>
+              <a:ext uri="{FF2B5EF4-FFF2-40B4-BE49-F238E27FC236}">
+                <a16:creationId xmlns:a16="http://schemas.microsoft.com/office/drawing/2014/main" xmlns="" id="{3CBC28E4-8479-443E-B6F4-14A58749B375}"/>
+              </a:ext>
+            </a:extLst>
+          </p:cNvPr>
+          <p:cNvSpPr/>
+          <p:nvPr/>
+        </p:nvSpPr>
+        <p:spPr>
+          <a:xfrm>
+            <a:off x="9272262" y="3116828"/>
+            <a:ext cx="1603104" cy="446949"/>
+          </a:xfrm>
+          <a:prstGeom prst="rect">
+            <a:avLst/>
+          </a:prstGeom>
+        </p:spPr>
+        <p:style>
+          <a:lnRef idx="2">
+            <a:schemeClr val="accent1"/>
+          </a:lnRef>
+          <a:fillRef idx="1">
+            <a:schemeClr val="lt1"/>
+          </a:fillRef>
+          <a:effectRef idx="0">
+            <a:schemeClr val="accent1"/>
+          </a:effectRef>
+          <a:fontRef idx="minor">
+            <a:schemeClr val="dk1"/>
+          </a:fontRef>
+        </p:style>
+        <p:txBody>
+          <a:bodyPr rtlCol="0" anchor="ctr"/>
+          <a:lstStyle/>
+          <a:p>
+            <a:pPr algn="ctr"/>
+            <a:r>
+              <a:rPr lang="en-US" dirty="0" smtClean="0"/>
+              <a:t>BLOCK</a:t>
+            </a:r>
+            <a:endParaRPr lang="en-US" dirty="0"/>
+          </a:p>
+        </p:txBody>
+      </p:sp>
       <p:cxnSp>
         <p:nvCxnSpPr>
-          <p:cNvPr id="10" name="Đường kết nối Mũi tên Thẳng 9">
-            <a:extLst>
-              <a:ext uri="{FF2B5EF4-FFF2-40B4-BE49-F238E27FC236}">
-                <a16:creationId xmlns:a16="http://schemas.microsoft.com/office/drawing/2014/main" id="{4B8875FF-A4E0-4C01-BF15-E0ACACDA1D8F}"/>
+          <p:cNvPr id="26" name="Đường kết nối Mũi tên Thẳng 4">
+            <a:extLst>
+              <a:ext uri="{FF2B5EF4-FFF2-40B4-BE49-F238E27FC236}">
+                <a16:creationId xmlns:a16="http://schemas.microsoft.com/office/drawing/2014/main" xmlns="" id="{39A36563-EA4D-4181-B394-20A8EAA0CB96}"/>
               </a:ext>
             </a:extLst>
           </p:cNvPr>
           <p:cNvCxnSpPr>
-            <a:stCxn id="35" idx="2"/>
-            <a:endCxn id="20" idx="0"/>
+            <a:cxnSpLocks/>
           </p:cNvCxnSpPr>
           <p:nvPr/>
         </p:nvCxnSpPr>
         <p:spPr>
-          <a:xfrm flipH="1">
-            <a:off x="6953705" y="2849901"/>
-            <a:ext cx="5025" cy="269377"/>
+          <a:xfrm>
+            <a:off x="8493800" y="3377661"/>
+            <a:ext cx="789989" cy="4722"/>
           </a:xfrm>
           <a:prstGeom prst="straightConnector1">
             <a:avLst/>
@@ -6098,25 +6664,73 @@
           </a:fontRef>
         </p:style>
       </p:cxnSp>
+      <p:sp>
+        <p:nvSpPr>
+          <p:cNvPr id="28" name="Hình thoi 24">
+            <a:extLst>
+              <a:ext uri="{FF2B5EF4-FFF2-40B4-BE49-F238E27FC236}">
+                <a16:creationId xmlns:a16="http://schemas.microsoft.com/office/drawing/2014/main" xmlns="" id="{C95836A9-09DE-4621-9073-4EB7A654D07F}"/>
+              </a:ext>
+            </a:extLst>
+          </p:cNvPr>
+          <p:cNvSpPr/>
+          <p:nvPr/>
+        </p:nvSpPr>
+        <p:spPr>
+          <a:xfrm>
+            <a:off x="9125973" y="3704200"/>
+            <a:ext cx="2072206" cy="671265"/>
+          </a:xfrm>
+          <a:prstGeom prst="diamond">
+            <a:avLst/>
+          </a:prstGeom>
+        </p:spPr>
+        <p:style>
+          <a:lnRef idx="2">
+            <a:schemeClr val="accent1"/>
+          </a:lnRef>
+          <a:fillRef idx="1">
+            <a:schemeClr val="lt1"/>
+          </a:fillRef>
+          <a:effectRef idx="0">
+            <a:schemeClr val="accent1"/>
+          </a:effectRef>
+          <a:fontRef idx="minor">
+            <a:schemeClr val="dk1"/>
+          </a:fontRef>
+        </p:style>
+        <p:txBody>
+          <a:bodyPr rtlCol="0" anchor="ctr"/>
+          <a:lstStyle/>
+          <a:p>
+            <a:pPr algn="ctr"/>
+            <a:r>
+              <a:rPr lang="en-US" dirty="0" smtClean="0"/>
+              <a:t>Wake-up</a:t>
+            </a:r>
+            <a:endParaRPr lang="en-US" dirty="0"/>
+          </a:p>
+        </p:txBody>
+      </p:sp>
       <p:cxnSp>
         <p:nvCxnSpPr>
-          <p:cNvPr id="14" name="Đường kết nối Mũi tên Thẳng 13">
-            <a:extLst>
-              <a:ext uri="{FF2B5EF4-FFF2-40B4-BE49-F238E27FC236}">
-                <a16:creationId xmlns:a16="http://schemas.microsoft.com/office/drawing/2014/main" id="{F02D3FF7-2CEF-4ABF-99D2-D086C7D75713}"/>
+          <p:cNvPr id="29" name="Đường kết nối Mũi tên Thẳng 4">
+            <a:extLst>
+              <a:ext uri="{FF2B5EF4-FFF2-40B4-BE49-F238E27FC236}">
+                <a16:creationId xmlns:a16="http://schemas.microsoft.com/office/drawing/2014/main" xmlns="" id="{39A36563-EA4D-4181-B394-20A8EAA0CB96}"/>
               </a:ext>
             </a:extLst>
           </p:cNvPr>
           <p:cNvCxnSpPr>
-            <a:stCxn id="20" idx="2"/>
-            <a:endCxn id="18" idx="0"/>
+            <a:cxnSpLocks/>
+            <a:stCxn id="25" idx="2"/>
           </p:cNvCxnSpPr>
           <p:nvPr/>
         </p:nvCxnSpPr>
         <p:spPr>
-          <a:xfrm flipH="1">
-            <a:off x="6948679" y="3692034"/>
-            <a:ext cx="5026" cy="256423"/>
+          <a:xfrm>
+            <a:off x="10073814" y="3563777"/>
+            <a:ext cx="49085" cy="172916"/>
           </a:xfrm>
           <a:prstGeom prst="straightConnector1">
             <a:avLst/>
@@ -6142,23 +6756,16 @@
       </p:cxnSp>
       <p:cxnSp>
         <p:nvCxnSpPr>
-          <p:cNvPr id="17" name="Đường kết nối Mũi tên Thẳng 16">
-            <a:extLst>
-              <a:ext uri="{FF2B5EF4-FFF2-40B4-BE49-F238E27FC236}">
-                <a16:creationId xmlns:a16="http://schemas.microsoft.com/office/drawing/2014/main" id="{33135C7C-5726-4622-A82E-EB88A63826E3}"/>
-              </a:ext>
-            </a:extLst>
-          </p:cNvPr>
+          <p:cNvPr id="36" name="Straight Arrow Connector 35"/>
           <p:cNvCxnSpPr>
-            <a:stCxn id="18" idx="2"/>
-            <a:endCxn id="19" idx="0"/>
+            <a:stCxn id="28" idx="1"/>
           </p:cNvCxnSpPr>
           <p:nvPr/>
         </p:nvCxnSpPr>
         <p:spPr>
-          <a:xfrm>
-            <a:off x="6948679" y="4521213"/>
-            <a:ext cx="0" cy="256423"/>
+          <a:xfrm flipH="1" flipV="1">
+            <a:off x="8816772" y="4039832"/>
+            <a:ext cx="309201" cy="1"/>
           </a:xfrm>
           <a:prstGeom prst="straightConnector1">
             <a:avLst/>
@@ -6182,29 +6789,166 @@
           </a:fontRef>
         </p:style>
       </p:cxnSp>
+      <p:sp>
+        <p:nvSpPr>
+          <p:cNvPr id="37" name="TextBox 36"/>
+          <p:cNvSpPr txBox="1"/>
+          <p:nvPr/>
+        </p:nvSpPr>
+        <p:spPr>
+          <a:xfrm>
+            <a:off x="8607539" y="3136012"/>
+            <a:ext cx="333746" cy="369332"/>
+          </a:xfrm>
+          <a:prstGeom prst="rect">
+            <a:avLst/>
+          </a:prstGeom>
+          <a:noFill/>
+        </p:spPr>
+        <p:txBody>
+          <a:bodyPr wrap="none" rtlCol="0">
+            <a:spAutoFit/>
+          </a:bodyPr>
+          <a:lstStyle/>
+          <a:p>
+            <a:r>
+              <a:rPr lang="en-US" dirty="0" smtClean="0"/>
+              <a:t>N</a:t>
+            </a:r>
+            <a:endParaRPr lang="en-US" dirty="0"/>
+          </a:p>
+        </p:txBody>
+      </p:sp>
+      <p:sp>
+        <p:nvSpPr>
+          <p:cNvPr id="40" name="TextBox 39"/>
+          <p:cNvSpPr txBox="1"/>
+          <p:nvPr/>
+        </p:nvSpPr>
+        <p:spPr>
+          <a:xfrm>
+            <a:off x="8811219" y="3750034"/>
+            <a:ext cx="296876" cy="369332"/>
+          </a:xfrm>
+          <a:prstGeom prst="rect">
+            <a:avLst/>
+          </a:prstGeom>
+          <a:noFill/>
+        </p:spPr>
+        <p:txBody>
+          <a:bodyPr wrap="none" rtlCol="0">
+            <a:spAutoFit/>
+          </a:bodyPr>
+          <a:lstStyle/>
+          <a:p>
+            <a:r>
+              <a:rPr lang="en-US" dirty="0" smtClean="0"/>
+              <a:t>Y</a:t>
+            </a:r>
+            <a:endParaRPr lang="en-US" dirty="0"/>
+          </a:p>
+        </p:txBody>
+      </p:sp>
+      <p:sp>
+        <p:nvSpPr>
+          <p:cNvPr id="47" name="Hình thoi 24">
+            <a:extLst>
+              <a:ext uri="{FF2B5EF4-FFF2-40B4-BE49-F238E27FC236}">
+                <a16:creationId xmlns:a16="http://schemas.microsoft.com/office/drawing/2014/main" xmlns="" id="{C95836A9-09DE-4621-9073-4EB7A654D07F}"/>
+              </a:ext>
+            </a:extLst>
+          </p:cNvPr>
+          <p:cNvSpPr/>
+          <p:nvPr/>
+        </p:nvSpPr>
+        <p:spPr>
+          <a:xfrm>
+            <a:off x="5258253" y="2154580"/>
+            <a:ext cx="3380850" cy="617079"/>
+          </a:xfrm>
+          <a:prstGeom prst="diamond">
+            <a:avLst/>
+          </a:prstGeom>
+        </p:spPr>
+        <p:style>
+          <a:lnRef idx="2">
+            <a:schemeClr val="accent1"/>
+          </a:lnRef>
+          <a:fillRef idx="1">
+            <a:schemeClr val="lt1"/>
+          </a:fillRef>
+          <a:effectRef idx="0">
+            <a:schemeClr val="accent1"/>
+          </a:effectRef>
+          <a:fontRef idx="minor">
+            <a:schemeClr val="dk1"/>
+          </a:fontRef>
+        </p:style>
+        <p:txBody>
+          <a:bodyPr rtlCol="0" anchor="ctr"/>
+          <a:lstStyle/>
+          <a:p>
+            <a:pPr algn="ctr"/>
+            <a:r>
+              <a:rPr lang="en-US" dirty="0" smtClean="0"/>
+              <a:t>Button Pressed</a:t>
+            </a:r>
+            <a:endParaRPr lang="en-US" dirty="0"/>
+          </a:p>
+        </p:txBody>
+      </p:sp>
       <p:cxnSp>
         <p:nvCxnSpPr>
-          <p:cNvPr id="23" name="Đường kết nối: Mũi tên Gấp khúc 22">
-            <a:extLst>
-              <a:ext uri="{FF2B5EF4-FFF2-40B4-BE49-F238E27FC236}">
-                <a16:creationId xmlns:a16="http://schemas.microsoft.com/office/drawing/2014/main" id="{45722AA8-A09F-4435-B10A-D5C51CD98100}"/>
-              </a:ext>
-            </a:extLst>
-          </p:cNvPr>
+          <p:cNvPr id="53" name="Straight Arrow Connector 52"/>
           <p:cNvCxnSpPr>
-            <a:stCxn id="19" idx="1"/>
+            <a:stCxn id="38" idx="2"/>
+            <a:endCxn id="47" idx="0"/>
           </p:cNvCxnSpPr>
           <p:nvPr/>
         </p:nvCxnSpPr>
         <p:spPr>
-          <a:xfrm rot="10800000" flipH="1">
-            <a:off x="5086138" y="2099984"/>
-            <a:ext cx="1862540" cy="2964031"/>
-          </a:xfrm>
-          <a:prstGeom prst="bentConnector4">
+          <a:xfrm flipH="1">
+            <a:off x="6948678" y="1922820"/>
+            <a:ext cx="5027" cy="231760"/>
+          </a:xfrm>
+          <a:prstGeom prst="straightConnector1">
+            <a:avLst/>
+          </a:prstGeom>
+          <a:ln>
+            <a:tailEnd type="triangle"/>
+          </a:ln>
+        </p:spPr>
+        <p:style>
+          <a:lnRef idx="1">
+            <a:schemeClr val="accent1"/>
+          </a:lnRef>
+          <a:fillRef idx="0">
+            <a:schemeClr val="accent1"/>
+          </a:fillRef>
+          <a:effectRef idx="0">
+            <a:schemeClr val="accent1"/>
+          </a:effectRef>
+          <a:fontRef idx="minor">
+            <a:schemeClr val="tx1"/>
+          </a:fontRef>
+        </p:style>
+      </p:cxnSp>
+      <p:cxnSp>
+        <p:nvCxnSpPr>
+          <p:cNvPr id="69" name="Elbow Connector 68"/>
+          <p:cNvCxnSpPr>
+            <a:stCxn id="47" idx="3"/>
+          </p:cNvCxnSpPr>
+          <p:nvPr/>
+        </p:nvCxnSpPr>
+        <p:spPr>
+          <a:xfrm flipH="1" flipV="1">
+            <a:off x="6948678" y="2038700"/>
+            <a:ext cx="1690425" cy="424420"/>
+          </a:xfrm>
+          <a:prstGeom prst="bentConnector3">
             <a:avLst>
-              <a:gd name="adj1" fmla="val -12274"/>
-              <a:gd name="adj2" fmla="val 100198"/>
+              <a:gd name="adj1" fmla="val -13523"/>
             </a:avLst>
           </a:prstGeom>
           <a:ln>
@@ -6226,6 +6970,495 @@
           </a:fontRef>
         </p:style>
       </p:cxnSp>
+      <p:sp>
+        <p:nvSpPr>
+          <p:cNvPr id="86" name="Hình thoi 24">
+            <a:extLst>
+              <a:ext uri="{FF2B5EF4-FFF2-40B4-BE49-F238E27FC236}">
+                <a16:creationId xmlns:a16="http://schemas.microsoft.com/office/drawing/2014/main" xmlns="" id="{C95836A9-09DE-4621-9073-4EB7A654D07F}"/>
+              </a:ext>
+            </a:extLst>
+          </p:cNvPr>
+          <p:cNvSpPr/>
+          <p:nvPr/>
+        </p:nvSpPr>
+        <p:spPr>
+          <a:xfrm>
+            <a:off x="5009860" y="5897301"/>
+            <a:ext cx="3917671" cy="617079"/>
+          </a:xfrm>
+          <a:prstGeom prst="diamond">
+            <a:avLst/>
+          </a:prstGeom>
+        </p:spPr>
+        <p:style>
+          <a:lnRef idx="2">
+            <a:schemeClr val="accent1"/>
+          </a:lnRef>
+          <a:fillRef idx="1">
+            <a:schemeClr val="lt1"/>
+          </a:fillRef>
+          <a:effectRef idx="0">
+            <a:schemeClr val="accent1"/>
+          </a:effectRef>
+          <a:fontRef idx="minor">
+            <a:schemeClr val="dk1"/>
+          </a:fontRef>
+        </p:style>
+        <p:txBody>
+          <a:bodyPr rtlCol="0" anchor="ctr"/>
+          <a:lstStyle/>
+          <a:p>
+            <a:pPr algn="ctr"/>
+            <a:r>
+              <a:rPr lang="en-US" dirty="0" smtClean="0"/>
+              <a:t>Button </a:t>
+            </a:r>
+            <a:r>
+              <a:rPr lang="en-US" dirty="0" err="1" smtClean="0"/>
+              <a:t>Unpressed</a:t>
+            </a:r>
+            <a:endParaRPr lang="en-US" dirty="0"/>
+          </a:p>
+        </p:txBody>
+      </p:sp>
+      <p:cxnSp>
+        <p:nvCxnSpPr>
+          <p:cNvPr id="87" name="Elbow Connector 86"/>
+          <p:cNvCxnSpPr/>
+          <p:nvPr/>
+        </p:nvCxnSpPr>
+        <p:spPr>
+          <a:xfrm rot="10800000">
+            <a:off x="6953660" y="5779326"/>
+            <a:ext cx="1968860" cy="421363"/>
+          </a:xfrm>
+          <a:prstGeom prst="bentConnector3">
+            <a:avLst>
+              <a:gd name="adj1" fmla="val -15794"/>
+            </a:avLst>
+          </a:prstGeom>
+          <a:ln>
+            <a:tailEnd type="triangle"/>
+          </a:ln>
+        </p:spPr>
+        <p:style>
+          <a:lnRef idx="1">
+            <a:schemeClr val="accent1"/>
+          </a:lnRef>
+          <a:fillRef idx="0">
+            <a:schemeClr val="accent1"/>
+          </a:fillRef>
+          <a:effectRef idx="0">
+            <a:schemeClr val="accent1"/>
+          </a:effectRef>
+          <a:fontRef idx="minor">
+            <a:schemeClr val="tx1"/>
+          </a:fontRef>
+        </p:style>
+      </p:cxnSp>
+      <p:cxnSp>
+        <p:nvCxnSpPr>
+          <p:cNvPr id="88" name="Straight Arrow Connector 87"/>
+          <p:cNvCxnSpPr>
+            <a:stCxn id="19" idx="2"/>
+            <a:endCxn id="86" idx="0"/>
+          </p:cNvCxnSpPr>
+          <p:nvPr/>
+        </p:nvCxnSpPr>
+        <p:spPr>
+          <a:xfrm>
+            <a:off x="6958730" y="5661349"/>
+            <a:ext cx="9966" cy="235952"/>
+          </a:xfrm>
+          <a:prstGeom prst="straightConnector1">
+            <a:avLst/>
+          </a:prstGeom>
+          <a:ln>
+            <a:tailEnd type="triangle"/>
+          </a:ln>
+        </p:spPr>
+        <p:style>
+          <a:lnRef idx="1">
+            <a:schemeClr val="accent1"/>
+          </a:lnRef>
+          <a:fillRef idx="0">
+            <a:schemeClr val="accent1"/>
+          </a:fillRef>
+          <a:effectRef idx="0">
+            <a:schemeClr val="accent1"/>
+          </a:effectRef>
+          <a:fontRef idx="minor">
+            <a:schemeClr val="tx1"/>
+          </a:fontRef>
+        </p:style>
+      </p:cxnSp>
+      <p:cxnSp>
+        <p:nvCxnSpPr>
+          <p:cNvPr id="94" name="Elbow Connector 93"/>
+          <p:cNvCxnSpPr/>
+          <p:nvPr/>
+        </p:nvCxnSpPr>
+        <p:spPr>
+          <a:xfrm rot="10800000" flipH="1">
+            <a:off x="4976198" y="2051749"/>
+            <a:ext cx="1919626" cy="4148941"/>
+          </a:xfrm>
+          <a:prstGeom prst="bentConnector4">
+            <a:avLst>
+              <a:gd name="adj1" fmla="val -11909"/>
+              <a:gd name="adj2" fmla="val 100551"/>
+            </a:avLst>
+          </a:prstGeom>
+          <a:ln>
+            <a:tailEnd type="triangle"/>
+          </a:ln>
+        </p:spPr>
+        <p:style>
+          <a:lnRef idx="1">
+            <a:schemeClr val="accent1"/>
+          </a:lnRef>
+          <a:fillRef idx="0">
+            <a:schemeClr val="accent1"/>
+          </a:fillRef>
+          <a:effectRef idx="0">
+            <a:schemeClr val="accent1"/>
+          </a:effectRef>
+          <a:fontRef idx="minor">
+            <a:schemeClr val="tx1"/>
+          </a:fontRef>
+        </p:style>
+      </p:cxnSp>
+      <p:sp>
+        <p:nvSpPr>
+          <p:cNvPr id="97" name="TextBox 96"/>
+          <p:cNvSpPr txBox="1"/>
+          <p:nvPr/>
+        </p:nvSpPr>
+        <p:spPr>
+          <a:xfrm>
+            <a:off x="8796727" y="5878359"/>
+            <a:ext cx="333746" cy="369332"/>
+          </a:xfrm>
+          <a:prstGeom prst="rect">
+            <a:avLst/>
+          </a:prstGeom>
+          <a:noFill/>
+        </p:spPr>
+        <p:txBody>
+          <a:bodyPr wrap="none" rtlCol="0">
+            <a:spAutoFit/>
+          </a:bodyPr>
+          <a:lstStyle/>
+          <a:p>
+            <a:r>
+              <a:rPr lang="en-US" dirty="0" smtClean="0"/>
+              <a:t>N</a:t>
+            </a:r>
+            <a:endParaRPr lang="en-US" dirty="0"/>
+          </a:p>
+        </p:txBody>
+      </p:sp>
+      <p:sp>
+        <p:nvSpPr>
+          <p:cNvPr id="98" name="TextBox 97"/>
+          <p:cNvSpPr txBox="1"/>
+          <p:nvPr/>
+        </p:nvSpPr>
+        <p:spPr>
+          <a:xfrm>
+            <a:off x="8440666" y="2121641"/>
+            <a:ext cx="333746" cy="369332"/>
+          </a:xfrm>
+          <a:prstGeom prst="rect">
+            <a:avLst/>
+          </a:prstGeom>
+          <a:noFill/>
+        </p:spPr>
+        <p:txBody>
+          <a:bodyPr wrap="none" rtlCol="0">
+            <a:spAutoFit/>
+          </a:bodyPr>
+          <a:lstStyle/>
+          <a:p>
+            <a:r>
+              <a:rPr lang="en-US" dirty="0" smtClean="0"/>
+              <a:t>N</a:t>
+            </a:r>
+            <a:endParaRPr lang="en-US" dirty="0"/>
+          </a:p>
+        </p:txBody>
+      </p:sp>
+      <p:sp>
+        <p:nvSpPr>
+          <p:cNvPr id="100" name="TextBox 99"/>
+          <p:cNvSpPr txBox="1"/>
+          <p:nvPr/>
+        </p:nvSpPr>
+        <p:spPr>
+          <a:xfrm>
+            <a:off x="4806917" y="5822448"/>
+            <a:ext cx="296876" cy="369332"/>
+          </a:xfrm>
+          <a:prstGeom prst="rect">
+            <a:avLst/>
+          </a:prstGeom>
+          <a:noFill/>
+        </p:spPr>
+        <p:txBody>
+          <a:bodyPr wrap="none" rtlCol="0">
+            <a:spAutoFit/>
+          </a:bodyPr>
+          <a:lstStyle/>
+          <a:p>
+            <a:r>
+              <a:rPr lang="en-US" dirty="0" smtClean="0"/>
+              <a:t>Y</a:t>
+            </a:r>
+            <a:endParaRPr lang="en-US" dirty="0"/>
+          </a:p>
+        </p:txBody>
+      </p:sp>
+      <p:sp>
+        <p:nvSpPr>
+          <p:cNvPr id="101" name="TextBox 100"/>
+          <p:cNvSpPr txBox="1"/>
+          <p:nvPr/>
+        </p:nvSpPr>
+        <p:spPr>
+          <a:xfrm>
+            <a:off x="5119808" y="3060197"/>
+            <a:ext cx="296876" cy="369332"/>
+          </a:xfrm>
+          <a:prstGeom prst="rect">
+            <a:avLst/>
+          </a:prstGeom>
+          <a:noFill/>
+        </p:spPr>
+        <p:txBody>
+          <a:bodyPr wrap="none" rtlCol="0">
+            <a:spAutoFit/>
+          </a:bodyPr>
+          <a:lstStyle/>
+          <a:p>
+            <a:r>
+              <a:rPr lang="en-US" dirty="0" smtClean="0"/>
+              <a:t>Y</a:t>
+            </a:r>
+            <a:endParaRPr lang="en-US" dirty="0"/>
+          </a:p>
+        </p:txBody>
+      </p:sp>
+      <p:sp>
+        <p:nvSpPr>
+          <p:cNvPr id="102" name="TextBox 101"/>
+          <p:cNvSpPr txBox="1"/>
+          <p:nvPr/>
+        </p:nvSpPr>
+        <p:spPr>
+          <a:xfrm>
+            <a:off x="5185186" y="2101814"/>
+            <a:ext cx="296876" cy="369332"/>
+          </a:xfrm>
+          <a:prstGeom prst="rect">
+            <a:avLst/>
+          </a:prstGeom>
+          <a:noFill/>
+        </p:spPr>
+        <p:txBody>
+          <a:bodyPr wrap="none" rtlCol="0">
+            <a:spAutoFit/>
+          </a:bodyPr>
+          <a:lstStyle/>
+          <a:p>
+            <a:r>
+              <a:rPr lang="en-US" dirty="0" smtClean="0"/>
+              <a:t>Y</a:t>
+            </a:r>
+            <a:endParaRPr lang="en-US" dirty="0"/>
+          </a:p>
+        </p:txBody>
+      </p:sp>
+      <p:cxnSp>
+        <p:nvCxnSpPr>
+          <p:cNvPr id="104" name="Elbow Connector 103"/>
+          <p:cNvCxnSpPr>
+            <a:stCxn id="47" idx="1"/>
+            <a:endCxn id="24" idx="0"/>
+          </p:cNvCxnSpPr>
+          <p:nvPr/>
+        </p:nvCxnSpPr>
+        <p:spPr>
+          <a:xfrm rot="10800000" flipH="1" flipV="1">
+            <a:off x="5258253" y="2463120"/>
+            <a:ext cx="1690426" cy="585410"/>
+          </a:xfrm>
+          <a:prstGeom prst="bentConnector4">
+            <a:avLst>
+              <a:gd name="adj1" fmla="val -13523"/>
+              <a:gd name="adj2" fmla="val 76352"/>
+            </a:avLst>
+          </a:prstGeom>
+          <a:ln>
+            <a:tailEnd type="triangle"/>
+          </a:ln>
+        </p:spPr>
+        <p:style>
+          <a:lnRef idx="1">
+            <a:schemeClr val="accent1"/>
+          </a:lnRef>
+          <a:fillRef idx="0">
+            <a:schemeClr val="accent1"/>
+          </a:fillRef>
+          <a:effectRef idx="0">
+            <a:schemeClr val="accent1"/>
+          </a:effectRef>
+          <a:fontRef idx="minor">
+            <a:schemeClr val="tx1"/>
+          </a:fontRef>
+        </p:style>
+      </p:cxnSp>
+      <p:cxnSp>
+        <p:nvCxnSpPr>
+          <p:cNvPr id="106" name="Elbow Connector 105"/>
+          <p:cNvCxnSpPr/>
+          <p:nvPr/>
+        </p:nvCxnSpPr>
+        <p:spPr>
+          <a:xfrm rot="10800000" flipH="1" flipV="1">
+            <a:off x="5404084" y="3375792"/>
+            <a:ext cx="1549622" cy="523829"/>
+          </a:xfrm>
+          <a:prstGeom prst="bentConnector4">
+            <a:avLst>
+              <a:gd name="adj1" fmla="val -21636"/>
+              <a:gd name="adj2" fmla="val 81022"/>
+            </a:avLst>
+          </a:prstGeom>
+          <a:ln>
+            <a:tailEnd type="triangle"/>
+          </a:ln>
+        </p:spPr>
+        <p:style>
+          <a:lnRef idx="1">
+            <a:schemeClr val="accent1"/>
+          </a:lnRef>
+          <a:fillRef idx="0">
+            <a:schemeClr val="accent1"/>
+          </a:fillRef>
+          <a:effectRef idx="0">
+            <a:schemeClr val="accent1"/>
+          </a:effectRef>
+          <a:fontRef idx="minor">
+            <a:schemeClr val="tx1"/>
+          </a:fontRef>
+        </p:style>
+      </p:cxnSp>
+      <p:cxnSp>
+        <p:nvCxnSpPr>
+          <p:cNvPr id="122" name="Straight Arrow Connector 121"/>
+          <p:cNvCxnSpPr>
+            <a:stCxn id="18" idx="2"/>
+            <a:endCxn id="19" idx="0"/>
+          </p:cNvCxnSpPr>
+          <p:nvPr/>
+        </p:nvCxnSpPr>
+        <p:spPr>
+          <a:xfrm>
+            <a:off x="6948678" y="5118122"/>
+            <a:ext cx="10052" cy="221641"/>
+          </a:xfrm>
+          <a:prstGeom prst="straightConnector1">
+            <a:avLst/>
+          </a:prstGeom>
+          <a:ln>
+            <a:tailEnd type="triangle"/>
+          </a:ln>
+        </p:spPr>
+        <p:style>
+          <a:lnRef idx="1">
+            <a:schemeClr val="accent1"/>
+          </a:lnRef>
+          <a:fillRef idx="0">
+            <a:schemeClr val="accent1"/>
+          </a:fillRef>
+          <a:effectRef idx="0">
+            <a:schemeClr val="accent1"/>
+          </a:effectRef>
+          <a:fontRef idx="minor">
+            <a:schemeClr val="tx1"/>
+          </a:fontRef>
+        </p:style>
+      </p:cxnSp>
+      <p:cxnSp>
+        <p:nvCxnSpPr>
+          <p:cNvPr id="132" name="Elbow Connector 131"/>
+          <p:cNvCxnSpPr>
+            <a:stCxn id="28" idx="3"/>
+            <a:endCxn id="25" idx="0"/>
+          </p:cNvCxnSpPr>
+          <p:nvPr/>
+        </p:nvCxnSpPr>
+        <p:spPr>
+          <a:xfrm flipH="1" flipV="1">
+            <a:off x="10073814" y="3116828"/>
+            <a:ext cx="1124365" cy="923005"/>
+          </a:xfrm>
+          <a:prstGeom prst="bentConnector4">
+            <a:avLst>
+              <a:gd name="adj1" fmla="val -20331"/>
+              <a:gd name="adj2" fmla="val 124767"/>
+            </a:avLst>
+          </a:prstGeom>
+          <a:ln>
+            <a:tailEnd type="triangle"/>
+          </a:ln>
+        </p:spPr>
+        <p:style>
+          <a:lnRef idx="1">
+            <a:schemeClr val="accent1"/>
+          </a:lnRef>
+          <a:fillRef idx="0">
+            <a:schemeClr val="accent1"/>
+          </a:fillRef>
+          <a:effectRef idx="0">
+            <a:schemeClr val="accent1"/>
+          </a:effectRef>
+          <a:fontRef idx="minor">
+            <a:schemeClr val="tx1"/>
+          </a:fontRef>
+        </p:style>
+      </p:cxnSp>
+      <p:sp>
+        <p:nvSpPr>
+          <p:cNvPr id="133" name="TextBox 132"/>
+          <p:cNvSpPr txBox="1"/>
+          <p:nvPr/>
+        </p:nvSpPr>
+        <p:spPr>
+          <a:xfrm>
+            <a:off x="11113489" y="3714955"/>
+            <a:ext cx="333746" cy="369332"/>
+          </a:xfrm>
+          <a:prstGeom prst="rect">
+            <a:avLst/>
+          </a:prstGeom>
+          <a:noFill/>
+        </p:spPr>
+        <p:txBody>
+          <a:bodyPr wrap="none" rtlCol="0">
+            <a:spAutoFit/>
+          </a:bodyPr>
+          <a:lstStyle/>
+          <a:p>
+            <a:r>
+              <a:rPr lang="en-US" dirty="0" smtClean="0"/>
+              <a:t>N</a:t>
+            </a:r>
+            <a:endParaRPr lang="en-US" dirty="0"/>
+          </a:p>
+        </p:txBody>
+      </p:sp>
     </p:spTree>
     <p:extLst>
       <p:ext uri="{BB962C8B-B14F-4D97-AF65-F5344CB8AC3E}">
@@ -6236,6 +7469,13 @@
   <p:clrMapOvr>
     <a:masterClrMapping/>
   </p:clrMapOvr>
+  <p:timing>
+    <p:tnLst>
+      <p:par>
+        <p:cTn id="1" dur="indefinite" restart="never" nodeType="tmRoot"/>
+      </p:par>
+    </p:tnLst>
+  </p:timing>
 </p:sld>
 </file>
 
@@ -6261,7 +7501,7 @@
           <p:cNvPr id="4" name="Hình chữ nhật 3">
             <a:extLst>
               <a:ext uri="{FF2B5EF4-FFF2-40B4-BE49-F238E27FC236}">
-                <a16:creationId xmlns:a16="http://schemas.microsoft.com/office/drawing/2014/main" id="{C41056F5-6A80-400E-ACB4-FE6C05639353}"/>
+                <a16:creationId xmlns:a16="http://schemas.microsoft.com/office/drawing/2014/main" xmlns="" id="{C41056F5-6A80-400E-ACB4-FE6C05639353}"/>
               </a:ext>
             </a:extLst>
           </p:cNvPr>
@@ -6308,7 +7548,7 @@
           <p:cNvPr id="12" name="Đường nối Thẳng 11">
             <a:extLst>
               <a:ext uri="{FF2B5EF4-FFF2-40B4-BE49-F238E27FC236}">
-                <a16:creationId xmlns:a16="http://schemas.microsoft.com/office/drawing/2014/main" id="{8BD072BC-CB8C-4DF6-98A6-2A53FE38B952}"/>
+                <a16:creationId xmlns:a16="http://schemas.microsoft.com/office/drawing/2014/main" xmlns="" id="{8BD072BC-CB8C-4DF6-98A6-2A53FE38B952}"/>
               </a:ext>
             </a:extLst>
           </p:cNvPr>
@@ -6354,7 +7594,7 @@
           <p:cNvPr id="3" name="Nhóm 2">
             <a:extLst>
               <a:ext uri="{FF2B5EF4-FFF2-40B4-BE49-F238E27FC236}">
-                <a16:creationId xmlns:a16="http://schemas.microsoft.com/office/drawing/2014/main" id="{8D7372B7-9946-4E33-8D99-3240B4CEAEFE}"/>
+                <a16:creationId xmlns:a16="http://schemas.microsoft.com/office/drawing/2014/main" xmlns="" id="{8D7372B7-9946-4E33-8D99-3240B4CEAEFE}"/>
               </a:ext>
             </a:extLst>
           </p:cNvPr>
@@ -6364,9 +7604,9 @@
         <p:grpSpPr>
           <a:xfrm>
             <a:off x="343319" y="-68316"/>
-            <a:ext cx="2296989" cy="1371628"/>
+            <a:ext cx="2628481" cy="1371628"/>
             <a:chOff x="6422571" y="1339583"/>
-            <a:chExt cx="2296989" cy="1371628"/>
+            <a:chExt cx="2628481" cy="1371628"/>
           </a:xfrm>
         </p:grpSpPr>
         <p:sp>
@@ -6374,7 +7614,7 @@
             <p:cNvPr id="16" name="Hộp Văn bản 15">
               <a:extLst>
                 <a:ext uri="{FF2B5EF4-FFF2-40B4-BE49-F238E27FC236}">
-                  <a16:creationId xmlns:a16="http://schemas.microsoft.com/office/drawing/2014/main" id="{8ED6B838-BE24-4B5D-8077-035B875D4357}"/>
+                  <a16:creationId xmlns:a16="http://schemas.microsoft.com/office/drawing/2014/main" xmlns="" id="{8ED6B838-BE24-4B5D-8077-035B875D4357}"/>
                 </a:ext>
               </a:extLst>
             </p:cNvPr>
@@ -6384,7 +7624,7 @@
           <p:spPr>
             <a:xfrm>
               <a:off x="6422571" y="1339583"/>
-              <a:ext cx="1666337" cy="584775"/>
+              <a:ext cx="2628481" cy="584775"/>
             </a:xfrm>
             <a:prstGeom prst="rect">
               <a:avLst/>
@@ -6398,9 +7638,10 @@
             <a:lstStyle/>
             <a:p>
               <a:r>
-                <a:rPr lang="en-US" sz="3200" dirty="0"/>
-                <a:t>Threads</a:t>
+                <a:rPr lang="en-US" sz="3200" dirty="0" smtClean="0"/>
+                <a:t>Display Thread</a:t>
               </a:r>
+              <a:endParaRPr lang="en-US" sz="3200" dirty="0"/>
             </a:p>
           </p:txBody>
         </p:sp>
@@ -6409,7 +7650,7 @@
             <p:cNvPr id="22" name="Đường nối Thẳng 21">
               <a:extLst>
                 <a:ext uri="{FF2B5EF4-FFF2-40B4-BE49-F238E27FC236}">
-                  <a16:creationId xmlns:a16="http://schemas.microsoft.com/office/drawing/2014/main" id="{56F1EAC6-ECEF-49C2-BBE3-2DA22DDBF8F5}"/>
+                  <a16:creationId xmlns:a16="http://schemas.microsoft.com/office/drawing/2014/main" xmlns="" id="{56F1EAC6-ECEF-49C2-BBE3-2DA22DDBF8F5}"/>
                 </a:ext>
               </a:extLst>
             </p:cNvPr>
@@ -6450,7 +7691,7 @@
             <p:cNvPr id="27" name="Hộp Văn bản 26">
               <a:extLst>
                 <a:ext uri="{FF2B5EF4-FFF2-40B4-BE49-F238E27FC236}">
-                  <a16:creationId xmlns:a16="http://schemas.microsoft.com/office/drawing/2014/main" id="{755D4EC0-045D-4A99-A2F8-0032E85CC2EF}"/>
+                  <a16:creationId xmlns:a16="http://schemas.microsoft.com/office/drawing/2014/main" xmlns="" id="{755D4EC0-045D-4A99-A2F8-0032E85CC2EF}"/>
                 </a:ext>
               </a:extLst>
             </p:cNvPr>
@@ -6498,7 +7739,7 @@
           <p:cNvPr id="30" name="Hình bình hành 29">
             <a:extLst>
               <a:ext uri="{FF2B5EF4-FFF2-40B4-BE49-F238E27FC236}">
-                <a16:creationId xmlns:a16="http://schemas.microsoft.com/office/drawing/2014/main" id="{96CFA1A4-2907-4415-8A45-5FC8D82275E4}"/>
+                <a16:creationId xmlns:a16="http://schemas.microsoft.com/office/drawing/2014/main" xmlns="" id="{96CFA1A4-2907-4415-8A45-5FC8D82275E4}"/>
               </a:ext>
             </a:extLst>
           </p:cNvPr>
@@ -6547,7 +7788,7 @@
           <p:cNvPr id="11" name="Lưu đồ: Điểm Kết Thúc 10">
             <a:extLst>
               <a:ext uri="{FF2B5EF4-FFF2-40B4-BE49-F238E27FC236}">
-                <a16:creationId xmlns:a16="http://schemas.microsoft.com/office/drawing/2014/main" id="{EFF7C061-4564-45F5-97EB-0B1A9699FC8C}"/>
+                <a16:creationId xmlns:a16="http://schemas.microsoft.com/office/drawing/2014/main" xmlns="" id="{EFF7C061-4564-45F5-97EB-0B1A9699FC8C}"/>
               </a:ext>
             </a:extLst>
           </p:cNvPr>
@@ -6583,9 +7824,22 @@
           <a:p>
             <a:pPr algn="ctr"/>
             <a:r>
+              <a:rPr lang="en-US" dirty="0" smtClean="0"/>
+              <a:t>Display</a:t>
+            </a:r>
+            <a:r>
+              <a:rPr lang="en-US" dirty="0" smtClean="0"/>
+              <a:t> </a:t>
+            </a:r>
+            <a:r>
               <a:rPr lang="en-US" dirty="0"/>
-              <a:t>Main thread</a:t>
+              <a:t>T</a:t>
             </a:r>
+            <a:r>
+              <a:rPr lang="en-US" dirty="0" smtClean="0"/>
+              <a:t>hread</a:t>
+            </a:r>
+            <a:endParaRPr lang="en-US" dirty="0"/>
           </a:p>
         </p:txBody>
       </p:sp>
@@ -6594,7 +7848,7 @@
           <p:cNvPr id="20" name="Hình chữ nhật 19">
             <a:extLst>
               <a:ext uri="{FF2B5EF4-FFF2-40B4-BE49-F238E27FC236}">
-                <a16:creationId xmlns:a16="http://schemas.microsoft.com/office/drawing/2014/main" id="{50D3EFBB-401E-4BB2-8053-68A596927B38}"/>
+                <a16:creationId xmlns:a16="http://schemas.microsoft.com/office/drawing/2014/main" xmlns="" id="{50D3EFBB-401E-4BB2-8053-68A596927B38}"/>
               </a:ext>
             </a:extLst>
           </p:cNvPr>
@@ -6603,8 +7857,8 @@
         </p:nvSpPr>
         <p:spPr>
           <a:xfrm>
-            <a:off x="4545783" y="3756104"/>
-            <a:ext cx="3100430" cy="572756"/>
+            <a:off x="4333326" y="3915455"/>
+            <a:ext cx="3524374" cy="572756"/>
           </a:xfrm>
           <a:prstGeom prst="rect">
             <a:avLst/>
@@ -6630,72 +7884,10 @@
           <a:p>
             <a:pPr algn="ctr"/>
             <a:r>
-              <a:rPr lang="en-US" dirty="0" err="1"/>
-              <a:t>Printf</a:t>
+              <a:rPr lang="en-US" dirty="0" smtClean="0"/>
+              <a:t>Print LCD</a:t>
             </a:r>
-            <a:r>
-              <a:rPr lang="en-US" dirty="0"/>
-              <a:t>();</a:t>
-            </a:r>
-          </a:p>
-        </p:txBody>
-      </p:sp>
-      <p:sp>
-        <p:nvSpPr>
-          <p:cNvPr id="35" name="Hình chữ nhật 34">
-            <a:extLst>
-              <a:ext uri="{FF2B5EF4-FFF2-40B4-BE49-F238E27FC236}">
-                <a16:creationId xmlns:a16="http://schemas.microsoft.com/office/drawing/2014/main" id="{12C2B3F1-4159-457A-A2B6-74570BBDEC60}"/>
-              </a:ext>
-            </a:extLst>
-          </p:cNvPr>
-          <p:cNvSpPr/>
-          <p:nvPr/>
-        </p:nvSpPr>
-        <p:spPr>
-          <a:xfrm>
-            <a:off x="4545784" y="2999411"/>
-            <a:ext cx="3100431" cy="572756"/>
-          </a:xfrm>
-          <a:prstGeom prst="rect">
-            <a:avLst/>
-          </a:prstGeom>
-        </p:spPr>
-        <p:style>
-          <a:lnRef idx="2">
-            <a:schemeClr val="accent1"/>
-          </a:lnRef>
-          <a:fillRef idx="1">
-            <a:schemeClr val="lt1"/>
-          </a:fillRef>
-          <a:effectRef idx="0">
-            <a:schemeClr val="accent1"/>
-          </a:effectRef>
-          <a:fontRef idx="minor">
-            <a:schemeClr val="dk1"/>
-          </a:fontRef>
-        </p:style>
-        <p:txBody>
-          <a:bodyPr rtlCol="0" anchor="ctr"/>
-          <a:lstStyle/>
-          <a:p>
-            <a:pPr algn="ctr"/>
-            <a:r>
-              <a:rPr lang="en-US" dirty="0" err="1"/>
-              <a:t>atomSemGet</a:t>
-            </a:r>
-            <a:r>
-              <a:rPr lang="en-US" dirty="0"/>
-              <a:t>(</a:t>
-            </a:r>
-            <a:r>
-              <a:rPr lang="en-US" dirty="0" err="1"/>
-              <a:t>semLCD</a:t>
-            </a:r>
-            <a:r>
-              <a:rPr lang="en-US" dirty="0"/>
-              <a:t>)</a:t>
-            </a:r>
+            <a:endParaRPr lang="en-US" dirty="0"/>
           </a:p>
         </p:txBody>
       </p:sp>
@@ -6704,7 +7896,7 @@
           <p:cNvPr id="39" name="Hình chữ nhật 38">
             <a:extLst>
               <a:ext uri="{FF2B5EF4-FFF2-40B4-BE49-F238E27FC236}">
-                <a16:creationId xmlns:a16="http://schemas.microsoft.com/office/drawing/2014/main" id="{7BD9663B-84A8-48D9-BE37-D30848F954A0}"/>
+                <a16:creationId xmlns:a16="http://schemas.microsoft.com/office/drawing/2014/main" xmlns="" id="{7BD9663B-84A8-48D9-BE37-D30848F954A0}"/>
               </a:ext>
             </a:extLst>
           </p:cNvPr>
@@ -6746,12 +7938,54 @@
           </a:p>
         </p:txBody>
       </p:sp>
+      <p:cxnSp>
+        <p:nvCxnSpPr>
+          <p:cNvPr id="7" name="Đường kết nối Mũi tên Thẳng 6">
+            <a:extLst>
+              <a:ext uri="{FF2B5EF4-FFF2-40B4-BE49-F238E27FC236}">
+                <a16:creationId xmlns:a16="http://schemas.microsoft.com/office/drawing/2014/main" xmlns="" id="{156F907F-DB58-4887-90EA-F2E4B549A6F0}"/>
+              </a:ext>
+            </a:extLst>
+          </p:cNvPr>
+          <p:cNvCxnSpPr>
+            <a:stCxn id="11" idx="2"/>
+            <a:endCxn id="39" idx="0"/>
+          </p:cNvCxnSpPr>
+          <p:nvPr/>
+        </p:nvCxnSpPr>
+        <p:spPr>
+          <a:xfrm>
+            <a:off x="6074228" y="1764684"/>
+            <a:ext cx="1" cy="200678"/>
+          </a:xfrm>
+          <a:prstGeom prst="straightConnector1">
+            <a:avLst/>
+          </a:prstGeom>
+          <a:ln>
+            <a:tailEnd type="triangle"/>
+          </a:ln>
+        </p:spPr>
+        <p:style>
+          <a:lnRef idx="1">
+            <a:schemeClr val="accent1"/>
+          </a:lnRef>
+          <a:fillRef idx="0">
+            <a:schemeClr val="accent1"/>
+          </a:fillRef>
+          <a:effectRef idx="0">
+            <a:schemeClr val="accent1"/>
+          </a:effectRef>
+          <a:fontRef idx="minor">
+            <a:schemeClr val="tx1"/>
+          </a:fontRef>
+        </p:style>
+      </p:cxnSp>
       <p:sp>
         <p:nvSpPr>
-          <p:cNvPr id="18" name="Hình chữ nhật 17">
-            <a:extLst>
-              <a:ext uri="{FF2B5EF4-FFF2-40B4-BE49-F238E27FC236}">
-                <a16:creationId xmlns:a16="http://schemas.microsoft.com/office/drawing/2014/main" id="{4C302F3E-0DE7-42B6-BB65-4C7AAB33D6C2}"/>
+          <p:cNvPr id="23" name="Hình chữ nhật 17">
+            <a:extLst>
+              <a:ext uri="{FF2B5EF4-FFF2-40B4-BE49-F238E27FC236}">
+                <a16:creationId xmlns:a16="http://schemas.microsoft.com/office/drawing/2014/main" xmlns="" id="{3CBC28E4-8479-443E-B6F4-14A58749B375}"/>
               </a:ext>
             </a:extLst>
           </p:cNvPr>
@@ -6760,8 +7994,8 @@
         </p:nvSpPr>
         <p:spPr>
           <a:xfrm>
-            <a:off x="4545782" y="4512797"/>
-            <a:ext cx="3100431" cy="572756"/>
+            <a:off x="8424961" y="2940747"/>
+            <a:ext cx="1603104" cy="572756"/>
           </a:xfrm>
           <a:prstGeom prst="rect">
             <a:avLst/>
@@ -6787,43 +8021,93 @@
           <a:p>
             <a:pPr algn="ctr"/>
             <a:r>
-              <a:rPr lang="en-US" dirty="0" err="1"/>
-              <a:t>atomSemGet</a:t>
+              <a:rPr lang="en-US" dirty="0" smtClean="0"/>
+              <a:t>BLOCK</a:t>
+            </a:r>
+            <a:endParaRPr lang="en-US" dirty="0"/>
+          </a:p>
+        </p:txBody>
+      </p:sp>
+      <p:sp>
+        <p:nvSpPr>
+          <p:cNvPr id="25" name="Hình thoi 24">
+            <a:extLst>
+              <a:ext uri="{FF2B5EF4-FFF2-40B4-BE49-F238E27FC236}">
+                <a16:creationId xmlns:a16="http://schemas.microsoft.com/office/drawing/2014/main" xmlns="" id="{C95836A9-09DE-4621-9073-4EB7A654D07F}"/>
+              </a:ext>
+            </a:extLst>
+          </p:cNvPr>
+          <p:cNvSpPr/>
+          <p:nvPr/>
+        </p:nvSpPr>
+        <p:spPr>
+          <a:xfrm>
+            <a:off x="4526642" y="2826769"/>
+            <a:ext cx="3089189" cy="786284"/>
+          </a:xfrm>
+          <a:prstGeom prst="diamond">
+            <a:avLst/>
+          </a:prstGeom>
+        </p:spPr>
+        <p:style>
+          <a:lnRef idx="2">
+            <a:schemeClr val="accent1"/>
+          </a:lnRef>
+          <a:fillRef idx="1">
+            <a:schemeClr val="lt1"/>
+          </a:fillRef>
+          <a:effectRef idx="0">
+            <a:schemeClr val="accent1"/>
+          </a:effectRef>
+          <a:fontRef idx="minor">
+            <a:schemeClr val="dk1"/>
+          </a:fontRef>
+        </p:style>
+        <p:txBody>
+          <a:bodyPr rtlCol="0" anchor="ctr"/>
+          <a:lstStyle/>
+          <a:p>
+            <a:pPr algn="ctr"/>
+            <a:r>
+              <a:rPr lang="en-US" dirty="0" err="1" smtClean="0"/>
+              <a:t>SemD</a:t>
             </a:r>
             <a:r>
-              <a:rPr lang="en-US" dirty="0"/>
-              <a:t>(</a:t>
+              <a:rPr lang="en-US" dirty="0" smtClean="0"/>
+              <a:t>-&gt;</a:t>
             </a:r>
             <a:r>
-              <a:rPr lang="en-US" dirty="0" err="1"/>
-              <a:t>semLCD</a:t>
+              <a:rPr lang="en-US" dirty="0" err="1" smtClean="0"/>
+              <a:t>cnt</a:t>
             </a:r>
             <a:r>
-              <a:rPr lang="en-US" dirty="0"/>
-              <a:t>)</a:t>
+              <a:rPr lang="en-US" dirty="0" smtClean="0"/>
+              <a:t> &gt; 0</a:t>
             </a:r>
+            <a:endParaRPr lang="en-US" dirty="0"/>
           </a:p>
         </p:txBody>
       </p:sp>
       <p:cxnSp>
         <p:nvCxnSpPr>
-          <p:cNvPr id="7" name="Đường kết nối Mũi tên Thẳng 6">
-            <a:extLst>
-              <a:ext uri="{FF2B5EF4-FFF2-40B4-BE49-F238E27FC236}">
-                <a16:creationId xmlns:a16="http://schemas.microsoft.com/office/drawing/2014/main" id="{156F907F-DB58-4887-90EA-F2E4B549A6F0}"/>
+          <p:cNvPr id="28" name="Đường kết nối Mũi tên Thẳng 4">
+            <a:extLst>
+              <a:ext uri="{FF2B5EF4-FFF2-40B4-BE49-F238E27FC236}">
+                <a16:creationId xmlns:a16="http://schemas.microsoft.com/office/drawing/2014/main" xmlns="" id="{39A36563-EA4D-4181-B394-20A8EAA0CB96}"/>
               </a:ext>
             </a:extLst>
           </p:cNvPr>
           <p:cNvCxnSpPr>
-            <a:stCxn id="11" idx="2"/>
-            <a:endCxn id="39" idx="0"/>
+            <a:cxnSpLocks/>
+            <a:stCxn id="39" idx="2"/>
+            <a:endCxn id="25" idx="0"/>
           </p:cNvCxnSpPr>
           <p:nvPr/>
         </p:nvCxnSpPr>
         <p:spPr>
-          <a:xfrm>
-            <a:off x="6074228" y="1764684"/>
-            <a:ext cx="1" cy="200678"/>
+          <a:xfrm flipH="1">
+            <a:off x="6071237" y="2596208"/>
+            <a:ext cx="2992" cy="230561"/>
           </a:xfrm>
           <a:prstGeom prst="straightConnector1">
             <a:avLst/>
@@ -6849,23 +8133,24 @@
       </p:cxnSp>
       <p:cxnSp>
         <p:nvCxnSpPr>
-          <p:cNvPr id="9" name="Đường kết nối Mũi tên Thẳng 8">
-            <a:extLst>
-              <a:ext uri="{FF2B5EF4-FFF2-40B4-BE49-F238E27FC236}">
-                <a16:creationId xmlns:a16="http://schemas.microsoft.com/office/drawing/2014/main" id="{853E35E4-B120-42D5-8E98-2FE7049E04B8}"/>
+          <p:cNvPr id="29" name="Đường kết nối Mũi tên Thẳng 4">
+            <a:extLst>
+              <a:ext uri="{FF2B5EF4-FFF2-40B4-BE49-F238E27FC236}">
+                <a16:creationId xmlns:a16="http://schemas.microsoft.com/office/drawing/2014/main" xmlns="" id="{39A36563-EA4D-4181-B394-20A8EAA0CB96}"/>
               </a:ext>
             </a:extLst>
           </p:cNvPr>
           <p:cNvCxnSpPr>
-            <a:stCxn id="39" idx="2"/>
-            <a:endCxn id="35" idx="0"/>
+            <a:cxnSpLocks/>
+            <a:stCxn id="25" idx="3"/>
+            <a:endCxn id="23" idx="1"/>
           </p:cNvCxnSpPr>
           <p:nvPr/>
         </p:nvCxnSpPr>
         <p:spPr>
           <a:xfrm>
-            <a:off x="6074229" y="2596208"/>
-            <a:ext cx="21771" cy="403203"/>
+            <a:off x="7615831" y="3219911"/>
+            <a:ext cx="809130" cy="7214"/>
           </a:xfrm>
           <a:prstGeom prst="straightConnector1">
             <a:avLst/>
@@ -6889,25 +8174,72 @@
           </a:fontRef>
         </p:style>
       </p:cxnSp>
+      <p:sp>
+        <p:nvSpPr>
+          <p:cNvPr id="31" name="Hình thoi 24">
+            <a:extLst>
+              <a:ext uri="{FF2B5EF4-FFF2-40B4-BE49-F238E27FC236}">
+                <a16:creationId xmlns:a16="http://schemas.microsoft.com/office/drawing/2014/main" xmlns="" id="{C95836A9-09DE-4621-9073-4EB7A654D07F}"/>
+              </a:ext>
+            </a:extLst>
+          </p:cNvPr>
+          <p:cNvSpPr/>
+          <p:nvPr/>
+        </p:nvSpPr>
+        <p:spPr>
+          <a:xfrm>
+            <a:off x="8290050" y="3834455"/>
+            <a:ext cx="2072206" cy="671265"/>
+          </a:xfrm>
+          <a:prstGeom prst="diamond">
+            <a:avLst/>
+          </a:prstGeom>
+        </p:spPr>
+        <p:style>
+          <a:lnRef idx="2">
+            <a:schemeClr val="accent1"/>
+          </a:lnRef>
+          <a:fillRef idx="1">
+            <a:schemeClr val="lt1"/>
+          </a:fillRef>
+          <a:effectRef idx="0">
+            <a:schemeClr val="accent1"/>
+          </a:effectRef>
+          <a:fontRef idx="minor">
+            <a:schemeClr val="dk1"/>
+          </a:fontRef>
+        </p:style>
+        <p:txBody>
+          <a:bodyPr rtlCol="0" anchor="ctr"/>
+          <a:lstStyle/>
+          <a:p>
+            <a:pPr algn="ctr"/>
+            <a:r>
+              <a:rPr lang="en-US" dirty="0" smtClean="0"/>
+              <a:t>Wake-up</a:t>
+            </a:r>
+            <a:endParaRPr lang="en-US" dirty="0"/>
+          </a:p>
+        </p:txBody>
+      </p:sp>
       <p:cxnSp>
         <p:nvCxnSpPr>
-          <p:cNvPr id="13" name="Đường kết nối Mũi tên Thẳng 12">
-            <a:extLst>
-              <a:ext uri="{FF2B5EF4-FFF2-40B4-BE49-F238E27FC236}">
-                <a16:creationId xmlns:a16="http://schemas.microsoft.com/office/drawing/2014/main" id="{3920ECC3-C053-4F10-B930-6C97FB348B0E}"/>
+          <p:cNvPr id="32" name="Đường kết nối Mũi tên Thẳng 4">
+            <a:extLst>
+              <a:ext uri="{FF2B5EF4-FFF2-40B4-BE49-F238E27FC236}">
+                <a16:creationId xmlns:a16="http://schemas.microsoft.com/office/drawing/2014/main" xmlns="" id="{39A36563-EA4D-4181-B394-20A8EAA0CB96}"/>
               </a:ext>
             </a:extLst>
           </p:cNvPr>
           <p:cNvCxnSpPr>
-            <a:stCxn id="35" idx="2"/>
-            <a:endCxn id="20" idx="0"/>
+            <a:cxnSpLocks/>
           </p:cNvCxnSpPr>
           <p:nvPr/>
         </p:nvCxnSpPr>
         <p:spPr>
-          <a:xfrm flipH="1">
-            <a:off x="6095998" y="3572167"/>
-            <a:ext cx="2" cy="183937"/>
+          <a:xfrm>
+            <a:off x="9308275" y="3513503"/>
+            <a:ext cx="10" cy="263842"/>
           </a:xfrm>
           <a:prstGeom prst="straightConnector1">
             <a:avLst/>
@@ -6933,23 +8265,106 @@
       </p:cxnSp>
       <p:cxnSp>
         <p:nvCxnSpPr>
-          <p:cNvPr id="15" name="Đường kết nối Mũi tên Thẳng 14">
-            <a:extLst>
-              <a:ext uri="{FF2B5EF4-FFF2-40B4-BE49-F238E27FC236}">
-                <a16:creationId xmlns:a16="http://schemas.microsoft.com/office/drawing/2014/main" id="{14F9BE55-2377-419B-8EFD-90908F7F241A}"/>
-              </a:ext>
-            </a:extLst>
-          </p:cNvPr>
+          <p:cNvPr id="33" name="Straight Connector 32"/>
           <p:cNvCxnSpPr>
-            <a:stCxn id="20" idx="2"/>
-            <a:endCxn id="18" idx="0"/>
+            <a:stCxn id="31" idx="3"/>
           </p:cNvCxnSpPr>
+          <p:nvPr/>
+        </p:nvCxnSpPr>
+        <p:spPr>
+          <a:xfrm flipV="1">
+            <a:off x="10362256" y="4170087"/>
+            <a:ext cx="467703" cy="1"/>
+          </a:xfrm>
+          <a:prstGeom prst="line">
+            <a:avLst/>
+          </a:prstGeom>
+        </p:spPr>
+        <p:style>
+          <a:lnRef idx="1">
+            <a:schemeClr val="accent1"/>
+          </a:lnRef>
+          <a:fillRef idx="0">
+            <a:schemeClr val="accent1"/>
+          </a:fillRef>
+          <a:effectRef idx="0">
+            <a:schemeClr val="accent1"/>
+          </a:effectRef>
+          <a:fontRef idx="minor">
+            <a:schemeClr val="tx1"/>
+          </a:fontRef>
+        </p:style>
+      </p:cxnSp>
+      <p:cxnSp>
+        <p:nvCxnSpPr>
+          <p:cNvPr id="34" name="Straight Connector 33"/>
+          <p:cNvCxnSpPr/>
+          <p:nvPr/>
+        </p:nvCxnSpPr>
+        <p:spPr>
+          <a:xfrm flipV="1">
+            <a:off x="10812081" y="2478273"/>
+            <a:ext cx="0" cy="1688777"/>
+          </a:xfrm>
+          <a:prstGeom prst="line">
+            <a:avLst/>
+          </a:prstGeom>
+        </p:spPr>
+        <p:style>
+          <a:lnRef idx="1">
+            <a:schemeClr val="accent1"/>
+          </a:lnRef>
+          <a:fillRef idx="0">
+            <a:schemeClr val="accent1"/>
+          </a:fillRef>
+          <a:effectRef idx="0">
+            <a:schemeClr val="accent1"/>
+          </a:effectRef>
+          <a:fontRef idx="minor">
+            <a:schemeClr val="tx1"/>
+          </a:fontRef>
+        </p:style>
+      </p:cxnSp>
+      <p:cxnSp>
+        <p:nvCxnSpPr>
+          <p:cNvPr id="36" name="Straight Connector 35"/>
+          <p:cNvCxnSpPr/>
+          <p:nvPr/>
+        </p:nvCxnSpPr>
+        <p:spPr>
+          <a:xfrm flipH="1">
+            <a:off x="9308275" y="2478272"/>
+            <a:ext cx="1503806" cy="0"/>
+          </a:xfrm>
+          <a:prstGeom prst="line">
+            <a:avLst/>
+          </a:prstGeom>
+        </p:spPr>
+        <p:style>
+          <a:lnRef idx="1">
+            <a:schemeClr val="accent1"/>
+          </a:lnRef>
+          <a:fillRef idx="0">
+            <a:schemeClr val="accent1"/>
+          </a:fillRef>
+          <a:effectRef idx="0">
+            <a:schemeClr val="accent1"/>
+          </a:effectRef>
+          <a:fontRef idx="minor">
+            <a:schemeClr val="tx1"/>
+          </a:fontRef>
+        </p:style>
+      </p:cxnSp>
+      <p:cxnSp>
+        <p:nvCxnSpPr>
+          <p:cNvPr id="37" name="Straight Arrow Connector 36"/>
+          <p:cNvCxnSpPr/>
           <p:nvPr/>
         </p:nvCxnSpPr>
         <p:spPr>
           <a:xfrm>
-            <a:off x="6095998" y="4328860"/>
-            <a:ext cx="0" cy="183937"/>
+            <a:off x="9308275" y="2478272"/>
+            <a:ext cx="0" cy="462475"/>
           </a:xfrm>
           <a:prstGeom prst="straightConnector1">
             <a:avLst/>
@@ -6975,27 +8390,175 @@
       </p:cxnSp>
       <p:cxnSp>
         <p:nvCxnSpPr>
-          <p:cNvPr id="19" name="Đường kết nối: Mũi tên Gấp khúc 18">
-            <a:extLst>
-              <a:ext uri="{FF2B5EF4-FFF2-40B4-BE49-F238E27FC236}">
-                <a16:creationId xmlns:a16="http://schemas.microsoft.com/office/drawing/2014/main" id="{58E07C65-4955-490F-B038-8EEC93FA6291}"/>
-              </a:ext>
-            </a:extLst>
-          </p:cNvPr>
-          <p:cNvCxnSpPr>
-            <a:stCxn id="18" idx="1"/>
-          </p:cNvCxnSpPr>
+          <p:cNvPr id="38" name="Straight Arrow Connector 37"/>
+          <p:cNvCxnSpPr/>
           <p:nvPr/>
         </p:nvCxnSpPr>
         <p:spPr>
-          <a:xfrm rot="10800000" flipH="1">
-            <a:off x="4545782" y="2829261"/>
-            <a:ext cx="1550218" cy="1969914"/>
+          <a:xfrm flipH="1" flipV="1">
+            <a:off x="7852534" y="4167050"/>
+            <a:ext cx="460899" cy="1"/>
+          </a:xfrm>
+          <a:prstGeom prst="straightConnector1">
+            <a:avLst/>
+          </a:prstGeom>
+          <a:ln>
+            <a:tailEnd type="triangle"/>
+          </a:ln>
+        </p:spPr>
+        <p:style>
+          <a:lnRef idx="1">
+            <a:schemeClr val="accent1"/>
+          </a:lnRef>
+          <a:fillRef idx="0">
+            <a:schemeClr val="accent1"/>
+          </a:fillRef>
+          <a:effectRef idx="0">
+            <a:schemeClr val="accent1"/>
+          </a:effectRef>
+          <a:fontRef idx="minor">
+            <a:schemeClr val="tx1"/>
+          </a:fontRef>
+        </p:style>
+      </p:cxnSp>
+      <p:sp>
+        <p:nvSpPr>
+          <p:cNvPr id="40" name="TextBox 39"/>
+          <p:cNvSpPr txBox="1"/>
+          <p:nvPr/>
+        </p:nvSpPr>
+        <p:spPr>
+          <a:xfrm>
+            <a:off x="7749238" y="2908203"/>
+            <a:ext cx="333746" cy="369332"/>
+          </a:xfrm>
+          <a:prstGeom prst="rect">
+            <a:avLst/>
+          </a:prstGeom>
+          <a:noFill/>
+        </p:spPr>
+        <p:txBody>
+          <a:bodyPr wrap="none" rtlCol="0">
+            <a:spAutoFit/>
+          </a:bodyPr>
+          <a:lstStyle/>
+          <a:p>
+            <a:r>
+              <a:rPr lang="en-US" dirty="0" smtClean="0"/>
+              <a:t>N</a:t>
+            </a:r>
+            <a:endParaRPr lang="en-US" dirty="0"/>
+          </a:p>
+        </p:txBody>
+      </p:sp>
+      <p:sp>
+        <p:nvSpPr>
+          <p:cNvPr id="41" name="TextBox 40"/>
+          <p:cNvSpPr txBox="1"/>
+          <p:nvPr/>
+        </p:nvSpPr>
+        <p:spPr>
+          <a:xfrm>
+            <a:off x="4081325" y="2935090"/>
+            <a:ext cx="296876" cy="369332"/>
+          </a:xfrm>
+          <a:prstGeom prst="rect">
+            <a:avLst/>
+          </a:prstGeom>
+          <a:noFill/>
+        </p:spPr>
+        <p:txBody>
+          <a:bodyPr wrap="none" rtlCol="0">
+            <a:spAutoFit/>
+          </a:bodyPr>
+          <a:lstStyle/>
+          <a:p>
+            <a:r>
+              <a:rPr lang="en-US" dirty="0" smtClean="0"/>
+              <a:t>Y</a:t>
+            </a:r>
+            <a:endParaRPr lang="en-US" dirty="0"/>
+          </a:p>
+        </p:txBody>
+      </p:sp>
+      <p:sp>
+        <p:nvSpPr>
+          <p:cNvPr id="42" name="TextBox 41"/>
+          <p:cNvSpPr txBox="1"/>
+          <p:nvPr/>
+        </p:nvSpPr>
+        <p:spPr>
+          <a:xfrm>
+            <a:off x="10362256" y="3797719"/>
+            <a:ext cx="333746" cy="369332"/>
+          </a:xfrm>
+          <a:prstGeom prst="rect">
+            <a:avLst/>
+          </a:prstGeom>
+          <a:noFill/>
+        </p:spPr>
+        <p:txBody>
+          <a:bodyPr wrap="none" rtlCol="0">
+            <a:spAutoFit/>
+          </a:bodyPr>
+          <a:lstStyle/>
+          <a:p>
+            <a:r>
+              <a:rPr lang="en-US" dirty="0" smtClean="0"/>
+              <a:t>N</a:t>
+            </a:r>
+            <a:endParaRPr lang="en-US" dirty="0"/>
+          </a:p>
+        </p:txBody>
+      </p:sp>
+      <p:sp>
+        <p:nvSpPr>
+          <p:cNvPr id="43" name="TextBox 42"/>
+          <p:cNvSpPr txBox="1"/>
+          <p:nvPr/>
+        </p:nvSpPr>
+        <p:spPr>
+          <a:xfrm>
+            <a:off x="7957418" y="3797719"/>
+            <a:ext cx="296876" cy="369332"/>
+          </a:xfrm>
+          <a:prstGeom prst="rect">
+            <a:avLst/>
+          </a:prstGeom>
+          <a:noFill/>
+        </p:spPr>
+        <p:txBody>
+          <a:bodyPr wrap="none" rtlCol="0">
+            <a:spAutoFit/>
+          </a:bodyPr>
+          <a:lstStyle/>
+          <a:p>
+            <a:r>
+              <a:rPr lang="en-US" dirty="0" smtClean="0"/>
+              <a:t>Y</a:t>
+            </a:r>
+            <a:endParaRPr lang="en-US" dirty="0"/>
+          </a:p>
+        </p:txBody>
+      </p:sp>
+      <p:cxnSp>
+        <p:nvCxnSpPr>
+          <p:cNvPr id="48" name="Elbow Connector 47"/>
+          <p:cNvCxnSpPr>
+            <a:stCxn id="25" idx="1"/>
+            <a:endCxn id="20" idx="0"/>
+          </p:cNvCxnSpPr>
+          <p:nvPr/>
+        </p:nvCxnSpPr>
+        <p:spPr>
+          <a:xfrm rot="10800000" flipH="1" flipV="1">
+            <a:off x="4526641" y="3219911"/>
+            <a:ext cx="1568871" cy="695544"/>
           </a:xfrm>
           <a:prstGeom prst="bentConnector4">
             <a:avLst>
-              <a:gd name="adj1" fmla="val -14746"/>
-              <a:gd name="adj2" fmla="val 99865"/>
+              <a:gd name="adj1" fmla="val -36023"/>
+              <a:gd name="adj2" fmla="val 76435"/>
             </a:avLst>
           </a:prstGeom>
           <a:ln>
@@ -7027,6 +8590,13 @@
   <p:clrMapOvr>
     <a:masterClrMapping/>
   </p:clrMapOvr>
+  <p:timing>
+    <p:tnLst>
+      <p:par>
+        <p:cTn id="1" dur="indefinite" restart="never" nodeType="tmRoot"/>
+      </p:par>
+    </p:tnLst>
+  </p:timing>
 </p:sld>
 </file>
 
@@ -7052,7 +8622,7 @@
           <p:cNvPr id="4" name="Hình chữ nhật 3">
             <a:extLst>
               <a:ext uri="{FF2B5EF4-FFF2-40B4-BE49-F238E27FC236}">
-                <a16:creationId xmlns:a16="http://schemas.microsoft.com/office/drawing/2014/main" id="{C41056F5-6A80-400E-ACB4-FE6C05639353}"/>
+                <a16:creationId xmlns:a16="http://schemas.microsoft.com/office/drawing/2014/main" xmlns="" id="{C41056F5-6A80-400E-ACB4-FE6C05639353}"/>
               </a:ext>
             </a:extLst>
           </p:cNvPr>
@@ -7099,7 +8669,7 @@
           <p:cNvPr id="12" name="Đường nối Thẳng 11">
             <a:extLst>
               <a:ext uri="{FF2B5EF4-FFF2-40B4-BE49-F238E27FC236}">
-                <a16:creationId xmlns:a16="http://schemas.microsoft.com/office/drawing/2014/main" id="{8BD072BC-CB8C-4DF6-98A6-2A53FE38B952}"/>
+                <a16:creationId xmlns:a16="http://schemas.microsoft.com/office/drawing/2014/main" xmlns="" id="{8BD072BC-CB8C-4DF6-98A6-2A53FE38B952}"/>
               </a:ext>
             </a:extLst>
           </p:cNvPr>
@@ -7145,7 +8715,7 @@
           <p:cNvPr id="3" name="Nhóm 2">
             <a:extLst>
               <a:ext uri="{FF2B5EF4-FFF2-40B4-BE49-F238E27FC236}">
-                <a16:creationId xmlns:a16="http://schemas.microsoft.com/office/drawing/2014/main" id="{8D7372B7-9946-4E33-8D99-3240B4CEAEFE}"/>
+                <a16:creationId xmlns:a16="http://schemas.microsoft.com/office/drawing/2014/main" xmlns="" id="{8D7372B7-9946-4E33-8D99-3240B4CEAEFE}"/>
               </a:ext>
             </a:extLst>
           </p:cNvPr>
@@ -7165,7 +8735,7 @@
             <p:cNvPr id="16" name="Hộp Văn bản 15">
               <a:extLst>
                 <a:ext uri="{FF2B5EF4-FFF2-40B4-BE49-F238E27FC236}">
-                  <a16:creationId xmlns:a16="http://schemas.microsoft.com/office/drawing/2014/main" id="{8ED6B838-BE24-4B5D-8077-035B875D4357}"/>
+                  <a16:creationId xmlns:a16="http://schemas.microsoft.com/office/drawing/2014/main" xmlns="" id="{8ED6B838-BE24-4B5D-8077-035B875D4357}"/>
                 </a:ext>
               </a:extLst>
             </p:cNvPr>
@@ -7200,7 +8770,7 @@
             <p:cNvPr id="22" name="Đường nối Thẳng 21">
               <a:extLst>
                 <a:ext uri="{FF2B5EF4-FFF2-40B4-BE49-F238E27FC236}">
-                  <a16:creationId xmlns:a16="http://schemas.microsoft.com/office/drawing/2014/main" id="{56F1EAC6-ECEF-49C2-BBE3-2DA22DDBF8F5}"/>
+                  <a16:creationId xmlns:a16="http://schemas.microsoft.com/office/drawing/2014/main" xmlns="" id="{56F1EAC6-ECEF-49C2-BBE3-2DA22DDBF8F5}"/>
                 </a:ext>
               </a:extLst>
             </p:cNvPr>
@@ -7241,7 +8811,7 @@
             <p:cNvPr id="27" name="Hộp Văn bản 26">
               <a:extLst>
                 <a:ext uri="{FF2B5EF4-FFF2-40B4-BE49-F238E27FC236}">
-                  <a16:creationId xmlns:a16="http://schemas.microsoft.com/office/drawing/2014/main" id="{755D4EC0-045D-4A99-A2F8-0032E85CC2EF}"/>
+                  <a16:creationId xmlns:a16="http://schemas.microsoft.com/office/drawing/2014/main" xmlns="" id="{755D4EC0-045D-4A99-A2F8-0032E85CC2EF}"/>
                 </a:ext>
               </a:extLst>
             </p:cNvPr>
@@ -7289,7 +8859,7 @@
           <p:cNvPr id="30" name="Hình bình hành 29">
             <a:extLst>
               <a:ext uri="{FF2B5EF4-FFF2-40B4-BE49-F238E27FC236}">
-                <a16:creationId xmlns:a16="http://schemas.microsoft.com/office/drawing/2014/main" id="{96CFA1A4-2907-4415-8A45-5FC8D82275E4}"/>
+                <a16:creationId xmlns:a16="http://schemas.microsoft.com/office/drawing/2014/main" xmlns="" id="{96CFA1A4-2907-4415-8A45-5FC8D82275E4}"/>
               </a:ext>
             </a:extLst>
           </p:cNvPr>
@@ -7338,7 +8908,7 @@
           <p:cNvPr id="31" name="Lưu đồ: Điểm Kết Thúc 30">
             <a:extLst>
               <a:ext uri="{FF2B5EF4-FFF2-40B4-BE49-F238E27FC236}">
-                <a16:creationId xmlns:a16="http://schemas.microsoft.com/office/drawing/2014/main" id="{7FD7227D-87C3-4704-9548-DF96F393D35A}"/>
+                <a16:creationId xmlns:a16="http://schemas.microsoft.com/office/drawing/2014/main" xmlns="" id="{7FD7227D-87C3-4704-9548-DF96F393D35A}"/>
               </a:ext>
             </a:extLst>
           </p:cNvPr>
@@ -7385,7 +8955,7 @@
           <p:cNvPr id="32" name="Hình chữ nhật 31">
             <a:extLst>
               <a:ext uri="{FF2B5EF4-FFF2-40B4-BE49-F238E27FC236}">
-                <a16:creationId xmlns:a16="http://schemas.microsoft.com/office/drawing/2014/main" id="{776E8651-112C-4218-A0AF-0068B6F484BD}"/>
+                <a16:creationId xmlns:a16="http://schemas.microsoft.com/office/drawing/2014/main" xmlns="" id="{776E8651-112C-4218-A0AF-0068B6F484BD}"/>
               </a:ext>
             </a:extLst>
           </p:cNvPr>
@@ -7421,13 +8991,14 @@
           <a:p>
             <a:pPr algn="ctr"/>
             <a:r>
-              <a:rPr lang="en-US" dirty="0" err="1"/>
-              <a:t>Printf</a:t>
+              <a:rPr lang="en-US" dirty="0" err="1" smtClean="0"/>
+              <a:t>Printf_LCD</a:t>
             </a:r>
             <a:r>
-              <a:rPr lang="en-US" dirty="0"/>
+              <a:rPr lang="en-US" dirty="0" smtClean="0"/>
               <a:t>();</a:t>
             </a:r>
+            <a:endParaRPr lang="en-US" dirty="0"/>
           </a:p>
         </p:txBody>
       </p:sp>
@@ -7436,7 +9007,7 @@
           <p:cNvPr id="33" name="Hình chữ nhật 32">
             <a:extLst>
               <a:ext uri="{FF2B5EF4-FFF2-40B4-BE49-F238E27FC236}">
-                <a16:creationId xmlns:a16="http://schemas.microsoft.com/office/drawing/2014/main" id="{D47B364C-8AF5-4FCC-96FD-09165D8E890F}"/>
+                <a16:creationId xmlns:a16="http://schemas.microsoft.com/office/drawing/2014/main" xmlns="" id="{D47B364C-8AF5-4FCC-96FD-09165D8E890F}"/>
               </a:ext>
             </a:extLst>
           </p:cNvPr>
@@ -7495,7 +9066,7 @@
           <p:cNvPr id="34" name="Hình chữ nhật 33">
             <a:extLst>
               <a:ext uri="{FF2B5EF4-FFF2-40B4-BE49-F238E27FC236}">
-                <a16:creationId xmlns:a16="http://schemas.microsoft.com/office/drawing/2014/main" id="{8B73567F-4623-4B0F-BE75-C4F9EB426B85}"/>
+                <a16:creationId xmlns:a16="http://schemas.microsoft.com/office/drawing/2014/main" xmlns="" id="{8B73567F-4623-4B0F-BE75-C4F9EB426B85}"/>
               </a:ext>
             </a:extLst>
           </p:cNvPr>
@@ -7542,7 +9113,7 @@
           <p:cNvPr id="36" name="Hình chữ nhật 35">
             <a:extLst>
               <a:ext uri="{FF2B5EF4-FFF2-40B4-BE49-F238E27FC236}">
-                <a16:creationId xmlns:a16="http://schemas.microsoft.com/office/drawing/2014/main" id="{F6B94346-7943-41D3-BCDE-8256E032B660}"/>
+                <a16:creationId xmlns:a16="http://schemas.microsoft.com/office/drawing/2014/main" xmlns="" id="{F6B94346-7943-41D3-BCDE-8256E032B660}"/>
               </a:ext>
             </a:extLst>
           </p:cNvPr>
@@ -7601,7 +9172,7 @@
           <p:cNvPr id="37" name="Đường kết nối Mũi tên Thẳng 36">
             <a:extLst>
               <a:ext uri="{FF2B5EF4-FFF2-40B4-BE49-F238E27FC236}">
-                <a16:creationId xmlns:a16="http://schemas.microsoft.com/office/drawing/2014/main" id="{9216D38E-4BC8-45F7-B176-2FF6213A11ED}"/>
+                <a16:creationId xmlns:a16="http://schemas.microsoft.com/office/drawing/2014/main" xmlns="" id="{9216D38E-4BC8-45F7-B176-2FF6213A11ED}"/>
               </a:ext>
             </a:extLst>
           </p:cNvPr>
@@ -7643,7 +9214,7 @@
           <p:cNvPr id="39" name="Đường kết nối Mũi tên Thẳng 38">
             <a:extLst>
               <a:ext uri="{FF2B5EF4-FFF2-40B4-BE49-F238E27FC236}">
-                <a16:creationId xmlns:a16="http://schemas.microsoft.com/office/drawing/2014/main" id="{804DF277-CD63-45D3-AA4B-6F455FD9EA1C}"/>
+                <a16:creationId xmlns:a16="http://schemas.microsoft.com/office/drawing/2014/main" xmlns="" id="{804DF277-CD63-45D3-AA4B-6F455FD9EA1C}"/>
               </a:ext>
             </a:extLst>
           </p:cNvPr>
@@ -7685,7 +9256,7 @@
           <p:cNvPr id="40" name="Đường kết nối Mũi tên Thẳng 39">
             <a:extLst>
               <a:ext uri="{FF2B5EF4-FFF2-40B4-BE49-F238E27FC236}">
-                <a16:creationId xmlns:a16="http://schemas.microsoft.com/office/drawing/2014/main" id="{955513A4-520B-472F-9AB1-D1FA21BA90C8}"/>
+                <a16:creationId xmlns:a16="http://schemas.microsoft.com/office/drawing/2014/main" xmlns="" id="{955513A4-520B-472F-9AB1-D1FA21BA90C8}"/>
               </a:ext>
             </a:extLst>
           </p:cNvPr>
@@ -7727,7 +9298,7 @@
           <p:cNvPr id="42" name="Đường kết nối: Mũi tên Gấp khúc 41">
             <a:extLst>
               <a:ext uri="{FF2B5EF4-FFF2-40B4-BE49-F238E27FC236}">
-                <a16:creationId xmlns:a16="http://schemas.microsoft.com/office/drawing/2014/main" id="{1B459F6C-8053-40C1-99D1-E209618639CF}"/>
+                <a16:creationId xmlns:a16="http://schemas.microsoft.com/office/drawing/2014/main" xmlns="" id="{1B459F6C-8053-40C1-99D1-E209618639CF}"/>
               </a:ext>
             </a:extLst>
           </p:cNvPr>
@@ -7771,7 +9342,7 @@
           <p:cNvPr id="43" name="Lưu đồ: Điểm Kết Thúc 42">
             <a:extLst>
               <a:ext uri="{FF2B5EF4-FFF2-40B4-BE49-F238E27FC236}">
-                <a16:creationId xmlns:a16="http://schemas.microsoft.com/office/drawing/2014/main" id="{5029A1E3-9055-4715-BC85-747CA85007F3}"/>
+                <a16:creationId xmlns:a16="http://schemas.microsoft.com/office/drawing/2014/main" xmlns="" id="{5029A1E3-9055-4715-BC85-747CA85007F3}"/>
               </a:ext>
             </a:extLst>
           </p:cNvPr>
@@ -7818,7 +9389,7 @@
           <p:cNvPr id="44" name="Hình chữ nhật 43">
             <a:extLst>
               <a:ext uri="{FF2B5EF4-FFF2-40B4-BE49-F238E27FC236}">
-                <a16:creationId xmlns:a16="http://schemas.microsoft.com/office/drawing/2014/main" id="{3D6281CD-DC8F-4160-8D4D-93B38C0A1FCF}"/>
+                <a16:creationId xmlns:a16="http://schemas.microsoft.com/office/drawing/2014/main" xmlns="" id="{3D6281CD-DC8F-4160-8D4D-93B38C0A1FCF}"/>
               </a:ext>
             </a:extLst>
           </p:cNvPr>
@@ -7865,7 +9436,7 @@
           <p:cNvPr id="45" name="Hình chữ nhật 44">
             <a:extLst>
               <a:ext uri="{FF2B5EF4-FFF2-40B4-BE49-F238E27FC236}">
-                <a16:creationId xmlns:a16="http://schemas.microsoft.com/office/drawing/2014/main" id="{65AE1FD0-6FBA-42D1-9A6D-24F941099D66}"/>
+                <a16:creationId xmlns:a16="http://schemas.microsoft.com/office/drawing/2014/main" xmlns="" id="{65AE1FD0-6FBA-42D1-9A6D-24F941099D66}"/>
               </a:ext>
             </a:extLst>
           </p:cNvPr>
@@ -7924,7 +9495,7 @@
           <p:cNvPr id="46" name="Hình chữ nhật 45">
             <a:extLst>
               <a:ext uri="{FF2B5EF4-FFF2-40B4-BE49-F238E27FC236}">
-                <a16:creationId xmlns:a16="http://schemas.microsoft.com/office/drawing/2014/main" id="{8D50AEF1-A9E1-422F-8FAB-BF49F03499C6}"/>
+                <a16:creationId xmlns:a16="http://schemas.microsoft.com/office/drawing/2014/main" xmlns="" id="{8D50AEF1-A9E1-422F-8FAB-BF49F03499C6}"/>
               </a:ext>
             </a:extLst>
           </p:cNvPr>
@@ -7971,7 +9542,7 @@
           <p:cNvPr id="47" name="Hình chữ nhật 46">
             <a:extLst>
               <a:ext uri="{FF2B5EF4-FFF2-40B4-BE49-F238E27FC236}">
-                <a16:creationId xmlns:a16="http://schemas.microsoft.com/office/drawing/2014/main" id="{CB0C9762-0AE4-4B5F-88F5-CB8CF541B9D8}"/>
+                <a16:creationId xmlns:a16="http://schemas.microsoft.com/office/drawing/2014/main" xmlns="" id="{CB0C9762-0AE4-4B5F-88F5-CB8CF541B9D8}"/>
               </a:ext>
             </a:extLst>
           </p:cNvPr>
@@ -8030,7 +9601,7 @@
           <p:cNvPr id="48" name="Hình chữ nhật 47">
             <a:extLst>
               <a:ext uri="{FF2B5EF4-FFF2-40B4-BE49-F238E27FC236}">
-                <a16:creationId xmlns:a16="http://schemas.microsoft.com/office/drawing/2014/main" id="{DEEE6317-179F-4A2A-8003-D73520AF1299}"/>
+                <a16:creationId xmlns:a16="http://schemas.microsoft.com/office/drawing/2014/main" xmlns="" id="{DEEE6317-179F-4A2A-8003-D73520AF1299}"/>
               </a:ext>
             </a:extLst>
           </p:cNvPr>
@@ -8077,7 +9648,7 @@
           <p:cNvPr id="49" name="Đường kết nối Mũi tên Thẳng 48">
             <a:extLst>
               <a:ext uri="{FF2B5EF4-FFF2-40B4-BE49-F238E27FC236}">
-                <a16:creationId xmlns:a16="http://schemas.microsoft.com/office/drawing/2014/main" id="{8A2AF35A-163E-4F93-9D33-0C9A693AC3A7}"/>
+                <a16:creationId xmlns:a16="http://schemas.microsoft.com/office/drawing/2014/main" xmlns="" id="{8A2AF35A-163E-4F93-9D33-0C9A693AC3A7}"/>
               </a:ext>
             </a:extLst>
           </p:cNvPr>
@@ -8119,7 +9690,7 @@
           <p:cNvPr id="50" name="Đường kết nối Mũi tên Thẳng 49">
             <a:extLst>
               <a:ext uri="{FF2B5EF4-FFF2-40B4-BE49-F238E27FC236}">
-                <a16:creationId xmlns:a16="http://schemas.microsoft.com/office/drawing/2014/main" id="{6DF13C11-CF68-4159-9DB1-3A510EE336C0}"/>
+                <a16:creationId xmlns:a16="http://schemas.microsoft.com/office/drawing/2014/main" xmlns="" id="{6DF13C11-CF68-4159-9DB1-3A510EE336C0}"/>
               </a:ext>
             </a:extLst>
           </p:cNvPr>
@@ -8161,7 +9732,7 @@
           <p:cNvPr id="51" name="Đường kết nối Mũi tên Thẳng 50">
             <a:extLst>
               <a:ext uri="{FF2B5EF4-FFF2-40B4-BE49-F238E27FC236}">
-                <a16:creationId xmlns:a16="http://schemas.microsoft.com/office/drawing/2014/main" id="{D5886361-AE5A-4C83-A8A7-3F672B73928A}"/>
+                <a16:creationId xmlns:a16="http://schemas.microsoft.com/office/drawing/2014/main" xmlns="" id="{D5886361-AE5A-4C83-A8A7-3F672B73928A}"/>
               </a:ext>
             </a:extLst>
           </p:cNvPr>
@@ -8203,7 +9774,7 @@
           <p:cNvPr id="52" name="Đường kết nối Mũi tên Thẳng 51">
             <a:extLst>
               <a:ext uri="{FF2B5EF4-FFF2-40B4-BE49-F238E27FC236}">
-                <a16:creationId xmlns:a16="http://schemas.microsoft.com/office/drawing/2014/main" id="{A2C201F0-D69D-42A2-AD97-7A4FBE9FE152}"/>
+                <a16:creationId xmlns:a16="http://schemas.microsoft.com/office/drawing/2014/main" xmlns="" id="{A2C201F0-D69D-42A2-AD97-7A4FBE9FE152}"/>
               </a:ext>
             </a:extLst>
           </p:cNvPr>
@@ -8245,7 +9816,7 @@
           <p:cNvPr id="54" name="Đường kết nối: Mũi tên Gấp khúc 53">
             <a:extLst>
               <a:ext uri="{FF2B5EF4-FFF2-40B4-BE49-F238E27FC236}">
-                <a16:creationId xmlns:a16="http://schemas.microsoft.com/office/drawing/2014/main" id="{B40607B4-6877-4F1D-9553-348407D22F13}"/>
+                <a16:creationId xmlns:a16="http://schemas.microsoft.com/office/drawing/2014/main" xmlns="" id="{B40607B4-6877-4F1D-9553-348407D22F13}"/>
               </a:ext>
             </a:extLst>
           </p:cNvPr>
@@ -8256,13 +9827,13 @@
         </p:nvCxnSpPr>
         <p:spPr>
           <a:xfrm rot="10800000" flipH="1">
-            <a:off x="1686211" y="3513988"/>
-            <a:ext cx="1862540" cy="2964031"/>
+            <a:off x="1686210" y="3024198"/>
+            <a:ext cx="1862541" cy="3453821"/>
           </a:xfrm>
           <a:prstGeom prst="bentConnector4">
             <a:avLst>
-              <a:gd name="adj1" fmla="val -12274"/>
-              <a:gd name="adj2" fmla="val 100198"/>
+              <a:gd name="adj1" fmla="val -26082"/>
+              <a:gd name="adj2" fmla="val 99926"/>
             </a:avLst>
           </a:prstGeom>
           <a:ln>
@@ -8289,7 +9860,7 @@
           <p:cNvPr id="13" name="Đường kết nối Mũi tên Thẳng 12">
             <a:extLst>
               <a:ext uri="{FF2B5EF4-FFF2-40B4-BE49-F238E27FC236}">
-                <a16:creationId xmlns:a16="http://schemas.microsoft.com/office/drawing/2014/main" id="{1CFA5A81-366C-4827-B278-C6DBEAFDBF4D}"/>
+                <a16:creationId xmlns:a16="http://schemas.microsoft.com/office/drawing/2014/main" xmlns="" id="{1CFA5A81-366C-4827-B278-C6DBEAFDBF4D}"/>
               </a:ext>
             </a:extLst>
           </p:cNvPr>
@@ -8331,7 +9902,7 @@
           <p:cNvPr id="55" name="Đường kết nối Mũi tên Thẳng 54">
             <a:extLst>
               <a:ext uri="{FF2B5EF4-FFF2-40B4-BE49-F238E27FC236}">
-                <a16:creationId xmlns:a16="http://schemas.microsoft.com/office/drawing/2014/main" id="{A3E9C9BF-B08E-4F55-A1FF-FAF9E3A6E4B5}"/>
+                <a16:creationId xmlns:a16="http://schemas.microsoft.com/office/drawing/2014/main" xmlns="" id="{A3E9C9BF-B08E-4F55-A1FF-FAF9E3A6E4B5}"/>
               </a:ext>
             </a:extLst>
           </p:cNvPr>
@@ -8378,6 +9949,13 @@
   <p:clrMapOvr>
     <a:masterClrMapping/>
   </p:clrMapOvr>
+  <p:timing>
+    <p:tnLst>
+      <p:par>
+        <p:cTn id="1" dur="indefinite" restart="never" nodeType="tmRoot"/>
+      </p:par>
+    </p:tnLst>
+  </p:timing>
 </p:sld>
 </file>
 
@@ -8403,7 +9981,7 @@
           <p:cNvPr id="4" name="Hình chữ nhật 3">
             <a:extLst>
               <a:ext uri="{FF2B5EF4-FFF2-40B4-BE49-F238E27FC236}">
-                <a16:creationId xmlns:a16="http://schemas.microsoft.com/office/drawing/2014/main" id="{C41056F5-6A80-400E-ACB4-FE6C05639353}"/>
+                <a16:creationId xmlns:a16="http://schemas.microsoft.com/office/drawing/2014/main" xmlns="" id="{C41056F5-6A80-400E-ACB4-FE6C05639353}"/>
               </a:ext>
             </a:extLst>
           </p:cNvPr>
@@ -8447,7 +10025,7 @@
           <p:cNvPr id="7" name="Hình chữ nhật 6">
             <a:extLst>
               <a:ext uri="{FF2B5EF4-FFF2-40B4-BE49-F238E27FC236}">
-                <a16:creationId xmlns:a16="http://schemas.microsoft.com/office/drawing/2014/main" id="{6B63B457-E835-4C88-BD14-B9F2BD57A12B}"/>
+                <a16:creationId xmlns:a16="http://schemas.microsoft.com/office/drawing/2014/main" xmlns="" id="{6B63B457-E835-4C88-BD14-B9F2BD57A12B}"/>
               </a:ext>
             </a:extLst>
           </p:cNvPr>
@@ -8499,7 +10077,7 @@
           <p:cNvPr id="8" name="Hình Bầu dục 7">
             <a:extLst>
               <a:ext uri="{FF2B5EF4-FFF2-40B4-BE49-F238E27FC236}">
-                <a16:creationId xmlns:a16="http://schemas.microsoft.com/office/drawing/2014/main" id="{460BE0EA-EBF1-4E93-B72F-7CE3622A41C7}"/>
+                <a16:creationId xmlns:a16="http://schemas.microsoft.com/office/drawing/2014/main" xmlns="" id="{460BE0EA-EBF1-4E93-B72F-7CE3622A41C7}"/>
               </a:ext>
             </a:extLst>
           </p:cNvPr>
@@ -8551,7 +10129,7 @@
           <p:cNvPr id="10" name="Đường nối Thẳng 9">
             <a:extLst>
               <a:ext uri="{FF2B5EF4-FFF2-40B4-BE49-F238E27FC236}">
-                <a16:creationId xmlns:a16="http://schemas.microsoft.com/office/drawing/2014/main" id="{1CC67377-AD20-4F9F-A243-564ED323C4FD}"/>
+                <a16:creationId xmlns:a16="http://schemas.microsoft.com/office/drawing/2014/main" xmlns="" id="{1CC67377-AD20-4F9F-A243-564ED323C4FD}"/>
               </a:ext>
             </a:extLst>
           </p:cNvPr>
@@ -8595,7 +10173,7 @@
           <p:cNvPr id="12" name="Đường nối Thẳng 11">
             <a:extLst>
               <a:ext uri="{FF2B5EF4-FFF2-40B4-BE49-F238E27FC236}">
-                <a16:creationId xmlns:a16="http://schemas.microsoft.com/office/drawing/2014/main" id="{8BD072BC-CB8C-4DF6-98A6-2A53FE38B952}"/>
+                <a16:creationId xmlns:a16="http://schemas.microsoft.com/office/drawing/2014/main" xmlns="" id="{8BD072BC-CB8C-4DF6-98A6-2A53FE38B952}"/>
               </a:ext>
             </a:extLst>
           </p:cNvPr>
@@ -8639,7 +10217,7 @@
           <p:cNvPr id="13" name="Đường nối Thẳng 12">
             <a:extLst>
               <a:ext uri="{FF2B5EF4-FFF2-40B4-BE49-F238E27FC236}">
-                <a16:creationId xmlns:a16="http://schemas.microsoft.com/office/drawing/2014/main" id="{728F5020-F06A-4276-B83C-F4D2092F8B6A}"/>
+                <a16:creationId xmlns:a16="http://schemas.microsoft.com/office/drawing/2014/main" xmlns="" id="{728F5020-F06A-4276-B83C-F4D2092F8B6A}"/>
               </a:ext>
             </a:extLst>
           </p:cNvPr>
@@ -8683,7 +10261,7 @@
           <p:cNvPr id="14" name="Đường nối Thẳng 13">
             <a:extLst>
               <a:ext uri="{FF2B5EF4-FFF2-40B4-BE49-F238E27FC236}">
-                <a16:creationId xmlns:a16="http://schemas.microsoft.com/office/drawing/2014/main" id="{663F0F54-A890-4627-B202-9A9F217DEB36}"/>
+                <a16:creationId xmlns:a16="http://schemas.microsoft.com/office/drawing/2014/main" xmlns="" id="{663F0F54-A890-4627-B202-9A9F217DEB36}"/>
               </a:ext>
             </a:extLst>
           </p:cNvPr>
@@ -8727,7 +10305,7 @@
           <p:cNvPr id="15" name="Hộp Văn bản 14">
             <a:extLst>
               <a:ext uri="{FF2B5EF4-FFF2-40B4-BE49-F238E27FC236}">
-                <a16:creationId xmlns:a16="http://schemas.microsoft.com/office/drawing/2014/main" id="{BA691013-DE46-4E60-9236-87B5E17C2A0F}"/>
+                <a16:creationId xmlns:a16="http://schemas.microsoft.com/office/drawing/2014/main" xmlns="" id="{BA691013-DE46-4E60-9236-87B5E17C2A0F}"/>
               </a:ext>
             </a:extLst>
           </p:cNvPr>
@@ -8768,7 +10346,7 @@
           <p:cNvPr id="16" name="Hộp Văn bản 15">
             <a:extLst>
               <a:ext uri="{FF2B5EF4-FFF2-40B4-BE49-F238E27FC236}">
-                <a16:creationId xmlns:a16="http://schemas.microsoft.com/office/drawing/2014/main" id="{8ED6B838-BE24-4B5D-8077-035B875D4357}"/>
+                <a16:creationId xmlns:a16="http://schemas.microsoft.com/office/drawing/2014/main" xmlns="" id="{8ED6B838-BE24-4B5D-8077-035B875D4357}"/>
               </a:ext>
             </a:extLst>
           </p:cNvPr>
@@ -8809,7 +10387,7 @@
           <p:cNvPr id="17" name="Hộp Văn bản 16">
             <a:extLst>
               <a:ext uri="{FF2B5EF4-FFF2-40B4-BE49-F238E27FC236}">
-                <a16:creationId xmlns:a16="http://schemas.microsoft.com/office/drawing/2014/main" id="{B6E29067-F268-4796-92E5-ED82161603FF}"/>
+                <a16:creationId xmlns:a16="http://schemas.microsoft.com/office/drawing/2014/main" xmlns="" id="{B6E29067-F268-4796-92E5-ED82161603FF}"/>
               </a:ext>
             </a:extLst>
           </p:cNvPr>
@@ -8850,7 +10428,7 @@
           <p:cNvPr id="18" name="Hộp Văn bản 17">
             <a:extLst>
               <a:ext uri="{FF2B5EF4-FFF2-40B4-BE49-F238E27FC236}">
-                <a16:creationId xmlns:a16="http://schemas.microsoft.com/office/drawing/2014/main" id="{805EC95B-7551-4548-95F4-8B14C2BDEE5C}"/>
+                <a16:creationId xmlns:a16="http://schemas.microsoft.com/office/drawing/2014/main" xmlns="" id="{805EC95B-7551-4548-95F4-8B14C2BDEE5C}"/>
               </a:ext>
             </a:extLst>
           </p:cNvPr>
@@ -8891,7 +10469,7 @@
           <p:cNvPr id="21" name="Đường nối Thẳng 20">
             <a:extLst>
               <a:ext uri="{FF2B5EF4-FFF2-40B4-BE49-F238E27FC236}">
-                <a16:creationId xmlns:a16="http://schemas.microsoft.com/office/drawing/2014/main" id="{9A56A38A-FE98-4014-83D6-ED49740E3880}"/>
+                <a16:creationId xmlns:a16="http://schemas.microsoft.com/office/drawing/2014/main" xmlns="" id="{9A56A38A-FE98-4014-83D6-ED49740E3880}"/>
               </a:ext>
             </a:extLst>
           </p:cNvPr>
@@ -8932,7 +10510,7 @@
           <p:cNvPr id="22" name="Đường nối Thẳng 21">
             <a:extLst>
               <a:ext uri="{FF2B5EF4-FFF2-40B4-BE49-F238E27FC236}">
-                <a16:creationId xmlns:a16="http://schemas.microsoft.com/office/drawing/2014/main" id="{56F1EAC6-ECEF-49C2-BBE3-2DA22DDBF8F5}"/>
+                <a16:creationId xmlns:a16="http://schemas.microsoft.com/office/drawing/2014/main" xmlns="" id="{56F1EAC6-ECEF-49C2-BBE3-2DA22DDBF8F5}"/>
               </a:ext>
             </a:extLst>
           </p:cNvPr>
@@ -8973,7 +10551,7 @@
           <p:cNvPr id="23" name="Đường nối Thẳng 22">
             <a:extLst>
               <a:ext uri="{FF2B5EF4-FFF2-40B4-BE49-F238E27FC236}">
-                <a16:creationId xmlns:a16="http://schemas.microsoft.com/office/drawing/2014/main" id="{0F79A9A0-63B4-4916-A261-D42CEAE21E71}"/>
+                <a16:creationId xmlns:a16="http://schemas.microsoft.com/office/drawing/2014/main" xmlns="" id="{0F79A9A0-63B4-4916-A261-D42CEAE21E71}"/>
               </a:ext>
             </a:extLst>
           </p:cNvPr>
@@ -9014,7 +10592,7 @@
           <p:cNvPr id="24" name="Đường nối Thẳng 23">
             <a:extLst>
               <a:ext uri="{FF2B5EF4-FFF2-40B4-BE49-F238E27FC236}">
-                <a16:creationId xmlns:a16="http://schemas.microsoft.com/office/drawing/2014/main" id="{3B8C4DB3-4907-4D58-96BA-8CA42083C935}"/>
+                <a16:creationId xmlns:a16="http://schemas.microsoft.com/office/drawing/2014/main" xmlns="" id="{3B8C4DB3-4907-4D58-96BA-8CA42083C935}"/>
               </a:ext>
             </a:extLst>
           </p:cNvPr>
@@ -9055,7 +10633,7 @@
           <p:cNvPr id="26" name="Hộp Văn bản 25">
             <a:extLst>
               <a:ext uri="{FF2B5EF4-FFF2-40B4-BE49-F238E27FC236}">
-                <a16:creationId xmlns:a16="http://schemas.microsoft.com/office/drawing/2014/main" id="{14C6E636-D1C9-410F-80CE-E84E26834F4A}"/>
+                <a16:creationId xmlns:a16="http://schemas.microsoft.com/office/drawing/2014/main" xmlns="" id="{14C6E636-D1C9-410F-80CE-E84E26834F4A}"/>
               </a:ext>
             </a:extLst>
           </p:cNvPr>
@@ -9108,7 +10686,7 @@
           <p:cNvPr id="27" name="Hộp Văn bản 26">
             <a:extLst>
               <a:ext uri="{FF2B5EF4-FFF2-40B4-BE49-F238E27FC236}">
-                <a16:creationId xmlns:a16="http://schemas.microsoft.com/office/drawing/2014/main" id="{755D4EC0-045D-4A99-A2F8-0032E85CC2EF}"/>
+                <a16:creationId xmlns:a16="http://schemas.microsoft.com/office/drawing/2014/main" xmlns="" id="{755D4EC0-045D-4A99-A2F8-0032E85CC2EF}"/>
               </a:ext>
             </a:extLst>
           </p:cNvPr>
@@ -9173,7 +10751,7 @@
           <p:cNvPr id="28" name="Hộp Văn bản 27">
             <a:extLst>
               <a:ext uri="{FF2B5EF4-FFF2-40B4-BE49-F238E27FC236}">
-                <a16:creationId xmlns:a16="http://schemas.microsoft.com/office/drawing/2014/main" id="{AB7745EF-0EEA-4E51-BCD6-13AA64B359C2}"/>
+                <a16:creationId xmlns:a16="http://schemas.microsoft.com/office/drawing/2014/main" xmlns="" id="{AB7745EF-0EEA-4E51-BCD6-13AA64B359C2}"/>
               </a:ext>
             </a:extLst>
           </p:cNvPr>
@@ -9214,7 +10792,7 @@
           <p:cNvPr id="29" name="Hộp Văn bản 28">
             <a:extLst>
               <a:ext uri="{FF2B5EF4-FFF2-40B4-BE49-F238E27FC236}">
-                <a16:creationId xmlns:a16="http://schemas.microsoft.com/office/drawing/2014/main" id="{F53AE9FE-E128-478F-9B74-5A9A1DE07F0C}"/>
+                <a16:creationId xmlns:a16="http://schemas.microsoft.com/office/drawing/2014/main" xmlns="" id="{F53AE9FE-E128-478F-9B74-5A9A1DE07F0C}"/>
               </a:ext>
             </a:extLst>
           </p:cNvPr>
@@ -9284,7 +10862,7 @@
           <p:cNvPr id="31" name="Hình Bầu dục 30">
             <a:extLst>
               <a:ext uri="{FF2B5EF4-FFF2-40B4-BE49-F238E27FC236}">
-                <a16:creationId xmlns:a16="http://schemas.microsoft.com/office/drawing/2014/main" id="{0293B810-4CD7-4E71-A4CC-D1D32B002BE0}"/>
+                <a16:creationId xmlns:a16="http://schemas.microsoft.com/office/drawing/2014/main" xmlns="" id="{0293B810-4CD7-4E71-A4CC-D1D32B002BE0}"/>
               </a:ext>
             </a:extLst>
           </p:cNvPr>
@@ -9336,7 +10914,7 @@
           <p:cNvPr id="32" name="Hình Bầu dục 31">
             <a:extLst>
               <a:ext uri="{FF2B5EF4-FFF2-40B4-BE49-F238E27FC236}">
-                <a16:creationId xmlns:a16="http://schemas.microsoft.com/office/drawing/2014/main" id="{292ACCDD-A5B5-4897-B513-24108EA8290B}"/>
+                <a16:creationId xmlns:a16="http://schemas.microsoft.com/office/drawing/2014/main" xmlns="" id="{292ACCDD-A5B5-4897-B513-24108EA8290B}"/>
               </a:ext>
             </a:extLst>
           </p:cNvPr>
@@ -9388,7 +10966,7 @@
           <p:cNvPr id="33" name="Hình Bầu dục 32">
             <a:extLst>
               <a:ext uri="{FF2B5EF4-FFF2-40B4-BE49-F238E27FC236}">
-                <a16:creationId xmlns:a16="http://schemas.microsoft.com/office/drawing/2014/main" id="{B1DD6A92-0EB0-4043-892D-3DD2F564FBD1}"/>
+                <a16:creationId xmlns:a16="http://schemas.microsoft.com/office/drawing/2014/main" xmlns="" id="{B1DD6A92-0EB0-4043-892D-3DD2F564FBD1}"/>
               </a:ext>
             </a:extLst>
           </p:cNvPr>
@@ -9445,6 +11023,13 @@
   <p:clrMapOvr>
     <a:masterClrMapping/>
   </p:clrMapOvr>
+  <p:timing>
+    <p:tnLst>
+      <p:par>
+        <p:cTn id="1" dur="indefinite" restart="never" nodeType="tmRoot"/>
+      </p:par>
+    </p:tnLst>
+  </p:timing>
 </p:sld>
 </file>
 
@@ -9470,7 +11055,7 @@
           <p:cNvPr id="4" name="Hình chữ nhật 3">
             <a:extLst>
               <a:ext uri="{FF2B5EF4-FFF2-40B4-BE49-F238E27FC236}">
-                <a16:creationId xmlns:a16="http://schemas.microsoft.com/office/drawing/2014/main" id="{C41056F5-6A80-400E-ACB4-FE6C05639353}"/>
+                <a16:creationId xmlns:a16="http://schemas.microsoft.com/office/drawing/2014/main" xmlns="" id="{C41056F5-6A80-400E-ACB4-FE6C05639353}"/>
               </a:ext>
             </a:extLst>
           </p:cNvPr>
@@ -9517,7 +11102,7 @@
           <p:cNvPr id="14" name="Đường nối Thẳng 13">
             <a:extLst>
               <a:ext uri="{FF2B5EF4-FFF2-40B4-BE49-F238E27FC236}">
-                <a16:creationId xmlns:a16="http://schemas.microsoft.com/office/drawing/2014/main" id="{663F0F54-A890-4627-B202-9A9F217DEB36}"/>
+                <a16:creationId xmlns:a16="http://schemas.microsoft.com/office/drawing/2014/main" xmlns="" id="{663F0F54-A890-4627-B202-9A9F217DEB36}"/>
               </a:ext>
             </a:extLst>
           </p:cNvPr>
@@ -9563,7 +11148,7 @@
           <p:cNvPr id="2" name="Nhóm 1">
             <a:extLst>
               <a:ext uri="{FF2B5EF4-FFF2-40B4-BE49-F238E27FC236}">
-                <a16:creationId xmlns:a16="http://schemas.microsoft.com/office/drawing/2014/main" id="{102EE70B-4105-4A73-8961-BA61086B69ED}"/>
+                <a16:creationId xmlns:a16="http://schemas.microsoft.com/office/drawing/2014/main" xmlns="" id="{102EE70B-4105-4A73-8961-BA61086B69ED}"/>
               </a:ext>
             </a:extLst>
           </p:cNvPr>
@@ -9583,7 +11168,7 @@
             <p:cNvPr id="17" name="Hộp Văn bản 16">
               <a:extLst>
                 <a:ext uri="{FF2B5EF4-FFF2-40B4-BE49-F238E27FC236}">
-                  <a16:creationId xmlns:a16="http://schemas.microsoft.com/office/drawing/2014/main" id="{B6E29067-F268-4796-92E5-ED82161603FF}"/>
+                  <a16:creationId xmlns:a16="http://schemas.microsoft.com/office/drawing/2014/main" xmlns="" id="{B6E29067-F268-4796-92E5-ED82161603FF}"/>
                 </a:ext>
               </a:extLst>
             </p:cNvPr>
@@ -9618,7 +11203,7 @@
             <p:cNvPr id="23" name="Đường nối Thẳng 22">
               <a:extLst>
                 <a:ext uri="{FF2B5EF4-FFF2-40B4-BE49-F238E27FC236}">
-                  <a16:creationId xmlns:a16="http://schemas.microsoft.com/office/drawing/2014/main" id="{0F79A9A0-63B4-4916-A261-D42CEAE21E71}"/>
+                  <a16:creationId xmlns:a16="http://schemas.microsoft.com/office/drawing/2014/main" xmlns="" id="{0F79A9A0-63B4-4916-A261-D42CEAE21E71}"/>
                 </a:ext>
               </a:extLst>
             </p:cNvPr>
@@ -9659,7 +11244,7 @@
             <p:cNvPr id="28" name="Hộp Văn bản 27">
               <a:extLst>
                 <a:ext uri="{FF2B5EF4-FFF2-40B4-BE49-F238E27FC236}">
-                  <a16:creationId xmlns:a16="http://schemas.microsoft.com/office/drawing/2014/main" id="{AB7745EF-0EEA-4E51-BCD6-13AA64B359C2}"/>
+                  <a16:creationId xmlns:a16="http://schemas.microsoft.com/office/drawing/2014/main" xmlns="" id="{AB7745EF-0EEA-4E51-BCD6-13AA64B359C2}"/>
                 </a:ext>
               </a:extLst>
             </p:cNvPr>
@@ -9695,7 +11280,7 @@
           <p:cNvPr id="25" name="Hình bình hành 24">
             <a:extLst>
               <a:ext uri="{FF2B5EF4-FFF2-40B4-BE49-F238E27FC236}">
-                <a16:creationId xmlns:a16="http://schemas.microsoft.com/office/drawing/2014/main" id="{41160E0F-73AD-4955-B938-CA3ACAEF8AAF}"/>
+                <a16:creationId xmlns:a16="http://schemas.microsoft.com/office/drawing/2014/main" xmlns="" id="{41160E0F-73AD-4955-B938-CA3ACAEF8AAF}"/>
               </a:ext>
             </a:extLst>
           </p:cNvPr>
@@ -9744,7 +11329,7 @@
           <p:cNvPr id="6" name="Hình ảnh 5">
             <a:extLst>
               <a:ext uri="{FF2B5EF4-FFF2-40B4-BE49-F238E27FC236}">
-                <a16:creationId xmlns:a16="http://schemas.microsoft.com/office/drawing/2014/main" id="{CEE9986B-58A2-446C-9B1E-01BDC91C067B}"/>
+                <a16:creationId xmlns:a16="http://schemas.microsoft.com/office/drawing/2014/main" xmlns="" id="{CEE9986B-58A2-446C-9B1E-01BDC91C067B}"/>
               </a:ext>
             </a:extLst>
           </p:cNvPr>
@@ -9774,7 +11359,7 @@
           <p:cNvPr id="9" name="Hình ảnh 8">
             <a:extLst>
               <a:ext uri="{FF2B5EF4-FFF2-40B4-BE49-F238E27FC236}">
-                <a16:creationId xmlns:a16="http://schemas.microsoft.com/office/drawing/2014/main" id="{84763246-77E8-4B32-91D6-E238EACC6A7C}"/>
+                <a16:creationId xmlns:a16="http://schemas.microsoft.com/office/drawing/2014/main" xmlns="" id="{84763246-77E8-4B32-91D6-E238EACC6A7C}"/>
               </a:ext>
             </a:extLst>
           </p:cNvPr>
@@ -9970,7 +11555,7 @@
           <p:cNvPr id="4" name="Hình chữ nhật 3">
             <a:extLst>
               <a:ext uri="{FF2B5EF4-FFF2-40B4-BE49-F238E27FC236}">
-                <a16:creationId xmlns:a16="http://schemas.microsoft.com/office/drawing/2014/main" id="{C41056F5-6A80-400E-ACB4-FE6C05639353}"/>
+                <a16:creationId xmlns:a16="http://schemas.microsoft.com/office/drawing/2014/main" xmlns="" id="{C41056F5-6A80-400E-ACB4-FE6C05639353}"/>
               </a:ext>
             </a:extLst>
           </p:cNvPr>
@@ -10017,7 +11602,7 @@
           <p:cNvPr id="14" name="Đường nối Thẳng 13">
             <a:extLst>
               <a:ext uri="{FF2B5EF4-FFF2-40B4-BE49-F238E27FC236}">
-                <a16:creationId xmlns:a16="http://schemas.microsoft.com/office/drawing/2014/main" id="{663F0F54-A890-4627-B202-9A9F217DEB36}"/>
+                <a16:creationId xmlns:a16="http://schemas.microsoft.com/office/drawing/2014/main" xmlns="" id="{663F0F54-A890-4627-B202-9A9F217DEB36}"/>
               </a:ext>
             </a:extLst>
           </p:cNvPr>
@@ -10063,7 +11648,7 @@
           <p:cNvPr id="2" name="Nhóm 1">
             <a:extLst>
               <a:ext uri="{FF2B5EF4-FFF2-40B4-BE49-F238E27FC236}">
-                <a16:creationId xmlns:a16="http://schemas.microsoft.com/office/drawing/2014/main" id="{102EE70B-4105-4A73-8961-BA61086B69ED}"/>
+                <a16:creationId xmlns:a16="http://schemas.microsoft.com/office/drawing/2014/main" xmlns="" id="{102EE70B-4105-4A73-8961-BA61086B69ED}"/>
               </a:ext>
             </a:extLst>
           </p:cNvPr>
@@ -10083,7 +11668,7 @@
             <p:cNvPr id="17" name="Hộp Văn bản 16">
               <a:extLst>
                 <a:ext uri="{FF2B5EF4-FFF2-40B4-BE49-F238E27FC236}">
-                  <a16:creationId xmlns:a16="http://schemas.microsoft.com/office/drawing/2014/main" id="{B6E29067-F268-4796-92E5-ED82161603FF}"/>
+                  <a16:creationId xmlns:a16="http://schemas.microsoft.com/office/drawing/2014/main" xmlns="" id="{B6E29067-F268-4796-92E5-ED82161603FF}"/>
                 </a:ext>
               </a:extLst>
             </p:cNvPr>
@@ -10118,7 +11703,7 @@
             <p:cNvPr id="23" name="Đường nối Thẳng 22">
               <a:extLst>
                 <a:ext uri="{FF2B5EF4-FFF2-40B4-BE49-F238E27FC236}">
-                  <a16:creationId xmlns:a16="http://schemas.microsoft.com/office/drawing/2014/main" id="{0F79A9A0-63B4-4916-A261-D42CEAE21E71}"/>
+                  <a16:creationId xmlns:a16="http://schemas.microsoft.com/office/drawing/2014/main" xmlns="" id="{0F79A9A0-63B4-4916-A261-D42CEAE21E71}"/>
                 </a:ext>
               </a:extLst>
             </p:cNvPr>
@@ -10159,7 +11744,7 @@
             <p:cNvPr id="28" name="Hộp Văn bản 27">
               <a:extLst>
                 <a:ext uri="{FF2B5EF4-FFF2-40B4-BE49-F238E27FC236}">
-                  <a16:creationId xmlns:a16="http://schemas.microsoft.com/office/drawing/2014/main" id="{AB7745EF-0EEA-4E51-BCD6-13AA64B359C2}"/>
+                  <a16:creationId xmlns:a16="http://schemas.microsoft.com/office/drawing/2014/main" xmlns="" id="{AB7745EF-0EEA-4E51-BCD6-13AA64B359C2}"/>
                 </a:ext>
               </a:extLst>
             </p:cNvPr>
@@ -10195,7 +11780,7 @@
           <p:cNvPr id="25" name="Hình bình hành 24">
             <a:extLst>
               <a:ext uri="{FF2B5EF4-FFF2-40B4-BE49-F238E27FC236}">
-                <a16:creationId xmlns:a16="http://schemas.microsoft.com/office/drawing/2014/main" id="{41160E0F-73AD-4955-B938-CA3ACAEF8AAF}"/>
+                <a16:creationId xmlns:a16="http://schemas.microsoft.com/office/drawing/2014/main" xmlns="" id="{41160E0F-73AD-4955-B938-CA3ACAEF8AAF}"/>
               </a:ext>
             </a:extLst>
           </p:cNvPr>
@@ -10244,7 +11829,7 @@
           <p:cNvPr id="3" name="Hình ảnh 2">
             <a:extLst>
               <a:ext uri="{FF2B5EF4-FFF2-40B4-BE49-F238E27FC236}">
-                <a16:creationId xmlns:a16="http://schemas.microsoft.com/office/drawing/2014/main" id="{5642F893-64CC-4A3F-802C-6C7A76B7A7D9}"/>
+                <a16:creationId xmlns:a16="http://schemas.microsoft.com/office/drawing/2014/main" xmlns="" id="{5642F893-64CC-4A3F-802C-6C7A76B7A7D9}"/>
               </a:ext>
             </a:extLst>
           </p:cNvPr>
@@ -10274,7 +11859,7 @@
           <p:cNvPr id="7" name="Hình ảnh 6" descr="Ảnh có chứa ảnh chụp màn hình&#10;&#10;Mô tả được tạo tự động">
             <a:extLst>
               <a:ext uri="{FF2B5EF4-FFF2-40B4-BE49-F238E27FC236}">
-                <a16:creationId xmlns:a16="http://schemas.microsoft.com/office/drawing/2014/main" id="{FCAC4610-DC17-4510-840A-663E30DB08EB}"/>
+                <a16:creationId xmlns:a16="http://schemas.microsoft.com/office/drawing/2014/main" xmlns="" id="{FCAC4610-DC17-4510-840A-663E30DB08EB}"/>
               </a:ext>
             </a:extLst>
           </p:cNvPr>
@@ -10552,7 +12137,7 @@
           <p:cNvPr id="4" name="Hình chữ nhật 3">
             <a:extLst>
               <a:ext uri="{FF2B5EF4-FFF2-40B4-BE49-F238E27FC236}">
-                <a16:creationId xmlns:a16="http://schemas.microsoft.com/office/drawing/2014/main" id="{C41056F5-6A80-400E-ACB4-FE6C05639353}"/>
+                <a16:creationId xmlns:a16="http://schemas.microsoft.com/office/drawing/2014/main" xmlns="" id="{C41056F5-6A80-400E-ACB4-FE6C05639353}"/>
               </a:ext>
             </a:extLst>
           </p:cNvPr>
@@ -10599,7 +12184,7 @@
           <p:cNvPr id="14" name="Đường nối Thẳng 13">
             <a:extLst>
               <a:ext uri="{FF2B5EF4-FFF2-40B4-BE49-F238E27FC236}">
-                <a16:creationId xmlns:a16="http://schemas.microsoft.com/office/drawing/2014/main" id="{663F0F54-A890-4627-B202-9A9F217DEB36}"/>
+                <a16:creationId xmlns:a16="http://schemas.microsoft.com/office/drawing/2014/main" xmlns="" id="{663F0F54-A890-4627-B202-9A9F217DEB36}"/>
               </a:ext>
             </a:extLst>
           </p:cNvPr>
@@ -10645,7 +12230,7 @@
           <p:cNvPr id="2" name="Nhóm 1">
             <a:extLst>
               <a:ext uri="{FF2B5EF4-FFF2-40B4-BE49-F238E27FC236}">
-                <a16:creationId xmlns:a16="http://schemas.microsoft.com/office/drawing/2014/main" id="{102EE70B-4105-4A73-8961-BA61086B69ED}"/>
+                <a16:creationId xmlns:a16="http://schemas.microsoft.com/office/drawing/2014/main" xmlns="" id="{102EE70B-4105-4A73-8961-BA61086B69ED}"/>
               </a:ext>
             </a:extLst>
           </p:cNvPr>
@@ -10665,7 +12250,7 @@
             <p:cNvPr id="17" name="Hộp Văn bản 16">
               <a:extLst>
                 <a:ext uri="{FF2B5EF4-FFF2-40B4-BE49-F238E27FC236}">
-                  <a16:creationId xmlns:a16="http://schemas.microsoft.com/office/drawing/2014/main" id="{B6E29067-F268-4796-92E5-ED82161603FF}"/>
+                  <a16:creationId xmlns:a16="http://schemas.microsoft.com/office/drawing/2014/main" xmlns="" id="{B6E29067-F268-4796-92E5-ED82161603FF}"/>
                 </a:ext>
               </a:extLst>
             </p:cNvPr>
@@ -10700,7 +12285,7 @@
             <p:cNvPr id="23" name="Đường nối Thẳng 22">
               <a:extLst>
                 <a:ext uri="{FF2B5EF4-FFF2-40B4-BE49-F238E27FC236}">
-                  <a16:creationId xmlns:a16="http://schemas.microsoft.com/office/drawing/2014/main" id="{0F79A9A0-63B4-4916-A261-D42CEAE21E71}"/>
+                  <a16:creationId xmlns:a16="http://schemas.microsoft.com/office/drawing/2014/main" xmlns="" id="{0F79A9A0-63B4-4916-A261-D42CEAE21E71}"/>
                 </a:ext>
               </a:extLst>
             </p:cNvPr>
@@ -10741,7 +12326,7 @@
             <p:cNvPr id="28" name="Hộp Văn bản 27">
               <a:extLst>
                 <a:ext uri="{FF2B5EF4-FFF2-40B4-BE49-F238E27FC236}">
-                  <a16:creationId xmlns:a16="http://schemas.microsoft.com/office/drawing/2014/main" id="{AB7745EF-0EEA-4E51-BCD6-13AA64B359C2}"/>
+                  <a16:creationId xmlns:a16="http://schemas.microsoft.com/office/drawing/2014/main" xmlns="" id="{AB7745EF-0EEA-4E51-BCD6-13AA64B359C2}"/>
                 </a:ext>
               </a:extLst>
             </p:cNvPr>
@@ -10777,7 +12362,7 @@
           <p:cNvPr id="25" name="Hình bình hành 24">
             <a:extLst>
               <a:ext uri="{FF2B5EF4-FFF2-40B4-BE49-F238E27FC236}">
-                <a16:creationId xmlns:a16="http://schemas.microsoft.com/office/drawing/2014/main" id="{41160E0F-73AD-4955-B938-CA3ACAEF8AAF}"/>
+                <a16:creationId xmlns:a16="http://schemas.microsoft.com/office/drawing/2014/main" xmlns="" id="{41160E0F-73AD-4955-B938-CA3ACAEF8AAF}"/>
               </a:ext>
             </a:extLst>
           </p:cNvPr>
@@ -10826,7 +12411,7 @@
           <p:cNvPr id="5" name="Hình ảnh 4">
             <a:extLst>
               <a:ext uri="{FF2B5EF4-FFF2-40B4-BE49-F238E27FC236}">
-                <a16:creationId xmlns:a16="http://schemas.microsoft.com/office/drawing/2014/main" id="{0AAABFDB-2EF2-4AC0-A8DD-6927D98D356A}"/>
+                <a16:creationId xmlns:a16="http://schemas.microsoft.com/office/drawing/2014/main" xmlns="" id="{0AAABFDB-2EF2-4AC0-A8DD-6927D98D356A}"/>
               </a:ext>
             </a:extLst>
           </p:cNvPr>
@@ -11015,7 +12600,7 @@
           <p:cNvPr id="4" name="Hình chữ nhật 3">
             <a:extLst>
               <a:ext uri="{FF2B5EF4-FFF2-40B4-BE49-F238E27FC236}">
-                <a16:creationId xmlns:a16="http://schemas.microsoft.com/office/drawing/2014/main" id="{C41056F5-6A80-400E-ACB4-FE6C05639353}"/>
+                <a16:creationId xmlns:a16="http://schemas.microsoft.com/office/drawing/2014/main" xmlns="" id="{C41056F5-6A80-400E-ACB4-FE6C05639353}"/>
               </a:ext>
             </a:extLst>
           </p:cNvPr>
@@ -11059,7 +12644,7 @@
           <p:cNvPr id="7" name="Hình chữ nhật 6">
             <a:extLst>
               <a:ext uri="{FF2B5EF4-FFF2-40B4-BE49-F238E27FC236}">
-                <a16:creationId xmlns:a16="http://schemas.microsoft.com/office/drawing/2014/main" id="{6B63B457-E835-4C88-BD14-B9F2BD57A12B}"/>
+                <a16:creationId xmlns:a16="http://schemas.microsoft.com/office/drawing/2014/main" xmlns="" id="{6B63B457-E835-4C88-BD14-B9F2BD57A12B}"/>
               </a:ext>
             </a:extLst>
           </p:cNvPr>
@@ -11111,7 +12696,7 @@
           <p:cNvPr id="8" name="Hình Bầu dục 7">
             <a:extLst>
               <a:ext uri="{FF2B5EF4-FFF2-40B4-BE49-F238E27FC236}">
-                <a16:creationId xmlns:a16="http://schemas.microsoft.com/office/drawing/2014/main" id="{460BE0EA-EBF1-4E93-B72F-7CE3622A41C7}"/>
+                <a16:creationId xmlns:a16="http://schemas.microsoft.com/office/drawing/2014/main" xmlns="" id="{460BE0EA-EBF1-4E93-B72F-7CE3622A41C7}"/>
               </a:ext>
             </a:extLst>
           </p:cNvPr>
@@ -11163,7 +12748,7 @@
           <p:cNvPr id="10" name="Đường nối Thẳng 9">
             <a:extLst>
               <a:ext uri="{FF2B5EF4-FFF2-40B4-BE49-F238E27FC236}">
-                <a16:creationId xmlns:a16="http://schemas.microsoft.com/office/drawing/2014/main" id="{1CC67377-AD20-4F9F-A243-564ED323C4FD}"/>
+                <a16:creationId xmlns:a16="http://schemas.microsoft.com/office/drawing/2014/main" xmlns="" id="{1CC67377-AD20-4F9F-A243-564ED323C4FD}"/>
               </a:ext>
             </a:extLst>
           </p:cNvPr>
@@ -11207,7 +12792,7 @@
           <p:cNvPr id="12" name="Đường nối Thẳng 11">
             <a:extLst>
               <a:ext uri="{FF2B5EF4-FFF2-40B4-BE49-F238E27FC236}">
-                <a16:creationId xmlns:a16="http://schemas.microsoft.com/office/drawing/2014/main" id="{8BD072BC-CB8C-4DF6-98A6-2A53FE38B952}"/>
+                <a16:creationId xmlns:a16="http://schemas.microsoft.com/office/drawing/2014/main" xmlns="" id="{8BD072BC-CB8C-4DF6-98A6-2A53FE38B952}"/>
               </a:ext>
             </a:extLst>
           </p:cNvPr>
@@ -11251,7 +12836,7 @@
           <p:cNvPr id="13" name="Đường nối Thẳng 12">
             <a:extLst>
               <a:ext uri="{FF2B5EF4-FFF2-40B4-BE49-F238E27FC236}">
-                <a16:creationId xmlns:a16="http://schemas.microsoft.com/office/drawing/2014/main" id="{728F5020-F06A-4276-B83C-F4D2092F8B6A}"/>
+                <a16:creationId xmlns:a16="http://schemas.microsoft.com/office/drawing/2014/main" xmlns="" id="{728F5020-F06A-4276-B83C-F4D2092F8B6A}"/>
               </a:ext>
             </a:extLst>
           </p:cNvPr>
@@ -11295,7 +12880,7 @@
           <p:cNvPr id="14" name="Đường nối Thẳng 13">
             <a:extLst>
               <a:ext uri="{FF2B5EF4-FFF2-40B4-BE49-F238E27FC236}">
-                <a16:creationId xmlns:a16="http://schemas.microsoft.com/office/drawing/2014/main" id="{663F0F54-A890-4627-B202-9A9F217DEB36}"/>
+                <a16:creationId xmlns:a16="http://schemas.microsoft.com/office/drawing/2014/main" xmlns="" id="{663F0F54-A890-4627-B202-9A9F217DEB36}"/>
               </a:ext>
             </a:extLst>
           </p:cNvPr>
@@ -11339,7 +12924,7 @@
           <p:cNvPr id="15" name="Hộp Văn bản 14">
             <a:extLst>
               <a:ext uri="{FF2B5EF4-FFF2-40B4-BE49-F238E27FC236}">
-                <a16:creationId xmlns:a16="http://schemas.microsoft.com/office/drawing/2014/main" id="{BA691013-DE46-4E60-9236-87B5E17C2A0F}"/>
+                <a16:creationId xmlns:a16="http://schemas.microsoft.com/office/drawing/2014/main" xmlns="" id="{BA691013-DE46-4E60-9236-87B5E17C2A0F}"/>
               </a:ext>
             </a:extLst>
           </p:cNvPr>
@@ -11380,7 +12965,7 @@
           <p:cNvPr id="16" name="Hộp Văn bản 15">
             <a:extLst>
               <a:ext uri="{FF2B5EF4-FFF2-40B4-BE49-F238E27FC236}">
-                <a16:creationId xmlns:a16="http://schemas.microsoft.com/office/drawing/2014/main" id="{8ED6B838-BE24-4B5D-8077-035B875D4357}"/>
+                <a16:creationId xmlns:a16="http://schemas.microsoft.com/office/drawing/2014/main" xmlns="" id="{8ED6B838-BE24-4B5D-8077-035B875D4357}"/>
               </a:ext>
             </a:extLst>
           </p:cNvPr>
@@ -11421,7 +13006,7 @@
           <p:cNvPr id="17" name="Hộp Văn bản 16">
             <a:extLst>
               <a:ext uri="{FF2B5EF4-FFF2-40B4-BE49-F238E27FC236}">
-                <a16:creationId xmlns:a16="http://schemas.microsoft.com/office/drawing/2014/main" id="{B6E29067-F268-4796-92E5-ED82161603FF}"/>
+                <a16:creationId xmlns:a16="http://schemas.microsoft.com/office/drawing/2014/main" xmlns="" id="{B6E29067-F268-4796-92E5-ED82161603FF}"/>
               </a:ext>
             </a:extLst>
           </p:cNvPr>
@@ -11462,7 +13047,7 @@
           <p:cNvPr id="18" name="Hộp Văn bản 17">
             <a:extLst>
               <a:ext uri="{FF2B5EF4-FFF2-40B4-BE49-F238E27FC236}">
-                <a16:creationId xmlns:a16="http://schemas.microsoft.com/office/drawing/2014/main" id="{805EC95B-7551-4548-95F4-8B14C2BDEE5C}"/>
+                <a16:creationId xmlns:a16="http://schemas.microsoft.com/office/drawing/2014/main" xmlns="" id="{805EC95B-7551-4548-95F4-8B14C2BDEE5C}"/>
               </a:ext>
             </a:extLst>
           </p:cNvPr>
@@ -11503,7 +13088,7 @@
           <p:cNvPr id="21" name="Đường nối Thẳng 20">
             <a:extLst>
               <a:ext uri="{FF2B5EF4-FFF2-40B4-BE49-F238E27FC236}">
-                <a16:creationId xmlns:a16="http://schemas.microsoft.com/office/drawing/2014/main" id="{9A56A38A-FE98-4014-83D6-ED49740E3880}"/>
+                <a16:creationId xmlns:a16="http://schemas.microsoft.com/office/drawing/2014/main" xmlns="" id="{9A56A38A-FE98-4014-83D6-ED49740E3880}"/>
               </a:ext>
             </a:extLst>
           </p:cNvPr>
@@ -11544,7 +13129,7 @@
           <p:cNvPr id="22" name="Đường nối Thẳng 21">
             <a:extLst>
               <a:ext uri="{FF2B5EF4-FFF2-40B4-BE49-F238E27FC236}">
-                <a16:creationId xmlns:a16="http://schemas.microsoft.com/office/drawing/2014/main" id="{56F1EAC6-ECEF-49C2-BBE3-2DA22DDBF8F5}"/>
+                <a16:creationId xmlns:a16="http://schemas.microsoft.com/office/drawing/2014/main" xmlns="" id="{56F1EAC6-ECEF-49C2-BBE3-2DA22DDBF8F5}"/>
               </a:ext>
             </a:extLst>
           </p:cNvPr>
@@ -11585,7 +13170,7 @@
           <p:cNvPr id="23" name="Đường nối Thẳng 22">
             <a:extLst>
               <a:ext uri="{FF2B5EF4-FFF2-40B4-BE49-F238E27FC236}">
-                <a16:creationId xmlns:a16="http://schemas.microsoft.com/office/drawing/2014/main" id="{0F79A9A0-63B4-4916-A261-D42CEAE21E71}"/>
+                <a16:creationId xmlns:a16="http://schemas.microsoft.com/office/drawing/2014/main" xmlns="" id="{0F79A9A0-63B4-4916-A261-D42CEAE21E71}"/>
               </a:ext>
             </a:extLst>
           </p:cNvPr>
@@ -11626,7 +13211,7 @@
           <p:cNvPr id="24" name="Đường nối Thẳng 23">
             <a:extLst>
               <a:ext uri="{FF2B5EF4-FFF2-40B4-BE49-F238E27FC236}">
-                <a16:creationId xmlns:a16="http://schemas.microsoft.com/office/drawing/2014/main" id="{3B8C4DB3-4907-4D58-96BA-8CA42083C935}"/>
+                <a16:creationId xmlns:a16="http://schemas.microsoft.com/office/drawing/2014/main" xmlns="" id="{3B8C4DB3-4907-4D58-96BA-8CA42083C935}"/>
               </a:ext>
             </a:extLst>
           </p:cNvPr>
@@ -11667,7 +13252,7 @@
           <p:cNvPr id="26" name="Hộp Văn bản 25">
             <a:extLst>
               <a:ext uri="{FF2B5EF4-FFF2-40B4-BE49-F238E27FC236}">
-                <a16:creationId xmlns:a16="http://schemas.microsoft.com/office/drawing/2014/main" id="{14C6E636-D1C9-410F-80CE-E84E26834F4A}"/>
+                <a16:creationId xmlns:a16="http://schemas.microsoft.com/office/drawing/2014/main" xmlns="" id="{14C6E636-D1C9-410F-80CE-E84E26834F4A}"/>
               </a:ext>
             </a:extLst>
           </p:cNvPr>
@@ -11720,7 +13305,7 @@
           <p:cNvPr id="27" name="Hộp Văn bản 26">
             <a:extLst>
               <a:ext uri="{FF2B5EF4-FFF2-40B4-BE49-F238E27FC236}">
-                <a16:creationId xmlns:a16="http://schemas.microsoft.com/office/drawing/2014/main" id="{755D4EC0-045D-4A99-A2F8-0032E85CC2EF}"/>
+                <a16:creationId xmlns:a16="http://schemas.microsoft.com/office/drawing/2014/main" xmlns="" id="{755D4EC0-045D-4A99-A2F8-0032E85CC2EF}"/>
               </a:ext>
             </a:extLst>
           </p:cNvPr>
@@ -11785,7 +13370,7 @@
           <p:cNvPr id="28" name="Hộp Văn bản 27">
             <a:extLst>
               <a:ext uri="{FF2B5EF4-FFF2-40B4-BE49-F238E27FC236}">
-                <a16:creationId xmlns:a16="http://schemas.microsoft.com/office/drawing/2014/main" id="{AB7745EF-0EEA-4E51-BCD6-13AA64B359C2}"/>
+                <a16:creationId xmlns:a16="http://schemas.microsoft.com/office/drawing/2014/main" xmlns="" id="{AB7745EF-0EEA-4E51-BCD6-13AA64B359C2}"/>
               </a:ext>
             </a:extLst>
           </p:cNvPr>
@@ -11826,7 +13411,7 @@
           <p:cNvPr id="29" name="Hộp Văn bản 28">
             <a:extLst>
               <a:ext uri="{FF2B5EF4-FFF2-40B4-BE49-F238E27FC236}">
-                <a16:creationId xmlns:a16="http://schemas.microsoft.com/office/drawing/2014/main" id="{F53AE9FE-E128-478F-9B74-5A9A1DE07F0C}"/>
+                <a16:creationId xmlns:a16="http://schemas.microsoft.com/office/drawing/2014/main" xmlns="" id="{F53AE9FE-E128-478F-9B74-5A9A1DE07F0C}"/>
               </a:ext>
             </a:extLst>
           </p:cNvPr>
@@ -11896,7 +13481,7 @@
           <p:cNvPr id="31" name="Hình Bầu dục 30">
             <a:extLst>
               <a:ext uri="{FF2B5EF4-FFF2-40B4-BE49-F238E27FC236}">
-                <a16:creationId xmlns:a16="http://schemas.microsoft.com/office/drawing/2014/main" id="{0293B810-4CD7-4E71-A4CC-D1D32B002BE0}"/>
+                <a16:creationId xmlns:a16="http://schemas.microsoft.com/office/drawing/2014/main" xmlns="" id="{0293B810-4CD7-4E71-A4CC-D1D32B002BE0}"/>
               </a:ext>
             </a:extLst>
           </p:cNvPr>
@@ -11948,7 +13533,7 @@
           <p:cNvPr id="32" name="Hình Bầu dục 31">
             <a:extLst>
               <a:ext uri="{FF2B5EF4-FFF2-40B4-BE49-F238E27FC236}">
-                <a16:creationId xmlns:a16="http://schemas.microsoft.com/office/drawing/2014/main" id="{292ACCDD-A5B5-4897-B513-24108EA8290B}"/>
+                <a16:creationId xmlns:a16="http://schemas.microsoft.com/office/drawing/2014/main" xmlns="" id="{292ACCDD-A5B5-4897-B513-24108EA8290B}"/>
               </a:ext>
             </a:extLst>
           </p:cNvPr>
@@ -12000,7 +13585,7 @@
           <p:cNvPr id="33" name="Hình Bầu dục 32">
             <a:extLst>
               <a:ext uri="{FF2B5EF4-FFF2-40B4-BE49-F238E27FC236}">
-                <a16:creationId xmlns:a16="http://schemas.microsoft.com/office/drawing/2014/main" id="{B1DD6A92-0EB0-4043-892D-3DD2F564FBD1}"/>
+                <a16:creationId xmlns:a16="http://schemas.microsoft.com/office/drawing/2014/main" xmlns="" id="{B1DD6A92-0EB0-4043-892D-3DD2F564FBD1}"/>
               </a:ext>
             </a:extLst>
           </p:cNvPr>
@@ -12082,7 +13667,7 @@
           <p:cNvPr id="4" name="Hình chữ nhật 3">
             <a:extLst>
               <a:ext uri="{FF2B5EF4-FFF2-40B4-BE49-F238E27FC236}">
-                <a16:creationId xmlns:a16="http://schemas.microsoft.com/office/drawing/2014/main" id="{C41056F5-6A80-400E-ACB4-FE6C05639353}"/>
+                <a16:creationId xmlns:a16="http://schemas.microsoft.com/office/drawing/2014/main" xmlns="" id="{C41056F5-6A80-400E-ACB4-FE6C05639353}"/>
               </a:ext>
             </a:extLst>
           </p:cNvPr>
@@ -12129,7 +13714,7 @@
           <p:cNvPr id="13" name="Đường nối Thẳng 12">
             <a:extLst>
               <a:ext uri="{FF2B5EF4-FFF2-40B4-BE49-F238E27FC236}">
-                <a16:creationId xmlns:a16="http://schemas.microsoft.com/office/drawing/2014/main" id="{728F5020-F06A-4276-B83C-F4D2092F8B6A}"/>
+                <a16:creationId xmlns:a16="http://schemas.microsoft.com/office/drawing/2014/main" xmlns="" id="{728F5020-F06A-4276-B83C-F4D2092F8B6A}"/>
               </a:ext>
             </a:extLst>
           </p:cNvPr>
@@ -12175,7 +13760,7 @@
           <p:cNvPr id="2" name="Nhóm 1">
             <a:extLst>
               <a:ext uri="{FF2B5EF4-FFF2-40B4-BE49-F238E27FC236}">
-                <a16:creationId xmlns:a16="http://schemas.microsoft.com/office/drawing/2014/main" id="{26573FDB-A0B8-485A-95BE-C414FE908A78}"/>
+                <a16:creationId xmlns:a16="http://schemas.microsoft.com/office/drawing/2014/main" xmlns="" id="{26573FDB-A0B8-485A-95BE-C414FE908A78}"/>
               </a:ext>
             </a:extLst>
           </p:cNvPr>
@@ -12195,7 +13780,7 @@
             <p:cNvPr id="18" name="Hộp Văn bản 17">
               <a:extLst>
                 <a:ext uri="{FF2B5EF4-FFF2-40B4-BE49-F238E27FC236}">
-                  <a16:creationId xmlns:a16="http://schemas.microsoft.com/office/drawing/2014/main" id="{805EC95B-7551-4548-95F4-8B14C2BDEE5C}"/>
+                  <a16:creationId xmlns:a16="http://schemas.microsoft.com/office/drawing/2014/main" xmlns="" id="{805EC95B-7551-4548-95F4-8B14C2BDEE5C}"/>
                 </a:ext>
               </a:extLst>
             </p:cNvPr>
@@ -12230,7 +13815,7 @@
             <p:cNvPr id="24" name="Đường nối Thẳng 23">
               <a:extLst>
                 <a:ext uri="{FF2B5EF4-FFF2-40B4-BE49-F238E27FC236}">
-                  <a16:creationId xmlns:a16="http://schemas.microsoft.com/office/drawing/2014/main" id="{3B8C4DB3-4907-4D58-96BA-8CA42083C935}"/>
+                  <a16:creationId xmlns:a16="http://schemas.microsoft.com/office/drawing/2014/main" xmlns="" id="{3B8C4DB3-4907-4D58-96BA-8CA42083C935}"/>
                 </a:ext>
               </a:extLst>
             </p:cNvPr>
@@ -12271,7 +13856,7 @@
             <p:cNvPr id="29" name="Hộp Văn bản 28">
               <a:extLst>
                 <a:ext uri="{FF2B5EF4-FFF2-40B4-BE49-F238E27FC236}">
-                  <a16:creationId xmlns:a16="http://schemas.microsoft.com/office/drawing/2014/main" id="{F53AE9FE-E128-478F-9B74-5A9A1DE07F0C}"/>
+                  <a16:creationId xmlns:a16="http://schemas.microsoft.com/office/drawing/2014/main" xmlns="" id="{F53AE9FE-E128-478F-9B74-5A9A1DE07F0C}"/>
                 </a:ext>
               </a:extLst>
             </p:cNvPr>
@@ -12318,7 +13903,7 @@
           <p:cNvPr id="25" name="Hình bình hành 24">
             <a:extLst>
               <a:ext uri="{FF2B5EF4-FFF2-40B4-BE49-F238E27FC236}">
-                <a16:creationId xmlns:a16="http://schemas.microsoft.com/office/drawing/2014/main" id="{BD1D45A2-78C3-4922-B259-C656A22DF1CF}"/>
+                <a16:creationId xmlns:a16="http://schemas.microsoft.com/office/drawing/2014/main" xmlns="" id="{BD1D45A2-78C3-4922-B259-C656A22DF1CF}"/>
               </a:ext>
             </a:extLst>
           </p:cNvPr>
@@ -12367,7 +13952,7 @@
           <p:cNvPr id="64" name="Nhóm 63">
             <a:extLst>
               <a:ext uri="{FF2B5EF4-FFF2-40B4-BE49-F238E27FC236}">
-                <a16:creationId xmlns:a16="http://schemas.microsoft.com/office/drawing/2014/main" id="{CCF0FCAB-4A8A-4F9F-A91A-0113AF060CD2}"/>
+                <a16:creationId xmlns:a16="http://schemas.microsoft.com/office/drawing/2014/main" xmlns="" id="{CCF0FCAB-4A8A-4F9F-A91A-0113AF060CD2}"/>
               </a:ext>
             </a:extLst>
           </p:cNvPr>
@@ -12387,7 +13972,7 @@
             <p:cNvPr id="45" name="TextBox 134">
               <a:extLst>
                 <a:ext uri="{FF2B5EF4-FFF2-40B4-BE49-F238E27FC236}">
-                  <a16:creationId xmlns:a16="http://schemas.microsoft.com/office/drawing/2014/main" id="{059D1310-25B9-4812-971C-331D82032F16}"/>
+                  <a16:creationId xmlns:a16="http://schemas.microsoft.com/office/drawing/2014/main" xmlns="" id="{059D1310-25B9-4812-971C-331D82032F16}"/>
                 </a:ext>
               </a:extLst>
             </p:cNvPr>
@@ -12430,7 +14015,7 @@
             <p:cNvPr id="46" name="TextBox 135">
               <a:extLst>
                 <a:ext uri="{FF2B5EF4-FFF2-40B4-BE49-F238E27FC236}">
-                  <a16:creationId xmlns:a16="http://schemas.microsoft.com/office/drawing/2014/main" id="{720DCC41-B29F-4AB2-8068-D0E418BC254C}"/>
+                  <a16:creationId xmlns:a16="http://schemas.microsoft.com/office/drawing/2014/main" xmlns="" id="{720DCC41-B29F-4AB2-8068-D0E418BC254C}"/>
                 </a:ext>
               </a:extLst>
             </p:cNvPr>
@@ -12544,7 +14129,7 @@
             <p:cNvPr id="20" name="Hình ảnh 19">
               <a:extLst>
                 <a:ext uri="{FF2B5EF4-FFF2-40B4-BE49-F238E27FC236}">
-                  <a16:creationId xmlns:a16="http://schemas.microsoft.com/office/drawing/2014/main" id="{3AF2CC48-B679-493B-A626-C70EBC0EE445}"/>
+                  <a16:creationId xmlns:a16="http://schemas.microsoft.com/office/drawing/2014/main" xmlns="" id="{3AF2CC48-B679-493B-A626-C70EBC0EE445}"/>
                 </a:ext>
               </a:extLst>
             </p:cNvPr>
@@ -12554,7 +14139,7 @@
             <p:nvPr/>
           </p:nvPicPr>
           <p:blipFill>
-            <a:blip r:embed="rId3">
+            <a:blip r:embed="rId3" cstate="print">
               <a:extLst>
                 <a:ext uri="{28A0092B-C50C-407E-A947-70E740481C1C}">
                   <a14:useLocalDpi xmlns:a14="http://schemas.microsoft.com/office/drawing/2010/main" val="0"/>
@@ -12581,7 +14166,7 @@
           <p:cNvPr id="66" name="Nhóm 65">
             <a:extLst>
               <a:ext uri="{FF2B5EF4-FFF2-40B4-BE49-F238E27FC236}">
-                <a16:creationId xmlns:a16="http://schemas.microsoft.com/office/drawing/2014/main" id="{BFBC7763-F079-409D-B911-4364AAD06333}"/>
+                <a16:creationId xmlns:a16="http://schemas.microsoft.com/office/drawing/2014/main" xmlns="" id="{BFBC7763-F079-409D-B911-4364AAD06333}"/>
               </a:ext>
             </a:extLst>
           </p:cNvPr>
@@ -12601,7 +14186,7 @@
             <p:cNvPr id="51" name="TextBox 115">
               <a:extLst>
                 <a:ext uri="{FF2B5EF4-FFF2-40B4-BE49-F238E27FC236}">
-                  <a16:creationId xmlns:a16="http://schemas.microsoft.com/office/drawing/2014/main" id="{59C1B3F3-72F8-499D-A55E-88793BA65C3E}"/>
+                  <a16:creationId xmlns:a16="http://schemas.microsoft.com/office/drawing/2014/main" xmlns="" id="{59C1B3F3-72F8-499D-A55E-88793BA65C3E}"/>
                 </a:ext>
               </a:extLst>
             </p:cNvPr>
@@ -12644,7 +14229,7 @@
             <p:cNvPr id="52" name="TextBox 116">
               <a:extLst>
                 <a:ext uri="{FF2B5EF4-FFF2-40B4-BE49-F238E27FC236}">
-                  <a16:creationId xmlns:a16="http://schemas.microsoft.com/office/drawing/2014/main" id="{B4C77786-BC7D-4185-96A9-F3F6C497E310}"/>
+                  <a16:creationId xmlns:a16="http://schemas.microsoft.com/office/drawing/2014/main" xmlns="" id="{B4C77786-BC7D-4185-96A9-F3F6C497E310}"/>
                 </a:ext>
               </a:extLst>
             </p:cNvPr>
@@ -12691,7 +14276,7 @@
                   <a:hlinkClick r:id="rId4">
                     <a:extLst>
                       <a:ext uri="{A12FA001-AC4F-418D-AE19-62706E023703}">
-                        <ahyp:hlinkClr xmlns:ahyp="http://schemas.microsoft.com/office/drawing/2018/hyperlinkcolor" val="tx"/>
+                        <ahyp:hlinkClr xmlns:ahyp="http://schemas.microsoft.com/office/drawing/2018/hyperlinkcolor" xmlns="" val="tx"/>
                       </a:ext>
                     </a:extLst>
                   </a:hlinkClick>
@@ -12747,7 +14332,7 @@
             <p:cNvPr id="59" name="Hình ảnh 58">
               <a:extLst>
                 <a:ext uri="{FF2B5EF4-FFF2-40B4-BE49-F238E27FC236}">
-                  <a16:creationId xmlns:a16="http://schemas.microsoft.com/office/drawing/2014/main" id="{8489F7AC-748D-420F-8DF0-CACE25F5F9F5}"/>
+                  <a16:creationId xmlns:a16="http://schemas.microsoft.com/office/drawing/2014/main" xmlns="" id="{8489F7AC-748D-420F-8DF0-CACE25F5F9F5}"/>
                 </a:ext>
               </a:extLst>
             </p:cNvPr>
@@ -12757,7 +14342,7 @@
             <p:nvPr/>
           </p:nvPicPr>
           <p:blipFill>
-            <a:blip r:embed="rId6">
+            <a:blip r:embed="rId6" cstate="print">
               <a:extLst>
                 <a:ext uri="{28A0092B-C50C-407E-A947-70E740481C1C}">
                   <a14:useLocalDpi xmlns:a14="http://schemas.microsoft.com/office/drawing/2010/main" val="0"/>
@@ -12784,7 +14369,7 @@
           <p:cNvPr id="65" name="Nhóm 64">
             <a:extLst>
               <a:ext uri="{FF2B5EF4-FFF2-40B4-BE49-F238E27FC236}">
-                <a16:creationId xmlns:a16="http://schemas.microsoft.com/office/drawing/2014/main" id="{D1496302-C952-482E-8027-3819F26ED263}"/>
+                <a16:creationId xmlns:a16="http://schemas.microsoft.com/office/drawing/2014/main" xmlns="" id="{D1496302-C952-482E-8027-3819F26ED263}"/>
               </a:ext>
             </a:extLst>
           </p:cNvPr>
@@ -12804,7 +14389,7 @@
             <p:cNvPr id="56" name="TextBox 115">
               <a:extLst>
                 <a:ext uri="{FF2B5EF4-FFF2-40B4-BE49-F238E27FC236}">
-                  <a16:creationId xmlns:a16="http://schemas.microsoft.com/office/drawing/2014/main" id="{712DD1E7-995A-4D87-BCA5-EFAD5DEBA807}"/>
+                  <a16:creationId xmlns:a16="http://schemas.microsoft.com/office/drawing/2014/main" xmlns="" id="{712DD1E7-995A-4D87-BCA5-EFAD5DEBA807}"/>
                 </a:ext>
               </a:extLst>
             </p:cNvPr>
@@ -12847,7 +14432,7 @@
             <p:cNvPr id="57" name="TextBox 116">
               <a:extLst>
                 <a:ext uri="{FF2B5EF4-FFF2-40B4-BE49-F238E27FC236}">
-                  <a16:creationId xmlns:a16="http://schemas.microsoft.com/office/drawing/2014/main" id="{FF7732C9-B3C0-474D-8792-860854703C01}"/>
+                  <a16:creationId xmlns:a16="http://schemas.microsoft.com/office/drawing/2014/main" xmlns="" id="{FF7732C9-B3C0-474D-8792-860854703C01}"/>
                 </a:ext>
               </a:extLst>
             </p:cNvPr>
@@ -12923,7 +14508,7 @@
             <p:cNvPr id="61" name="Hình ảnh 60" descr="Ảnh có chứa ký hiệu&#10;&#10;Mô tả được tạo tự động">
               <a:extLst>
                 <a:ext uri="{FF2B5EF4-FFF2-40B4-BE49-F238E27FC236}">
-                  <a16:creationId xmlns:a16="http://schemas.microsoft.com/office/drawing/2014/main" id="{243F04D5-626D-4D32-8DC8-EC18BB95BE7C}"/>
+                  <a16:creationId xmlns:a16="http://schemas.microsoft.com/office/drawing/2014/main" xmlns="" id="{243F04D5-626D-4D32-8DC8-EC18BB95BE7C}"/>
                 </a:ext>
               </a:extLst>
             </p:cNvPr>
@@ -12933,7 +14518,7 @@
             <p:nvPr/>
           </p:nvPicPr>
           <p:blipFill>
-            <a:blip r:embed="rId8">
+            <a:blip r:embed="rId8" cstate="print">
               <a:extLst>
                 <a:ext uri="{28A0092B-C50C-407E-A947-70E740481C1C}">
                   <a14:useLocalDpi xmlns:a14="http://schemas.microsoft.com/office/drawing/2010/main" val="0"/>
@@ -12960,7 +14545,7 @@
           <p:cNvPr id="67" name="Nhóm 66">
             <a:extLst>
               <a:ext uri="{FF2B5EF4-FFF2-40B4-BE49-F238E27FC236}">
-                <a16:creationId xmlns:a16="http://schemas.microsoft.com/office/drawing/2014/main" id="{7AD86D85-115B-4DF9-95A6-CFB9817F2B8A}"/>
+                <a16:creationId xmlns:a16="http://schemas.microsoft.com/office/drawing/2014/main" xmlns="" id="{7AD86D85-115B-4DF9-95A6-CFB9817F2B8A}"/>
               </a:ext>
             </a:extLst>
           </p:cNvPr>
@@ -12980,7 +14565,7 @@
             <p:cNvPr id="41" name="TextBox 115">
               <a:extLst>
                 <a:ext uri="{FF2B5EF4-FFF2-40B4-BE49-F238E27FC236}">
-                  <a16:creationId xmlns:a16="http://schemas.microsoft.com/office/drawing/2014/main" id="{58AA0F21-4F11-43E2-9839-D23C5E22191D}"/>
+                  <a16:creationId xmlns:a16="http://schemas.microsoft.com/office/drawing/2014/main" xmlns="" id="{58AA0F21-4F11-43E2-9839-D23C5E22191D}"/>
                 </a:ext>
               </a:extLst>
             </p:cNvPr>
@@ -13023,7 +14608,7 @@
             <p:cNvPr id="42" name="TextBox 116">
               <a:extLst>
                 <a:ext uri="{FF2B5EF4-FFF2-40B4-BE49-F238E27FC236}">
-                  <a16:creationId xmlns:a16="http://schemas.microsoft.com/office/drawing/2014/main" id="{9E29CE32-17FA-47D8-9AF9-FB7C84E0F231}"/>
+                  <a16:creationId xmlns:a16="http://schemas.microsoft.com/office/drawing/2014/main" xmlns="" id="{9E29CE32-17FA-47D8-9AF9-FB7C84E0F231}"/>
                 </a:ext>
               </a:extLst>
             </p:cNvPr>
@@ -13095,7 +14680,7 @@
             <p:cNvPr id="63" name="Hình ảnh 62" descr="Ảnh có chứa quần áo, phụ kiện đội đầu&#10;&#10;Mô tả được tạo tự động">
               <a:extLst>
                 <a:ext uri="{FF2B5EF4-FFF2-40B4-BE49-F238E27FC236}">
-                  <a16:creationId xmlns:a16="http://schemas.microsoft.com/office/drawing/2014/main" id="{A8CA3EA1-8A4A-493F-9EC1-15AF5438ACCC}"/>
+                  <a16:creationId xmlns:a16="http://schemas.microsoft.com/office/drawing/2014/main" xmlns="" id="{A8CA3EA1-8A4A-493F-9EC1-15AF5438ACCC}"/>
                 </a:ext>
               </a:extLst>
             </p:cNvPr>
@@ -13105,7 +14690,7 @@
             <p:nvPr/>
           </p:nvPicPr>
           <p:blipFill rotWithShape="1">
-            <a:blip r:embed="rId10">
+            <a:blip r:embed="rId10" cstate="print">
               <a:extLst>
                 <a:ext uri="{28A0092B-C50C-407E-A947-70E740481C1C}">
                   <a14:useLocalDpi xmlns:a14="http://schemas.microsoft.com/office/drawing/2010/main" val="0"/>
@@ -13625,7 +15210,7 @@
           <p:cNvPr id="41" name="Nhóm 40">
             <a:extLst>
               <a:ext uri="{FF2B5EF4-FFF2-40B4-BE49-F238E27FC236}">
-                <a16:creationId xmlns:a16="http://schemas.microsoft.com/office/drawing/2014/main" id="{CA82CB99-2184-4923-97BA-60D6FC66E8E6}"/>
+                <a16:creationId xmlns:a16="http://schemas.microsoft.com/office/drawing/2014/main" xmlns="" id="{CA82CB99-2184-4923-97BA-60D6FC66E8E6}"/>
               </a:ext>
             </a:extLst>
           </p:cNvPr>
@@ -13645,7 +15230,7 @@
             <p:cNvPr id="4" name="Hình chữ nhật 3">
               <a:extLst>
                 <a:ext uri="{FF2B5EF4-FFF2-40B4-BE49-F238E27FC236}">
-                  <a16:creationId xmlns:a16="http://schemas.microsoft.com/office/drawing/2014/main" id="{BE10A40D-8E8A-4868-BD10-07301F8E19BE}"/>
+                  <a16:creationId xmlns:a16="http://schemas.microsoft.com/office/drawing/2014/main" xmlns="" id="{BE10A40D-8E8A-4868-BD10-07301F8E19BE}"/>
                 </a:ext>
               </a:extLst>
             </p:cNvPr>
@@ -13689,7 +15274,7 @@
             <p:cNvPr id="5" name="Hình bình hành 4">
               <a:extLst>
                 <a:ext uri="{FF2B5EF4-FFF2-40B4-BE49-F238E27FC236}">
-                  <a16:creationId xmlns:a16="http://schemas.microsoft.com/office/drawing/2014/main" id="{F30D6E9B-D8E0-4531-A126-D542706A9626}"/>
+                  <a16:creationId xmlns:a16="http://schemas.microsoft.com/office/drawing/2014/main" xmlns="" id="{F30D6E9B-D8E0-4531-A126-D542706A9626}"/>
                 </a:ext>
               </a:extLst>
             </p:cNvPr>
@@ -13735,7 +15320,7 @@
             <p:cNvPr id="6" name="Hình chữ nhật 5">
               <a:extLst>
                 <a:ext uri="{FF2B5EF4-FFF2-40B4-BE49-F238E27FC236}">
-                  <a16:creationId xmlns:a16="http://schemas.microsoft.com/office/drawing/2014/main" id="{3BF6C057-4FF7-45BA-9C64-2C1A689AA04D}"/>
+                  <a16:creationId xmlns:a16="http://schemas.microsoft.com/office/drawing/2014/main" xmlns="" id="{3BF6C057-4FF7-45BA-9C64-2C1A689AA04D}"/>
                 </a:ext>
               </a:extLst>
             </p:cNvPr>
@@ -13783,7 +15368,7 @@
           <p:cNvPr id="10" name="Hình Bầu dục 9">
             <a:extLst>
               <a:ext uri="{FF2B5EF4-FFF2-40B4-BE49-F238E27FC236}">
-                <a16:creationId xmlns:a16="http://schemas.microsoft.com/office/drawing/2014/main" id="{F50070EF-1BE8-4BFA-B967-C989DC288EF7}"/>
+                <a16:creationId xmlns:a16="http://schemas.microsoft.com/office/drawing/2014/main" xmlns="" id="{F50070EF-1BE8-4BFA-B967-C989DC288EF7}"/>
               </a:ext>
             </a:extLst>
           </p:cNvPr>
@@ -13829,7 +15414,7 @@
           <p:cNvPr id="11" name="Hình Bầu dục 10">
             <a:extLst>
               <a:ext uri="{FF2B5EF4-FFF2-40B4-BE49-F238E27FC236}">
-                <a16:creationId xmlns:a16="http://schemas.microsoft.com/office/drawing/2014/main" id="{3994DFF3-5A60-4CD7-B994-3037A5279321}"/>
+                <a16:creationId xmlns:a16="http://schemas.microsoft.com/office/drawing/2014/main" xmlns="" id="{3994DFF3-5A60-4CD7-B994-3037A5279321}"/>
               </a:ext>
             </a:extLst>
           </p:cNvPr>
@@ -13873,7 +15458,7 @@
           <p:cNvPr id="12" name="Hình Bầu dục 11">
             <a:extLst>
               <a:ext uri="{FF2B5EF4-FFF2-40B4-BE49-F238E27FC236}">
-                <a16:creationId xmlns:a16="http://schemas.microsoft.com/office/drawing/2014/main" id="{251D8F40-C258-46EA-BD6C-065E7CB7B29B}"/>
+                <a16:creationId xmlns:a16="http://schemas.microsoft.com/office/drawing/2014/main" xmlns="" id="{251D8F40-C258-46EA-BD6C-065E7CB7B29B}"/>
               </a:ext>
             </a:extLst>
           </p:cNvPr>
@@ -13919,7 +15504,7 @@
           <p:cNvPr id="13" name="Hình Bầu dục 12">
             <a:extLst>
               <a:ext uri="{FF2B5EF4-FFF2-40B4-BE49-F238E27FC236}">
-                <a16:creationId xmlns:a16="http://schemas.microsoft.com/office/drawing/2014/main" id="{F66E7B7B-DB87-4CAC-AF63-10ADB6AAA520}"/>
+                <a16:creationId xmlns:a16="http://schemas.microsoft.com/office/drawing/2014/main" xmlns="" id="{F66E7B7B-DB87-4CAC-AF63-10ADB6AAA520}"/>
               </a:ext>
             </a:extLst>
           </p:cNvPr>
@@ -13965,7 +15550,7 @@
           <p:cNvPr id="14" name="Hình Bầu dục 13">
             <a:extLst>
               <a:ext uri="{FF2B5EF4-FFF2-40B4-BE49-F238E27FC236}">
-                <a16:creationId xmlns:a16="http://schemas.microsoft.com/office/drawing/2014/main" id="{C34C478A-77AC-4F85-BED7-ACC091D09F88}"/>
+                <a16:creationId xmlns:a16="http://schemas.microsoft.com/office/drawing/2014/main" xmlns="" id="{C34C478A-77AC-4F85-BED7-ACC091D09F88}"/>
               </a:ext>
             </a:extLst>
           </p:cNvPr>
@@ -14011,7 +15596,7 @@
           <p:cNvPr id="15" name="Hình Bầu dục 14">
             <a:extLst>
               <a:ext uri="{FF2B5EF4-FFF2-40B4-BE49-F238E27FC236}">
-                <a16:creationId xmlns:a16="http://schemas.microsoft.com/office/drawing/2014/main" id="{60B1A823-9BEB-41B1-B929-A096B9C19A90}"/>
+                <a16:creationId xmlns:a16="http://schemas.microsoft.com/office/drawing/2014/main" xmlns="" id="{60B1A823-9BEB-41B1-B929-A096B9C19A90}"/>
               </a:ext>
             </a:extLst>
           </p:cNvPr>
@@ -14057,7 +15642,7 @@
           <p:cNvPr id="42" name="Nhóm 41">
             <a:extLst>
               <a:ext uri="{FF2B5EF4-FFF2-40B4-BE49-F238E27FC236}">
-                <a16:creationId xmlns:a16="http://schemas.microsoft.com/office/drawing/2014/main" id="{9A388AE1-9561-43E3-A75D-1DD2BB76C2C1}"/>
+                <a16:creationId xmlns:a16="http://schemas.microsoft.com/office/drawing/2014/main" xmlns="" id="{9A388AE1-9561-43E3-A75D-1DD2BB76C2C1}"/>
               </a:ext>
             </a:extLst>
           </p:cNvPr>
@@ -14077,7 +15662,7 @@
             <p:cNvPr id="18" name="Hình chữ nhật 17">
               <a:extLst>
                 <a:ext uri="{FF2B5EF4-FFF2-40B4-BE49-F238E27FC236}">
-                  <a16:creationId xmlns:a16="http://schemas.microsoft.com/office/drawing/2014/main" id="{F8ACB3F3-3BFC-4A7B-AF92-06652BB89444}"/>
+                  <a16:creationId xmlns:a16="http://schemas.microsoft.com/office/drawing/2014/main" xmlns="" id="{F8ACB3F3-3BFC-4A7B-AF92-06652BB89444}"/>
                 </a:ext>
               </a:extLst>
             </p:cNvPr>
@@ -14121,7 +15706,7 @@
             <p:cNvPr id="19" name="Hình bình hành 18">
               <a:extLst>
                 <a:ext uri="{FF2B5EF4-FFF2-40B4-BE49-F238E27FC236}">
-                  <a16:creationId xmlns:a16="http://schemas.microsoft.com/office/drawing/2014/main" id="{6D3FBB42-B33C-4F90-8F9F-3DA47BE810F4}"/>
+                  <a16:creationId xmlns:a16="http://schemas.microsoft.com/office/drawing/2014/main" xmlns="" id="{6D3FBB42-B33C-4F90-8F9F-3DA47BE810F4}"/>
                 </a:ext>
               </a:extLst>
             </p:cNvPr>
@@ -14167,7 +15752,7 @@
             <p:cNvPr id="20" name="Hình chữ nhật 19">
               <a:extLst>
                 <a:ext uri="{FF2B5EF4-FFF2-40B4-BE49-F238E27FC236}">
-                  <a16:creationId xmlns:a16="http://schemas.microsoft.com/office/drawing/2014/main" id="{07DBFC0B-C920-44D5-9DE2-74C0F3450DEB}"/>
+                  <a16:creationId xmlns:a16="http://schemas.microsoft.com/office/drawing/2014/main" xmlns="" id="{07DBFC0B-C920-44D5-9DE2-74C0F3450DEB}"/>
                 </a:ext>
               </a:extLst>
             </p:cNvPr>
@@ -14215,7 +15800,7 @@
           <p:cNvPr id="43" name="Nhóm 42">
             <a:extLst>
               <a:ext uri="{FF2B5EF4-FFF2-40B4-BE49-F238E27FC236}">
-                <a16:creationId xmlns:a16="http://schemas.microsoft.com/office/drawing/2014/main" id="{856A38EB-E03A-4BEB-8C96-2BB26AD66351}"/>
+                <a16:creationId xmlns:a16="http://schemas.microsoft.com/office/drawing/2014/main" xmlns="" id="{856A38EB-E03A-4BEB-8C96-2BB26AD66351}"/>
               </a:ext>
             </a:extLst>
           </p:cNvPr>
@@ -14235,7 +15820,7 @@
             <p:cNvPr id="22" name="Hình chữ nhật 21">
               <a:extLst>
                 <a:ext uri="{FF2B5EF4-FFF2-40B4-BE49-F238E27FC236}">
-                  <a16:creationId xmlns:a16="http://schemas.microsoft.com/office/drawing/2014/main" id="{41066FE2-D258-4D38-B026-7A429DC7AC51}"/>
+                  <a16:creationId xmlns:a16="http://schemas.microsoft.com/office/drawing/2014/main" xmlns="" id="{41066FE2-D258-4D38-B026-7A429DC7AC51}"/>
                 </a:ext>
               </a:extLst>
             </p:cNvPr>
@@ -14279,7 +15864,7 @@
             <p:cNvPr id="23" name="Hình bình hành 22">
               <a:extLst>
                 <a:ext uri="{FF2B5EF4-FFF2-40B4-BE49-F238E27FC236}">
-                  <a16:creationId xmlns:a16="http://schemas.microsoft.com/office/drawing/2014/main" id="{B6585417-CE52-49CB-99F3-554A8FABE544}"/>
+                  <a16:creationId xmlns:a16="http://schemas.microsoft.com/office/drawing/2014/main" xmlns="" id="{B6585417-CE52-49CB-99F3-554A8FABE544}"/>
                 </a:ext>
               </a:extLst>
             </p:cNvPr>
@@ -14325,7 +15910,7 @@
             <p:cNvPr id="24" name="Hình chữ nhật 23">
               <a:extLst>
                 <a:ext uri="{FF2B5EF4-FFF2-40B4-BE49-F238E27FC236}">
-                  <a16:creationId xmlns:a16="http://schemas.microsoft.com/office/drawing/2014/main" id="{E1D82C28-6815-4D52-89E7-BA7A8101107F}"/>
+                  <a16:creationId xmlns:a16="http://schemas.microsoft.com/office/drawing/2014/main" xmlns="" id="{E1D82C28-6815-4D52-89E7-BA7A8101107F}"/>
                 </a:ext>
               </a:extLst>
             </p:cNvPr>
@@ -14373,7 +15958,7 @@
           <p:cNvPr id="55" name="Hình ảnh 54">
             <a:extLst>
               <a:ext uri="{FF2B5EF4-FFF2-40B4-BE49-F238E27FC236}">
-                <a16:creationId xmlns:a16="http://schemas.microsoft.com/office/drawing/2014/main" id="{1557C6E7-056A-4FA7-87DA-A80B0CE7F482}"/>
+                <a16:creationId xmlns:a16="http://schemas.microsoft.com/office/drawing/2014/main" xmlns="" id="{1557C6E7-056A-4FA7-87DA-A80B0CE7F482}"/>
               </a:ext>
             </a:extLst>
           </p:cNvPr>
@@ -14383,7 +15968,7 @@
           <p:nvPr/>
         </p:nvPicPr>
         <p:blipFill>
-          <a:blip r:embed="rId2">
+          <a:blip r:embed="rId2" cstate="print">
             <a:extLst>
               <a:ext uri="{BEBA8EAE-BF5A-486C-A8C5-ECC9F3942E4B}">
                 <a14:imgProps xmlns:a14="http://schemas.microsoft.com/office/drawing/2010/main">
@@ -14427,7 +16012,7 @@
           <p:cNvPr id="8" name="Đường nối Thẳng 7">
             <a:extLst>
               <a:ext uri="{FF2B5EF4-FFF2-40B4-BE49-F238E27FC236}">
-                <a16:creationId xmlns:a16="http://schemas.microsoft.com/office/drawing/2014/main" id="{9F09D451-49DB-4D4E-A8CF-B3E27321377B}"/>
+                <a16:creationId xmlns:a16="http://schemas.microsoft.com/office/drawing/2014/main" xmlns="" id="{9F09D451-49DB-4D4E-A8CF-B3E27321377B}"/>
               </a:ext>
             </a:extLst>
           </p:cNvPr>
@@ -14463,7 +16048,7 @@
           <p:cNvPr id="16" name="Đường nối Thẳng 15">
             <a:extLst>
               <a:ext uri="{FF2B5EF4-FFF2-40B4-BE49-F238E27FC236}">
-                <a16:creationId xmlns:a16="http://schemas.microsoft.com/office/drawing/2014/main" id="{8E684AFB-EC67-4402-A3F6-224406B4FA9A}"/>
+                <a16:creationId xmlns:a16="http://schemas.microsoft.com/office/drawing/2014/main" xmlns="" id="{8E684AFB-EC67-4402-A3F6-224406B4FA9A}"/>
               </a:ext>
             </a:extLst>
           </p:cNvPr>
@@ -14501,7 +16086,7 @@
           <p:cNvPr id="26" name="Đường nối Thẳng 25">
             <a:extLst>
               <a:ext uri="{FF2B5EF4-FFF2-40B4-BE49-F238E27FC236}">
-                <a16:creationId xmlns:a16="http://schemas.microsoft.com/office/drawing/2014/main" id="{9E4DB3C6-858C-4B50-A625-C02E87C57C38}"/>
+                <a16:creationId xmlns:a16="http://schemas.microsoft.com/office/drawing/2014/main" xmlns="" id="{9E4DB3C6-858C-4B50-A625-C02E87C57C38}"/>
               </a:ext>
             </a:extLst>
           </p:cNvPr>
@@ -14539,7 +16124,7 @@
           <p:cNvPr id="28" name="Đường nối Thẳng 27">
             <a:extLst>
               <a:ext uri="{FF2B5EF4-FFF2-40B4-BE49-F238E27FC236}">
-                <a16:creationId xmlns:a16="http://schemas.microsoft.com/office/drawing/2014/main" id="{F6FBD4A1-9D24-4563-A7AC-5B8D3C34A11E}"/>
+                <a16:creationId xmlns:a16="http://schemas.microsoft.com/office/drawing/2014/main" xmlns="" id="{F6FBD4A1-9D24-4563-A7AC-5B8D3C34A11E}"/>
               </a:ext>
             </a:extLst>
           </p:cNvPr>
@@ -14575,7 +16160,7 @@
           <p:cNvPr id="30" name="Đường nối Thẳng 29">
             <a:extLst>
               <a:ext uri="{FF2B5EF4-FFF2-40B4-BE49-F238E27FC236}">
-                <a16:creationId xmlns:a16="http://schemas.microsoft.com/office/drawing/2014/main" id="{F52F4BF2-2DE6-4343-9477-D5D67001E0A7}"/>
+                <a16:creationId xmlns:a16="http://schemas.microsoft.com/office/drawing/2014/main" xmlns="" id="{F52F4BF2-2DE6-4343-9477-D5D67001E0A7}"/>
               </a:ext>
             </a:extLst>
           </p:cNvPr>
@@ -14613,7 +16198,7 @@
           <p:cNvPr id="32" name="Đường nối Thẳng 31">
             <a:extLst>
               <a:ext uri="{FF2B5EF4-FFF2-40B4-BE49-F238E27FC236}">
-                <a16:creationId xmlns:a16="http://schemas.microsoft.com/office/drawing/2014/main" id="{0340EF12-DD51-4E6B-AE04-B0B2888DC157}"/>
+                <a16:creationId xmlns:a16="http://schemas.microsoft.com/office/drawing/2014/main" xmlns="" id="{0340EF12-DD51-4E6B-AE04-B0B2888DC157}"/>
               </a:ext>
             </a:extLst>
           </p:cNvPr>
@@ -15938,7 +17523,7 @@
           <p:cNvPr id="4" name="Hình chữ nhật 3">
             <a:extLst>
               <a:ext uri="{FF2B5EF4-FFF2-40B4-BE49-F238E27FC236}">
-                <a16:creationId xmlns:a16="http://schemas.microsoft.com/office/drawing/2014/main" id="{C41056F5-6A80-400E-ACB4-FE6C05639353}"/>
+                <a16:creationId xmlns:a16="http://schemas.microsoft.com/office/drawing/2014/main" xmlns="" id="{C41056F5-6A80-400E-ACB4-FE6C05639353}"/>
               </a:ext>
             </a:extLst>
           </p:cNvPr>
@@ -15985,7 +17570,7 @@
           <p:cNvPr id="13" name="Đường nối Thẳng 12">
             <a:extLst>
               <a:ext uri="{FF2B5EF4-FFF2-40B4-BE49-F238E27FC236}">
-                <a16:creationId xmlns:a16="http://schemas.microsoft.com/office/drawing/2014/main" id="{728F5020-F06A-4276-B83C-F4D2092F8B6A}"/>
+                <a16:creationId xmlns:a16="http://schemas.microsoft.com/office/drawing/2014/main" xmlns="" id="{728F5020-F06A-4276-B83C-F4D2092F8B6A}"/>
               </a:ext>
             </a:extLst>
           </p:cNvPr>
@@ -16031,7 +17616,7 @@
           <p:cNvPr id="2" name="Nhóm 1">
             <a:extLst>
               <a:ext uri="{FF2B5EF4-FFF2-40B4-BE49-F238E27FC236}">
-                <a16:creationId xmlns:a16="http://schemas.microsoft.com/office/drawing/2014/main" id="{26573FDB-A0B8-485A-95BE-C414FE908A78}"/>
+                <a16:creationId xmlns:a16="http://schemas.microsoft.com/office/drawing/2014/main" xmlns="" id="{26573FDB-A0B8-485A-95BE-C414FE908A78}"/>
               </a:ext>
             </a:extLst>
           </p:cNvPr>
@@ -16051,7 +17636,7 @@
             <p:cNvPr id="18" name="Hộp Văn bản 17">
               <a:extLst>
                 <a:ext uri="{FF2B5EF4-FFF2-40B4-BE49-F238E27FC236}">
-                  <a16:creationId xmlns:a16="http://schemas.microsoft.com/office/drawing/2014/main" id="{805EC95B-7551-4548-95F4-8B14C2BDEE5C}"/>
+                  <a16:creationId xmlns:a16="http://schemas.microsoft.com/office/drawing/2014/main" xmlns="" id="{805EC95B-7551-4548-95F4-8B14C2BDEE5C}"/>
                 </a:ext>
               </a:extLst>
             </p:cNvPr>
@@ -16086,7 +17671,7 @@
             <p:cNvPr id="24" name="Đường nối Thẳng 23">
               <a:extLst>
                 <a:ext uri="{FF2B5EF4-FFF2-40B4-BE49-F238E27FC236}">
-                  <a16:creationId xmlns:a16="http://schemas.microsoft.com/office/drawing/2014/main" id="{3B8C4DB3-4907-4D58-96BA-8CA42083C935}"/>
+                  <a16:creationId xmlns:a16="http://schemas.microsoft.com/office/drawing/2014/main" xmlns="" id="{3B8C4DB3-4907-4D58-96BA-8CA42083C935}"/>
                 </a:ext>
               </a:extLst>
             </p:cNvPr>
@@ -16127,7 +17712,7 @@
             <p:cNvPr id="29" name="Hộp Văn bản 28">
               <a:extLst>
                 <a:ext uri="{FF2B5EF4-FFF2-40B4-BE49-F238E27FC236}">
-                  <a16:creationId xmlns:a16="http://schemas.microsoft.com/office/drawing/2014/main" id="{F53AE9FE-E128-478F-9B74-5A9A1DE07F0C}"/>
+                  <a16:creationId xmlns:a16="http://schemas.microsoft.com/office/drawing/2014/main" xmlns="" id="{F53AE9FE-E128-478F-9B74-5A9A1DE07F0C}"/>
                 </a:ext>
               </a:extLst>
             </p:cNvPr>
@@ -16174,7 +17759,7 @@
           <p:cNvPr id="25" name="Hình bình hành 24">
             <a:extLst>
               <a:ext uri="{FF2B5EF4-FFF2-40B4-BE49-F238E27FC236}">
-                <a16:creationId xmlns:a16="http://schemas.microsoft.com/office/drawing/2014/main" id="{BD1D45A2-78C3-4922-B259-C656A22DF1CF}"/>
+                <a16:creationId xmlns:a16="http://schemas.microsoft.com/office/drawing/2014/main" xmlns="" id="{BD1D45A2-78C3-4922-B259-C656A22DF1CF}"/>
               </a:ext>
             </a:extLst>
           </p:cNvPr>
@@ -16223,7 +17808,7 @@
           <p:cNvPr id="5" name="Hình ảnh 4">
             <a:extLst>
               <a:ext uri="{FF2B5EF4-FFF2-40B4-BE49-F238E27FC236}">
-                <a16:creationId xmlns:a16="http://schemas.microsoft.com/office/drawing/2014/main" id="{6D98DAD6-ECB3-4A57-8A47-0AE794D7CB9B}"/>
+                <a16:creationId xmlns:a16="http://schemas.microsoft.com/office/drawing/2014/main" xmlns="" id="{6D98DAD6-ECB3-4A57-8A47-0AE794D7CB9B}"/>
               </a:ext>
             </a:extLst>
           </p:cNvPr>
@@ -16259,7 +17844,7 @@
           <p:cNvPr id="7" name="Hình ảnh 6" descr="Ảnh có chứa trong nhà, văn bản&#10;&#10;Mô tả được tạo tự động">
             <a:extLst>
               <a:ext uri="{FF2B5EF4-FFF2-40B4-BE49-F238E27FC236}">
-                <a16:creationId xmlns:a16="http://schemas.microsoft.com/office/drawing/2014/main" id="{0761A966-99FA-43DB-B57E-37510CD4DEEE}"/>
+                <a16:creationId xmlns:a16="http://schemas.microsoft.com/office/drawing/2014/main" xmlns="" id="{0761A966-99FA-43DB-B57E-37510CD4DEEE}"/>
               </a:ext>
             </a:extLst>
           </p:cNvPr>
@@ -16581,7 +18166,7 @@
           <p:cNvPr id="14" name="Group 117">
             <a:extLst>
               <a:ext uri="{FF2B5EF4-FFF2-40B4-BE49-F238E27FC236}">
-                <a16:creationId xmlns:a16="http://schemas.microsoft.com/office/drawing/2014/main" id="{869CCC08-E65B-4926-AB24-5A59EB551581}"/>
+                <a16:creationId xmlns:a16="http://schemas.microsoft.com/office/drawing/2014/main" xmlns="" id="{869CCC08-E65B-4926-AB24-5A59EB551581}"/>
               </a:ext>
             </a:extLst>
           </p:cNvPr>
@@ -16601,7 +18186,7 @@
             <p:cNvPr id="15" name="TextBox 118">
               <a:extLst>
                 <a:ext uri="{FF2B5EF4-FFF2-40B4-BE49-F238E27FC236}">
-                  <a16:creationId xmlns:a16="http://schemas.microsoft.com/office/drawing/2014/main" id="{5F2AA92D-F875-43D7-9649-FE18E943CB63}"/>
+                  <a16:creationId xmlns:a16="http://schemas.microsoft.com/office/drawing/2014/main" xmlns="" id="{5F2AA92D-F875-43D7-9649-FE18E943CB63}"/>
                 </a:ext>
               </a:extLst>
             </p:cNvPr>
@@ -16669,7 +18254,7 @@
             <p:cNvPr id="16" name="TextBox 119">
               <a:extLst>
                 <a:ext uri="{FF2B5EF4-FFF2-40B4-BE49-F238E27FC236}">
-                  <a16:creationId xmlns:a16="http://schemas.microsoft.com/office/drawing/2014/main" id="{7692B495-25C2-4DEC-AABB-BDDD42CC537C}"/>
+                  <a16:creationId xmlns:a16="http://schemas.microsoft.com/office/drawing/2014/main" xmlns="" id="{7692B495-25C2-4DEC-AABB-BDDD42CC537C}"/>
                 </a:ext>
               </a:extLst>
             </p:cNvPr>
@@ -16712,7 +18297,7 @@
             <p:cNvPr id="17" name="TextBox 120">
               <a:extLst>
                 <a:ext uri="{FF2B5EF4-FFF2-40B4-BE49-F238E27FC236}">
-                  <a16:creationId xmlns:a16="http://schemas.microsoft.com/office/drawing/2014/main" id="{6586489D-6356-4021-AE64-D6D8B4866F75}"/>
+                  <a16:creationId xmlns:a16="http://schemas.microsoft.com/office/drawing/2014/main" xmlns="" id="{6586489D-6356-4021-AE64-D6D8B4866F75}"/>
                 </a:ext>
               </a:extLst>
             </p:cNvPr>
@@ -16819,7 +18404,7 @@
           <p:cNvPr id="18" name="Group 121">
             <a:extLst>
               <a:ext uri="{FF2B5EF4-FFF2-40B4-BE49-F238E27FC236}">
-                <a16:creationId xmlns:a16="http://schemas.microsoft.com/office/drawing/2014/main" id="{6B39EE46-CCD6-4338-81D7-41A63A0B8BDC}"/>
+                <a16:creationId xmlns:a16="http://schemas.microsoft.com/office/drawing/2014/main" xmlns="" id="{6B39EE46-CCD6-4338-81D7-41A63A0B8BDC}"/>
               </a:ext>
             </a:extLst>
           </p:cNvPr>
@@ -16839,7 +18424,7 @@
             <p:cNvPr id="19" name="TextBox 122">
               <a:extLst>
                 <a:ext uri="{FF2B5EF4-FFF2-40B4-BE49-F238E27FC236}">
-                  <a16:creationId xmlns:a16="http://schemas.microsoft.com/office/drawing/2014/main" id="{0A3EA338-07FD-484C-89D1-097507D5F19F}"/>
+                  <a16:creationId xmlns:a16="http://schemas.microsoft.com/office/drawing/2014/main" xmlns="" id="{0A3EA338-07FD-484C-89D1-097507D5F19F}"/>
                 </a:ext>
               </a:extLst>
             </p:cNvPr>
@@ -16913,7 +18498,7 @@
             <p:cNvPr id="20" name="TextBox 123">
               <a:extLst>
                 <a:ext uri="{FF2B5EF4-FFF2-40B4-BE49-F238E27FC236}">
-                  <a16:creationId xmlns:a16="http://schemas.microsoft.com/office/drawing/2014/main" id="{70F28A94-9D16-4D76-A92E-647C83EB9559}"/>
+                  <a16:creationId xmlns:a16="http://schemas.microsoft.com/office/drawing/2014/main" xmlns="" id="{70F28A94-9D16-4D76-A92E-647C83EB9559}"/>
                 </a:ext>
               </a:extLst>
             </p:cNvPr>
@@ -16956,7 +18541,7 @@
             <p:cNvPr id="21" name="TextBox 124">
               <a:extLst>
                 <a:ext uri="{FF2B5EF4-FFF2-40B4-BE49-F238E27FC236}">
-                  <a16:creationId xmlns:a16="http://schemas.microsoft.com/office/drawing/2014/main" id="{7BA7A415-5202-4DD0-8F64-75DC76E8CFC7}"/>
+                  <a16:creationId xmlns:a16="http://schemas.microsoft.com/office/drawing/2014/main" xmlns="" id="{7BA7A415-5202-4DD0-8F64-75DC76E8CFC7}"/>
                 </a:ext>
               </a:extLst>
             </p:cNvPr>
@@ -17000,7 +18585,7 @@
           <p:cNvPr id="22" name="Group 125">
             <a:extLst>
               <a:ext uri="{FF2B5EF4-FFF2-40B4-BE49-F238E27FC236}">
-                <a16:creationId xmlns:a16="http://schemas.microsoft.com/office/drawing/2014/main" id="{D11E60FE-7214-4CCE-A1C6-A3A4237F5C90}"/>
+                <a16:creationId xmlns:a16="http://schemas.microsoft.com/office/drawing/2014/main" xmlns="" id="{D11E60FE-7214-4CCE-A1C6-A3A4237F5C90}"/>
               </a:ext>
             </a:extLst>
           </p:cNvPr>
@@ -17020,7 +18605,7 @@
             <p:cNvPr id="23" name="TextBox 126">
               <a:extLst>
                 <a:ext uri="{FF2B5EF4-FFF2-40B4-BE49-F238E27FC236}">
-                  <a16:creationId xmlns:a16="http://schemas.microsoft.com/office/drawing/2014/main" id="{E75D9274-BD8F-4FEF-8AEC-2336E2B86E47}"/>
+                  <a16:creationId xmlns:a16="http://schemas.microsoft.com/office/drawing/2014/main" xmlns="" id="{E75D9274-BD8F-4FEF-8AEC-2336E2B86E47}"/>
                 </a:ext>
               </a:extLst>
             </p:cNvPr>
@@ -17061,7 +18646,7 @@
             <p:cNvPr id="24" name="TextBox 127">
               <a:extLst>
                 <a:ext uri="{FF2B5EF4-FFF2-40B4-BE49-F238E27FC236}">
-                  <a16:creationId xmlns:a16="http://schemas.microsoft.com/office/drawing/2014/main" id="{869FFA72-D3E9-4D95-BB08-AF5C59AE2D9D}"/>
+                  <a16:creationId xmlns:a16="http://schemas.microsoft.com/office/drawing/2014/main" xmlns="" id="{869FFA72-D3E9-4D95-BB08-AF5C59AE2D9D}"/>
                 </a:ext>
               </a:extLst>
             </p:cNvPr>
@@ -17104,7 +18689,7 @@
             <p:cNvPr id="25" name="TextBox 128">
               <a:extLst>
                 <a:ext uri="{FF2B5EF4-FFF2-40B4-BE49-F238E27FC236}">
-                  <a16:creationId xmlns:a16="http://schemas.microsoft.com/office/drawing/2014/main" id="{06C886EB-8D46-433D-B257-A731C5977160}"/>
+                  <a16:creationId xmlns:a16="http://schemas.microsoft.com/office/drawing/2014/main" xmlns="" id="{06C886EB-8D46-433D-B257-A731C5977160}"/>
                 </a:ext>
               </a:extLst>
             </p:cNvPr>
@@ -17148,7 +18733,7 @@
           <p:cNvPr id="2" name="Nhóm 1">
             <a:extLst>
               <a:ext uri="{FF2B5EF4-FFF2-40B4-BE49-F238E27FC236}">
-                <a16:creationId xmlns:a16="http://schemas.microsoft.com/office/drawing/2014/main" id="{17FD687D-FB67-4B16-B937-F35DA27991FF}"/>
+                <a16:creationId xmlns:a16="http://schemas.microsoft.com/office/drawing/2014/main" xmlns="" id="{17FD687D-FB67-4B16-B937-F35DA27991FF}"/>
               </a:ext>
             </a:extLst>
           </p:cNvPr>
@@ -17168,7 +18753,7 @@
             <p:cNvPr id="6" name="Oval 100">
               <a:extLst>
                 <a:ext uri="{FF2B5EF4-FFF2-40B4-BE49-F238E27FC236}">
-                  <a16:creationId xmlns:a16="http://schemas.microsoft.com/office/drawing/2014/main" id="{7DCDE5E2-72C9-42A0-A012-AC183835D58C}"/>
+                  <a16:creationId xmlns:a16="http://schemas.microsoft.com/office/drawing/2014/main" xmlns="" id="{7DCDE5E2-72C9-42A0-A012-AC183835D58C}"/>
                 </a:ext>
               </a:extLst>
             </p:cNvPr>
@@ -17223,7 +18808,7 @@
             <p:cNvPr id="27" name="Hình ảnh 26" descr="Ảnh có chứa cây, người, ngoài trời, bầu trời&#10;&#10;Mô tả được tạo tự động">
               <a:extLst>
                 <a:ext uri="{FF2B5EF4-FFF2-40B4-BE49-F238E27FC236}">
-                  <a16:creationId xmlns:a16="http://schemas.microsoft.com/office/drawing/2014/main" id="{CB71D698-DA07-442C-BB55-E6A4623F7CCC}"/>
+                  <a16:creationId xmlns:a16="http://schemas.microsoft.com/office/drawing/2014/main" xmlns="" id="{CB71D698-DA07-442C-BB55-E6A4623F7CCC}"/>
                 </a:ext>
               </a:extLst>
             </p:cNvPr>
@@ -17233,7 +18818,7 @@
             <p:nvPr/>
           </p:nvPicPr>
           <p:blipFill>
-            <a:blip r:embed="rId2">
+            <a:blip r:embed="rId2" cstate="print">
               <a:extLst>
                 <a:ext uri="{28A0092B-C50C-407E-A947-70E740481C1C}">
                   <a14:useLocalDpi xmlns:a14="http://schemas.microsoft.com/office/drawing/2010/main" val="0"/>
@@ -17282,7 +18867,7 @@
           <p:cNvPr id="39" name="Nhóm 38">
             <a:extLst>
               <a:ext uri="{FF2B5EF4-FFF2-40B4-BE49-F238E27FC236}">
-                <a16:creationId xmlns:a16="http://schemas.microsoft.com/office/drawing/2014/main" id="{7DC93DE0-7D2A-4747-A4AA-5A00156A401E}"/>
+                <a16:creationId xmlns:a16="http://schemas.microsoft.com/office/drawing/2014/main" xmlns="" id="{7DC93DE0-7D2A-4747-A4AA-5A00156A401E}"/>
               </a:ext>
             </a:extLst>
           </p:cNvPr>
@@ -17302,7 +18887,7 @@
             <p:cNvPr id="9" name="Oval 103">
               <a:extLst>
                 <a:ext uri="{FF2B5EF4-FFF2-40B4-BE49-F238E27FC236}">
-                  <a16:creationId xmlns:a16="http://schemas.microsoft.com/office/drawing/2014/main" id="{2CB82709-B284-4E92-BD41-FFE82749291C}"/>
+                  <a16:creationId xmlns:a16="http://schemas.microsoft.com/office/drawing/2014/main" xmlns="" id="{2CB82709-B284-4E92-BD41-FFE82749291C}"/>
                 </a:ext>
               </a:extLst>
             </p:cNvPr>
@@ -17354,7 +18939,7 @@
             <p:cNvPr id="31" name="Hình ảnh 30" descr="Ảnh có chứa người, ngoài trời, người đàn ông, mặt đất&#10;&#10;Mô tả được tạo tự động">
               <a:extLst>
                 <a:ext uri="{FF2B5EF4-FFF2-40B4-BE49-F238E27FC236}">
-                  <a16:creationId xmlns:a16="http://schemas.microsoft.com/office/drawing/2014/main" id="{C53F4501-0516-4B1D-AD71-3B27EFAE460E}"/>
+                  <a16:creationId xmlns:a16="http://schemas.microsoft.com/office/drawing/2014/main" xmlns="" id="{C53F4501-0516-4B1D-AD71-3B27EFAE460E}"/>
                 </a:ext>
               </a:extLst>
             </p:cNvPr>
@@ -17364,7 +18949,7 @@
             <p:nvPr/>
           </p:nvPicPr>
           <p:blipFill rotWithShape="1">
-            <a:blip r:embed="rId3">
+            <a:blip r:embed="rId3" cstate="print">
               <a:extLst>
                 <a:ext uri="{28A0092B-C50C-407E-A947-70E740481C1C}">
                   <a14:useLocalDpi xmlns:a14="http://schemas.microsoft.com/office/drawing/2010/main" val="0"/>
@@ -17412,7 +18997,7 @@
           <p:cNvPr id="40" name="Nhóm 39">
             <a:extLst>
               <a:ext uri="{FF2B5EF4-FFF2-40B4-BE49-F238E27FC236}">
-                <a16:creationId xmlns:a16="http://schemas.microsoft.com/office/drawing/2014/main" id="{A981875D-C66A-409A-AD64-141EFE11C8F1}"/>
+                <a16:creationId xmlns:a16="http://schemas.microsoft.com/office/drawing/2014/main" xmlns="" id="{A981875D-C66A-409A-AD64-141EFE11C8F1}"/>
               </a:ext>
             </a:extLst>
           </p:cNvPr>
@@ -17432,7 +19017,7 @@
             <p:cNvPr id="12" name="Oval 106">
               <a:extLst>
                 <a:ext uri="{FF2B5EF4-FFF2-40B4-BE49-F238E27FC236}">
-                  <a16:creationId xmlns:a16="http://schemas.microsoft.com/office/drawing/2014/main" id="{8264C02B-BD9D-444F-95B4-F5519C452213}"/>
+                  <a16:creationId xmlns:a16="http://schemas.microsoft.com/office/drawing/2014/main" xmlns="" id="{8264C02B-BD9D-444F-95B4-F5519C452213}"/>
                 </a:ext>
               </a:extLst>
             </p:cNvPr>
@@ -17484,7 +19069,7 @@
             <p:cNvPr id="33" name="Hình ảnh 32" descr="Ảnh có chứa người, trong nhà, người đàn ông, trẻ&#10;&#10;Mô tả được tạo tự động">
               <a:extLst>
                 <a:ext uri="{FF2B5EF4-FFF2-40B4-BE49-F238E27FC236}">
-                  <a16:creationId xmlns:a16="http://schemas.microsoft.com/office/drawing/2014/main" id="{42614A0C-CC02-42E3-9037-856CF1D211A8}"/>
+                  <a16:creationId xmlns:a16="http://schemas.microsoft.com/office/drawing/2014/main" xmlns="" id="{42614A0C-CC02-42E3-9037-856CF1D211A8}"/>
                 </a:ext>
               </a:extLst>
             </p:cNvPr>
@@ -17494,7 +19079,7 @@
             <p:nvPr/>
           </p:nvPicPr>
           <p:blipFill>
-            <a:blip r:embed="rId4">
+            <a:blip r:embed="rId4" cstate="print">
               <a:extLst>
                 <a:ext uri="{28A0092B-C50C-407E-A947-70E740481C1C}">
                   <a14:useLocalDpi xmlns:a14="http://schemas.microsoft.com/office/drawing/2010/main" val="0"/>
@@ -17543,7 +19128,7 @@
           <p:cNvPr id="41" name="Nhóm 40">
             <a:extLst>
               <a:ext uri="{FF2B5EF4-FFF2-40B4-BE49-F238E27FC236}">
-                <a16:creationId xmlns:a16="http://schemas.microsoft.com/office/drawing/2014/main" id="{0CBD4C68-6451-4242-BF8C-BD250F7974FC}"/>
+                <a16:creationId xmlns:a16="http://schemas.microsoft.com/office/drawing/2014/main" xmlns="" id="{0CBD4C68-6451-4242-BF8C-BD250F7974FC}"/>
               </a:ext>
             </a:extLst>
           </p:cNvPr>
@@ -17563,7 +19148,7 @@
             <p:cNvPr id="29" name="Oval 100">
               <a:extLst>
                 <a:ext uri="{FF2B5EF4-FFF2-40B4-BE49-F238E27FC236}">
-                  <a16:creationId xmlns:a16="http://schemas.microsoft.com/office/drawing/2014/main" id="{7FA37390-E1AB-480C-8F42-150ABF3851D7}"/>
+                  <a16:creationId xmlns:a16="http://schemas.microsoft.com/office/drawing/2014/main" xmlns="" id="{7FA37390-E1AB-480C-8F42-150ABF3851D7}"/>
                 </a:ext>
               </a:extLst>
             </p:cNvPr>
@@ -17615,7 +19200,7 @@
             <p:cNvPr id="35" name="Hình ảnh 34" descr="Ảnh có chứa người, mặt đất, ngoài trời, tòa nhà&#10;&#10;Mô tả được tạo tự động">
               <a:extLst>
                 <a:ext uri="{FF2B5EF4-FFF2-40B4-BE49-F238E27FC236}">
-                  <a16:creationId xmlns:a16="http://schemas.microsoft.com/office/drawing/2014/main" id="{81D0D2C2-9F39-4927-BEDB-10C625D1BA05}"/>
+                  <a16:creationId xmlns:a16="http://schemas.microsoft.com/office/drawing/2014/main" xmlns="" id="{81D0D2C2-9F39-4927-BEDB-10C625D1BA05}"/>
                 </a:ext>
               </a:extLst>
             </p:cNvPr>
@@ -17625,7 +19210,7 @@
             <p:nvPr/>
           </p:nvPicPr>
           <p:blipFill rotWithShape="1">
-            <a:blip r:embed="rId5">
+            <a:blip r:embed="rId5" cstate="print">
               <a:extLst>
                 <a:ext uri="{28A0092B-C50C-407E-A947-70E740481C1C}">
                   <a14:useLocalDpi xmlns:a14="http://schemas.microsoft.com/office/drawing/2010/main" val="0"/>
@@ -17673,7 +19258,7 @@
           <p:cNvPr id="38" name="Nhóm 37">
             <a:extLst>
               <a:ext uri="{FF2B5EF4-FFF2-40B4-BE49-F238E27FC236}">
-                <a16:creationId xmlns:a16="http://schemas.microsoft.com/office/drawing/2014/main" id="{E02C6546-3055-401B-B34F-C9D53327F56F}"/>
+                <a16:creationId xmlns:a16="http://schemas.microsoft.com/office/drawing/2014/main" xmlns="" id="{E02C6546-3055-401B-B34F-C9D53327F56F}"/>
               </a:ext>
             </a:extLst>
           </p:cNvPr>
@@ -17693,7 +19278,7 @@
             <p:cNvPr id="28" name="Oval 100">
               <a:extLst>
                 <a:ext uri="{FF2B5EF4-FFF2-40B4-BE49-F238E27FC236}">
-                  <a16:creationId xmlns:a16="http://schemas.microsoft.com/office/drawing/2014/main" id="{80CB06D3-A3E5-411F-BCD7-84359BC909D3}"/>
+                  <a16:creationId xmlns:a16="http://schemas.microsoft.com/office/drawing/2014/main" xmlns="" id="{80CB06D3-A3E5-411F-BCD7-84359BC909D3}"/>
                 </a:ext>
               </a:extLst>
             </p:cNvPr>
@@ -17754,7 +19339,7 @@
             <p:cNvPr id="37" name="Hình ảnh 36">
               <a:extLst>
                 <a:ext uri="{FF2B5EF4-FFF2-40B4-BE49-F238E27FC236}">
-                  <a16:creationId xmlns:a16="http://schemas.microsoft.com/office/drawing/2014/main" id="{85ED5748-0A6F-4F90-B297-B21B02A792AC}"/>
+                  <a16:creationId xmlns:a16="http://schemas.microsoft.com/office/drawing/2014/main" xmlns="" id="{85ED5748-0A6F-4F90-B297-B21B02A792AC}"/>
                 </a:ext>
               </a:extLst>
             </p:cNvPr>
@@ -17813,7 +19398,7 @@
           <p:cNvPr id="42" name="Group 125">
             <a:extLst>
               <a:ext uri="{FF2B5EF4-FFF2-40B4-BE49-F238E27FC236}">
-                <a16:creationId xmlns:a16="http://schemas.microsoft.com/office/drawing/2014/main" id="{1FCEB0C5-C1C9-4FAC-8231-0DDF3E99E7B3}"/>
+                <a16:creationId xmlns:a16="http://schemas.microsoft.com/office/drawing/2014/main" xmlns="" id="{1FCEB0C5-C1C9-4FAC-8231-0DDF3E99E7B3}"/>
               </a:ext>
             </a:extLst>
           </p:cNvPr>
@@ -17833,7 +19418,7 @@
             <p:cNvPr id="43" name="TextBox 126">
               <a:extLst>
                 <a:ext uri="{FF2B5EF4-FFF2-40B4-BE49-F238E27FC236}">
-                  <a16:creationId xmlns:a16="http://schemas.microsoft.com/office/drawing/2014/main" id="{CBC88627-3859-4A83-948C-C36D2C2A217A}"/>
+                  <a16:creationId xmlns:a16="http://schemas.microsoft.com/office/drawing/2014/main" xmlns="" id="{CBC88627-3859-4A83-948C-C36D2C2A217A}"/>
                 </a:ext>
               </a:extLst>
             </p:cNvPr>
@@ -17895,7 +19480,7 @@
             <p:cNvPr id="44" name="TextBox 127">
               <a:extLst>
                 <a:ext uri="{FF2B5EF4-FFF2-40B4-BE49-F238E27FC236}">
-                  <a16:creationId xmlns:a16="http://schemas.microsoft.com/office/drawing/2014/main" id="{050A0A70-433D-4848-8852-70F640D10943}"/>
+                  <a16:creationId xmlns:a16="http://schemas.microsoft.com/office/drawing/2014/main" xmlns="" id="{050A0A70-433D-4848-8852-70F640D10943}"/>
                 </a:ext>
               </a:extLst>
             </p:cNvPr>
@@ -17938,7 +19523,7 @@
             <p:cNvPr id="45" name="TextBox 128">
               <a:extLst>
                 <a:ext uri="{FF2B5EF4-FFF2-40B4-BE49-F238E27FC236}">
-                  <a16:creationId xmlns:a16="http://schemas.microsoft.com/office/drawing/2014/main" id="{7B889DD9-8862-448E-8664-A63DAF75C7F3}"/>
+                  <a16:creationId xmlns:a16="http://schemas.microsoft.com/office/drawing/2014/main" xmlns="" id="{7B889DD9-8862-448E-8664-A63DAF75C7F3}"/>
                 </a:ext>
               </a:extLst>
             </p:cNvPr>
@@ -17982,7 +19567,7 @@
           <p:cNvPr id="46" name="Group 125">
             <a:extLst>
               <a:ext uri="{FF2B5EF4-FFF2-40B4-BE49-F238E27FC236}">
-                <a16:creationId xmlns:a16="http://schemas.microsoft.com/office/drawing/2014/main" id="{63AA385A-E801-4DDF-AA56-E1CB38ABED16}"/>
+                <a16:creationId xmlns:a16="http://schemas.microsoft.com/office/drawing/2014/main" xmlns="" id="{63AA385A-E801-4DDF-AA56-E1CB38ABED16}"/>
               </a:ext>
             </a:extLst>
           </p:cNvPr>
@@ -18002,7 +19587,7 @@
             <p:cNvPr id="47" name="TextBox 126">
               <a:extLst>
                 <a:ext uri="{FF2B5EF4-FFF2-40B4-BE49-F238E27FC236}">
-                  <a16:creationId xmlns:a16="http://schemas.microsoft.com/office/drawing/2014/main" id="{27F7F8A0-CEF9-4879-BC89-8161836D5689}"/>
+                  <a16:creationId xmlns:a16="http://schemas.microsoft.com/office/drawing/2014/main" xmlns="" id="{27F7F8A0-CEF9-4879-BC89-8161836D5689}"/>
                 </a:ext>
               </a:extLst>
             </p:cNvPr>
@@ -18076,7 +19661,7 @@
             <p:cNvPr id="48" name="TextBox 127">
               <a:extLst>
                 <a:ext uri="{FF2B5EF4-FFF2-40B4-BE49-F238E27FC236}">
-                  <a16:creationId xmlns:a16="http://schemas.microsoft.com/office/drawing/2014/main" id="{6A057EAA-EA2A-4CD9-BB53-2029894F5C13}"/>
+                  <a16:creationId xmlns:a16="http://schemas.microsoft.com/office/drawing/2014/main" xmlns="" id="{6A057EAA-EA2A-4CD9-BB53-2029894F5C13}"/>
                 </a:ext>
               </a:extLst>
             </p:cNvPr>
@@ -18119,7 +19704,7 @@
             <p:cNvPr id="49" name="TextBox 128">
               <a:extLst>
                 <a:ext uri="{FF2B5EF4-FFF2-40B4-BE49-F238E27FC236}">
-                  <a16:creationId xmlns:a16="http://schemas.microsoft.com/office/drawing/2014/main" id="{C2E10C70-4294-4011-8D3E-4CF030F3791B}"/>
+                  <a16:creationId xmlns:a16="http://schemas.microsoft.com/office/drawing/2014/main" xmlns="" id="{C2E10C70-4294-4011-8D3E-4CF030F3791B}"/>
                 </a:ext>
               </a:extLst>
             </p:cNvPr>
@@ -19032,7 +20617,7 @@
           <p:cNvPr id="4" name="Hình chữ nhật 3">
             <a:extLst>
               <a:ext uri="{FF2B5EF4-FFF2-40B4-BE49-F238E27FC236}">
-                <a16:creationId xmlns:a16="http://schemas.microsoft.com/office/drawing/2014/main" id="{C41056F5-6A80-400E-ACB4-FE6C05639353}"/>
+                <a16:creationId xmlns:a16="http://schemas.microsoft.com/office/drawing/2014/main" xmlns="" id="{C41056F5-6A80-400E-ACB4-FE6C05639353}"/>
               </a:ext>
             </a:extLst>
           </p:cNvPr>
@@ -19076,7 +20661,7 @@
           <p:cNvPr id="7" name="Hình chữ nhật 6">
             <a:extLst>
               <a:ext uri="{FF2B5EF4-FFF2-40B4-BE49-F238E27FC236}">
-                <a16:creationId xmlns:a16="http://schemas.microsoft.com/office/drawing/2014/main" id="{6B63B457-E835-4C88-BD14-B9F2BD57A12B}"/>
+                <a16:creationId xmlns:a16="http://schemas.microsoft.com/office/drawing/2014/main" xmlns="" id="{6B63B457-E835-4C88-BD14-B9F2BD57A12B}"/>
               </a:ext>
             </a:extLst>
           </p:cNvPr>
@@ -19128,7 +20713,7 @@
           <p:cNvPr id="8" name="Hình Bầu dục 7">
             <a:extLst>
               <a:ext uri="{FF2B5EF4-FFF2-40B4-BE49-F238E27FC236}">
-                <a16:creationId xmlns:a16="http://schemas.microsoft.com/office/drawing/2014/main" id="{460BE0EA-EBF1-4E93-B72F-7CE3622A41C7}"/>
+                <a16:creationId xmlns:a16="http://schemas.microsoft.com/office/drawing/2014/main" xmlns="" id="{460BE0EA-EBF1-4E93-B72F-7CE3622A41C7}"/>
               </a:ext>
             </a:extLst>
           </p:cNvPr>
@@ -19180,7 +20765,7 @@
           <p:cNvPr id="10" name="Đường nối Thẳng 9">
             <a:extLst>
               <a:ext uri="{FF2B5EF4-FFF2-40B4-BE49-F238E27FC236}">
-                <a16:creationId xmlns:a16="http://schemas.microsoft.com/office/drawing/2014/main" id="{1CC67377-AD20-4F9F-A243-564ED323C4FD}"/>
+                <a16:creationId xmlns:a16="http://schemas.microsoft.com/office/drawing/2014/main" xmlns="" id="{1CC67377-AD20-4F9F-A243-564ED323C4FD}"/>
               </a:ext>
             </a:extLst>
           </p:cNvPr>
@@ -19224,7 +20809,7 @@
           <p:cNvPr id="12" name="Đường nối Thẳng 11">
             <a:extLst>
               <a:ext uri="{FF2B5EF4-FFF2-40B4-BE49-F238E27FC236}">
-                <a16:creationId xmlns:a16="http://schemas.microsoft.com/office/drawing/2014/main" id="{8BD072BC-CB8C-4DF6-98A6-2A53FE38B952}"/>
+                <a16:creationId xmlns:a16="http://schemas.microsoft.com/office/drawing/2014/main" xmlns="" id="{8BD072BC-CB8C-4DF6-98A6-2A53FE38B952}"/>
               </a:ext>
             </a:extLst>
           </p:cNvPr>
@@ -19268,7 +20853,7 @@
           <p:cNvPr id="13" name="Đường nối Thẳng 12">
             <a:extLst>
               <a:ext uri="{FF2B5EF4-FFF2-40B4-BE49-F238E27FC236}">
-                <a16:creationId xmlns:a16="http://schemas.microsoft.com/office/drawing/2014/main" id="{728F5020-F06A-4276-B83C-F4D2092F8B6A}"/>
+                <a16:creationId xmlns:a16="http://schemas.microsoft.com/office/drawing/2014/main" xmlns="" id="{728F5020-F06A-4276-B83C-F4D2092F8B6A}"/>
               </a:ext>
             </a:extLst>
           </p:cNvPr>
@@ -19312,7 +20897,7 @@
           <p:cNvPr id="14" name="Đường nối Thẳng 13">
             <a:extLst>
               <a:ext uri="{FF2B5EF4-FFF2-40B4-BE49-F238E27FC236}">
-                <a16:creationId xmlns:a16="http://schemas.microsoft.com/office/drawing/2014/main" id="{663F0F54-A890-4627-B202-9A9F217DEB36}"/>
+                <a16:creationId xmlns:a16="http://schemas.microsoft.com/office/drawing/2014/main" xmlns="" id="{663F0F54-A890-4627-B202-9A9F217DEB36}"/>
               </a:ext>
             </a:extLst>
           </p:cNvPr>
@@ -19356,7 +20941,7 @@
           <p:cNvPr id="15" name="Hộp Văn bản 14">
             <a:extLst>
               <a:ext uri="{FF2B5EF4-FFF2-40B4-BE49-F238E27FC236}">
-                <a16:creationId xmlns:a16="http://schemas.microsoft.com/office/drawing/2014/main" id="{BA691013-DE46-4E60-9236-87B5E17C2A0F}"/>
+                <a16:creationId xmlns:a16="http://schemas.microsoft.com/office/drawing/2014/main" xmlns="" id="{BA691013-DE46-4E60-9236-87B5E17C2A0F}"/>
               </a:ext>
             </a:extLst>
           </p:cNvPr>
@@ -19397,7 +20982,7 @@
           <p:cNvPr id="16" name="Hộp Văn bản 15">
             <a:extLst>
               <a:ext uri="{FF2B5EF4-FFF2-40B4-BE49-F238E27FC236}">
-                <a16:creationId xmlns:a16="http://schemas.microsoft.com/office/drawing/2014/main" id="{8ED6B838-BE24-4B5D-8077-035B875D4357}"/>
+                <a16:creationId xmlns:a16="http://schemas.microsoft.com/office/drawing/2014/main" xmlns="" id="{8ED6B838-BE24-4B5D-8077-035B875D4357}"/>
               </a:ext>
             </a:extLst>
           </p:cNvPr>
@@ -19438,7 +21023,7 @@
           <p:cNvPr id="17" name="Hộp Văn bản 16">
             <a:extLst>
               <a:ext uri="{FF2B5EF4-FFF2-40B4-BE49-F238E27FC236}">
-                <a16:creationId xmlns:a16="http://schemas.microsoft.com/office/drawing/2014/main" id="{B6E29067-F268-4796-92E5-ED82161603FF}"/>
+                <a16:creationId xmlns:a16="http://schemas.microsoft.com/office/drawing/2014/main" xmlns="" id="{B6E29067-F268-4796-92E5-ED82161603FF}"/>
               </a:ext>
             </a:extLst>
           </p:cNvPr>
@@ -19479,7 +21064,7 @@
           <p:cNvPr id="18" name="Hộp Văn bản 17">
             <a:extLst>
               <a:ext uri="{FF2B5EF4-FFF2-40B4-BE49-F238E27FC236}">
-                <a16:creationId xmlns:a16="http://schemas.microsoft.com/office/drawing/2014/main" id="{805EC95B-7551-4548-95F4-8B14C2BDEE5C}"/>
+                <a16:creationId xmlns:a16="http://schemas.microsoft.com/office/drawing/2014/main" xmlns="" id="{805EC95B-7551-4548-95F4-8B14C2BDEE5C}"/>
               </a:ext>
             </a:extLst>
           </p:cNvPr>
@@ -19520,7 +21105,7 @@
           <p:cNvPr id="21" name="Đường nối Thẳng 20">
             <a:extLst>
               <a:ext uri="{FF2B5EF4-FFF2-40B4-BE49-F238E27FC236}">
-                <a16:creationId xmlns:a16="http://schemas.microsoft.com/office/drawing/2014/main" id="{9A56A38A-FE98-4014-83D6-ED49740E3880}"/>
+                <a16:creationId xmlns:a16="http://schemas.microsoft.com/office/drawing/2014/main" xmlns="" id="{9A56A38A-FE98-4014-83D6-ED49740E3880}"/>
               </a:ext>
             </a:extLst>
           </p:cNvPr>
@@ -19561,7 +21146,7 @@
           <p:cNvPr id="22" name="Đường nối Thẳng 21">
             <a:extLst>
               <a:ext uri="{FF2B5EF4-FFF2-40B4-BE49-F238E27FC236}">
-                <a16:creationId xmlns:a16="http://schemas.microsoft.com/office/drawing/2014/main" id="{56F1EAC6-ECEF-49C2-BBE3-2DA22DDBF8F5}"/>
+                <a16:creationId xmlns:a16="http://schemas.microsoft.com/office/drawing/2014/main" xmlns="" id="{56F1EAC6-ECEF-49C2-BBE3-2DA22DDBF8F5}"/>
               </a:ext>
             </a:extLst>
           </p:cNvPr>
@@ -19602,7 +21187,7 @@
           <p:cNvPr id="23" name="Đường nối Thẳng 22">
             <a:extLst>
               <a:ext uri="{FF2B5EF4-FFF2-40B4-BE49-F238E27FC236}">
-                <a16:creationId xmlns:a16="http://schemas.microsoft.com/office/drawing/2014/main" id="{0F79A9A0-63B4-4916-A261-D42CEAE21E71}"/>
+                <a16:creationId xmlns:a16="http://schemas.microsoft.com/office/drawing/2014/main" xmlns="" id="{0F79A9A0-63B4-4916-A261-D42CEAE21E71}"/>
               </a:ext>
             </a:extLst>
           </p:cNvPr>
@@ -19643,7 +21228,7 @@
           <p:cNvPr id="24" name="Đường nối Thẳng 23">
             <a:extLst>
               <a:ext uri="{FF2B5EF4-FFF2-40B4-BE49-F238E27FC236}">
-                <a16:creationId xmlns:a16="http://schemas.microsoft.com/office/drawing/2014/main" id="{3B8C4DB3-4907-4D58-96BA-8CA42083C935}"/>
+                <a16:creationId xmlns:a16="http://schemas.microsoft.com/office/drawing/2014/main" xmlns="" id="{3B8C4DB3-4907-4D58-96BA-8CA42083C935}"/>
               </a:ext>
             </a:extLst>
           </p:cNvPr>
@@ -19684,7 +21269,7 @@
           <p:cNvPr id="26" name="Hộp Văn bản 25">
             <a:extLst>
               <a:ext uri="{FF2B5EF4-FFF2-40B4-BE49-F238E27FC236}">
-                <a16:creationId xmlns:a16="http://schemas.microsoft.com/office/drawing/2014/main" id="{14C6E636-D1C9-410F-80CE-E84E26834F4A}"/>
+                <a16:creationId xmlns:a16="http://schemas.microsoft.com/office/drawing/2014/main" xmlns="" id="{14C6E636-D1C9-410F-80CE-E84E26834F4A}"/>
               </a:ext>
             </a:extLst>
           </p:cNvPr>
@@ -19737,7 +21322,7 @@
           <p:cNvPr id="27" name="Hộp Văn bản 26">
             <a:extLst>
               <a:ext uri="{FF2B5EF4-FFF2-40B4-BE49-F238E27FC236}">
-                <a16:creationId xmlns:a16="http://schemas.microsoft.com/office/drawing/2014/main" id="{755D4EC0-045D-4A99-A2F8-0032E85CC2EF}"/>
+                <a16:creationId xmlns:a16="http://schemas.microsoft.com/office/drawing/2014/main" xmlns="" id="{755D4EC0-045D-4A99-A2F8-0032E85CC2EF}"/>
               </a:ext>
             </a:extLst>
           </p:cNvPr>
@@ -19802,7 +21387,7 @@
           <p:cNvPr id="28" name="Hộp Văn bản 27">
             <a:extLst>
               <a:ext uri="{FF2B5EF4-FFF2-40B4-BE49-F238E27FC236}">
-                <a16:creationId xmlns:a16="http://schemas.microsoft.com/office/drawing/2014/main" id="{AB7745EF-0EEA-4E51-BCD6-13AA64B359C2}"/>
+                <a16:creationId xmlns:a16="http://schemas.microsoft.com/office/drawing/2014/main" xmlns="" id="{AB7745EF-0EEA-4E51-BCD6-13AA64B359C2}"/>
               </a:ext>
             </a:extLst>
           </p:cNvPr>
@@ -19843,7 +21428,7 @@
           <p:cNvPr id="29" name="Hộp Văn bản 28">
             <a:extLst>
               <a:ext uri="{FF2B5EF4-FFF2-40B4-BE49-F238E27FC236}">
-                <a16:creationId xmlns:a16="http://schemas.microsoft.com/office/drawing/2014/main" id="{F53AE9FE-E128-478F-9B74-5A9A1DE07F0C}"/>
+                <a16:creationId xmlns:a16="http://schemas.microsoft.com/office/drawing/2014/main" xmlns="" id="{F53AE9FE-E128-478F-9B74-5A9A1DE07F0C}"/>
               </a:ext>
             </a:extLst>
           </p:cNvPr>
@@ -19913,7 +21498,7 @@
           <p:cNvPr id="31" name="Hình Bầu dục 30">
             <a:extLst>
               <a:ext uri="{FF2B5EF4-FFF2-40B4-BE49-F238E27FC236}">
-                <a16:creationId xmlns:a16="http://schemas.microsoft.com/office/drawing/2014/main" id="{0293B810-4CD7-4E71-A4CC-D1D32B002BE0}"/>
+                <a16:creationId xmlns:a16="http://schemas.microsoft.com/office/drawing/2014/main" xmlns="" id="{0293B810-4CD7-4E71-A4CC-D1D32B002BE0}"/>
               </a:ext>
             </a:extLst>
           </p:cNvPr>
@@ -19965,7 +21550,7 @@
           <p:cNvPr id="32" name="Hình Bầu dục 31">
             <a:extLst>
               <a:ext uri="{FF2B5EF4-FFF2-40B4-BE49-F238E27FC236}">
-                <a16:creationId xmlns:a16="http://schemas.microsoft.com/office/drawing/2014/main" id="{292ACCDD-A5B5-4897-B513-24108EA8290B}"/>
+                <a16:creationId xmlns:a16="http://schemas.microsoft.com/office/drawing/2014/main" xmlns="" id="{292ACCDD-A5B5-4897-B513-24108EA8290B}"/>
               </a:ext>
             </a:extLst>
           </p:cNvPr>
@@ -20017,7 +21602,7 @@
           <p:cNvPr id="33" name="Hình Bầu dục 32">
             <a:extLst>
               <a:ext uri="{FF2B5EF4-FFF2-40B4-BE49-F238E27FC236}">
-                <a16:creationId xmlns:a16="http://schemas.microsoft.com/office/drawing/2014/main" id="{B1DD6A92-0EB0-4043-892D-3DD2F564FBD1}"/>
+                <a16:creationId xmlns:a16="http://schemas.microsoft.com/office/drawing/2014/main" xmlns="" id="{B1DD6A92-0EB0-4043-892D-3DD2F564FBD1}"/>
               </a:ext>
             </a:extLst>
           </p:cNvPr>
@@ -21338,7 +22923,7 @@
           <p:cNvPr id="4" name="Hình chữ nhật 3">
             <a:extLst>
               <a:ext uri="{FF2B5EF4-FFF2-40B4-BE49-F238E27FC236}">
-                <a16:creationId xmlns:a16="http://schemas.microsoft.com/office/drawing/2014/main" id="{C41056F5-6A80-400E-ACB4-FE6C05639353}"/>
+                <a16:creationId xmlns:a16="http://schemas.microsoft.com/office/drawing/2014/main" xmlns="" id="{C41056F5-6A80-400E-ACB4-FE6C05639353}"/>
               </a:ext>
             </a:extLst>
           </p:cNvPr>
@@ -21382,7 +22967,7 @@
           <p:cNvPr id="10" name="Đường nối Thẳng 9">
             <a:extLst>
               <a:ext uri="{FF2B5EF4-FFF2-40B4-BE49-F238E27FC236}">
-                <a16:creationId xmlns:a16="http://schemas.microsoft.com/office/drawing/2014/main" id="{1CC67377-AD20-4F9F-A243-564ED323C4FD}"/>
+                <a16:creationId xmlns:a16="http://schemas.microsoft.com/office/drawing/2014/main" xmlns="" id="{1CC67377-AD20-4F9F-A243-564ED323C4FD}"/>
               </a:ext>
             </a:extLst>
           </p:cNvPr>
@@ -21428,7 +23013,7 @@
           <p:cNvPr id="3" name="Nhóm 2">
             <a:extLst>
               <a:ext uri="{FF2B5EF4-FFF2-40B4-BE49-F238E27FC236}">
-                <a16:creationId xmlns:a16="http://schemas.microsoft.com/office/drawing/2014/main" id="{E66B0AA1-CE43-49F9-BE5A-C7968918A1BA}"/>
+                <a16:creationId xmlns:a16="http://schemas.microsoft.com/office/drawing/2014/main" xmlns="" id="{E66B0AA1-CE43-49F9-BE5A-C7968918A1BA}"/>
               </a:ext>
             </a:extLst>
           </p:cNvPr>
@@ -21448,7 +23033,7 @@
             <p:cNvPr id="15" name="Hộp Văn bản 14">
               <a:extLst>
                 <a:ext uri="{FF2B5EF4-FFF2-40B4-BE49-F238E27FC236}">
-                  <a16:creationId xmlns:a16="http://schemas.microsoft.com/office/drawing/2014/main" id="{BA691013-DE46-4E60-9236-87B5E17C2A0F}"/>
+                  <a16:creationId xmlns:a16="http://schemas.microsoft.com/office/drawing/2014/main" xmlns="" id="{BA691013-DE46-4E60-9236-87B5E17C2A0F}"/>
                 </a:ext>
               </a:extLst>
             </p:cNvPr>
@@ -21483,7 +23068,7 @@
             <p:cNvPr id="21" name="Đường nối Thẳng 20">
               <a:extLst>
                 <a:ext uri="{FF2B5EF4-FFF2-40B4-BE49-F238E27FC236}">
-                  <a16:creationId xmlns:a16="http://schemas.microsoft.com/office/drawing/2014/main" id="{9A56A38A-FE98-4014-83D6-ED49740E3880}"/>
+                  <a16:creationId xmlns:a16="http://schemas.microsoft.com/office/drawing/2014/main" xmlns="" id="{9A56A38A-FE98-4014-83D6-ED49740E3880}"/>
                 </a:ext>
               </a:extLst>
             </p:cNvPr>
@@ -21524,7 +23109,7 @@
             <p:cNvPr id="26" name="Hộp Văn bản 25">
               <a:extLst>
                 <a:ext uri="{FF2B5EF4-FFF2-40B4-BE49-F238E27FC236}">
-                  <a16:creationId xmlns:a16="http://schemas.microsoft.com/office/drawing/2014/main" id="{14C6E636-D1C9-410F-80CE-E84E26834F4A}"/>
+                  <a16:creationId xmlns:a16="http://schemas.microsoft.com/office/drawing/2014/main" xmlns="" id="{14C6E636-D1C9-410F-80CE-E84E26834F4A}"/>
                 </a:ext>
               </a:extLst>
             </p:cNvPr>
@@ -21566,7 +23151,7 @@
           <p:cNvPr id="6" name="Hình bình hành 5">
             <a:extLst>
               <a:ext uri="{FF2B5EF4-FFF2-40B4-BE49-F238E27FC236}">
-                <a16:creationId xmlns:a16="http://schemas.microsoft.com/office/drawing/2014/main" id="{8A3ADAC0-AD1F-4ACA-ABBF-5D1D088687FA}"/>
+                <a16:creationId xmlns:a16="http://schemas.microsoft.com/office/drawing/2014/main" xmlns="" id="{8A3ADAC0-AD1F-4ACA-ABBF-5D1D088687FA}"/>
               </a:ext>
             </a:extLst>
           </p:cNvPr>
@@ -21615,7 +23200,7 @@
           <p:cNvPr id="17" name="Group 1">
             <a:extLst>
               <a:ext uri="{FF2B5EF4-FFF2-40B4-BE49-F238E27FC236}">
-                <a16:creationId xmlns:a16="http://schemas.microsoft.com/office/drawing/2014/main" id="{6ECEB584-8C3F-4AB1-8969-7D14754E201A}"/>
+                <a16:creationId xmlns:a16="http://schemas.microsoft.com/office/drawing/2014/main" xmlns="" id="{6ECEB584-8C3F-4AB1-8969-7D14754E201A}"/>
               </a:ext>
             </a:extLst>
           </p:cNvPr>
@@ -21635,7 +23220,7 @@
             <p:cNvPr id="18" name="Rectangle: Top Corners Rounded 2">
               <a:extLst>
                 <a:ext uri="{FF2B5EF4-FFF2-40B4-BE49-F238E27FC236}">
-                  <a16:creationId xmlns:a16="http://schemas.microsoft.com/office/drawing/2014/main" id="{BBF392C1-315C-4B29-B723-2D32D856AFFC}"/>
+                  <a16:creationId xmlns:a16="http://schemas.microsoft.com/office/drawing/2014/main" xmlns="" id="{BBF392C1-315C-4B29-B723-2D32D856AFFC}"/>
                 </a:ext>
               </a:extLst>
             </p:cNvPr>
@@ -21690,7 +23275,7 @@
             <p:cNvPr id="19" name="TextBox 3">
               <a:extLst>
                 <a:ext uri="{FF2B5EF4-FFF2-40B4-BE49-F238E27FC236}">
-                  <a16:creationId xmlns:a16="http://schemas.microsoft.com/office/drawing/2014/main" id="{4B469C15-EB51-4F18-AE7B-32BF7AC5EA06}"/>
+                  <a16:creationId xmlns:a16="http://schemas.microsoft.com/office/drawing/2014/main" xmlns="" id="{4B469C15-EB51-4F18-AE7B-32BF7AC5EA06}"/>
                 </a:ext>
               </a:extLst>
             </p:cNvPr>
@@ -21728,7 +23313,7 @@
             <p:cNvPr id="20" name="TextBox 4">
               <a:extLst>
                 <a:ext uri="{FF2B5EF4-FFF2-40B4-BE49-F238E27FC236}">
-                  <a16:creationId xmlns:a16="http://schemas.microsoft.com/office/drawing/2014/main" id="{C7D371A4-2356-4FA3-98FB-4E3295AABDBA}"/>
+                  <a16:creationId xmlns:a16="http://schemas.microsoft.com/office/drawing/2014/main" xmlns="" id="{C7D371A4-2356-4FA3-98FB-4E3295AABDBA}"/>
                 </a:ext>
               </a:extLst>
             </p:cNvPr>
@@ -21770,7 +23355,7 @@
           <p:cNvPr id="22" name="Group 5">
             <a:extLst>
               <a:ext uri="{FF2B5EF4-FFF2-40B4-BE49-F238E27FC236}">
-                <a16:creationId xmlns:a16="http://schemas.microsoft.com/office/drawing/2014/main" id="{AD7E6665-BB77-4AA4-B59C-0B3E69175B9F}"/>
+                <a16:creationId xmlns:a16="http://schemas.microsoft.com/office/drawing/2014/main" xmlns="" id="{AD7E6665-BB77-4AA4-B59C-0B3E69175B9F}"/>
               </a:ext>
             </a:extLst>
           </p:cNvPr>
@@ -21790,7 +23375,7 @@
             <p:cNvPr id="23" name="Rectangle: Top Corners Rounded 6">
               <a:extLst>
                 <a:ext uri="{FF2B5EF4-FFF2-40B4-BE49-F238E27FC236}">
-                  <a16:creationId xmlns:a16="http://schemas.microsoft.com/office/drawing/2014/main" id="{589155D4-19FE-4513-98EF-229D18801459}"/>
+                  <a16:creationId xmlns:a16="http://schemas.microsoft.com/office/drawing/2014/main" xmlns="" id="{589155D4-19FE-4513-98EF-229D18801459}"/>
                 </a:ext>
               </a:extLst>
             </p:cNvPr>
@@ -21845,7 +23430,7 @@
             <p:cNvPr id="24" name="TextBox 7">
               <a:extLst>
                 <a:ext uri="{FF2B5EF4-FFF2-40B4-BE49-F238E27FC236}">
-                  <a16:creationId xmlns:a16="http://schemas.microsoft.com/office/drawing/2014/main" id="{9177E9EB-9AD1-411D-BF55-5F672BB487AB}"/>
+                  <a16:creationId xmlns:a16="http://schemas.microsoft.com/office/drawing/2014/main" xmlns="" id="{9177E9EB-9AD1-411D-BF55-5F672BB487AB}"/>
                 </a:ext>
               </a:extLst>
             </p:cNvPr>
@@ -21883,7 +23468,7 @@
             <p:cNvPr id="25" name="TextBox 8">
               <a:extLst>
                 <a:ext uri="{FF2B5EF4-FFF2-40B4-BE49-F238E27FC236}">
-                  <a16:creationId xmlns:a16="http://schemas.microsoft.com/office/drawing/2014/main" id="{1C3951D8-7B6E-411C-8230-5F4B1D27B42A}"/>
+                  <a16:creationId xmlns:a16="http://schemas.microsoft.com/office/drawing/2014/main" xmlns="" id="{1C3951D8-7B6E-411C-8230-5F4B1D27B42A}"/>
                 </a:ext>
               </a:extLst>
             </p:cNvPr>
@@ -21925,7 +23510,7 @@
           <p:cNvPr id="27" name="Group 9">
             <a:extLst>
               <a:ext uri="{FF2B5EF4-FFF2-40B4-BE49-F238E27FC236}">
-                <a16:creationId xmlns:a16="http://schemas.microsoft.com/office/drawing/2014/main" id="{4ADD61AC-8F30-41B6-B671-7284ECB2182C}"/>
+                <a16:creationId xmlns:a16="http://schemas.microsoft.com/office/drawing/2014/main" xmlns="" id="{4ADD61AC-8F30-41B6-B671-7284ECB2182C}"/>
               </a:ext>
             </a:extLst>
           </p:cNvPr>
@@ -21945,7 +23530,7 @@
             <p:cNvPr id="28" name="Rectangle: Top Corners Rounded 10">
               <a:extLst>
                 <a:ext uri="{FF2B5EF4-FFF2-40B4-BE49-F238E27FC236}">
-                  <a16:creationId xmlns:a16="http://schemas.microsoft.com/office/drawing/2014/main" id="{12C06431-0CFC-42E3-9D5B-577BF0954487}"/>
+                  <a16:creationId xmlns:a16="http://schemas.microsoft.com/office/drawing/2014/main" xmlns="" id="{12C06431-0CFC-42E3-9D5B-577BF0954487}"/>
                 </a:ext>
               </a:extLst>
             </p:cNvPr>
@@ -22000,7 +23585,7 @@
             <p:cNvPr id="29" name="TextBox 11">
               <a:extLst>
                 <a:ext uri="{FF2B5EF4-FFF2-40B4-BE49-F238E27FC236}">
-                  <a16:creationId xmlns:a16="http://schemas.microsoft.com/office/drawing/2014/main" id="{5B91FF6E-66D8-4288-973F-5A6F859AA4B8}"/>
+                  <a16:creationId xmlns:a16="http://schemas.microsoft.com/office/drawing/2014/main" xmlns="" id="{5B91FF6E-66D8-4288-973F-5A6F859AA4B8}"/>
                 </a:ext>
               </a:extLst>
             </p:cNvPr>
@@ -22038,7 +23623,7 @@
             <p:cNvPr id="30" name="TextBox 12">
               <a:extLst>
                 <a:ext uri="{FF2B5EF4-FFF2-40B4-BE49-F238E27FC236}">
-                  <a16:creationId xmlns:a16="http://schemas.microsoft.com/office/drawing/2014/main" id="{C91F1590-904C-466E-B405-D526962B7C4B}"/>
+                  <a16:creationId xmlns:a16="http://schemas.microsoft.com/office/drawing/2014/main" xmlns="" id="{C91F1590-904C-466E-B405-D526962B7C4B}"/>
                 </a:ext>
               </a:extLst>
             </p:cNvPr>
@@ -22080,7 +23665,7 @@
           <p:cNvPr id="31" name="Freeform: Shape 13">
             <a:extLst>
               <a:ext uri="{FF2B5EF4-FFF2-40B4-BE49-F238E27FC236}">
-                <a16:creationId xmlns:a16="http://schemas.microsoft.com/office/drawing/2014/main" id="{044FA46E-3EC6-4232-9D04-6D13FDA80F0C}"/>
+                <a16:creationId xmlns:a16="http://schemas.microsoft.com/office/drawing/2014/main" xmlns="" id="{044FA46E-3EC6-4232-9D04-6D13FDA80F0C}"/>
               </a:ext>
             </a:extLst>
           </p:cNvPr>
@@ -22232,7 +23817,7 @@
           <p:cNvPr id="32" name="Freeform: Shape 14">
             <a:extLst>
               <a:ext uri="{FF2B5EF4-FFF2-40B4-BE49-F238E27FC236}">
-                <a16:creationId xmlns:a16="http://schemas.microsoft.com/office/drawing/2014/main" id="{4FE4B567-8142-4588-9BCB-CC52C4E322BA}"/>
+                <a16:creationId xmlns:a16="http://schemas.microsoft.com/office/drawing/2014/main" xmlns="" id="{4FE4B567-8142-4588-9BCB-CC52C4E322BA}"/>
               </a:ext>
             </a:extLst>
           </p:cNvPr>
@@ -22384,7 +23969,7 @@
           <p:cNvPr id="33" name="Freeform: Shape 15">
             <a:extLst>
               <a:ext uri="{FF2B5EF4-FFF2-40B4-BE49-F238E27FC236}">
-                <a16:creationId xmlns:a16="http://schemas.microsoft.com/office/drawing/2014/main" id="{48E0612E-FD35-412F-A970-37EFC989C77F}"/>
+                <a16:creationId xmlns:a16="http://schemas.microsoft.com/office/drawing/2014/main" xmlns="" id="{48E0612E-FD35-412F-A970-37EFC989C77F}"/>
               </a:ext>
             </a:extLst>
           </p:cNvPr>
@@ -22536,7 +24121,7 @@
           <p:cNvPr id="34" name="Group 16">
             <a:extLst>
               <a:ext uri="{FF2B5EF4-FFF2-40B4-BE49-F238E27FC236}">
-                <a16:creationId xmlns:a16="http://schemas.microsoft.com/office/drawing/2014/main" id="{B41E5A12-647E-4D36-B68C-4BB558C9D49E}"/>
+                <a16:creationId xmlns:a16="http://schemas.microsoft.com/office/drawing/2014/main" xmlns="" id="{B41E5A12-647E-4D36-B68C-4BB558C9D49E}"/>
               </a:ext>
             </a:extLst>
           </p:cNvPr>
@@ -22556,7 +24141,7 @@
             <p:cNvPr id="35" name="TextBox 17">
               <a:extLst>
                 <a:ext uri="{FF2B5EF4-FFF2-40B4-BE49-F238E27FC236}">
-                  <a16:creationId xmlns:a16="http://schemas.microsoft.com/office/drawing/2014/main" id="{A1293A34-4F1F-442C-AF0D-C867E903E6BB}"/>
+                  <a16:creationId xmlns:a16="http://schemas.microsoft.com/office/drawing/2014/main" xmlns="" id="{A1293A34-4F1F-442C-AF0D-C867E903E6BB}"/>
                 </a:ext>
               </a:extLst>
             </p:cNvPr>
@@ -22597,7 +24182,7 @@
             <p:cNvPr id="36" name="TextBox 18">
               <a:extLst>
                 <a:ext uri="{FF2B5EF4-FFF2-40B4-BE49-F238E27FC236}">
-                  <a16:creationId xmlns:a16="http://schemas.microsoft.com/office/drawing/2014/main" id="{E0E99981-3C9A-45C4-B75E-DEE4BCE8B1AD}"/>
+                  <a16:creationId xmlns:a16="http://schemas.microsoft.com/office/drawing/2014/main" xmlns="" id="{E0E99981-3C9A-45C4-B75E-DEE4BCE8B1AD}"/>
                 </a:ext>
               </a:extLst>
             </p:cNvPr>
@@ -22636,7 +24221,7 @@
           <p:cNvPr id="37" name="Group 19">
             <a:extLst>
               <a:ext uri="{FF2B5EF4-FFF2-40B4-BE49-F238E27FC236}">
-                <a16:creationId xmlns:a16="http://schemas.microsoft.com/office/drawing/2014/main" id="{86A8B066-A8B3-4DB1-B79F-75E2C3D00A71}"/>
+                <a16:creationId xmlns:a16="http://schemas.microsoft.com/office/drawing/2014/main" xmlns="" id="{86A8B066-A8B3-4DB1-B79F-75E2C3D00A71}"/>
               </a:ext>
             </a:extLst>
           </p:cNvPr>
@@ -22656,7 +24241,7 @@
             <p:cNvPr id="38" name="TextBox 20">
               <a:extLst>
                 <a:ext uri="{FF2B5EF4-FFF2-40B4-BE49-F238E27FC236}">
-                  <a16:creationId xmlns:a16="http://schemas.microsoft.com/office/drawing/2014/main" id="{81F6D493-A440-498B-BF39-13302E0CA38A}"/>
+                  <a16:creationId xmlns:a16="http://schemas.microsoft.com/office/drawing/2014/main" xmlns="" id="{81F6D493-A440-498B-BF39-13302E0CA38A}"/>
                 </a:ext>
               </a:extLst>
             </p:cNvPr>
@@ -22697,7 +24282,7 @@
             <p:cNvPr id="39" name="TextBox 21">
               <a:extLst>
                 <a:ext uri="{FF2B5EF4-FFF2-40B4-BE49-F238E27FC236}">
-                  <a16:creationId xmlns:a16="http://schemas.microsoft.com/office/drawing/2014/main" id="{858A14B5-1969-4498-812F-872D8546F281}"/>
+                  <a16:creationId xmlns:a16="http://schemas.microsoft.com/office/drawing/2014/main" xmlns="" id="{858A14B5-1969-4498-812F-872D8546F281}"/>
                 </a:ext>
               </a:extLst>
             </p:cNvPr>
@@ -22736,7 +24321,7 @@
           <p:cNvPr id="40" name="Group 22">
             <a:extLst>
               <a:ext uri="{FF2B5EF4-FFF2-40B4-BE49-F238E27FC236}">
-                <a16:creationId xmlns:a16="http://schemas.microsoft.com/office/drawing/2014/main" id="{8525E26B-3CC2-4B87-B2C1-FC03F5688AB3}"/>
+                <a16:creationId xmlns:a16="http://schemas.microsoft.com/office/drawing/2014/main" xmlns="" id="{8525E26B-3CC2-4B87-B2C1-FC03F5688AB3}"/>
               </a:ext>
             </a:extLst>
           </p:cNvPr>
@@ -22756,7 +24341,7 @@
             <p:cNvPr id="41" name="TextBox 23">
               <a:extLst>
                 <a:ext uri="{FF2B5EF4-FFF2-40B4-BE49-F238E27FC236}">
-                  <a16:creationId xmlns:a16="http://schemas.microsoft.com/office/drawing/2014/main" id="{B147267B-1912-490C-9DA0-1617A9D62DC8}"/>
+                  <a16:creationId xmlns:a16="http://schemas.microsoft.com/office/drawing/2014/main" xmlns="" id="{B147267B-1912-490C-9DA0-1617A9D62DC8}"/>
                 </a:ext>
               </a:extLst>
             </p:cNvPr>
@@ -22797,7 +24382,7 @@
             <p:cNvPr id="42" name="TextBox 24">
               <a:extLst>
                 <a:ext uri="{FF2B5EF4-FFF2-40B4-BE49-F238E27FC236}">
-                  <a16:creationId xmlns:a16="http://schemas.microsoft.com/office/drawing/2014/main" id="{EED8081D-7A7B-4B9E-A973-694923609987}"/>
+                  <a16:creationId xmlns:a16="http://schemas.microsoft.com/office/drawing/2014/main" xmlns="" id="{EED8081D-7A7B-4B9E-A973-694923609987}"/>
                 </a:ext>
               </a:extLst>
             </p:cNvPr>
@@ -22836,7 +24421,7 @@
           <p:cNvPr id="43" name="Picture 25">
             <a:extLst>
               <a:ext uri="{FF2B5EF4-FFF2-40B4-BE49-F238E27FC236}">
-                <a16:creationId xmlns:a16="http://schemas.microsoft.com/office/drawing/2014/main" id="{66E03D81-7817-4847-8E09-7F7728AC666A}"/>
+                <a16:creationId xmlns:a16="http://schemas.microsoft.com/office/drawing/2014/main" xmlns="" id="{66E03D81-7817-4847-8E09-7F7728AC666A}"/>
               </a:ext>
             </a:extLst>
           </p:cNvPr>
@@ -22872,7 +24457,7 @@
           <p:cNvPr id="44" name="Picture 26">
             <a:extLst>
               <a:ext uri="{FF2B5EF4-FFF2-40B4-BE49-F238E27FC236}">
-                <a16:creationId xmlns:a16="http://schemas.microsoft.com/office/drawing/2014/main" id="{9C1C5FCC-00D3-4BFB-BA61-F5997A7FD8E0}"/>
+                <a16:creationId xmlns:a16="http://schemas.microsoft.com/office/drawing/2014/main" xmlns="" id="{9C1C5FCC-00D3-4BFB-BA61-F5997A7FD8E0}"/>
               </a:ext>
             </a:extLst>
           </p:cNvPr>
@@ -22908,7 +24493,7 @@
           <p:cNvPr id="45" name="Picture 27">
             <a:extLst>
               <a:ext uri="{FF2B5EF4-FFF2-40B4-BE49-F238E27FC236}">
-                <a16:creationId xmlns:a16="http://schemas.microsoft.com/office/drawing/2014/main" id="{3B2BC14D-2659-4BA2-9DCF-D5CB9725DAEA}"/>
+                <a16:creationId xmlns:a16="http://schemas.microsoft.com/office/drawing/2014/main" xmlns="" id="{3B2BC14D-2659-4BA2-9DCF-D5CB9725DAEA}"/>
               </a:ext>
             </a:extLst>
           </p:cNvPr>
@@ -24002,7 +25587,7 @@
           <p:cNvPr id="4" name="Hình chữ nhật 3">
             <a:extLst>
               <a:ext uri="{FF2B5EF4-FFF2-40B4-BE49-F238E27FC236}">
-                <a16:creationId xmlns:a16="http://schemas.microsoft.com/office/drawing/2014/main" id="{C41056F5-6A80-400E-ACB4-FE6C05639353}"/>
+                <a16:creationId xmlns:a16="http://schemas.microsoft.com/office/drawing/2014/main" xmlns="" id="{C41056F5-6A80-400E-ACB4-FE6C05639353}"/>
               </a:ext>
             </a:extLst>
           </p:cNvPr>
@@ -24049,7 +25634,7 @@
           <p:cNvPr id="10" name="Đường nối Thẳng 9">
             <a:extLst>
               <a:ext uri="{FF2B5EF4-FFF2-40B4-BE49-F238E27FC236}">
-                <a16:creationId xmlns:a16="http://schemas.microsoft.com/office/drawing/2014/main" id="{1CC67377-AD20-4F9F-A243-564ED323C4FD}"/>
+                <a16:creationId xmlns:a16="http://schemas.microsoft.com/office/drawing/2014/main" xmlns="" id="{1CC67377-AD20-4F9F-A243-564ED323C4FD}"/>
               </a:ext>
             </a:extLst>
           </p:cNvPr>
@@ -24095,7 +25680,7 @@
           <p:cNvPr id="3" name="Nhóm 2">
             <a:extLst>
               <a:ext uri="{FF2B5EF4-FFF2-40B4-BE49-F238E27FC236}">
-                <a16:creationId xmlns:a16="http://schemas.microsoft.com/office/drawing/2014/main" id="{E66B0AA1-CE43-49F9-BE5A-C7968918A1BA}"/>
+                <a16:creationId xmlns:a16="http://schemas.microsoft.com/office/drawing/2014/main" xmlns="" id="{E66B0AA1-CE43-49F9-BE5A-C7968918A1BA}"/>
               </a:ext>
             </a:extLst>
           </p:cNvPr>
@@ -24115,7 +25700,7 @@
             <p:cNvPr id="15" name="Hộp Văn bản 14">
               <a:extLst>
                 <a:ext uri="{FF2B5EF4-FFF2-40B4-BE49-F238E27FC236}">
-                  <a16:creationId xmlns:a16="http://schemas.microsoft.com/office/drawing/2014/main" id="{BA691013-DE46-4E60-9236-87B5E17C2A0F}"/>
+                  <a16:creationId xmlns:a16="http://schemas.microsoft.com/office/drawing/2014/main" xmlns="" id="{BA691013-DE46-4E60-9236-87B5E17C2A0F}"/>
                 </a:ext>
               </a:extLst>
             </p:cNvPr>
@@ -24150,7 +25735,7 @@
             <p:cNvPr id="21" name="Đường nối Thẳng 20">
               <a:extLst>
                 <a:ext uri="{FF2B5EF4-FFF2-40B4-BE49-F238E27FC236}">
-                  <a16:creationId xmlns:a16="http://schemas.microsoft.com/office/drawing/2014/main" id="{9A56A38A-FE98-4014-83D6-ED49740E3880}"/>
+                  <a16:creationId xmlns:a16="http://schemas.microsoft.com/office/drawing/2014/main" xmlns="" id="{9A56A38A-FE98-4014-83D6-ED49740E3880}"/>
                 </a:ext>
               </a:extLst>
             </p:cNvPr>
@@ -24191,7 +25776,7 @@
             <p:cNvPr id="26" name="Hộp Văn bản 25">
               <a:extLst>
                 <a:ext uri="{FF2B5EF4-FFF2-40B4-BE49-F238E27FC236}">
-                  <a16:creationId xmlns:a16="http://schemas.microsoft.com/office/drawing/2014/main" id="{14C6E636-D1C9-410F-80CE-E84E26834F4A}"/>
+                  <a16:creationId xmlns:a16="http://schemas.microsoft.com/office/drawing/2014/main" xmlns="" id="{14C6E636-D1C9-410F-80CE-E84E26834F4A}"/>
                 </a:ext>
               </a:extLst>
             </p:cNvPr>
@@ -24233,7 +25818,7 @@
           <p:cNvPr id="6" name="Hình bình hành 5">
             <a:extLst>
               <a:ext uri="{FF2B5EF4-FFF2-40B4-BE49-F238E27FC236}">
-                <a16:creationId xmlns:a16="http://schemas.microsoft.com/office/drawing/2014/main" id="{8A3ADAC0-AD1F-4ACA-ABBF-5D1D088687FA}"/>
+                <a16:creationId xmlns:a16="http://schemas.microsoft.com/office/drawing/2014/main" xmlns="" id="{8A3ADAC0-AD1F-4ACA-ABBF-5D1D088687FA}"/>
               </a:ext>
             </a:extLst>
           </p:cNvPr>
@@ -24282,7 +25867,7 @@
           <p:cNvPr id="5" name="Bảng 4">
             <a:extLst>
               <a:ext uri="{FF2B5EF4-FFF2-40B4-BE49-F238E27FC236}">
-                <a16:creationId xmlns:a16="http://schemas.microsoft.com/office/drawing/2014/main" id="{9D6CF968-D505-4870-B942-6EBF31F77BC6}"/>
+                <a16:creationId xmlns:a16="http://schemas.microsoft.com/office/drawing/2014/main" xmlns="" id="{9D6CF968-D505-4870-B942-6EBF31F77BC6}"/>
               </a:ext>
             </a:extLst>
           </p:cNvPr>
@@ -24311,14 +25896,14 @@
                 <a:gridCol w="479644">
                   <a:extLst>
                     <a:ext uri="{9D8B030D-6E8A-4147-A177-3AD203B41FA5}">
-                      <a16:colId xmlns:a16="http://schemas.microsoft.com/office/drawing/2014/main" val="1448250544"/>
+                      <a16:colId xmlns:a16="http://schemas.microsoft.com/office/drawing/2014/main" xmlns="" val="1448250544"/>
                     </a:ext>
                   </a:extLst>
                 </a:gridCol>
                 <a:gridCol w="479644">
                   <a:extLst>
                     <a:ext uri="{9D8B030D-6E8A-4147-A177-3AD203B41FA5}">
-                      <a16:colId xmlns:a16="http://schemas.microsoft.com/office/drawing/2014/main" val="3308213280"/>
+                      <a16:colId xmlns:a16="http://schemas.microsoft.com/office/drawing/2014/main" xmlns="" val="3308213280"/>
                     </a:ext>
                   </a:extLst>
                 </a:gridCol>
@@ -24352,7 +25937,7 @@
                 </a:tc>
                 <a:extLst>
                   <a:ext uri="{0D108BD9-81ED-4DB2-BD59-A6C34878D82A}">
-                    <a16:rowId xmlns:a16="http://schemas.microsoft.com/office/drawing/2014/main" val="402681592"/>
+                    <a16:rowId xmlns:a16="http://schemas.microsoft.com/office/drawing/2014/main" xmlns="" val="402681592"/>
                   </a:ext>
                 </a:extLst>
               </a:tr>
@@ -24385,7 +25970,7 @@
                 </a:tc>
                 <a:extLst>
                   <a:ext uri="{0D108BD9-81ED-4DB2-BD59-A6C34878D82A}">
-                    <a16:rowId xmlns:a16="http://schemas.microsoft.com/office/drawing/2014/main" val="3192357402"/>
+                    <a16:rowId xmlns:a16="http://schemas.microsoft.com/office/drawing/2014/main" xmlns="" val="3192357402"/>
                   </a:ext>
                 </a:extLst>
               </a:tr>
@@ -24418,7 +26003,7 @@
                 </a:tc>
                 <a:extLst>
                   <a:ext uri="{0D108BD9-81ED-4DB2-BD59-A6C34878D82A}">
-                    <a16:rowId xmlns:a16="http://schemas.microsoft.com/office/drawing/2014/main" val="3112311325"/>
+                    <a16:rowId xmlns:a16="http://schemas.microsoft.com/office/drawing/2014/main" xmlns="" val="3112311325"/>
                   </a:ext>
                 </a:extLst>
               </a:tr>
@@ -24431,7 +26016,7 @@
           <p:cNvPr id="13" name="Bảng 12">
             <a:extLst>
               <a:ext uri="{FF2B5EF4-FFF2-40B4-BE49-F238E27FC236}">
-                <a16:creationId xmlns:a16="http://schemas.microsoft.com/office/drawing/2014/main" id="{1362A201-BE03-40DA-A835-023AADC48922}"/>
+                <a16:creationId xmlns:a16="http://schemas.microsoft.com/office/drawing/2014/main" xmlns="" id="{1362A201-BE03-40DA-A835-023AADC48922}"/>
               </a:ext>
             </a:extLst>
           </p:cNvPr>
@@ -24460,14 +26045,14 @@
                 <a:gridCol w="479644">
                   <a:extLst>
                     <a:ext uri="{9D8B030D-6E8A-4147-A177-3AD203B41FA5}">
-                      <a16:colId xmlns:a16="http://schemas.microsoft.com/office/drawing/2014/main" val="1448250544"/>
+                      <a16:colId xmlns:a16="http://schemas.microsoft.com/office/drawing/2014/main" xmlns="" val="1448250544"/>
                     </a:ext>
                   </a:extLst>
                 </a:gridCol>
                 <a:gridCol w="479644">
                   <a:extLst>
                     <a:ext uri="{9D8B030D-6E8A-4147-A177-3AD203B41FA5}">
-                      <a16:colId xmlns:a16="http://schemas.microsoft.com/office/drawing/2014/main" val="3308213280"/>
+                      <a16:colId xmlns:a16="http://schemas.microsoft.com/office/drawing/2014/main" xmlns="" val="3308213280"/>
                     </a:ext>
                   </a:extLst>
                 </a:gridCol>
@@ -24501,7 +26086,7 @@
                 </a:tc>
                 <a:extLst>
                   <a:ext uri="{0D108BD9-81ED-4DB2-BD59-A6C34878D82A}">
-                    <a16:rowId xmlns:a16="http://schemas.microsoft.com/office/drawing/2014/main" val="402681592"/>
+                    <a16:rowId xmlns:a16="http://schemas.microsoft.com/office/drawing/2014/main" xmlns="" val="402681592"/>
                   </a:ext>
                 </a:extLst>
               </a:tr>
@@ -24534,7 +26119,7 @@
                 </a:tc>
                 <a:extLst>
                   <a:ext uri="{0D108BD9-81ED-4DB2-BD59-A6C34878D82A}">
-                    <a16:rowId xmlns:a16="http://schemas.microsoft.com/office/drawing/2014/main" val="3192357402"/>
+                    <a16:rowId xmlns:a16="http://schemas.microsoft.com/office/drawing/2014/main" xmlns="" val="3192357402"/>
                   </a:ext>
                 </a:extLst>
               </a:tr>
@@ -24567,7 +26152,7 @@
                 </a:tc>
                 <a:extLst>
                   <a:ext uri="{0D108BD9-81ED-4DB2-BD59-A6C34878D82A}">
-                    <a16:rowId xmlns:a16="http://schemas.microsoft.com/office/drawing/2014/main" val="3112311325"/>
+                    <a16:rowId xmlns:a16="http://schemas.microsoft.com/office/drawing/2014/main" xmlns="" val="3112311325"/>
                   </a:ext>
                 </a:extLst>
               </a:tr>
@@ -24580,7 +26165,7 @@
           <p:cNvPr id="18" name="Bảng 17">
             <a:extLst>
               <a:ext uri="{FF2B5EF4-FFF2-40B4-BE49-F238E27FC236}">
-                <a16:creationId xmlns:a16="http://schemas.microsoft.com/office/drawing/2014/main" id="{FD65EACB-6B88-4297-8940-1C9348AA6267}"/>
+                <a16:creationId xmlns:a16="http://schemas.microsoft.com/office/drawing/2014/main" xmlns="" id="{FD65EACB-6B88-4297-8940-1C9348AA6267}"/>
               </a:ext>
             </a:extLst>
           </p:cNvPr>
@@ -24609,14 +26194,14 @@
                 <a:gridCol w="479644">
                   <a:extLst>
                     <a:ext uri="{9D8B030D-6E8A-4147-A177-3AD203B41FA5}">
-                      <a16:colId xmlns:a16="http://schemas.microsoft.com/office/drawing/2014/main" val="1448250544"/>
+                      <a16:colId xmlns:a16="http://schemas.microsoft.com/office/drawing/2014/main" xmlns="" val="1448250544"/>
                     </a:ext>
                   </a:extLst>
                 </a:gridCol>
                 <a:gridCol w="479644">
                   <a:extLst>
                     <a:ext uri="{9D8B030D-6E8A-4147-A177-3AD203B41FA5}">
-                      <a16:colId xmlns:a16="http://schemas.microsoft.com/office/drawing/2014/main" val="3308213280"/>
+                      <a16:colId xmlns:a16="http://schemas.microsoft.com/office/drawing/2014/main" xmlns="" val="3308213280"/>
                     </a:ext>
                   </a:extLst>
                 </a:gridCol>
@@ -24650,7 +26235,7 @@
                 </a:tc>
                 <a:extLst>
                   <a:ext uri="{0D108BD9-81ED-4DB2-BD59-A6C34878D82A}">
-                    <a16:rowId xmlns:a16="http://schemas.microsoft.com/office/drawing/2014/main" val="402681592"/>
+                    <a16:rowId xmlns:a16="http://schemas.microsoft.com/office/drawing/2014/main" xmlns="" val="402681592"/>
                   </a:ext>
                 </a:extLst>
               </a:tr>
@@ -24683,7 +26268,7 @@
                 </a:tc>
                 <a:extLst>
                   <a:ext uri="{0D108BD9-81ED-4DB2-BD59-A6C34878D82A}">
-                    <a16:rowId xmlns:a16="http://schemas.microsoft.com/office/drawing/2014/main" val="3192357402"/>
+                    <a16:rowId xmlns:a16="http://schemas.microsoft.com/office/drawing/2014/main" xmlns="" val="3192357402"/>
                   </a:ext>
                 </a:extLst>
               </a:tr>
@@ -24716,7 +26301,7 @@
                 </a:tc>
                 <a:extLst>
                   <a:ext uri="{0D108BD9-81ED-4DB2-BD59-A6C34878D82A}">
-                    <a16:rowId xmlns:a16="http://schemas.microsoft.com/office/drawing/2014/main" val="3112311325"/>
+                    <a16:rowId xmlns:a16="http://schemas.microsoft.com/office/drawing/2014/main" xmlns="" val="3112311325"/>
                   </a:ext>
                 </a:extLst>
               </a:tr>
@@ -24729,7 +26314,7 @@
           <p:cNvPr id="19" name="Bảng 18">
             <a:extLst>
               <a:ext uri="{FF2B5EF4-FFF2-40B4-BE49-F238E27FC236}">
-                <a16:creationId xmlns:a16="http://schemas.microsoft.com/office/drawing/2014/main" id="{2052810D-5879-4238-A2D1-EC016E43D481}"/>
+                <a16:creationId xmlns:a16="http://schemas.microsoft.com/office/drawing/2014/main" xmlns="" id="{2052810D-5879-4238-A2D1-EC016E43D481}"/>
               </a:ext>
             </a:extLst>
           </p:cNvPr>
@@ -24758,14 +26343,14 @@
                 <a:gridCol w="684721">
                   <a:extLst>
                     <a:ext uri="{9D8B030D-6E8A-4147-A177-3AD203B41FA5}">
-                      <a16:colId xmlns:a16="http://schemas.microsoft.com/office/drawing/2014/main" val="1448250544"/>
+                      <a16:colId xmlns:a16="http://schemas.microsoft.com/office/drawing/2014/main" xmlns="" val="1448250544"/>
                     </a:ext>
                   </a:extLst>
                 </a:gridCol>
                 <a:gridCol w="684721">
                   <a:extLst>
                     <a:ext uri="{9D8B030D-6E8A-4147-A177-3AD203B41FA5}">
-                      <a16:colId xmlns:a16="http://schemas.microsoft.com/office/drawing/2014/main" val="3308213280"/>
+                      <a16:colId xmlns:a16="http://schemas.microsoft.com/office/drawing/2014/main" xmlns="" val="3308213280"/>
                     </a:ext>
                   </a:extLst>
                 </a:gridCol>
@@ -24799,7 +26384,7 @@
                 </a:tc>
                 <a:extLst>
                   <a:ext uri="{0D108BD9-81ED-4DB2-BD59-A6C34878D82A}">
-                    <a16:rowId xmlns:a16="http://schemas.microsoft.com/office/drawing/2014/main" val="402681592"/>
+                    <a16:rowId xmlns:a16="http://schemas.microsoft.com/office/drawing/2014/main" xmlns="" val="402681592"/>
                   </a:ext>
                 </a:extLst>
               </a:tr>
@@ -24832,7 +26417,7 @@
                 </a:tc>
                 <a:extLst>
                   <a:ext uri="{0D108BD9-81ED-4DB2-BD59-A6C34878D82A}">
-                    <a16:rowId xmlns:a16="http://schemas.microsoft.com/office/drawing/2014/main" val="3192357402"/>
+                    <a16:rowId xmlns:a16="http://schemas.microsoft.com/office/drawing/2014/main" xmlns="" val="3192357402"/>
                   </a:ext>
                 </a:extLst>
               </a:tr>
@@ -24865,7 +26450,7 @@
                 </a:tc>
                 <a:extLst>
                   <a:ext uri="{0D108BD9-81ED-4DB2-BD59-A6C34878D82A}">
-                    <a16:rowId xmlns:a16="http://schemas.microsoft.com/office/drawing/2014/main" val="3112311325"/>
+                    <a16:rowId xmlns:a16="http://schemas.microsoft.com/office/drawing/2014/main" xmlns="" val="3112311325"/>
                   </a:ext>
                 </a:extLst>
               </a:tr>
@@ -24878,7 +26463,7 @@
           <p:cNvPr id="20" name="Bảng 19">
             <a:extLst>
               <a:ext uri="{FF2B5EF4-FFF2-40B4-BE49-F238E27FC236}">
-                <a16:creationId xmlns:a16="http://schemas.microsoft.com/office/drawing/2014/main" id="{D7CE8066-891D-4148-BA26-A3474A01033A}"/>
+                <a16:creationId xmlns:a16="http://schemas.microsoft.com/office/drawing/2014/main" xmlns="" id="{D7CE8066-891D-4148-BA26-A3474A01033A}"/>
               </a:ext>
             </a:extLst>
           </p:cNvPr>
@@ -24907,14 +26492,14 @@
                 <a:gridCol w="684721">
                   <a:extLst>
                     <a:ext uri="{9D8B030D-6E8A-4147-A177-3AD203B41FA5}">
-                      <a16:colId xmlns:a16="http://schemas.microsoft.com/office/drawing/2014/main" val="1448250544"/>
+                      <a16:colId xmlns:a16="http://schemas.microsoft.com/office/drawing/2014/main" xmlns="" val="1448250544"/>
                     </a:ext>
                   </a:extLst>
                 </a:gridCol>
                 <a:gridCol w="684721">
                   <a:extLst>
                     <a:ext uri="{9D8B030D-6E8A-4147-A177-3AD203B41FA5}">
-                      <a16:colId xmlns:a16="http://schemas.microsoft.com/office/drawing/2014/main" val="3308213280"/>
+                      <a16:colId xmlns:a16="http://schemas.microsoft.com/office/drawing/2014/main" xmlns="" val="3308213280"/>
                     </a:ext>
                   </a:extLst>
                 </a:gridCol>
@@ -24948,7 +26533,7 @@
                 </a:tc>
                 <a:extLst>
                   <a:ext uri="{0D108BD9-81ED-4DB2-BD59-A6C34878D82A}">
-                    <a16:rowId xmlns:a16="http://schemas.microsoft.com/office/drawing/2014/main" val="402681592"/>
+                    <a16:rowId xmlns:a16="http://schemas.microsoft.com/office/drawing/2014/main" xmlns="" val="402681592"/>
                   </a:ext>
                 </a:extLst>
               </a:tr>
@@ -24981,7 +26566,7 @@
                 </a:tc>
                 <a:extLst>
                   <a:ext uri="{0D108BD9-81ED-4DB2-BD59-A6C34878D82A}">
-                    <a16:rowId xmlns:a16="http://schemas.microsoft.com/office/drawing/2014/main" val="3192357402"/>
+                    <a16:rowId xmlns:a16="http://schemas.microsoft.com/office/drawing/2014/main" xmlns="" val="3192357402"/>
                   </a:ext>
                 </a:extLst>
               </a:tr>
@@ -25014,7 +26599,7 @@
                 </a:tc>
                 <a:extLst>
                   <a:ext uri="{0D108BD9-81ED-4DB2-BD59-A6C34878D82A}">
-                    <a16:rowId xmlns:a16="http://schemas.microsoft.com/office/drawing/2014/main" val="3112311325"/>
+                    <a16:rowId xmlns:a16="http://schemas.microsoft.com/office/drawing/2014/main" xmlns="" val="3112311325"/>
                   </a:ext>
                 </a:extLst>
               </a:tr>
@@ -25027,7 +26612,7 @@
           <p:cNvPr id="22" name="Mũi tên: Hình ngũ giác 21">
             <a:extLst>
               <a:ext uri="{FF2B5EF4-FFF2-40B4-BE49-F238E27FC236}">
-                <a16:creationId xmlns:a16="http://schemas.microsoft.com/office/drawing/2014/main" id="{747919C4-9B71-44B7-8DE0-6AB57C748142}"/>
+                <a16:creationId xmlns:a16="http://schemas.microsoft.com/office/drawing/2014/main" xmlns="" id="{747919C4-9B71-44B7-8DE0-6AB57C748142}"/>
               </a:ext>
             </a:extLst>
           </p:cNvPr>
@@ -25076,7 +26661,7 @@
           <p:cNvPr id="17" name="Mũi tên: Hình ngũ giác 16">
             <a:extLst>
               <a:ext uri="{FF2B5EF4-FFF2-40B4-BE49-F238E27FC236}">
-                <a16:creationId xmlns:a16="http://schemas.microsoft.com/office/drawing/2014/main" id="{7C4D5564-8983-4385-AE8D-6703A86F54E8}"/>
+                <a16:creationId xmlns:a16="http://schemas.microsoft.com/office/drawing/2014/main" xmlns="" id="{7C4D5564-8983-4385-AE8D-6703A86F54E8}"/>
               </a:ext>
             </a:extLst>
           </p:cNvPr>
@@ -25124,7 +26709,7 @@
           <p:cNvPr id="16" name="Mũi tên: Hình ngũ giác 15">
             <a:extLst>
               <a:ext uri="{FF2B5EF4-FFF2-40B4-BE49-F238E27FC236}">
-                <a16:creationId xmlns:a16="http://schemas.microsoft.com/office/drawing/2014/main" id="{6A8E7221-E5BF-40B3-B5B9-E7CFD2C5A911}"/>
+                <a16:creationId xmlns:a16="http://schemas.microsoft.com/office/drawing/2014/main" xmlns="" id="{6A8E7221-E5BF-40B3-B5B9-E7CFD2C5A911}"/>
               </a:ext>
             </a:extLst>
           </p:cNvPr>
@@ -25172,7 +26757,7 @@
           <p:cNvPr id="14" name="Mũi tên: Hình ngũ giác 13">
             <a:extLst>
               <a:ext uri="{FF2B5EF4-FFF2-40B4-BE49-F238E27FC236}">
-                <a16:creationId xmlns:a16="http://schemas.microsoft.com/office/drawing/2014/main" id="{F32AC502-C918-46E0-8D09-EF61A04E391D}"/>
+                <a16:creationId xmlns:a16="http://schemas.microsoft.com/office/drawing/2014/main" xmlns="" id="{F32AC502-C918-46E0-8D09-EF61A04E391D}"/>
               </a:ext>
             </a:extLst>
           </p:cNvPr>
@@ -25220,7 +26805,7 @@
           <p:cNvPr id="11" name="Mũi tên: Hình ngũ giác 10">
             <a:extLst>
               <a:ext uri="{FF2B5EF4-FFF2-40B4-BE49-F238E27FC236}">
-                <a16:creationId xmlns:a16="http://schemas.microsoft.com/office/drawing/2014/main" id="{A95A7135-9472-4CB0-BC40-027BE60CF103}"/>
+                <a16:creationId xmlns:a16="http://schemas.microsoft.com/office/drawing/2014/main" xmlns="" id="{A95A7135-9472-4CB0-BC40-027BE60CF103}"/>
               </a:ext>
             </a:extLst>
           </p:cNvPr>
@@ -25268,7 +26853,7 @@
           <p:cNvPr id="2" name="Mũi tên: Hình ngũ giác 1">
             <a:extLst>
               <a:ext uri="{FF2B5EF4-FFF2-40B4-BE49-F238E27FC236}">
-                <a16:creationId xmlns:a16="http://schemas.microsoft.com/office/drawing/2014/main" id="{C53A05E5-4598-4F37-8B4E-3216C09EB9C5}"/>
+                <a16:creationId xmlns:a16="http://schemas.microsoft.com/office/drawing/2014/main" xmlns="" id="{C53A05E5-4598-4F37-8B4E-3216C09EB9C5}"/>
               </a:ext>
             </a:extLst>
           </p:cNvPr>
@@ -25316,7 +26901,7 @@
           <p:cNvPr id="9" name="Đường nối Thẳng 8">
             <a:extLst>
               <a:ext uri="{FF2B5EF4-FFF2-40B4-BE49-F238E27FC236}">
-                <a16:creationId xmlns:a16="http://schemas.microsoft.com/office/drawing/2014/main" id="{826D9DA0-88D4-4DED-AAC6-ED672525AD20}"/>
+                <a16:creationId xmlns:a16="http://schemas.microsoft.com/office/drawing/2014/main" xmlns="" id="{826D9DA0-88D4-4DED-AAC6-ED672525AD20}"/>
               </a:ext>
             </a:extLst>
           </p:cNvPr>
@@ -25355,7 +26940,7 @@
           <p:cNvPr id="23" name="Đường nối Thẳng 22">
             <a:extLst>
               <a:ext uri="{FF2B5EF4-FFF2-40B4-BE49-F238E27FC236}">
-                <a16:creationId xmlns:a16="http://schemas.microsoft.com/office/drawing/2014/main" id="{12D26FEC-4D30-4789-9575-9EB59ABE83FD}"/>
+                <a16:creationId xmlns:a16="http://schemas.microsoft.com/office/drawing/2014/main" xmlns="" id="{12D26FEC-4D30-4789-9575-9EB59ABE83FD}"/>
               </a:ext>
             </a:extLst>
           </p:cNvPr>
@@ -25393,7 +26978,7 @@
           <p:cNvPr id="27" name="Đường nối Thẳng 26">
             <a:extLst>
               <a:ext uri="{FF2B5EF4-FFF2-40B4-BE49-F238E27FC236}">
-                <a16:creationId xmlns:a16="http://schemas.microsoft.com/office/drawing/2014/main" id="{144F488D-3439-43DD-A938-7EDC35A015BC}"/>
+                <a16:creationId xmlns:a16="http://schemas.microsoft.com/office/drawing/2014/main" xmlns="" id="{144F488D-3439-43DD-A938-7EDC35A015BC}"/>
               </a:ext>
             </a:extLst>
           </p:cNvPr>
@@ -25431,7 +27016,7 @@
           <p:cNvPr id="28" name="Đường nối Thẳng 27">
             <a:extLst>
               <a:ext uri="{FF2B5EF4-FFF2-40B4-BE49-F238E27FC236}">
-                <a16:creationId xmlns:a16="http://schemas.microsoft.com/office/drawing/2014/main" id="{1974BBB1-6705-4CF4-8263-93E815980B41}"/>
+                <a16:creationId xmlns:a16="http://schemas.microsoft.com/office/drawing/2014/main" xmlns="" id="{1974BBB1-6705-4CF4-8263-93E815980B41}"/>
               </a:ext>
             </a:extLst>
           </p:cNvPr>
@@ -25469,7 +27054,7 @@
           <p:cNvPr id="29" name="Đường nối Thẳng 28">
             <a:extLst>
               <a:ext uri="{FF2B5EF4-FFF2-40B4-BE49-F238E27FC236}">
-                <a16:creationId xmlns:a16="http://schemas.microsoft.com/office/drawing/2014/main" id="{275C563C-B881-4655-B82E-4CE0080BE152}"/>
+                <a16:creationId xmlns:a16="http://schemas.microsoft.com/office/drawing/2014/main" xmlns="" id="{275C563C-B881-4655-B82E-4CE0080BE152}"/>
               </a:ext>
             </a:extLst>
           </p:cNvPr>
@@ -25512,18 +27097,25 @@
   <p:clrMapOvr>
     <a:masterClrMapping/>
   </p:clrMapOvr>
-  <mc:AlternateContent xmlns:mc="http://schemas.openxmlformats.org/markup-compatibility/2006" xmlns:p159="http://schemas.microsoft.com/office/powerpoint/2015/09/main">
-    <mc:Choice Requires="p159">
+  <mc:AlternateContent xmlns:mc="http://schemas.openxmlformats.org/markup-compatibility/2006">
+    <mc:Choice xmlns:p159="http://schemas.microsoft.com/office/powerpoint/2015/09/main" xmlns="" Requires="p159">
       <p:transition xmlns:p14="http://schemas.microsoft.com/office/powerpoint/2010/main" spd="slow" p14:dur="2000">
         <p159:morph option="byObject"/>
       </p:transition>
     </mc:Choice>
-    <mc:Fallback xmlns="">
+    <mc:Fallback>
       <p:transition spd="slow">
         <p:fade/>
       </p:transition>
     </mc:Fallback>
   </mc:AlternateContent>
+  <p:timing>
+    <p:tnLst>
+      <p:par>
+        <p:cTn id="1" dur="indefinite" restart="never" nodeType="tmRoot"/>
+      </p:par>
+    </p:tnLst>
+  </p:timing>
 </p:sld>
 </file>
 
@@ -25549,7 +27141,7 @@
           <p:cNvPr id="24" name="Mũi tên: Hình ngũ giác 23">
             <a:extLst>
               <a:ext uri="{FF2B5EF4-FFF2-40B4-BE49-F238E27FC236}">
-                <a16:creationId xmlns:a16="http://schemas.microsoft.com/office/drawing/2014/main" id="{7C79E3C6-C80C-4D62-9BBD-5FCE91C17D7E}"/>
+                <a16:creationId xmlns:a16="http://schemas.microsoft.com/office/drawing/2014/main" xmlns="" id="{7C79E3C6-C80C-4D62-9BBD-5FCE91C17D7E}"/>
               </a:ext>
             </a:extLst>
           </p:cNvPr>
@@ -25593,7 +27185,7 @@
           <p:cNvPr id="23" name="Mũi tên: Hình ngũ giác 22">
             <a:extLst>
               <a:ext uri="{FF2B5EF4-FFF2-40B4-BE49-F238E27FC236}">
-                <a16:creationId xmlns:a16="http://schemas.microsoft.com/office/drawing/2014/main" id="{923AEBBD-D180-49DD-9D0C-DD3F7C0110EC}"/>
+                <a16:creationId xmlns:a16="http://schemas.microsoft.com/office/drawing/2014/main" xmlns="" id="{923AEBBD-D180-49DD-9D0C-DD3F7C0110EC}"/>
               </a:ext>
             </a:extLst>
           </p:cNvPr>
@@ -25637,7 +27229,7 @@
           <p:cNvPr id="4" name="Hình chữ nhật 3">
             <a:extLst>
               <a:ext uri="{FF2B5EF4-FFF2-40B4-BE49-F238E27FC236}">
-                <a16:creationId xmlns:a16="http://schemas.microsoft.com/office/drawing/2014/main" id="{C41056F5-6A80-400E-ACB4-FE6C05639353}"/>
+                <a16:creationId xmlns:a16="http://schemas.microsoft.com/office/drawing/2014/main" xmlns="" id="{C41056F5-6A80-400E-ACB4-FE6C05639353}"/>
               </a:ext>
             </a:extLst>
           </p:cNvPr>
@@ -25684,7 +27276,7 @@
           <p:cNvPr id="10" name="Đường nối Thẳng 9">
             <a:extLst>
               <a:ext uri="{FF2B5EF4-FFF2-40B4-BE49-F238E27FC236}">
-                <a16:creationId xmlns:a16="http://schemas.microsoft.com/office/drawing/2014/main" id="{1CC67377-AD20-4F9F-A243-564ED323C4FD}"/>
+                <a16:creationId xmlns:a16="http://schemas.microsoft.com/office/drawing/2014/main" xmlns="" id="{1CC67377-AD20-4F9F-A243-564ED323C4FD}"/>
               </a:ext>
             </a:extLst>
           </p:cNvPr>
@@ -25730,7 +27322,7 @@
           <p:cNvPr id="3" name="Nhóm 2">
             <a:extLst>
               <a:ext uri="{FF2B5EF4-FFF2-40B4-BE49-F238E27FC236}">
-                <a16:creationId xmlns:a16="http://schemas.microsoft.com/office/drawing/2014/main" id="{E66B0AA1-CE43-49F9-BE5A-C7968918A1BA}"/>
+                <a16:creationId xmlns:a16="http://schemas.microsoft.com/office/drawing/2014/main" xmlns="" id="{E66B0AA1-CE43-49F9-BE5A-C7968918A1BA}"/>
               </a:ext>
             </a:extLst>
           </p:cNvPr>
@@ -25750,7 +27342,7 @@
             <p:cNvPr id="15" name="Hộp Văn bản 14">
               <a:extLst>
                 <a:ext uri="{FF2B5EF4-FFF2-40B4-BE49-F238E27FC236}">
-                  <a16:creationId xmlns:a16="http://schemas.microsoft.com/office/drawing/2014/main" id="{BA691013-DE46-4E60-9236-87B5E17C2A0F}"/>
+                  <a16:creationId xmlns:a16="http://schemas.microsoft.com/office/drawing/2014/main" xmlns="" id="{BA691013-DE46-4E60-9236-87B5E17C2A0F}"/>
                 </a:ext>
               </a:extLst>
             </p:cNvPr>
@@ -25785,7 +27377,7 @@
             <p:cNvPr id="21" name="Đường nối Thẳng 20">
               <a:extLst>
                 <a:ext uri="{FF2B5EF4-FFF2-40B4-BE49-F238E27FC236}">
-                  <a16:creationId xmlns:a16="http://schemas.microsoft.com/office/drawing/2014/main" id="{9A56A38A-FE98-4014-83D6-ED49740E3880}"/>
+                  <a16:creationId xmlns:a16="http://schemas.microsoft.com/office/drawing/2014/main" xmlns="" id="{9A56A38A-FE98-4014-83D6-ED49740E3880}"/>
                 </a:ext>
               </a:extLst>
             </p:cNvPr>
@@ -25826,7 +27418,7 @@
             <p:cNvPr id="26" name="Hộp Văn bản 25">
               <a:extLst>
                 <a:ext uri="{FF2B5EF4-FFF2-40B4-BE49-F238E27FC236}">
-                  <a16:creationId xmlns:a16="http://schemas.microsoft.com/office/drawing/2014/main" id="{14C6E636-D1C9-410F-80CE-E84E26834F4A}"/>
+                  <a16:creationId xmlns:a16="http://schemas.microsoft.com/office/drawing/2014/main" xmlns="" id="{14C6E636-D1C9-410F-80CE-E84E26834F4A}"/>
                 </a:ext>
               </a:extLst>
             </p:cNvPr>
@@ -25868,7 +27460,7 @@
           <p:cNvPr id="6" name="Hình bình hành 5">
             <a:extLst>
               <a:ext uri="{FF2B5EF4-FFF2-40B4-BE49-F238E27FC236}">
-                <a16:creationId xmlns:a16="http://schemas.microsoft.com/office/drawing/2014/main" id="{8A3ADAC0-AD1F-4ACA-ABBF-5D1D088687FA}"/>
+                <a16:creationId xmlns:a16="http://schemas.microsoft.com/office/drawing/2014/main" xmlns="" id="{8A3ADAC0-AD1F-4ACA-ABBF-5D1D088687FA}"/>
               </a:ext>
             </a:extLst>
           </p:cNvPr>
@@ -25917,7 +27509,7 @@
           <p:cNvPr id="18" name="Bảng 17">
             <a:extLst>
               <a:ext uri="{FF2B5EF4-FFF2-40B4-BE49-F238E27FC236}">
-                <a16:creationId xmlns:a16="http://schemas.microsoft.com/office/drawing/2014/main" id="{FD65EACB-6B88-4297-8940-1C9348AA6267}"/>
+                <a16:creationId xmlns:a16="http://schemas.microsoft.com/office/drawing/2014/main" xmlns="" id="{FD65EACB-6B88-4297-8940-1C9348AA6267}"/>
               </a:ext>
             </a:extLst>
           </p:cNvPr>
@@ -25946,21 +27538,21 @@
                 <a:gridCol w="1160925">
                   <a:extLst>
                     <a:ext uri="{9D8B030D-6E8A-4147-A177-3AD203B41FA5}">
-                      <a16:colId xmlns:a16="http://schemas.microsoft.com/office/drawing/2014/main" val="1448250544"/>
+                      <a16:colId xmlns:a16="http://schemas.microsoft.com/office/drawing/2014/main" xmlns="" val="1448250544"/>
                     </a:ext>
                   </a:extLst>
                 </a:gridCol>
                 <a:gridCol w="1135137">
                   <a:extLst>
                     <a:ext uri="{9D8B030D-6E8A-4147-A177-3AD203B41FA5}">
-                      <a16:colId xmlns:a16="http://schemas.microsoft.com/office/drawing/2014/main" val="3615095231"/>
+                      <a16:colId xmlns:a16="http://schemas.microsoft.com/office/drawing/2014/main" xmlns="" val="3615095231"/>
                     </a:ext>
                   </a:extLst>
                 </a:gridCol>
                 <a:gridCol w="996347">
                   <a:extLst>
                     <a:ext uri="{9D8B030D-6E8A-4147-A177-3AD203B41FA5}">
-                      <a16:colId xmlns:a16="http://schemas.microsoft.com/office/drawing/2014/main" val="3308213280"/>
+                      <a16:colId xmlns:a16="http://schemas.microsoft.com/office/drawing/2014/main" xmlns="" val="3308213280"/>
                     </a:ext>
                   </a:extLst>
                 </a:gridCol>
@@ -26007,7 +27599,7 @@
                 </a:tc>
                 <a:extLst>
                   <a:ext uri="{0D108BD9-81ED-4DB2-BD59-A6C34878D82A}">
-                    <a16:rowId xmlns:a16="http://schemas.microsoft.com/office/drawing/2014/main" val="402681592"/>
+                    <a16:rowId xmlns:a16="http://schemas.microsoft.com/office/drawing/2014/main" xmlns="" val="402681592"/>
                   </a:ext>
                 </a:extLst>
               </a:tr>
@@ -26050,7 +27642,7 @@
                 </a:tc>
                 <a:extLst>
                   <a:ext uri="{0D108BD9-81ED-4DB2-BD59-A6C34878D82A}">
-                    <a16:rowId xmlns:a16="http://schemas.microsoft.com/office/drawing/2014/main" val="3192357402"/>
+                    <a16:rowId xmlns:a16="http://schemas.microsoft.com/office/drawing/2014/main" xmlns="" val="3192357402"/>
                   </a:ext>
                 </a:extLst>
               </a:tr>
@@ -26063,7 +27655,7 @@
           <p:cNvPr id="22" name="Mũi tên: Hình ngũ giác 21">
             <a:extLst>
               <a:ext uri="{FF2B5EF4-FFF2-40B4-BE49-F238E27FC236}">
-                <a16:creationId xmlns:a16="http://schemas.microsoft.com/office/drawing/2014/main" id="{747919C4-9B71-44B7-8DE0-6AB57C748142}"/>
+                <a16:creationId xmlns:a16="http://schemas.microsoft.com/office/drawing/2014/main" xmlns="" id="{747919C4-9B71-44B7-8DE0-6AB57C748142}"/>
               </a:ext>
             </a:extLst>
           </p:cNvPr>
@@ -26110,7 +27702,7 @@
           <p:cNvPr id="17" name="Mũi tên: Hình ngũ giác 16">
             <a:extLst>
               <a:ext uri="{FF2B5EF4-FFF2-40B4-BE49-F238E27FC236}">
-                <a16:creationId xmlns:a16="http://schemas.microsoft.com/office/drawing/2014/main" id="{7C4D5564-8983-4385-AE8D-6703A86F54E8}"/>
+                <a16:creationId xmlns:a16="http://schemas.microsoft.com/office/drawing/2014/main" xmlns="" id="{7C4D5564-8983-4385-AE8D-6703A86F54E8}"/>
               </a:ext>
             </a:extLst>
           </p:cNvPr>
@@ -26154,7 +27746,7 @@
           <p:cNvPr id="16" name="Mũi tên: Hình ngũ giác 15">
             <a:extLst>
               <a:ext uri="{FF2B5EF4-FFF2-40B4-BE49-F238E27FC236}">
-                <a16:creationId xmlns:a16="http://schemas.microsoft.com/office/drawing/2014/main" id="{6A8E7221-E5BF-40B3-B5B9-E7CFD2C5A911}"/>
+                <a16:creationId xmlns:a16="http://schemas.microsoft.com/office/drawing/2014/main" xmlns="" id="{6A8E7221-E5BF-40B3-B5B9-E7CFD2C5A911}"/>
               </a:ext>
             </a:extLst>
           </p:cNvPr>
@@ -26198,7 +27790,7 @@
           <p:cNvPr id="14" name="Mũi tên: Hình ngũ giác 13">
             <a:extLst>
               <a:ext uri="{FF2B5EF4-FFF2-40B4-BE49-F238E27FC236}">
-                <a16:creationId xmlns:a16="http://schemas.microsoft.com/office/drawing/2014/main" id="{F32AC502-C918-46E0-8D09-EF61A04E391D}"/>
+                <a16:creationId xmlns:a16="http://schemas.microsoft.com/office/drawing/2014/main" xmlns="" id="{F32AC502-C918-46E0-8D09-EF61A04E391D}"/>
               </a:ext>
             </a:extLst>
           </p:cNvPr>
@@ -26245,7 +27837,7 @@
           <p:cNvPr id="11" name="Mũi tên: Hình ngũ giác 10">
             <a:extLst>
               <a:ext uri="{FF2B5EF4-FFF2-40B4-BE49-F238E27FC236}">
-                <a16:creationId xmlns:a16="http://schemas.microsoft.com/office/drawing/2014/main" id="{A95A7135-9472-4CB0-BC40-027BE60CF103}"/>
+                <a16:creationId xmlns:a16="http://schemas.microsoft.com/office/drawing/2014/main" xmlns="" id="{A95A7135-9472-4CB0-BC40-027BE60CF103}"/>
               </a:ext>
             </a:extLst>
           </p:cNvPr>
@@ -26292,7 +27884,7 @@
           <p:cNvPr id="2" name="Mũi tên: Hình ngũ giác 1">
             <a:extLst>
               <a:ext uri="{FF2B5EF4-FFF2-40B4-BE49-F238E27FC236}">
-                <a16:creationId xmlns:a16="http://schemas.microsoft.com/office/drawing/2014/main" id="{C53A05E5-4598-4F37-8B4E-3216C09EB9C5}"/>
+                <a16:creationId xmlns:a16="http://schemas.microsoft.com/office/drawing/2014/main" xmlns="" id="{C53A05E5-4598-4F37-8B4E-3216C09EB9C5}"/>
               </a:ext>
             </a:extLst>
           </p:cNvPr>
@@ -26336,7 +27928,7 @@
           <p:cNvPr id="5" name="Bảng 4">
             <a:extLst>
               <a:ext uri="{FF2B5EF4-FFF2-40B4-BE49-F238E27FC236}">
-                <a16:creationId xmlns:a16="http://schemas.microsoft.com/office/drawing/2014/main" id="{9D6CF968-D505-4870-B942-6EBF31F77BC6}"/>
+                <a16:creationId xmlns:a16="http://schemas.microsoft.com/office/drawing/2014/main" xmlns="" id="{9D6CF968-D505-4870-B942-6EBF31F77BC6}"/>
               </a:ext>
             </a:extLst>
           </p:cNvPr>
@@ -26365,21 +27957,21 @@
                 <a:gridCol w="1181352">
                   <a:extLst>
                     <a:ext uri="{9D8B030D-6E8A-4147-A177-3AD203B41FA5}">
-                      <a16:colId xmlns:a16="http://schemas.microsoft.com/office/drawing/2014/main" val="1448250544"/>
+                      <a16:colId xmlns:a16="http://schemas.microsoft.com/office/drawing/2014/main" xmlns="" val="1448250544"/>
                     </a:ext>
                   </a:extLst>
                 </a:gridCol>
                 <a:gridCol w="1147311">
                   <a:extLst>
                     <a:ext uri="{9D8B030D-6E8A-4147-A177-3AD203B41FA5}">
-                      <a16:colId xmlns:a16="http://schemas.microsoft.com/office/drawing/2014/main" val="3308213280"/>
+                      <a16:colId xmlns:a16="http://schemas.microsoft.com/office/drawing/2014/main" xmlns="" val="3308213280"/>
                     </a:ext>
                   </a:extLst>
                 </a:gridCol>
                 <a:gridCol w="989299">
                   <a:extLst>
                     <a:ext uri="{9D8B030D-6E8A-4147-A177-3AD203B41FA5}">
-                      <a16:colId xmlns:a16="http://schemas.microsoft.com/office/drawing/2014/main" val="1354127782"/>
+                      <a16:colId xmlns:a16="http://schemas.microsoft.com/office/drawing/2014/main" xmlns="" val="1354127782"/>
                     </a:ext>
                   </a:extLst>
                 </a:gridCol>
@@ -26426,7 +28018,7 @@
                 </a:tc>
                 <a:extLst>
                   <a:ext uri="{0D108BD9-81ED-4DB2-BD59-A6C34878D82A}">
-                    <a16:rowId xmlns:a16="http://schemas.microsoft.com/office/drawing/2014/main" val="402681592"/>
+                    <a16:rowId xmlns:a16="http://schemas.microsoft.com/office/drawing/2014/main" xmlns="" val="402681592"/>
                   </a:ext>
                 </a:extLst>
               </a:tr>
@@ -26469,7 +28061,7 @@
                 </a:tc>
                 <a:extLst>
                   <a:ext uri="{0D108BD9-81ED-4DB2-BD59-A6C34878D82A}">
-                    <a16:rowId xmlns:a16="http://schemas.microsoft.com/office/drawing/2014/main" val="3192357402"/>
+                    <a16:rowId xmlns:a16="http://schemas.microsoft.com/office/drawing/2014/main" xmlns="" val="3192357402"/>
                   </a:ext>
                 </a:extLst>
               </a:tr>
@@ -26530,7 +28122,7 @@
                 </a:tc>
                 <a:extLst>
                   <a:ext uri="{0D108BD9-81ED-4DB2-BD59-A6C34878D82A}">
-                    <a16:rowId xmlns:a16="http://schemas.microsoft.com/office/drawing/2014/main" val="3112311325"/>
+                    <a16:rowId xmlns:a16="http://schemas.microsoft.com/office/drawing/2014/main" xmlns="" val="3112311325"/>
                   </a:ext>
                 </a:extLst>
               </a:tr>
@@ -26543,7 +28135,7 @@
           <p:cNvPr id="13" name="Bảng 12">
             <a:extLst>
               <a:ext uri="{FF2B5EF4-FFF2-40B4-BE49-F238E27FC236}">
-                <a16:creationId xmlns:a16="http://schemas.microsoft.com/office/drawing/2014/main" id="{1362A201-BE03-40DA-A835-023AADC48922}"/>
+                <a16:creationId xmlns:a16="http://schemas.microsoft.com/office/drawing/2014/main" xmlns="" id="{1362A201-BE03-40DA-A835-023AADC48922}"/>
               </a:ext>
             </a:extLst>
           </p:cNvPr>
@@ -26572,21 +28164,21 @@
                 <a:gridCol w="1204725">
                   <a:extLst>
                     <a:ext uri="{9D8B030D-6E8A-4147-A177-3AD203B41FA5}">
-                      <a16:colId xmlns:a16="http://schemas.microsoft.com/office/drawing/2014/main" val="1448250544"/>
+                      <a16:colId xmlns:a16="http://schemas.microsoft.com/office/drawing/2014/main" xmlns="" val="1448250544"/>
                     </a:ext>
                   </a:extLst>
                 </a:gridCol>
                 <a:gridCol w="1118824">
                   <a:extLst>
                     <a:ext uri="{9D8B030D-6E8A-4147-A177-3AD203B41FA5}">
-                      <a16:colId xmlns:a16="http://schemas.microsoft.com/office/drawing/2014/main" val="3308213280"/>
+                      <a16:colId xmlns:a16="http://schemas.microsoft.com/office/drawing/2014/main" xmlns="" val="3308213280"/>
                     </a:ext>
                   </a:extLst>
                 </a:gridCol>
                 <a:gridCol w="1039286">
                   <a:extLst>
                     <a:ext uri="{9D8B030D-6E8A-4147-A177-3AD203B41FA5}">
-                      <a16:colId xmlns:a16="http://schemas.microsoft.com/office/drawing/2014/main" val="730793253"/>
+                      <a16:colId xmlns:a16="http://schemas.microsoft.com/office/drawing/2014/main" xmlns="" val="730793253"/>
                     </a:ext>
                   </a:extLst>
                 </a:gridCol>
@@ -26633,7 +28225,7 @@
                 </a:tc>
                 <a:extLst>
                   <a:ext uri="{0D108BD9-81ED-4DB2-BD59-A6C34878D82A}">
-                    <a16:rowId xmlns:a16="http://schemas.microsoft.com/office/drawing/2014/main" val="402681592"/>
+                    <a16:rowId xmlns:a16="http://schemas.microsoft.com/office/drawing/2014/main" xmlns="" val="402681592"/>
                   </a:ext>
                 </a:extLst>
               </a:tr>
@@ -26676,7 +28268,7 @@
                 </a:tc>
                 <a:extLst>
                   <a:ext uri="{0D108BD9-81ED-4DB2-BD59-A6C34878D82A}">
-                    <a16:rowId xmlns:a16="http://schemas.microsoft.com/office/drawing/2014/main" val="3192357402"/>
+                    <a16:rowId xmlns:a16="http://schemas.microsoft.com/office/drawing/2014/main" xmlns="" val="3192357402"/>
                   </a:ext>
                 </a:extLst>
               </a:tr>
@@ -26740,7 +28332,7 @@
                 </a:tc>
                 <a:extLst>
                   <a:ext uri="{0D108BD9-81ED-4DB2-BD59-A6C34878D82A}">
-                    <a16:rowId xmlns:a16="http://schemas.microsoft.com/office/drawing/2014/main" val="3112311325"/>
+                    <a16:rowId xmlns:a16="http://schemas.microsoft.com/office/drawing/2014/main" xmlns="" val="3112311325"/>
                   </a:ext>
                 </a:extLst>
               </a:tr>
@@ -26791,7 +28383,7 @@
                 </a:tc>
                 <a:extLst>
                   <a:ext uri="{0D108BD9-81ED-4DB2-BD59-A6C34878D82A}">
-                    <a16:rowId xmlns:a16="http://schemas.microsoft.com/office/drawing/2014/main" val="342584965"/>
+                    <a16:rowId xmlns:a16="http://schemas.microsoft.com/office/drawing/2014/main" xmlns="" val="342584965"/>
                   </a:ext>
                 </a:extLst>
               </a:tr>
@@ -26809,13 +28401,13 @@
   <p:clrMapOvr>
     <a:masterClrMapping/>
   </p:clrMapOvr>
-  <mc:AlternateContent xmlns:mc="http://schemas.openxmlformats.org/markup-compatibility/2006" xmlns:p159="http://schemas.microsoft.com/office/powerpoint/2015/09/main">
-    <mc:Choice Requires="p159">
+  <mc:AlternateContent xmlns:mc="http://schemas.openxmlformats.org/markup-compatibility/2006">
+    <mc:Choice xmlns:p159="http://schemas.microsoft.com/office/powerpoint/2015/09/main" xmlns="" Requires="p159">
       <p:transition xmlns:p14="http://schemas.microsoft.com/office/powerpoint/2010/main" spd="slow" p14:dur="2000">
         <p159:morph option="byObject"/>
       </p:transition>
     </mc:Choice>
-    <mc:Fallback xmlns="">
+    <mc:Fallback>
       <p:transition spd="slow">
         <p:fade/>
       </p:transition>
@@ -27677,7 +29269,7 @@
           <p:cNvPr id="4" name="Hình chữ nhật 3">
             <a:extLst>
               <a:ext uri="{FF2B5EF4-FFF2-40B4-BE49-F238E27FC236}">
-                <a16:creationId xmlns:a16="http://schemas.microsoft.com/office/drawing/2014/main" id="{C41056F5-6A80-400E-ACB4-FE6C05639353}"/>
+                <a16:creationId xmlns:a16="http://schemas.microsoft.com/office/drawing/2014/main" xmlns="" id="{C41056F5-6A80-400E-ACB4-FE6C05639353}"/>
               </a:ext>
             </a:extLst>
           </p:cNvPr>
@@ -27721,7 +29313,7 @@
           <p:cNvPr id="10" name="Đường nối Thẳng 9">
             <a:extLst>
               <a:ext uri="{FF2B5EF4-FFF2-40B4-BE49-F238E27FC236}">
-                <a16:creationId xmlns:a16="http://schemas.microsoft.com/office/drawing/2014/main" id="{1CC67377-AD20-4F9F-A243-564ED323C4FD}"/>
+                <a16:creationId xmlns:a16="http://schemas.microsoft.com/office/drawing/2014/main" xmlns="" id="{1CC67377-AD20-4F9F-A243-564ED323C4FD}"/>
               </a:ext>
             </a:extLst>
           </p:cNvPr>
@@ -27767,7 +29359,7 @@
           <p:cNvPr id="3" name="Nhóm 2">
             <a:extLst>
               <a:ext uri="{FF2B5EF4-FFF2-40B4-BE49-F238E27FC236}">
-                <a16:creationId xmlns:a16="http://schemas.microsoft.com/office/drawing/2014/main" id="{E66B0AA1-CE43-49F9-BE5A-C7968918A1BA}"/>
+                <a16:creationId xmlns:a16="http://schemas.microsoft.com/office/drawing/2014/main" xmlns="" id="{E66B0AA1-CE43-49F9-BE5A-C7968918A1BA}"/>
               </a:ext>
             </a:extLst>
           </p:cNvPr>
@@ -27787,7 +29379,7 @@
             <p:cNvPr id="15" name="Hộp Văn bản 14">
               <a:extLst>
                 <a:ext uri="{FF2B5EF4-FFF2-40B4-BE49-F238E27FC236}">
-                  <a16:creationId xmlns:a16="http://schemas.microsoft.com/office/drawing/2014/main" id="{BA691013-DE46-4E60-9236-87B5E17C2A0F}"/>
+                  <a16:creationId xmlns:a16="http://schemas.microsoft.com/office/drawing/2014/main" xmlns="" id="{BA691013-DE46-4E60-9236-87B5E17C2A0F}"/>
                 </a:ext>
               </a:extLst>
             </p:cNvPr>
@@ -27822,7 +29414,7 @@
             <p:cNvPr id="21" name="Đường nối Thẳng 20">
               <a:extLst>
                 <a:ext uri="{FF2B5EF4-FFF2-40B4-BE49-F238E27FC236}">
-                  <a16:creationId xmlns:a16="http://schemas.microsoft.com/office/drawing/2014/main" id="{9A56A38A-FE98-4014-83D6-ED49740E3880}"/>
+                  <a16:creationId xmlns:a16="http://schemas.microsoft.com/office/drawing/2014/main" xmlns="" id="{9A56A38A-FE98-4014-83D6-ED49740E3880}"/>
                 </a:ext>
               </a:extLst>
             </p:cNvPr>
@@ -27863,7 +29455,7 @@
             <p:cNvPr id="26" name="Hộp Văn bản 25">
               <a:extLst>
                 <a:ext uri="{FF2B5EF4-FFF2-40B4-BE49-F238E27FC236}">
-                  <a16:creationId xmlns:a16="http://schemas.microsoft.com/office/drawing/2014/main" id="{14C6E636-D1C9-410F-80CE-E84E26834F4A}"/>
+                  <a16:creationId xmlns:a16="http://schemas.microsoft.com/office/drawing/2014/main" xmlns="" id="{14C6E636-D1C9-410F-80CE-E84E26834F4A}"/>
                 </a:ext>
               </a:extLst>
             </p:cNvPr>
@@ -27905,7 +29497,7 @@
           <p:cNvPr id="6" name="Hình bình hành 5">
             <a:extLst>
               <a:ext uri="{FF2B5EF4-FFF2-40B4-BE49-F238E27FC236}">
-                <a16:creationId xmlns:a16="http://schemas.microsoft.com/office/drawing/2014/main" id="{8A3ADAC0-AD1F-4ACA-ABBF-5D1D088687FA}"/>
+                <a16:creationId xmlns:a16="http://schemas.microsoft.com/office/drawing/2014/main" xmlns="" id="{8A3ADAC0-AD1F-4ACA-ABBF-5D1D088687FA}"/>
               </a:ext>
             </a:extLst>
           </p:cNvPr>
@@ -27954,7 +29546,7 @@
           <p:cNvPr id="9" name="Hình ảnh 8">
             <a:extLst>
               <a:ext uri="{FF2B5EF4-FFF2-40B4-BE49-F238E27FC236}">
-                <a16:creationId xmlns:a16="http://schemas.microsoft.com/office/drawing/2014/main" id="{5C8C79CF-6002-45B2-92B1-99F3693409F2}"/>
+                <a16:creationId xmlns:a16="http://schemas.microsoft.com/office/drawing/2014/main" xmlns="" id="{5C8C79CF-6002-45B2-92B1-99F3693409F2}"/>
               </a:ext>
             </a:extLst>
           </p:cNvPr>
@@ -27990,7 +29582,7 @@
           <p:cNvPr id="25" name="Group 1">
             <a:extLst>
               <a:ext uri="{FF2B5EF4-FFF2-40B4-BE49-F238E27FC236}">
-                <a16:creationId xmlns:a16="http://schemas.microsoft.com/office/drawing/2014/main" id="{6B80C0AA-BAD8-4F31-8BB3-ECE3785E2C68}"/>
+                <a16:creationId xmlns:a16="http://schemas.microsoft.com/office/drawing/2014/main" xmlns="" id="{6B80C0AA-BAD8-4F31-8BB3-ECE3785E2C68}"/>
               </a:ext>
             </a:extLst>
           </p:cNvPr>
@@ -28010,7 +29602,7 @@
             <p:cNvPr id="27" name="Oval 2">
               <a:extLst>
                 <a:ext uri="{FF2B5EF4-FFF2-40B4-BE49-F238E27FC236}">
-                  <a16:creationId xmlns:a16="http://schemas.microsoft.com/office/drawing/2014/main" id="{755268CE-19A9-4FB2-863B-C16CE56830E8}"/>
+                  <a16:creationId xmlns:a16="http://schemas.microsoft.com/office/drawing/2014/main" xmlns="" id="{755268CE-19A9-4FB2-863B-C16CE56830E8}"/>
                 </a:ext>
               </a:extLst>
             </p:cNvPr>
@@ -28062,7 +29654,7 @@
             <p:cNvPr id="28" name="Picture 3">
               <a:extLst>
                 <a:ext uri="{FF2B5EF4-FFF2-40B4-BE49-F238E27FC236}">
-                  <a16:creationId xmlns:a16="http://schemas.microsoft.com/office/drawing/2014/main" id="{BE7783E4-5E10-4AAE-B930-E33BFE47637F}"/>
+                  <a16:creationId xmlns:a16="http://schemas.microsoft.com/office/drawing/2014/main" xmlns="" id="{BE7783E4-5E10-4AAE-B930-E33BFE47637F}"/>
                 </a:ext>
               </a:extLst>
             </p:cNvPr>
@@ -28072,7 +29664,7 @@
             <p:nvPr/>
           </p:nvPicPr>
           <p:blipFill>
-            <a:blip r:embed="rId3">
+            <a:blip r:embed="rId3" cstate="print">
               <a:extLst>
                 <a:ext uri="{28A0092B-C50C-407E-A947-70E740481C1C}">
                   <a14:useLocalDpi xmlns:a14="http://schemas.microsoft.com/office/drawing/2010/main" val="0"/>
@@ -28098,7 +29690,7 @@
             <p:cNvPr id="29" name="TextBox 4">
               <a:extLst>
                 <a:ext uri="{FF2B5EF4-FFF2-40B4-BE49-F238E27FC236}">
-                  <a16:creationId xmlns:a16="http://schemas.microsoft.com/office/drawing/2014/main" id="{E5816598-E913-4954-B338-70DE363FE719}"/>
+                  <a16:creationId xmlns:a16="http://schemas.microsoft.com/office/drawing/2014/main" xmlns="" id="{E5816598-E913-4954-B338-70DE363FE719}"/>
                 </a:ext>
               </a:extLst>
             </p:cNvPr>
@@ -28134,7 +29726,7 @@
           <p:cNvPr id="31" name="Group 6">
             <a:extLst>
               <a:ext uri="{FF2B5EF4-FFF2-40B4-BE49-F238E27FC236}">
-                <a16:creationId xmlns:a16="http://schemas.microsoft.com/office/drawing/2014/main" id="{4FF4B3B3-C002-447A-A799-7C814426210E}"/>
+                <a16:creationId xmlns:a16="http://schemas.microsoft.com/office/drawing/2014/main" xmlns="" id="{4FF4B3B3-C002-447A-A799-7C814426210E}"/>
               </a:ext>
             </a:extLst>
           </p:cNvPr>
@@ -28154,7 +29746,7 @@
             <p:cNvPr id="32" name="Oval 7">
               <a:extLst>
                 <a:ext uri="{FF2B5EF4-FFF2-40B4-BE49-F238E27FC236}">
-                  <a16:creationId xmlns:a16="http://schemas.microsoft.com/office/drawing/2014/main" id="{50AC36A6-962F-4D66-9CF7-4DD60C55061C}"/>
+                  <a16:creationId xmlns:a16="http://schemas.microsoft.com/office/drawing/2014/main" xmlns="" id="{50AC36A6-962F-4D66-9CF7-4DD60C55061C}"/>
                 </a:ext>
               </a:extLst>
             </p:cNvPr>
@@ -28206,7 +29798,7 @@
             <p:cNvPr id="33" name="TextBox 8">
               <a:extLst>
                 <a:ext uri="{FF2B5EF4-FFF2-40B4-BE49-F238E27FC236}">
-                  <a16:creationId xmlns:a16="http://schemas.microsoft.com/office/drawing/2014/main" id="{94F660DD-80E5-4F4D-B2B5-E93037D09A90}"/>
+                  <a16:creationId xmlns:a16="http://schemas.microsoft.com/office/drawing/2014/main" xmlns="" id="{94F660DD-80E5-4F4D-B2B5-E93037D09A90}"/>
                 </a:ext>
               </a:extLst>
             </p:cNvPr>
@@ -28241,7 +29833,7 @@
             <p:cNvPr id="35" name="Picture 10">
               <a:extLst>
                 <a:ext uri="{FF2B5EF4-FFF2-40B4-BE49-F238E27FC236}">
-                  <a16:creationId xmlns:a16="http://schemas.microsoft.com/office/drawing/2014/main" id="{E3F5899A-4CEA-4F00-BBB4-DDE0DDE76A32}"/>
+                  <a16:creationId xmlns:a16="http://schemas.microsoft.com/office/drawing/2014/main" xmlns="" id="{E3F5899A-4CEA-4F00-BBB4-DDE0DDE76A32}"/>
                 </a:ext>
               </a:extLst>
             </p:cNvPr>
@@ -28251,7 +29843,7 @@
             <p:nvPr/>
           </p:nvPicPr>
           <p:blipFill>
-            <a:blip r:embed="rId4">
+            <a:blip r:embed="rId4" cstate="print">
               <a:extLst>
                 <a:ext uri="{28A0092B-C50C-407E-A947-70E740481C1C}">
                   <a14:useLocalDpi xmlns:a14="http://schemas.microsoft.com/office/drawing/2010/main" val="0"/>
@@ -28278,7 +29870,7 @@
           <p:cNvPr id="36" name="Group 11">
             <a:extLst>
               <a:ext uri="{FF2B5EF4-FFF2-40B4-BE49-F238E27FC236}">
-                <a16:creationId xmlns:a16="http://schemas.microsoft.com/office/drawing/2014/main" id="{A1216637-F9BF-4416-AAEB-C9C579531818}"/>
+                <a16:creationId xmlns:a16="http://schemas.microsoft.com/office/drawing/2014/main" xmlns="" id="{A1216637-F9BF-4416-AAEB-C9C579531818}"/>
               </a:ext>
             </a:extLst>
           </p:cNvPr>
@@ -28298,7 +29890,7 @@
             <p:cNvPr id="37" name="Oval 12">
               <a:extLst>
                 <a:ext uri="{FF2B5EF4-FFF2-40B4-BE49-F238E27FC236}">
-                  <a16:creationId xmlns:a16="http://schemas.microsoft.com/office/drawing/2014/main" id="{DE336085-324B-46ED-BFCF-B214888AD2A8}"/>
+                  <a16:creationId xmlns:a16="http://schemas.microsoft.com/office/drawing/2014/main" xmlns="" id="{DE336085-324B-46ED-BFCF-B214888AD2A8}"/>
                 </a:ext>
               </a:extLst>
             </p:cNvPr>
@@ -28350,7 +29942,7 @@
             <p:cNvPr id="38" name="TextBox 13">
               <a:extLst>
                 <a:ext uri="{FF2B5EF4-FFF2-40B4-BE49-F238E27FC236}">
-                  <a16:creationId xmlns:a16="http://schemas.microsoft.com/office/drawing/2014/main" id="{7F0CDEF3-2714-464B-AF9A-FE194F49D0DE}"/>
+                  <a16:creationId xmlns:a16="http://schemas.microsoft.com/office/drawing/2014/main" xmlns="" id="{7F0CDEF3-2714-464B-AF9A-FE194F49D0DE}"/>
                 </a:ext>
               </a:extLst>
             </p:cNvPr>
@@ -28385,7 +29977,7 @@
             <p:cNvPr id="40" name="Picture 15">
               <a:extLst>
                 <a:ext uri="{FF2B5EF4-FFF2-40B4-BE49-F238E27FC236}">
-                  <a16:creationId xmlns:a16="http://schemas.microsoft.com/office/drawing/2014/main" id="{F497AA47-0659-49AF-8D39-B2F47FF28E42}"/>
+                  <a16:creationId xmlns:a16="http://schemas.microsoft.com/office/drawing/2014/main" xmlns="" id="{F497AA47-0659-49AF-8D39-B2F47FF28E42}"/>
                 </a:ext>
               </a:extLst>
             </p:cNvPr>
@@ -28395,7 +29987,7 @@
             <p:nvPr/>
           </p:nvPicPr>
           <p:blipFill>
-            <a:blip r:embed="rId5">
+            <a:blip r:embed="rId5" cstate="print">
               <a:extLst>
                 <a:ext uri="{28A0092B-C50C-407E-A947-70E740481C1C}">
                   <a14:useLocalDpi xmlns:a14="http://schemas.microsoft.com/office/drawing/2010/main" val="0"/>
@@ -28427,13 +30019,13 @@
   <p:clrMapOvr>
     <a:masterClrMapping/>
   </p:clrMapOvr>
-  <mc:AlternateContent xmlns:mc="http://schemas.openxmlformats.org/markup-compatibility/2006" xmlns:p159="http://schemas.microsoft.com/office/powerpoint/2015/09/main">
-    <mc:Choice Requires="p159">
+  <mc:AlternateContent xmlns:mc="http://schemas.openxmlformats.org/markup-compatibility/2006">
+    <mc:Choice xmlns:p159="http://schemas.microsoft.com/office/powerpoint/2015/09/main" xmlns="" Requires="p159">
       <p:transition xmlns:p14="http://schemas.microsoft.com/office/powerpoint/2010/main" spd="slow" p14:dur="2000">
         <p159:morph option="byObject"/>
       </p:transition>
     </mc:Choice>
-    <mc:Fallback xmlns="">
+    <mc:Fallback>
       <p:transition spd="slow">
         <p:fade/>
       </p:transition>
@@ -28941,7 +30533,7 @@
           <p:cNvPr id="4" name="Hình chữ nhật 3">
             <a:extLst>
               <a:ext uri="{FF2B5EF4-FFF2-40B4-BE49-F238E27FC236}">
-                <a16:creationId xmlns:a16="http://schemas.microsoft.com/office/drawing/2014/main" id="{C41056F5-6A80-400E-ACB4-FE6C05639353}"/>
+                <a16:creationId xmlns:a16="http://schemas.microsoft.com/office/drawing/2014/main" xmlns="" id="{C41056F5-6A80-400E-ACB4-FE6C05639353}"/>
               </a:ext>
             </a:extLst>
           </p:cNvPr>
@@ -28985,7 +30577,7 @@
           <p:cNvPr id="7" name="Hình chữ nhật 6">
             <a:extLst>
               <a:ext uri="{FF2B5EF4-FFF2-40B4-BE49-F238E27FC236}">
-                <a16:creationId xmlns:a16="http://schemas.microsoft.com/office/drawing/2014/main" id="{6B63B457-E835-4C88-BD14-B9F2BD57A12B}"/>
+                <a16:creationId xmlns:a16="http://schemas.microsoft.com/office/drawing/2014/main" xmlns="" id="{6B63B457-E835-4C88-BD14-B9F2BD57A12B}"/>
               </a:ext>
             </a:extLst>
           </p:cNvPr>
@@ -29037,7 +30629,7 @@
           <p:cNvPr id="8" name="Hình Bầu dục 7">
             <a:extLst>
               <a:ext uri="{FF2B5EF4-FFF2-40B4-BE49-F238E27FC236}">
-                <a16:creationId xmlns:a16="http://schemas.microsoft.com/office/drawing/2014/main" id="{460BE0EA-EBF1-4E93-B72F-7CE3622A41C7}"/>
+                <a16:creationId xmlns:a16="http://schemas.microsoft.com/office/drawing/2014/main" xmlns="" id="{460BE0EA-EBF1-4E93-B72F-7CE3622A41C7}"/>
               </a:ext>
             </a:extLst>
           </p:cNvPr>
@@ -29089,7 +30681,7 @@
           <p:cNvPr id="10" name="Đường nối Thẳng 9">
             <a:extLst>
               <a:ext uri="{FF2B5EF4-FFF2-40B4-BE49-F238E27FC236}">
-                <a16:creationId xmlns:a16="http://schemas.microsoft.com/office/drawing/2014/main" id="{1CC67377-AD20-4F9F-A243-564ED323C4FD}"/>
+                <a16:creationId xmlns:a16="http://schemas.microsoft.com/office/drawing/2014/main" xmlns="" id="{1CC67377-AD20-4F9F-A243-564ED323C4FD}"/>
               </a:ext>
             </a:extLst>
           </p:cNvPr>
@@ -29133,7 +30725,7 @@
           <p:cNvPr id="12" name="Đường nối Thẳng 11">
             <a:extLst>
               <a:ext uri="{FF2B5EF4-FFF2-40B4-BE49-F238E27FC236}">
-                <a16:creationId xmlns:a16="http://schemas.microsoft.com/office/drawing/2014/main" id="{8BD072BC-CB8C-4DF6-98A6-2A53FE38B952}"/>
+                <a16:creationId xmlns:a16="http://schemas.microsoft.com/office/drawing/2014/main" xmlns="" id="{8BD072BC-CB8C-4DF6-98A6-2A53FE38B952}"/>
               </a:ext>
             </a:extLst>
           </p:cNvPr>
@@ -29177,7 +30769,7 @@
           <p:cNvPr id="13" name="Đường nối Thẳng 12">
             <a:extLst>
               <a:ext uri="{FF2B5EF4-FFF2-40B4-BE49-F238E27FC236}">
-                <a16:creationId xmlns:a16="http://schemas.microsoft.com/office/drawing/2014/main" id="{728F5020-F06A-4276-B83C-F4D2092F8B6A}"/>
+                <a16:creationId xmlns:a16="http://schemas.microsoft.com/office/drawing/2014/main" xmlns="" id="{728F5020-F06A-4276-B83C-F4D2092F8B6A}"/>
               </a:ext>
             </a:extLst>
           </p:cNvPr>
@@ -29221,7 +30813,7 @@
           <p:cNvPr id="14" name="Đường nối Thẳng 13">
             <a:extLst>
               <a:ext uri="{FF2B5EF4-FFF2-40B4-BE49-F238E27FC236}">
-                <a16:creationId xmlns:a16="http://schemas.microsoft.com/office/drawing/2014/main" id="{663F0F54-A890-4627-B202-9A9F217DEB36}"/>
+                <a16:creationId xmlns:a16="http://schemas.microsoft.com/office/drawing/2014/main" xmlns="" id="{663F0F54-A890-4627-B202-9A9F217DEB36}"/>
               </a:ext>
             </a:extLst>
           </p:cNvPr>
@@ -29265,7 +30857,7 @@
           <p:cNvPr id="15" name="Hộp Văn bản 14">
             <a:extLst>
               <a:ext uri="{FF2B5EF4-FFF2-40B4-BE49-F238E27FC236}">
-                <a16:creationId xmlns:a16="http://schemas.microsoft.com/office/drawing/2014/main" id="{BA691013-DE46-4E60-9236-87B5E17C2A0F}"/>
+                <a16:creationId xmlns:a16="http://schemas.microsoft.com/office/drawing/2014/main" xmlns="" id="{BA691013-DE46-4E60-9236-87B5E17C2A0F}"/>
               </a:ext>
             </a:extLst>
           </p:cNvPr>
@@ -29306,7 +30898,7 @@
           <p:cNvPr id="16" name="Hộp Văn bản 15">
             <a:extLst>
               <a:ext uri="{FF2B5EF4-FFF2-40B4-BE49-F238E27FC236}">
-                <a16:creationId xmlns:a16="http://schemas.microsoft.com/office/drawing/2014/main" id="{8ED6B838-BE24-4B5D-8077-035B875D4357}"/>
+                <a16:creationId xmlns:a16="http://schemas.microsoft.com/office/drawing/2014/main" xmlns="" id="{8ED6B838-BE24-4B5D-8077-035B875D4357}"/>
               </a:ext>
             </a:extLst>
           </p:cNvPr>
@@ -29347,7 +30939,7 @@
           <p:cNvPr id="17" name="Hộp Văn bản 16">
             <a:extLst>
               <a:ext uri="{FF2B5EF4-FFF2-40B4-BE49-F238E27FC236}">
-                <a16:creationId xmlns:a16="http://schemas.microsoft.com/office/drawing/2014/main" id="{B6E29067-F268-4796-92E5-ED82161603FF}"/>
+                <a16:creationId xmlns:a16="http://schemas.microsoft.com/office/drawing/2014/main" xmlns="" id="{B6E29067-F268-4796-92E5-ED82161603FF}"/>
               </a:ext>
             </a:extLst>
           </p:cNvPr>
@@ -29388,7 +30980,7 @@
           <p:cNvPr id="18" name="Hộp Văn bản 17">
             <a:extLst>
               <a:ext uri="{FF2B5EF4-FFF2-40B4-BE49-F238E27FC236}">
-                <a16:creationId xmlns:a16="http://schemas.microsoft.com/office/drawing/2014/main" id="{805EC95B-7551-4548-95F4-8B14C2BDEE5C}"/>
+                <a16:creationId xmlns:a16="http://schemas.microsoft.com/office/drawing/2014/main" xmlns="" id="{805EC95B-7551-4548-95F4-8B14C2BDEE5C}"/>
               </a:ext>
             </a:extLst>
           </p:cNvPr>
@@ -29429,7 +31021,7 @@
           <p:cNvPr id="21" name="Đường nối Thẳng 20">
             <a:extLst>
               <a:ext uri="{FF2B5EF4-FFF2-40B4-BE49-F238E27FC236}">
-                <a16:creationId xmlns:a16="http://schemas.microsoft.com/office/drawing/2014/main" id="{9A56A38A-FE98-4014-83D6-ED49740E3880}"/>
+                <a16:creationId xmlns:a16="http://schemas.microsoft.com/office/drawing/2014/main" xmlns="" id="{9A56A38A-FE98-4014-83D6-ED49740E3880}"/>
               </a:ext>
             </a:extLst>
           </p:cNvPr>
@@ -29470,7 +31062,7 @@
           <p:cNvPr id="22" name="Đường nối Thẳng 21">
             <a:extLst>
               <a:ext uri="{FF2B5EF4-FFF2-40B4-BE49-F238E27FC236}">
-                <a16:creationId xmlns:a16="http://schemas.microsoft.com/office/drawing/2014/main" id="{56F1EAC6-ECEF-49C2-BBE3-2DA22DDBF8F5}"/>
+                <a16:creationId xmlns:a16="http://schemas.microsoft.com/office/drawing/2014/main" xmlns="" id="{56F1EAC6-ECEF-49C2-BBE3-2DA22DDBF8F5}"/>
               </a:ext>
             </a:extLst>
           </p:cNvPr>
@@ -29511,7 +31103,7 @@
           <p:cNvPr id="23" name="Đường nối Thẳng 22">
             <a:extLst>
               <a:ext uri="{FF2B5EF4-FFF2-40B4-BE49-F238E27FC236}">
-                <a16:creationId xmlns:a16="http://schemas.microsoft.com/office/drawing/2014/main" id="{0F79A9A0-63B4-4916-A261-D42CEAE21E71}"/>
+                <a16:creationId xmlns:a16="http://schemas.microsoft.com/office/drawing/2014/main" xmlns="" id="{0F79A9A0-63B4-4916-A261-D42CEAE21E71}"/>
               </a:ext>
             </a:extLst>
           </p:cNvPr>
@@ -29552,7 +31144,7 @@
           <p:cNvPr id="24" name="Đường nối Thẳng 23">
             <a:extLst>
               <a:ext uri="{FF2B5EF4-FFF2-40B4-BE49-F238E27FC236}">
-                <a16:creationId xmlns:a16="http://schemas.microsoft.com/office/drawing/2014/main" id="{3B8C4DB3-4907-4D58-96BA-8CA42083C935}"/>
+                <a16:creationId xmlns:a16="http://schemas.microsoft.com/office/drawing/2014/main" xmlns="" id="{3B8C4DB3-4907-4D58-96BA-8CA42083C935}"/>
               </a:ext>
             </a:extLst>
           </p:cNvPr>
@@ -29593,7 +31185,7 @@
           <p:cNvPr id="26" name="Hộp Văn bản 25">
             <a:extLst>
               <a:ext uri="{FF2B5EF4-FFF2-40B4-BE49-F238E27FC236}">
-                <a16:creationId xmlns:a16="http://schemas.microsoft.com/office/drawing/2014/main" id="{14C6E636-D1C9-410F-80CE-E84E26834F4A}"/>
+                <a16:creationId xmlns:a16="http://schemas.microsoft.com/office/drawing/2014/main" xmlns="" id="{14C6E636-D1C9-410F-80CE-E84E26834F4A}"/>
               </a:ext>
             </a:extLst>
           </p:cNvPr>
@@ -29646,7 +31238,7 @@
           <p:cNvPr id="27" name="Hộp Văn bản 26">
             <a:extLst>
               <a:ext uri="{FF2B5EF4-FFF2-40B4-BE49-F238E27FC236}">
-                <a16:creationId xmlns:a16="http://schemas.microsoft.com/office/drawing/2014/main" id="{755D4EC0-045D-4A99-A2F8-0032E85CC2EF}"/>
+                <a16:creationId xmlns:a16="http://schemas.microsoft.com/office/drawing/2014/main" xmlns="" id="{755D4EC0-045D-4A99-A2F8-0032E85CC2EF}"/>
               </a:ext>
             </a:extLst>
           </p:cNvPr>
@@ -29711,7 +31303,7 @@
           <p:cNvPr id="28" name="Hộp Văn bản 27">
             <a:extLst>
               <a:ext uri="{FF2B5EF4-FFF2-40B4-BE49-F238E27FC236}">
-                <a16:creationId xmlns:a16="http://schemas.microsoft.com/office/drawing/2014/main" id="{AB7745EF-0EEA-4E51-BCD6-13AA64B359C2}"/>
+                <a16:creationId xmlns:a16="http://schemas.microsoft.com/office/drawing/2014/main" xmlns="" id="{AB7745EF-0EEA-4E51-BCD6-13AA64B359C2}"/>
               </a:ext>
             </a:extLst>
           </p:cNvPr>
@@ -29752,7 +31344,7 @@
           <p:cNvPr id="29" name="Hộp Văn bản 28">
             <a:extLst>
               <a:ext uri="{FF2B5EF4-FFF2-40B4-BE49-F238E27FC236}">
-                <a16:creationId xmlns:a16="http://schemas.microsoft.com/office/drawing/2014/main" id="{F53AE9FE-E128-478F-9B74-5A9A1DE07F0C}"/>
+                <a16:creationId xmlns:a16="http://schemas.microsoft.com/office/drawing/2014/main" xmlns="" id="{F53AE9FE-E128-478F-9B74-5A9A1DE07F0C}"/>
               </a:ext>
             </a:extLst>
           </p:cNvPr>
@@ -29822,7 +31414,7 @@
           <p:cNvPr id="31" name="Hình Bầu dục 30">
             <a:extLst>
               <a:ext uri="{FF2B5EF4-FFF2-40B4-BE49-F238E27FC236}">
-                <a16:creationId xmlns:a16="http://schemas.microsoft.com/office/drawing/2014/main" id="{0293B810-4CD7-4E71-A4CC-D1D32B002BE0}"/>
+                <a16:creationId xmlns:a16="http://schemas.microsoft.com/office/drawing/2014/main" xmlns="" id="{0293B810-4CD7-4E71-A4CC-D1D32B002BE0}"/>
               </a:ext>
             </a:extLst>
           </p:cNvPr>
@@ -29874,7 +31466,7 @@
           <p:cNvPr id="32" name="Hình Bầu dục 31">
             <a:extLst>
               <a:ext uri="{FF2B5EF4-FFF2-40B4-BE49-F238E27FC236}">
-                <a16:creationId xmlns:a16="http://schemas.microsoft.com/office/drawing/2014/main" id="{292ACCDD-A5B5-4897-B513-24108EA8290B}"/>
+                <a16:creationId xmlns:a16="http://schemas.microsoft.com/office/drawing/2014/main" xmlns="" id="{292ACCDD-A5B5-4897-B513-24108EA8290B}"/>
               </a:ext>
             </a:extLst>
           </p:cNvPr>
@@ -29926,7 +31518,7 @@
           <p:cNvPr id="33" name="Hình Bầu dục 32">
             <a:extLst>
               <a:ext uri="{FF2B5EF4-FFF2-40B4-BE49-F238E27FC236}">
-                <a16:creationId xmlns:a16="http://schemas.microsoft.com/office/drawing/2014/main" id="{B1DD6A92-0EB0-4043-892D-3DD2F564FBD1}"/>
+                <a16:creationId xmlns:a16="http://schemas.microsoft.com/office/drawing/2014/main" xmlns="" id="{B1DD6A92-0EB0-4043-892D-3DD2F564FBD1}"/>
               </a:ext>
             </a:extLst>
           </p:cNvPr>
@@ -29983,6 +31575,13 @@
   <p:clrMapOvr>
     <a:masterClrMapping/>
   </p:clrMapOvr>
+  <p:timing>
+    <p:tnLst>
+      <p:par>
+        <p:cTn id="1" dur="indefinite" restart="never" nodeType="tmRoot"/>
+      </p:par>
+    </p:tnLst>
+  </p:timing>
 </p:sld>
 </file>
 
@@ -30008,7 +31607,7 @@
           <p:cNvPr id="4" name="Hình chữ nhật 3">
             <a:extLst>
               <a:ext uri="{FF2B5EF4-FFF2-40B4-BE49-F238E27FC236}">
-                <a16:creationId xmlns:a16="http://schemas.microsoft.com/office/drawing/2014/main" id="{C41056F5-6A80-400E-ACB4-FE6C05639353}"/>
+                <a16:creationId xmlns:a16="http://schemas.microsoft.com/office/drawing/2014/main" xmlns="" id="{C41056F5-6A80-400E-ACB4-FE6C05639353}"/>
               </a:ext>
             </a:extLst>
           </p:cNvPr>
@@ -30055,7 +31654,7 @@
           <p:cNvPr id="12" name="Đường nối Thẳng 11">
             <a:extLst>
               <a:ext uri="{FF2B5EF4-FFF2-40B4-BE49-F238E27FC236}">
-                <a16:creationId xmlns:a16="http://schemas.microsoft.com/office/drawing/2014/main" id="{8BD072BC-CB8C-4DF6-98A6-2A53FE38B952}"/>
+                <a16:creationId xmlns:a16="http://schemas.microsoft.com/office/drawing/2014/main" xmlns="" id="{8BD072BC-CB8C-4DF6-98A6-2A53FE38B952}"/>
               </a:ext>
             </a:extLst>
           </p:cNvPr>
@@ -30101,7 +31700,7 @@
           <p:cNvPr id="3" name="Nhóm 2">
             <a:extLst>
               <a:ext uri="{FF2B5EF4-FFF2-40B4-BE49-F238E27FC236}">
-                <a16:creationId xmlns:a16="http://schemas.microsoft.com/office/drawing/2014/main" id="{8D7372B7-9946-4E33-8D99-3240B4CEAEFE}"/>
+                <a16:creationId xmlns:a16="http://schemas.microsoft.com/office/drawing/2014/main" xmlns="" id="{8D7372B7-9946-4E33-8D99-3240B4CEAEFE}"/>
               </a:ext>
             </a:extLst>
           </p:cNvPr>
@@ -30121,7 +31720,7 @@
             <p:cNvPr id="16" name="Hộp Văn bản 15">
               <a:extLst>
                 <a:ext uri="{FF2B5EF4-FFF2-40B4-BE49-F238E27FC236}">
-                  <a16:creationId xmlns:a16="http://schemas.microsoft.com/office/drawing/2014/main" id="{8ED6B838-BE24-4B5D-8077-035B875D4357}"/>
+                  <a16:creationId xmlns:a16="http://schemas.microsoft.com/office/drawing/2014/main" xmlns="" id="{8ED6B838-BE24-4B5D-8077-035B875D4357}"/>
                 </a:ext>
               </a:extLst>
             </p:cNvPr>
@@ -30156,7 +31755,7 @@
             <p:cNvPr id="22" name="Đường nối Thẳng 21">
               <a:extLst>
                 <a:ext uri="{FF2B5EF4-FFF2-40B4-BE49-F238E27FC236}">
-                  <a16:creationId xmlns:a16="http://schemas.microsoft.com/office/drawing/2014/main" id="{56F1EAC6-ECEF-49C2-BBE3-2DA22DDBF8F5}"/>
+                  <a16:creationId xmlns:a16="http://schemas.microsoft.com/office/drawing/2014/main" xmlns="" id="{56F1EAC6-ECEF-49C2-BBE3-2DA22DDBF8F5}"/>
                 </a:ext>
               </a:extLst>
             </p:cNvPr>
@@ -30197,7 +31796,7 @@
             <p:cNvPr id="27" name="Hộp Văn bản 26">
               <a:extLst>
                 <a:ext uri="{FF2B5EF4-FFF2-40B4-BE49-F238E27FC236}">
-                  <a16:creationId xmlns:a16="http://schemas.microsoft.com/office/drawing/2014/main" id="{755D4EC0-045D-4A99-A2F8-0032E85CC2EF}"/>
+                  <a16:creationId xmlns:a16="http://schemas.microsoft.com/office/drawing/2014/main" xmlns="" id="{755D4EC0-045D-4A99-A2F8-0032E85CC2EF}"/>
                 </a:ext>
               </a:extLst>
             </p:cNvPr>
@@ -30245,7 +31844,7 @@
           <p:cNvPr id="30" name="Hình bình hành 29">
             <a:extLst>
               <a:ext uri="{FF2B5EF4-FFF2-40B4-BE49-F238E27FC236}">
-                <a16:creationId xmlns:a16="http://schemas.microsoft.com/office/drawing/2014/main" id="{96CFA1A4-2907-4415-8A45-5FC8D82275E4}"/>
+                <a16:creationId xmlns:a16="http://schemas.microsoft.com/office/drawing/2014/main" xmlns="" id="{96CFA1A4-2907-4415-8A45-5FC8D82275E4}"/>
               </a:ext>
             </a:extLst>
           </p:cNvPr>
@@ -30294,7 +31893,7 @@
           <p:cNvPr id="11" name="Lưu đồ: Điểm Kết Thúc 10">
             <a:extLst>
               <a:ext uri="{FF2B5EF4-FFF2-40B4-BE49-F238E27FC236}">
-                <a16:creationId xmlns:a16="http://schemas.microsoft.com/office/drawing/2014/main" id="{EFF7C061-4564-45F5-97EB-0B1A9699FC8C}"/>
+                <a16:creationId xmlns:a16="http://schemas.microsoft.com/office/drawing/2014/main" xmlns="" id="{EFF7C061-4564-45F5-97EB-0B1A9699FC8C}"/>
               </a:ext>
             </a:extLst>
           </p:cNvPr>
@@ -30341,7 +31940,7 @@
           <p:cNvPr id="20" name="Hình chữ nhật 19">
             <a:extLst>
               <a:ext uri="{FF2B5EF4-FFF2-40B4-BE49-F238E27FC236}">
-                <a16:creationId xmlns:a16="http://schemas.microsoft.com/office/drawing/2014/main" id="{50D3EFBB-401E-4BB2-8053-68A596927B38}"/>
+                <a16:creationId xmlns:a16="http://schemas.microsoft.com/office/drawing/2014/main" xmlns="" id="{50D3EFBB-401E-4BB2-8053-68A596927B38}"/>
               </a:ext>
             </a:extLst>
           </p:cNvPr>
@@ -30388,7 +31987,7 @@
           <p:cNvPr id="25" name="Hình thoi 24">
             <a:extLst>
               <a:ext uri="{FF2B5EF4-FFF2-40B4-BE49-F238E27FC236}">
-                <a16:creationId xmlns:a16="http://schemas.microsoft.com/office/drawing/2014/main" id="{C95836A9-09DE-4621-9073-4EB7A654D07F}"/>
+                <a16:creationId xmlns:a16="http://schemas.microsoft.com/office/drawing/2014/main" xmlns="" id="{C95836A9-09DE-4621-9073-4EB7A654D07F}"/>
               </a:ext>
             </a:extLst>
           </p:cNvPr>
@@ -30435,7 +32034,7 @@
           <p:cNvPr id="34" name="Hình thoi 33">
             <a:extLst>
               <a:ext uri="{FF2B5EF4-FFF2-40B4-BE49-F238E27FC236}">
-                <a16:creationId xmlns:a16="http://schemas.microsoft.com/office/drawing/2014/main" id="{8D955240-10E4-4572-BAAC-789A03C6EE19}"/>
+                <a16:creationId xmlns:a16="http://schemas.microsoft.com/office/drawing/2014/main" xmlns="" id="{8D955240-10E4-4572-BAAC-789A03C6EE19}"/>
               </a:ext>
             </a:extLst>
           </p:cNvPr>
@@ -30482,7 +32081,7 @@
           <p:cNvPr id="35" name="Hình chữ nhật 34">
             <a:extLst>
               <a:ext uri="{FF2B5EF4-FFF2-40B4-BE49-F238E27FC236}">
-                <a16:creationId xmlns:a16="http://schemas.microsoft.com/office/drawing/2014/main" id="{12C2B3F1-4159-457A-A2B6-74570BBDEC60}"/>
+                <a16:creationId xmlns:a16="http://schemas.microsoft.com/office/drawing/2014/main" xmlns="" id="{12C2B3F1-4159-457A-A2B6-74570BBDEC60}"/>
               </a:ext>
             </a:extLst>
           </p:cNvPr>
@@ -30529,7 +32128,7 @@
           <p:cNvPr id="36" name="Lưu đồ: Điểm Kết Thúc 35">
             <a:extLst>
               <a:ext uri="{FF2B5EF4-FFF2-40B4-BE49-F238E27FC236}">
-                <a16:creationId xmlns:a16="http://schemas.microsoft.com/office/drawing/2014/main" id="{50890C94-004F-4D6A-B465-340829CB915F}"/>
+                <a16:creationId xmlns:a16="http://schemas.microsoft.com/office/drawing/2014/main" xmlns="" id="{50890C94-004F-4D6A-B465-340829CB915F}"/>
               </a:ext>
             </a:extLst>
           </p:cNvPr>
@@ -30565,9 +32164,10 @@
           <a:p>
             <a:pPr algn="ctr"/>
             <a:r>
-              <a:rPr lang="en-US" dirty="0"/>
-              <a:t>Crash</a:t>
+              <a:rPr lang="en-US" dirty="0" smtClean="0"/>
+              <a:t>While(1)</a:t>
             </a:r>
+            <a:endParaRPr lang="en-US" dirty="0"/>
           </a:p>
         </p:txBody>
       </p:sp>
@@ -30576,7 +32176,7 @@
           <p:cNvPr id="37" name="Hình chữ nhật 36">
             <a:extLst>
               <a:ext uri="{FF2B5EF4-FFF2-40B4-BE49-F238E27FC236}">
-                <a16:creationId xmlns:a16="http://schemas.microsoft.com/office/drawing/2014/main" id="{6ACCA7C3-C3E6-4C35-BD58-08B80243FBD3}"/>
+                <a16:creationId xmlns:a16="http://schemas.microsoft.com/office/drawing/2014/main" xmlns="" id="{6ACCA7C3-C3E6-4C35-BD58-08B80243FBD3}"/>
               </a:ext>
             </a:extLst>
           </p:cNvPr>
@@ -30624,7 +32224,7 @@
           <p:cNvPr id="38" name="Hình chữ nhật 37">
             <a:extLst>
               <a:ext uri="{FF2B5EF4-FFF2-40B4-BE49-F238E27FC236}">
-                <a16:creationId xmlns:a16="http://schemas.microsoft.com/office/drawing/2014/main" id="{2BE081A8-CDD4-45FB-89BB-8ED7AA4FC6CC}"/>
+                <a16:creationId xmlns:a16="http://schemas.microsoft.com/office/drawing/2014/main" xmlns="" id="{2BE081A8-CDD4-45FB-89BB-8ED7AA4FC6CC}"/>
               </a:ext>
             </a:extLst>
           </p:cNvPr>
@@ -30672,7 +32272,7 @@
           <p:cNvPr id="39" name="Hình chữ nhật 38">
             <a:extLst>
               <a:ext uri="{FF2B5EF4-FFF2-40B4-BE49-F238E27FC236}">
-                <a16:creationId xmlns:a16="http://schemas.microsoft.com/office/drawing/2014/main" id="{7BD9663B-84A8-48D9-BE37-D30848F954A0}"/>
+                <a16:creationId xmlns:a16="http://schemas.microsoft.com/office/drawing/2014/main" xmlns="" id="{7BD9663B-84A8-48D9-BE37-D30848F954A0}"/>
               </a:ext>
             </a:extLst>
           </p:cNvPr>
@@ -30720,7 +32320,7 @@
           <p:cNvPr id="13" name="Đường nối Thẳng 12">
             <a:extLst>
               <a:ext uri="{FF2B5EF4-FFF2-40B4-BE49-F238E27FC236}">
-                <a16:creationId xmlns:a16="http://schemas.microsoft.com/office/drawing/2014/main" id="{C13559CF-5A6C-4B50-944A-49BCE699CDEC}"/>
+                <a16:creationId xmlns:a16="http://schemas.microsoft.com/office/drawing/2014/main" xmlns="" id="{C13559CF-5A6C-4B50-944A-49BCE699CDEC}"/>
               </a:ext>
             </a:extLst>
           </p:cNvPr>
@@ -30756,7 +32356,7 @@
           <p:cNvPr id="15" name="Đường nối Thẳng 14">
             <a:extLst>
               <a:ext uri="{FF2B5EF4-FFF2-40B4-BE49-F238E27FC236}">
-                <a16:creationId xmlns:a16="http://schemas.microsoft.com/office/drawing/2014/main" id="{2EF52367-7325-454F-B528-21B3FE327AD6}"/>
+                <a16:creationId xmlns:a16="http://schemas.microsoft.com/office/drawing/2014/main" xmlns="" id="{2EF52367-7325-454F-B528-21B3FE327AD6}"/>
               </a:ext>
             </a:extLst>
           </p:cNvPr>
@@ -30792,7 +32392,7 @@
           <p:cNvPr id="18" name="Đường nối Thẳng 17">
             <a:extLst>
               <a:ext uri="{FF2B5EF4-FFF2-40B4-BE49-F238E27FC236}">
-                <a16:creationId xmlns:a16="http://schemas.microsoft.com/office/drawing/2014/main" id="{F5A9F65F-38E8-49EE-B139-08160CE60024}"/>
+                <a16:creationId xmlns:a16="http://schemas.microsoft.com/office/drawing/2014/main" xmlns="" id="{F5A9F65F-38E8-49EE-B139-08160CE60024}"/>
               </a:ext>
             </a:extLst>
           </p:cNvPr>
@@ -30828,7 +32428,7 @@
           <p:cNvPr id="21" name="Đường nối Thẳng 20">
             <a:extLst>
               <a:ext uri="{FF2B5EF4-FFF2-40B4-BE49-F238E27FC236}">
-                <a16:creationId xmlns:a16="http://schemas.microsoft.com/office/drawing/2014/main" id="{428EAC33-6ECA-475C-95EE-F0F2083FEE4E}"/>
+                <a16:creationId xmlns:a16="http://schemas.microsoft.com/office/drawing/2014/main" xmlns="" id="{428EAC33-6ECA-475C-95EE-F0F2083FEE4E}"/>
               </a:ext>
             </a:extLst>
           </p:cNvPr>
@@ -30867,7 +32467,7 @@
           <p:cNvPr id="31" name="Đường kết nối Mũi tên Thẳng 30">
             <a:extLst>
               <a:ext uri="{FF2B5EF4-FFF2-40B4-BE49-F238E27FC236}">
-                <a16:creationId xmlns:a16="http://schemas.microsoft.com/office/drawing/2014/main" id="{ABBD82AC-DE0D-4883-88A6-5F03268226C2}"/>
+                <a16:creationId xmlns:a16="http://schemas.microsoft.com/office/drawing/2014/main" xmlns="" id="{ABBD82AC-DE0D-4883-88A6-5F03268226C2}"/>
               </a:ext>
             </a:extLst>
           </p:cNvPr>
@@ -30909,7 +32509,7 @@
           <p:cNvPr id="33" name="Đường kết nối Mũi tên Thẳng 32">
             <a:extLst>
               <a:ext uri="{FF2B5EF4-FFF2-40B4-BE49-F238E27FC236}">
-                <a16:creationId xmlns:a16="http://schemas.microsoft.com/office/drawing/2014/main" id="{3A3947BB-7F3C-4792-9C0D-C1B6CB18902F}"/>
+                <a16:creationId xmlns:a16="http://schemas.microsoft.com/office/drawing/2014/main" xmlns="" id="{3A3947BB-7F3C-4792-9C0D-C1B6CB18902F}"/>
               </a:ext>
             </a:extLst>
           </p:cNvPr>
@@ -30951,7 +32551,7 @@
           <p:cNvPr id="41" name="Đường kết nối Mũi tên Thẳng 40">
             <a:extLst>
               <a:ext uri="{FF2B5EF4-FFF2-40B4-BE49-F238E27FC236}">
-                <a16:creationId xmlns:a16="http://schemas.microsoft.com/office/drawing/2014/main" id="{A06C9C50-BC46-47EB-9CA0-8592DA71483A}"/>
+                <a16:creationId xmlns:a16="http://schemas.microsoft.com/office/drawing/2014/main" xmlns="" id="{A06C9C50-BC46-47EB-9CA0-8592DA71483A}"/>
               </a:ext>
             </a:extLst>
           </p:cNvPr>
@@ -30994,7 +32594,7 @@
           <p:cNvPr id="44" name="Đường kết nối Mũi tên Thẳng 43">
             <a:extLst>
               <a:ext uri="{FF2B5EF4-FFF2-40B4-BE49-F238E27FC236}">
-                <a16:creationId xmlns:a16="http://schemas.microsoft.com/office/drawing/2014/main" id="{E9398C46-B1BB-474C-A21F-24195DC3C61B}"/>
+                <a16:creationId xmlns:a16="http://schemas.microsoft.com/office/drawing/2014/main" xmlns="" id="{E9398C46-B1BB-474C-A21F-24195DC3C61B}"/>
               </a:ext>
             </a:extLst>
           </p:cNvPr>
@@ -31035,7 +32635,7 @@
           <p:cNvPr id="46" name="Đường kết nối Mũi tên Thẳng 45">
             <a:extLst>
               <a:ext uri="{FF2B5EF4-FFF2-40B4-BE49-F238E27FC236}">
-                <a16:creationId xmlns:a16="http://schemas.microsoft.com/office/drawing/2014/main" id="{7EFA4A69-CC10-48F0-BD75-9CBCE06809CC}"/>
+                <a16:creationId xmlns:a16="http://schemas.microsoft.com/office/drawing/2014/main" xmlns="" id="{7EFA4A69-CC10-48F0-BD75-9CBCE06809CC}"/>
               </a:ext>
             </a:extLst>
           </p:cNvPr>
@@ -31076,7 +32676,7 @@
           <p:cNvPr id="47" name="Hộp Văn bản 46">
             <a:extLst>
               <a:ext uri="{FF2B5EF4-FFF2-40B4-BE49-F238E27FC236}">
-                <a16:creationId xmlns:a16="http://schemas.microsoft.com/office/drawing/2014/main" id="{E4112618-9432-4549-8D93-33D0A658B9B2}"/>
+                <a16:creationId xmlns:a16="http://schemas.microsoft.com/office/drawing/2014/main" xmlns="" id="{E4112618-9432-4549-8D93-33D0A658B9B2}"/>
               </a:ext>
             </a:extLst>
           </p:cNvPr>
@@ -31111,7 +32711,7 @@
           <p:cNvPr id="48" name="Hộp Văn bản 47">
             <a:extLst>
               <a:ext uri="{FF2B5EF4-FFF2-40B4-BE49-F238E27FC236}">
-                <a16:creationId xmlns:a16="http://schemas.microsoft.com/office/drawing/2014/main" id="{62421081-9A1E-451A-A6C7-9F550CA607E3}"/>
+                <a16:creationId xmlns:a16="http://schemas.microsoft.com/office/drawing/2014/main" xmlns="" id="{62421081-9A1E-451A-A6C7-9F550CA607E3}"/>
               </a:ext>
             </a:extLst>
           </p:cNvPr>
@@ -31146,7 +32746,7 @@
           <p:cNvPr id="49" name="Hộp Văn bản 48">
             <a:extLst>
               <a:ext uri="{FF2B5EF4-FFF2-40B4-BE49-F238E27FC236}">
-                <a16:creationId xmlns:a16="http://schemas.microsoft.com/office/drawing/2014/main" id="{0F1DB748-C633-4FB3-9E05-4448337F0BC8}"/>
+                <a16:creationId xmlns:a16="http://schemas.microsoft.com/office/drawing/2014/main" xmlns="" id="{0F1DB748-C633-4FB3-9E05-4448337F0BC8}"/>
               </a:ext>
             </a:extLst>
           </p:cNvPr>
@@ -31181,7 +32781,7 @@
           <p:cNvPr id="51" name="Đường kết nối Mũi tên Thẳng 50">
             <a:extLst>
               <a:ext uri="{FF2B5EF4-FFF2-40B4-BE49-F238E27FC236}">
-                <a16:creationId xmlns:a16="http://schemas.microsoft.com/office/drawing/2014/main" id="{1E864E77-D6E7-4256-8423-4ED1ADAB74DC}"/>
+                <a16:creationId xmlns:a16="http://schemas.microsoft.com/office/drawing/2014/main" xmlns="" id="{1E864E77-D6E7-4256-8423-4ED1ADAB74DC}"/>
               </a:ext>
             </a:extLst>
           </p:cNvPr>
@@ -31223,7 +32823,7 @@
           <p:cNvPr id="53" name="Hình ảnh 52">
             <a:extLst>
               <a:ext uri="{FF2B5EF4-FFF2-40B4-BE49-F238E27FC236}">
-                <a16:creationId xmlns:a16="http://schemas.microsoft.com/office/drawing/2014/main" id="{9EC12679-59A4-4940-B400-0CBB97C68045}"/>
+                <a16:creationId xmlns:a16="http://schemas.microsoft.com/office/drawing/2014/main" xmlns="" id="{9EC12679-59A4-4940-B400-0CBB97C68045}"/>
               </a:ext>
             </a:extLst>
           </p:cNvPr>
@@ -31258,6 +32858,13 @@
   <p:clrMapOvr>
     <a:masterClrMapping/>
   </p:clrMapOvr>
+  <p:timing>
+    <p:tnLst>
+      <p:par>
+        <p:cTn id="1" dur="indefinite" restart="never" nodeType="tmRoot"/>
+      </p:par>
+    </p:tnLst>
+  </p:timing>
 </p:sld>
 </file>
 
